--- a/Project/1차발표/2DGP1차발표.pptx
+++ b/Project/1차발표/2DGP1차발표.pptx
@@ -145,3124 +145,9 @@
 <file path=ppt/revisionInfo.xml><?xml version="1.0" encoding="utf-8"?>
 <p1510:revInfo xmlns:a="http://schemas.openxmlformats.org/drawingml/2006/main" xmlns:r="http://schemas.openxmlformats.org/officeDocument/2006/relationships" xmlns:p1510="http://schemas.microsoft.com/office/powerpoint/2015/10/main">
   <p1510:revLst>
-    <p1510:client id="{08B50BAA-12EA-418B-A5CA-543369E8AA22}" v="9791" dt="2018-09-26T09:42:08.489"/>
-    <p1510:client id="{30EB5C21-B2C8-46DF-8B4C-275489B064C1}" v="7101" dt="2018-09-25T17:43:06.026"/>
+    <p1510:client id="{08B50BAA-12EA-418B-A5CA-543369E8AA22}" v="9924" dt="2018-09-27T01:35:47.931"/>
   </p1510:revLst>
 </p1510:revInfo>
-</file>
-
-<file path=ppt/changesInfos/changesInfo1.xml><?xml version="1.0" encoding="utf-8"?>
-<pc:chgInfo xmlns:a="http://schemas.openxmlformats.org/drawingml/2006/main" xmlns:r="http://schemas.openxmlformats.org/officeDocument/2006/relationships" xmlns:ac="http://schemas.microsoft.com/office/drawing/2013/main/command" xmlns:pc="http://schemas.microsoft.com/office/powerpoint/2013/main/command">
-  <pc:docChgLst>
-    <pc:chgData name="김 지영" userId="6a163bdcc1d28b62" providerId="LiveId" clId="{30EB5C21-B2C8-46DF-8B4C-275489B064C1}"/>
-    <pc:docChg chg="undo custSel addSld delSld modSld delSection">
-      <pc:chgData name="김 지영" userId="6a163bdcc1d28b62" providerId="LiveId" clId="{30EB5C21-B2C8-46DF-8B4C-275489B064C1}" dt="2018-09-25T17:43:06.026" v="7097" actId="1036"/>
-      <pc:docMkLst>
-        <pc:docMk/>
-      </pc:docMkLst>
-      <pc:sldChg chg="addSp delSp modSp">
-        <pc:chgData name="김 지영" userId="6a163bdcc1d28b62" providerId="LiveId" clId="{30EB5C21-B2C8-46DF-8B4C-275489B064C1}" dt="2018-09-25T13:52:41.005" v="189" actId="478"/>
-        <pc:sldMkLst>
-          <pc:docMk/>
-          <pc:sldMk cId="1784608836" sldId="256"/>
-        </pc:sldMkLst>
-        <pc:spChg chg="mod">
-          <ac:chgData name="김 지영" userId="6a163bdcc1d28b62" providerId="LiveId" clId="{30EB5C21-B2C8-46DF-8B4C-275489B064C1}" dt="2018-09-25T13:27:40.584" v="1" actId="2711"/>
-          <ac:spMkLst>
-            <pc:docMk/>
-            <pc:sldMk cId="1784608836" sldId="256"/>
-            <ac:spMk id="2" creationId="{ED938150-7C02-4651-BC63-79451682DCEA}"/>
-          </ac:spMkLst>
-        </pc:spChg>
-        <pc:spChg chg="add del mod">
-          <ac:chgData name="김 지영" userId="6a163bdcc1d28b62" providerId="LiveId" clId="{30EB5C21-B2C8-46DF-8B4C-275489B064C1}" dt="2018-09-25T13:52:41.005" v="189" actId="478"/>
-          <ac:spMkLst>
-            <pc:docMk/>
-            <pc:sldMk cId="1784608836" sldId="256"/>
-            <ac:spMk id="4" creationId="{21B6FEF3-12CC-4DFE-9DE8-D3CF11C79767}"/>
-          </ac:spMkLst>
-        </pc:spChg>
-      </pc:sldChg>
-      <pc:sldChg chg="addSp delSp modSp">
-        <pc:chgData name="김 지영" userId="6a163bdcc1d28b62" providerId="LiveId" clId="{30EB5C21-B2C8-46DF-8B4C-275489B064C1}" dt="2018-09-25T17:36:13.402" v="6516" actId="1076"/>
-        <pc:sldMkLst>
-          <pc:docMk/>
-          <pc:sldMk cId="851119314" sldId="258"/>
-        </pc:sldMkLst>
-        <pc:spChg chg="mod">
-          <ac:chgData name="김 지영" userId="6a163bdcc1d28b62" providerId="LiveId" clId="{30EB5C21-B2C8-46DF-8B4C-275489B064C1}" dt="2018-09-25T17:36:00.762" v="6514" actId="1076"/>
-          <ac:spMkLst>
-            <pc:docMk/>
-            <pc:sldMk cId="851119314" sldId="258"/>
-            <ac:spMk id="2" creationId="{EBA39F9C-68A0-4A7C-A7E9-3C9DC93023E0}"/>
-          </ac:spMkLst>
-        </pc:spChg>
-        <pc:spChg chg="add del mod">
-          <ac:chgData name="김 지영" userId="6a163bdcc1d28b62" providerId="LiveId" clId="{30EB5C21-B2C8-46DF-8B4C-275489B064C1}" dt="2018-09-25T13:48:01.971" v="149" actId="478"/>
-          <ac:spMkLst>
-            <pc:docMk/>
-            <pc:sldMk cId="851119314" sldId="258"/>
-            <ac:spMk id="3" creationId="{05FE169B-32FD-4180-AEBA-8153B4F763CE}"/>
-          </ac:spMkLst>
-        </pc:spChg>
-        <pc:spChg chg="add del mod">
-          <ac:chgData name="김 지영" userId="6a163bdcc1d28b62" providerId="LiveId" clId="{30EB5C21-B2C8-46DF-8B4C-275489B064C1}" dt="2018-09-25T13:53:06.211" v="199" actId="478"/>
-          <ac:spMkLst>
-            <pc:docMk/>
-            <pc:sldMk cId="851119314" sldId="258"/>
-            <ac:spMk id="4" creationId="{C540BE7A-29BD-4BE9-A10E-AD0A633F4CC5}"/>
-          </ac:spMkLst>
-        </pc:spChg>
-        <pc:spChg chg="add del mod">
-          <ac:chgData name="김 지영" userId="6a163bdcc1d28b62" providerId="LiveId" clId="{30EB5C21-B2C8-46DF-8B4C-275489B064C1}" dt="2018-09-25T13:48:22.275" v="151" actId="478"/>
-          <ac:spMkLst>
-            <pc:docMk/>
-            <pc:sldMk cId="851119314" sldId="258"/>
-            <ac:spMk id="5" creationId="{23DA6562-A07F-4625-BEEA-4D12C4705A33}"/>
-          </ac:spMkLst>
-        </pc:spChg>
-        <pc:spChg chg="add del mod">
-          <ac:chgData name="김 지영" userId="6a163bdcc1d28b62" providerId="LiveId" clId="{30EB5C21-B2C8-46DF-8B4C-275489B064C1}" dt="2018-09-25T13:53:02.237" v="198" actId="478"/>
-          <ac:spMkLst>
-            <pc:docMk/>
-            <pc:sldMk cId="851119314" sldId="258"/>
-            <ac:spMk id="6" creationId="{BF8F5B2F-6976-4062-B8BC-119E7CB035A4}"/>
-          </ac:spMkLst>
-        </pc:spChg>
-        <pc:spChg chg="add del mod">
-          <ac:chgData name="김 지영" userId="6a163bdcc1d28b62" providerId="LiveId" clId="{30EB5C21-B2C8-46DF-8B4C-275489B064C1}" dt="2018-09-25T17:25:41.362" v="6184" actId="478"/>
-          <ac:spMkLst>
-            <pc:docMk/>
-            <pc:sldMk cId="851119314" sldId="258"/>
-            <ac:spMk id="7" creationId="{42926C08-D9C6-470A-BE5D-948AB9CBB7B1}"/>
-          </ac:spMkLst>
-        </pc:spChg>
-        <pc:spChg chg="add mod">
-          <ac:chgData name="김 지영" userId="6a163bdcc1d28b62" providerId="LiveId" clId="{30EB5C21-B2C8-46DF-8B4C-275489B064C1}" dt="2018-09-25T17:36:04.225" v="6515" actId="164"/>
-          <ac:spMkLst>
-            <pc:docMk/>
-            <pc:sldMk cId="851119314" sldId="258"/>
-            <ac:spMk id="14" creationId="{1E20B05D-B024-465E-843A-2A2E9C270E5A}"/>
-          </ac:spMkLst>
-        </pc:spChg>
-        <pc:spChg chg="add mod">
-          <ac:chgData name="김 지영" userId="6a163bdcc1d28b62" providerId="LiveId" clId="{30EB5C21-B2C8-46DF-8B4C-275489B064C1}" dt="2018-09-25T17:36:04.225" v="6515" actId="164"/>
-          <ac:spMkLst>
-            <pc:docMk/>
-            <pc:sldMk cId="851119314" sldId="258"/>
-            <ac:spMk id="15" creationId="{1BB62F8B-F48C-4C45-8523-93FFEF22609D}"/>
-          </ac:spMkLst>
-        </pc:spChg>
-        <pc:spChg chg="add mod">
-          <ac:chgData name="김 지영" userId="6a163bdcc1d28b62" providerId="LiveId" clId="{30EB5C21-B2C8-46DF-8B4C-275489B064C1}" dt="2018-09-25T17:36:04.225" v="6515" actId="164"/>
-          <ac:spMkLst>
-            <pc:docMk/>
-            <pc:sldMk cId="851119314" sldId="258"/>
-            <ac:spMk id="16" creationId="{518BA980-DC9C-4A21-8D47-ECC2556F0623}"/>
-          </ac:spMkLst>
-        </pc:spChg>
-        <pc:spChg chg="add del mod">
-          <ac:chgData name="김 지영" userId="6a163bdcc1d28b62" providerId="LiveId" clId="{30EB5C21-B2C8-46DF-8B4C-275489B064C1}" dt="2018-09-25T17:27:32.841" v="6319" actId="478"/>
-          <ac:spMkLst>
-            <pc:docMk/>
-            <pc:sldMk cId="851119314" sldId="258"/>
-            <ac:spMk id="17" creationId="{8F09510D-C1B7-43BC-A8F9-F1C916325C51}"/>
-          </ac:spMkLst>
-        </pc:spChg>
-        <pc:spChg chg="add mod">
-          <ac:chgData name="김 지영" userId="6a163bdcc1d28b62" providerId="LiveId" clId="{30EB5C21-B2C8-46DF-8B4C-275489B064C1}" dt="2018-09-25T17:36:04.225" v="6515" actId="164"/>
-          <ac:spMkLst>
-            <pc:docMk/>
-            <pc:sldMk cId="851119314" sldId="258"/>
-            <ac:spMk id="18" creationId="{3C41DB2B-DF02-4A46-B952-C23716DDB49C}"/>
-          </ac:spMkLst>
-        </pc:spChg>
-        <pc:spChg chg="add mod">
-          <ac:chgData name="김 지영" userId="6a163bdcc1d28b62" providerId="LiveId" clId="{30EB5C21-B2C8-46DF-8B4C-275489B064C1}" dt="2018-09-25T17:36:04.225" v="6515" actId="164"/>
-          <ac:spMkLst>
-            <pc:docMk/>
-            <pc:sldMk cId="851119314" sldId="258"/>
-            <ac:spMk id="19" creationId="{F479EF26-5477-4F4F-A598-772DC5EED778}"/>
-          </ac:spMkLst>
-        </pc:spChg>
-        <pc:spChg chg="add del mod">
-          <ac:chgData name="김 지영" userId="6a163bdcc1d28b62" providerId="LiveId" clId="{30EB5C21-B2C8-46DF-8B4C-275489B064C1}" dt="2018-09-25T17:28:47.107" v="6364" actId="11529"/>
-          <ac:spMkLst>
-            <pc:docMk/>
-            <pc:sldMk cId="851119314" sldId="258"/>
-            <ac:spMk id="20" creationId="{F580CF94-E743-495F-BCDD-04B65F3FFC67}"/>
-          </ac:spMkLst>
-        </pc:spChg>
-        <pc:spChg chg="add del mod">
-          <ac:chgData name="김 지영" userId="6a163bdcc1d28b62" providerId="LiveId" clId="{30EB5C21-B2C8-46DF-8B4C-275489B064C1}" dt="2018-09-25T17:35:34.009" v="6506" actId="478"/>
-          <ac:spMkLst>
-            <pc:docMk/>
-            <pc:sldMk cId="851119314" sldId="258"/>
-            <ac:spMk id="21" creationId="{B2FBAF9B-FADE-4873-A91A-DA3C84AC8954}"/>
-          </ac:spMkLst>
-        </pc:spChg>
-        <pc:spChg chg="add del mod">
-          <ac:chgData name="김 지영" userId="6a163bdcc1d28b62" providerId="LiveId" clId="{30EB5C21-B2C8-46DF-8B4C-275489B064C1}" dt="2018-09-25T17:35:36.105" v="6507" actId="478"/>
-          <ac:spMkLst>
-            <pc:docMk/>
-            <pc:sldMk cId="851119314" sldId="258"/>
-            <ac:spMk id="22" creationId="{229A736F-1D18-47A9-8EB4-962FACB9F6EA}"/>
-          </ac:spMkLst>
-        </pc:spChg>
-        <pc:spChg chg="add del mod">
-          <ac:chgData name="김 지영" userId="6a163bdcc1d28b62" providerId="LiveId" clId="{30EB5C21-B2C8-46DF-8B4C-275489B064C1}" dt="2018-09-25T17:35:38.197" v="6508" actId="478"/>
-          <ac:spMkLst>
-            <pc:docMk/>
-            <pc:sldMk cId="851119314" sldId="258"/>
-            <ac:spMk id="23" creationId="{0CDFDA03-6C0D-419B-B3E5-3AEB9173D70D}"/>
-          </ac:spMkLst>
-        </pc:spChg>
-        <pc:spChg chg="add del">
-          <ac:chgData name="김 지영" userId="6a163bdcc1d28b62" providerId="LiveId" clId="{30EB5C21-B2C8-46DF-8B4C-275489B064C1}" dt="2018-09-25T17:29:20.726" v="6374"/>
-          <ac:spMkLst>
-            <pc:docMk/>
-            <pc:sldMk cId="851119314" sldId="258"/>
-            <ac:spMk id="24" creationId="{421C73EB-CDDB-4496-8E7E-5E171D4434A6}"/>
-          </ac:spMkLst>
-        </pc:spChg>
-        <pc:spChg chg="add del mod">
-          <ac:chgData name="김 지영" userId="6a163bdcc1d28b62" providerId="LiveId" clId="{30EB5C21-B2C8-46DF-8B4C-275489B064C1}" dt="2018-09-25T17:35:40.290" v="6509" actId="478"/>
-          <ac:spMkLst>
-            <pc:docMk/>
-            <pc:sldMk cId="851119314" sldId="258"/>
-            <ac:spMk id="25" creationId="{D230D24E-C1A8-42D3-AEFC-65FD7A446817}"/>
-          </ac:spMkLst>
-        </pc:spChg>
-        <pc:spChg chg="add del mod">
-          <ac:chgData name="김 지영" userId="6a163bdcc1d28b62" providerId="LiveId" clId="{30EB5C21-B2C8-46DF-8B4C-275489B064C1}" dt="2018-09-25T17:29:36.514" v="6380" actId="11529"/>
-          <ac:spMkLst>
-            <pc:docMk/>
-            <pc:sldMk cId="851119314" sldId="258"/>
-            <ac:spMk id="26" creationId="{CCC2FA40-F8FF-4C0A-9619-C9C53EA2B257}"/>
-          </ac:spMkLst>
-        </pc:spChg>
-        <pc:spChg chg="add mod">
-          <ac:chgData name="김 지영" userId="6a163bdcc1d28b62" providerId="LiveId" clId="{30EB5C21-B2C8-46DF-8B4C-275489B064C1}" dt="2018-09-25T17:36:04.225" v="6515" actId="164"/>
-          <ac:spMkLst>
-            <pc:docMk/>
-            <pc:sldMk cId="851119314" sldId="258"/>
-            <ac:spMk id="27" creationId="{37925CB7-240E-4D4A-BE9D-F65DE420DDFC}"/>
-          </ac:spMkLst>
-        </pc:spChg>
-        <pc:spChg chg="add mod">
-          <ac:chgData name="김 지영" userId="6a163bdcc1d28b62" providerId="LiveId" clId="{30EB5C21-B2C8-46DF-8B4C-275489B064C1}" dt="2018-09-25T17:36:04.225" v="6515" actId="164"/>
-          <ac:spMkLst>
-            <pc:docMk/>
-            <pc:sldMk cId="851119314" sldId="258"/>
-            <ac:spMk id="28" creationId="{5C80EB3E-203B-4029-B9E6-3992431ABBAC}"/>
-          </ac:spMkLst>
-        </pc:spChg>
-        <pc:spChg chg="add mod">
-          <ac:chgData name="김 지영" userId="6a163bdcc1d28b62" providerId="LiveId" clId="{30EB5C21-B2C8-46DF-8B4C-275489B064C1}" dt="2018-09-25T17:36:04.225" v="6515" actId="164"/>
-          <ac:spMkLst>
-            <pc:docMk/>
-            <pc:sldMk cId="851119314" sldId="258"/>
-            <ac:spMk id="52" creationId="{6AB7405F-4AF9-4C2E-98F2-6DF397299545}"/>
-          </ac:spMkLst>
-        </pc:spChg>
-        <pc:spChg chg="add mod">
-          <ac:chgData name="김 지영" userId="6a163bdcc1d28b62" providerId="LiveId" clId="{30EB5C21-B2C8-46DF-8B4C-275489B064C1}" dt="2018-09-25T17:36:04.225" v="6515" actId="164"/>
-          <ac:spMkLst>
-            <pc:docMk/>
-            <pc:sldMk cId="851119314" sldId="258"/>
-            <ac:spMk id="53" creationId="{6F9BF583-E4CD-478F-831F-B6E322807F78}"/>
-          </ac:spMkLst>
-        </pc:spChg>
-        <pc:spChg chg="add mod">
-          <ac:chgData name="김 지영" userId="6a163bdcc1d28b62" providerId="LiveId" clId="{30EB5C21-B2C8-46DF-8B4C-275489B064C1}" dt="2018-09-25T17:36:04.225" v="6515" actId="164"/>
-          <ac:spMkLst>
-            <pc:docMk/>
-            <pc:sldMk cId="851119314" sldId="258"/>
-            <ac:spMk id="54" creationId="{B5C01354-B1E4-4615-B09E-AD73C9BBF50F}"/>
-          </ac:spMkLst>
-        </pc:spChg>
-        <pc:spChg chg="add mod">
-          <ac:chgData name="김 지영" userId="6a163bdcc1d28b62" providerId="LiveId" clId="{30EB5C21-B2C8-46DF-8B4C-275489B064C1}" dt="2018-09-25T17:36:04.225" v="6515" actId="164"/>
-          <ac:spMkLst>
-            <pc:docMk/>
-            <pc:sldMk cId="851119314" sldId="258"/>
-            <ac:spMk id="55" creationId="{E9D79B82-BB20-4569-8E52-A3EAA109FE92}"/>
-          </ac:spMkLst>
-        </pc:spChg>
-        <pc:spChg chg="add mod">
-          <ac:chgData name="김 지영" userId="6a163bdcc1d28b62" providerId="LiveId" clId="{30EB5C21-B2C8-46DF-8B4C-275489B064C1}" dt="2018-09-25T17:36:04.225" v="6515" actId="164"/>
-          <ac:spMkLst>
-            <pc:docMk/>
-            <pc:sldMk cId="851119314" sldId="258"/>
-            <ac:spMk id="56" creationId="{63CAE2B4-FAC5-463B-942F-6E434E86E8AC}"/>
-          </ac:spMkLst>
-        </pc:spChg>
-        <pc:spChg chg="add mod">
-          <ac:chgData name="김 지영" userId="6a163bdcc1d28b62" providerId="LiveId" clId="{30EB5C21-B2C8-46DF-8B4C-275489B064C1}" dt="2018-09-25T17:36:04.225" v="6515" actId="164"/>
-          <ac:spMkLst>
-            <pc:docMk/>
-            <pc:sldMk cId="851119314" sldId="258"/>
-            <ac:spMk id="57" creationId="{3BFCE54D-1251-443E-B47D-E9B4315A0B28}"/>
-          </ac:spMkLst>
-        </pc:spChg>
-        <pc:grpChg chg="add mod">
-          <ac:chgData name="김 지영" userId="6a163bdcc1d28b62" providerId="LiveId" clId="{30EB5C21-B2C8-46DF-8B4C-275489B064C1}" dt="2018-09-25T17:36:04.225" v="6515" actId="164"/>
-          <ac:grpSpMkLst>
-            <pc:docMk/>
-            <pc:sldMk cId="851119314" sldId="258"/>
-            <ac:grpSpMk id="40" creationId="{D4F41D7E-0A03-4E78-AEC4-A482969408FD}"/>
-          </ac:grpSpMkLst>
-        </pc:grpChg>
-        <pc:grpChg chg="add mod">
-          <ac:chgData name="김 지영" userId="6a163bdcc1d28b62" providerId="LiveId" clId="{30EB5C21-B2C8-46DF-8B4C-275489B064C1}" dt="2018-09-25T17:36:13.402" v="6516" actId="1076"/>
-          <ac:grpSpMkLst>
-            <pc:docMk/>
-            <pc:sldMk cId="851119314" sldId="258"/>
-            <ac:grpSpMk id="58" creationId="{78B5647B-9193-4AF3-9563-8394870EBE8A}"/>
-          </ac:grpSpMkLst>
-        </pc:grpChg>
-        <pc:picChg chg="add del mod">
-          <ac:chgData name="김 지영" userId="6a163bdcc1d28b62" providerId="LiveId" clId="{30EB5C21-B2C8-46DF-8B4C-275489B064C1}" dt="2018-09-25T15:03:42.281" v="1806"/>
-          <ac:picMkLst>
-            <pc:docMk/>
-            <pc:sldMk cId="851119314" sldId="258"/>
-            <ac:picMk id="8" creationId="{0DDF21E4-C3C9-4A6E-B624-EC0634B8C4B5}"/>
-          </ac:picMkLst>
-        </pc:picChg>
-        <pc:picChg chg="add mod">
-          <ac:chgData name="김 지영" userId="6a163bdcc1d28b62" providerId="LiveId" clId="{30EB5C21-B2C8-46DF-8B4C-275489B064C1}" dt="2018-09-25T13:54:35.938" v="241" actId="1037"/>
-          <ac:picMkLst>
-            <pc:docMk/>
-            <pc:sldMk cId="851119314" sldId="258"/>
-            <ac:picMk id="9" creationId="{4B0F2741-3359-4BA5-9169-9709B6DF22A3}"/>
-          </ac:picMkLst>
-        </pc:picChg>
-        <pc:picChg chg="mod">
-          <ac:chgData name="김 지영" userId="6a163bdcc1d28b62" providerId="LiveId" clId="{30EB5C21-B2C8-46DF-8B4C-275489B064C1}" dt="2018-09-25T13:54:35.938" v="241" actId="1037"/>
-          <ac:picMkLst>
-            <pc:docMk/>
-            <pc:sldMk cId="851119314" sldId="258"/>
-            <ac:picMk id="10" creationId="{1558CC2F-5957-4FBE-A429-AB8CB977480C}"/>
-          </ac:picMkLst>
-        </pc:picChg>
-        <pc:picChg chg="add del mod">
-          <ac:chgData name="김 지영" userId="6a163bdcc1d28b62" providerId="LiveId" clId="{30EB5C21-B2C8-46DF-8B4C-275489B064C1}" dt="2018-09-25T17:32:35.811" v="6454" actId="478"/>
-          <ac:picMkLst>
-            <pc:docMk/>
-            <pc:sldMk cId="851119314" sldId="258"/>
-            <ac:picMk id="41" creationId="{3C09E004-8DA7-4D02-9653-2923597746E5}"/>
-          </ac:picMkLst>
-        </pc:picChg>
-        <pc:cxnChg chg="add del mod">
-          <ac:chgData name="김 지영" userId="6a163bdcc1d28b62" providerId="LiveId" clId="{30EB5C21-B2C8-46DF-8B4C-275489B064C1}" dt="2018-09-25T17:30:58.169" v="6442" actId="478"/>
-          <ac:cxnSpMkLst>
-            <pc:docMk/>
-            <pc:sldMk cId="851119314" sldId="258"/>
-            <ac:cxnSpMk id="30" creationId="{D68910CD-B0B8-4DA3-B907-EBC1EB4B9B9A}"/>
-          </ac:cxnSpMkLst>
-        </pc:cxnChg>
-        <pc:cxnChg chg="add mod">
-          <ac:chgData name="김 지영" userId="6a163bdcc1d28b62" providerId="LiveId" clId="{30EB5C21-B2C8-46DF-8B4C-275489B064C1}" dt="2018-09-25T17:35:51.518" v="6511" actId="2085"/>
-          <ac:cxnSpMkLst>
-            <pc:docMk/>
-            <pc:sldMk cId="851119314" sldId="258"/>
-            <ac:cxnSpMk id="37" creationId="{48DC2872-EFAE-4E56-ACE4-C47C1A2B6495}"/>
-          </ac:cxnSpMkLst>
-        </pc:cxnChg>
-        <pc:cxnChg chg="add mod">
-          <ac:chgData name="김 지영" userId="6a163bdcc1d28b62" providerId="LiveId" clId="{30EB5C21-B2C8-46DF-8B4C-275489B064C1}" dt="2018-09-25T17:35:51.518" v="6511" actId="2085"/>
-          <ac:cxnSpMkLst>
-            <pc:docMk/>
-            <pc:sldMk cId="851119314" sldId="258"/>
-            <ac:cxnSpMk id="39" creationId="{F5905BB1-ACF7-468C-8882-4211D34D3920}"/>
-          </ac:cxnSpMkLst>
-        </pc:cxnChg>
-        <pc:cxnChg chg="add mod">
-          <ac:chgData name="김 지영" userId="6a163bdcc1d28b62" providerId="LiveId" clId="{30EB5C21-B2C8-46DF-8B4C-275489B064C1}" dt="2018-09-25T17:36:04.225" v="6515" actId="164"/>
-          <ac:cxnSpMkLst>
-            <pc:docMk/>
-            <pc:sldMk cId="851119314" sldId="258"/>
-            <ac:cxnSpMk id="43" creationId="{2A27744B-8337-47D3-8930-C9F25BDA0E7A}"/>
-          </ac:cxnSpMkLst>
-        </pc:cxnChg>
-        <pc:cxnChg chg="add mod">
-          <ac:chgData name="김 지영" userId="6a163bdcc1d28b62" providerId="LiveId" clId="{30EB5C21-B2C8-46DF-8B4C-275489B064C1}" dt="2018-09-25T17:36:04.225" v="6515" actId="164"/>
-          <ac:cxnSpMkLst>
-            <pc:docMk/>
-            <pc:sldMk cId="851119314" sldId="258"/>
-            <ac:cxnSpMk id="44" creationId="{21A85666-B7FF-48B5-B9C0-8D58CF08701E}"/>
-          </ac:cxnSpMkLst>
-        </pc:cxnChg>
-        <pc:cxnChg chg="add mod">
-          <ac:chgData name="김 지영" userId="6a163bdcc1d28b62" providerId="LiveId" clId="{30EB5C21-B2C8-46DF-8B4C-275489B064C1}" dt="2018-09-25T17:36:04.225" v="6515" actId="164"/>
-          <ac:cxnSpMkLst>
-            <pc:docMk/>
-            <pc:sldMk cId="851119314" sldId="258"/>
-            <ac:cxnSpMk id="45" creationId="{BCA710EF-A602-4BAE-9E45-3134C3F55486}"/>
-          </ac:cxnSpMkLst>
-        </pc:cxnChg>
-        <pc:cxnChg chg="add mod">
-          <ac:chgData name="김 지영" userId="6a163bdcc1d28b62" providerId="LiveId" clId="{30EB5C21-B2C8-46DF-8B4C-275489B064C1}" dt="2018-09-25T17:36:04.225" v="6515" actId="164"/>
-          <ac:cxnSpMkLst>
-            <pc:docMk/>
-            <pc:sldMk cId="851119314" sldId="258"/>
-            <ac:cxnSpMk id="46" creationId="{BB61C6BF-AB75-4B4D-AD8C-6E0B073BBF53}"/>
-          </ac:cxnSpMkLst>
-        </pc:cxnChg>
-        <pc:cxnChg chg="add del mod">
-          <ac:chgData name="김 지영" userId="6a163bdcc1d28b62" providerId="LiveId" clId="{30EB5C21-B2C8-46DF-8B4C-275489B064C1}" dt="2018-09-25T17:33:31.220" v="6469"/>
-          <ac:cxnSpMkLst>
-            <pc:docMk/>
-            <pc:sldMk cId="851119314" sldId="258"/>
-            <ac:cxnSpMk id="49" creationId="{40467AFD-5C37-48B0-8BBD-E7CB70E1B65D}"/>
-          </ac:cxnSpMkLst>
-        </pc:cxnChg>
-        <pc:cxnChg chg="add mod">
-          <ac:chgData name="김 지영" userId="6a163bdcc1d28b62" providerId="LiveId" clId="{30EB5C21-B2C8-46DF-8B4C-275489B064C1}" dt="2018-09-25T17:36:04.225" v="6515" actId="164"/>
-          <ac:cxnSpMkLst>
-            <pc:docMk/>
-            <pc:sldMk cId="851119314" sldId="258"/>
-            <ac:cxnSpMk id="50" creationId="{D139EFB9-55B5-4924-B19E-AC6A475F61B0}"/>
-          </ac:cxnSpMkLst>
-        </pc:cxnChg>
-        <pc:cxnChg chg="add mod">
-          <ac:chgData name="김 지영" userId="6a163bdcc1d28b62" providerId="LiveId" clId="{30EB5C21-B2C8-46DF-8B4C-275489B064C1}" dt="2018-09-25T17:36:04.225" v="6515" actId="164"/>
-          <ac:cxnSpMkLst>
-            <pc:docMk/>
-            <pc:sldMk cId="851119314" sldId="258"/>
-            <ac:cxnSpMk id="51" creationId="{30563F2A-93F7-4FFD-B20E-493FC478ABB1}"/>
-          </ac:cxnSpMkLst>
-        </pc:cxnChg>
-      </pc:sldChg>
-      <pc:sldChg chg="addSp delSp modSp">
-        <pc:chgData name="김 지영" userId="6a163bdcc1d28b62" providerId="LiveId" clId="{30EB5C21-B2C8-46DF-8B4C-275489B064C1}" dt="2018-09-25T17:17:21.272" v="5887" actId="1076"/>
-        <pc:sldMkLst>
-          <pc:docMk/>
-          <pc:sldMk cId="893560541" sldId="265"/>
-        </pc:sldMkLst>
-        <pc:spChg chg="mod">
-          <ac:chgData name="김 지영" userId="6a163bdcc1d28b62" providerId="LiveId" clId="{30EB5C21-B2C8-46DF-8B4C-275489B064C1}" dt="2018-09-25T17:09:12.275" v="5331"/>
-          <ac:spMkLst>
-            <pc:docMk/>
-            <pc:sldMk cId="893560541" sldId="265"/>
-            <ac:spMk id="2" creationId="{EBA39F9C-68A0-4A7C-A7E9-3C9DC93023E0}"/>
-          </ac:spMkLst>
-        </pc:spChg>
-        <pc:spChg chg="add mod">
-          <ac:chgData name="김 지영" userId="6a163bdcc1d28b62" providerId="LiveId" clId="{30EB5C21-B2C8-46DF-8B4C-275489B064C1}" dt="2018-09-25T17:09:15.151" v="5332" actId="1076"/>
-          <ac:spMkLst>
-            <pc:docMk/>
-            <pc:sldMk cId="893560541" sldId="265"/>
-            <ac:spMk id="7" creationId="{CB68593D-8996-4E01-834B-CD397B76E353}"/>
-          </ac:spMkLst>
-        </pc:spChg>
-        <pc:spChg chg="add del mod">
-          <ac:chgData name="김 지영" userId="6a163bdcc1d28b62" providerId="LiveId" clId="{30EB5C21-B2C8-46DF-8B4C-275489B064C1}" dt="2018-09-25T16:35:06.456" v="3478"/>
-          <ac:spMkLst>
-            <pc:docMk/>
-            <pc:sldMk cId="893560541" sldId="265"/>
-            <ac:spMk id="9" creationId="{DEEB51D0-ECC6-4674-8852-F81C576B8BBB}"/>
-          </ac:spMkLst>
-        </pc:spChg>
-        <pc:spChg chg="add mod">
-          <ac:chgData name="김 지영" userId="6a163bdcc1d28b62" providerId="LiveId" clId="{30EB5C21-B2C8-46DF-8B4C-275489B064C1}" dt="2018-09-25T16:47:59.960" v="3902" actId="14100"/>
-          <ac:spMkLst>
-            <pc:docMk/>
-            <pc:sldMk cId="893560541" sldId="265"/>
-            <ac:spMk id="11" creationId="{B5701E7F-66B3-491C-912D-E2A187FE23C5}"/>
-          </ac:spMkLst>
-        </pc:spChg>
-        <pc:spChg chg="add mod">
-          <ac:chgData name="김 지영" userId="6a163bdcc1d28b62" providerId="LiveId" clId="{30EB5C21-B2C8-46DF-8B4C-275489B064C1}" dt="2018-09-25T16:45:18.727" v="3635" actId="207"/>
-          <ac:spMkLst>
-            <pc:docMk/>
-            <pc:sldMk cId="893560541" sldId="265"/>
-            <ac:spMk id="13" creationId="{8190CED6-F317-4294-8C6C-5A6BCD622AB3}"/>
-          </ac:spMkLst>
-        </pc:spChg>
-        <pc:spChg chg="add mod">
-          <ac:chgData name="김 지영" userId="6a163bdcc1d28b62" providerId="LiveId" clId="{30EB5C21-B2C8-46DF-8B4C-275489B064C1}" dt="2018-09-25T17:17:04.311" v="5884" actId="1076"/>
-          <ac:spMkLst>
-            <pc:docMk/>
-            <pc:sldMk cId="893560541" sldId="265"/>
-            <ac:spMk id="14" creationId="{691520E4-10B1-498D-B5C3-B8538311ADD6}"/>
-          </ac:spMkLst>
-        </pc:spChg>
-        <pc:spChg chg="add mod">
-          <ac:chgData name="김 지영" userId="6a163bdcc1d28b62" providerId="LiveId" clId="{30EB5C21-B2C8-46DF-8B4C-275489B064C1}" dt="2018-09-25T17:17:02.293" v="5883" actId="1076"/>
-          <ac:spMkLst>
-            <pc:docMk/>
-            <pc:sldMk cId="893560541" sldId="265"/>
-            <ac:spMk id="15" creationId="{44CDB2FB-3E73-4A7B-B593-A75B0F337B14}"/>
-          </ac:spMkLst>
-        </pc:spChg>
-        <pc:spChg chg="add del mod">
-          <ac:chgData name="김 지영" userId="6a163bdcc1d28b62" providerId="LiveId" clId="{30EB5C21-B2C8-46DF-8B4C-275489B064C1}" dt="2018-09-25T16:46:47.431" v="3722" actId="478"/>
-          <ac:spMkLst>
-            <pc:docMk/>
-            <pc:sldMk cId="893560541" sldId="265"/>
-            <ac:spMk id="16" creationId="{561BBE6E-3D07-473B-AC71-4689BB58C6EB}"/>
-          </ac:spMkLst>
-        </pc:spChg>
-        <pc:spChg chg="add mod">
-          <ac:chgData name="김 지영" userId="6a163bdcc1d28b62" providerId="LiveId" clId="{30EB5C21-B2C8-46DF-8B4C-275489B064C1}" dt="2018-09-25T16:47:17.363" v="3785"/>
-          <ac:spMkLst>
-            <pc:docMk/>
-            <pc:sldMk cId="893560541" sldId="265"/>
-            <ac:spMk id="17" creationId="{2D308B19-AAA6-4658-877F-70FAFB3EA83C}"/>
-          </ac:spMkLst>
-        </pc:spChg>
-        <pc:spChg chg="add mod">
-          <ac:chgData name="김 지영" userId="6a163bdcc1d28b62" providerId="LiveId" clId="{30EB5C21-B2C8-46DF-8B4C-275489B064C1}" dt="2018-09-25T17:17:21.272" v="5887" actId="1076"/>
-          <ac:spMkLst>
-            <pc:docMk/>
-            <pc:sldMk cId="893560541" sldId="265"/>
-            <ac:spMk id="18" creationId="{A66799E2-1CAF-45E3-A604-ECA89B901645}"/>
-          </ac:spMkLst>
-        </pc:spChg>
-        <pc:spChg chg="add mod">
-          <ac:chgData name="김 지영" userId="6a163bdcc1d28b62" providerId="LiveId" clId="{30EB5C21-B2C8-46DF-8B4C-275489B064C1}" dt="2018-09-25T16:52:11.668" v="4128" actId="1076"/>
-          <ac:spMkLst>
-            <pc:docMk/>
-            <pc:sldMk cId="893560541" sldId="265"/>
-            <ac:spMk id="19" creationId="{4BCF7F4B-AEC0-4885-A562-9565B22F425F}"/>
-          </ac:spMkLst>
-        </pc:spChg>
-        <pc:spChg chg="add mod topLvl">
-          <ac:chgData name="김 지영" userId="6a163bdcc1d28b62" providerId="LiveId" clId="{30EB5C21-B2C8-46DF-8B4C-275489B064C1}" dt="2018-09-25T17:15:26.062" v="5866" actId="165"/>
-          <ac:spMkLst>
-            <pc:docMk/>
-            <pc:sldMk cId="893560541" sldId="265"/>
-            <ac:spMk id="22" creationId="{0DAD7674-8BBD-4A54-A851-0001F4A788E1}"/>
-          </ac:spMkLst>
-        </pc:spChg>
-        <pc:spChg chg="add mod">
-          <ac:chgData name="김 지영" userId="6a163bdcc1d28b62" providerId="LiveId" clId="{30EB5C21-B2C8-46DF-8B4C-275489B064C1}" dt="2018-09-25T17:16:16.580" v="5875" actId="1076"/>
-          <ac:spMkLst>
-            <pc:docMk/>
-            <pc:sldMk cId="893560541" sldId="265"/>
-            <ac:spMk id="26" creationId="{13192FBD-36C0-4EF6-976F-6B5B9DA75634}"/>
-          </ac:spMkLst>
-        </pc:spChg>
-        <pc:grpChg chg="add del mod">
-          <ac:chgData name="김 지영" userId="6a163bdcc1d28b62" providerId="LiveId" clId="{30EB5C21-B2C8-46DF-8B4C-275489B064C1}" dt="2018-09-25T17:15:26.062" v="5866" actId="165"/>
-          <ac:grpSpMkLst>
-            <pc:docMk/>
-            <pc:sldMk cId="893560541" sldId="265"/>
-            <ac:grpSpMk id="23" creationId="{350B9C71-7541-4177-BC62-D5419DFF49CA}"/>
-          </ac:grpSpMkLst>
-        </pc:grpChg>
-        <pc:picChg chg="add mod">
-          <ac:chgData name="김 지영" userId="6a163bdcc1d28b62" providerId="LiveId" clId="{30EB5C21-B2C8-46DF-8B4C-275489B064C1}" dt="2018-09-25T17:17:05.961" v="5885" actId="14100"/>
-          <ac:picMkLst>
-            <pc:docMk/>
-            <pc:sldMk cId="893560541" sldId="265"/>
-            <ac:picMk id="6" creationId="{64ED77DF-47E9-4547-8778-0239B9A41AA5}"/>
-          </ac:picMkLst>
-        </pc:picChg>
-        <pc:picChg chg="add mod">
-          <ac:chgData name="김 지영" userId="6a163bdcc1d28b62" providerId="LiveId" clId="{30EB5C21-B2C8-46DF-8B4C-275489B064C1}" dt="2018-09-25T17:16:58.602" v="5882" actId="1076"/>
-          <ac:picMkLst>
-            <pc:docMk/>
-            <pc:sldMk cId="893560541" sldId="265"/>
-            <ac:picMk id="8" creationId="{587D8A63-CB47-4DD6-879C-CF5C21F0EBFF}"/>
-          </ac:picMkLst>
-        </pc:picChg>
-        <pc:picChg chg="add mod">
-          <ac:chgData name="김 지영" userId="6a163bdcc1d28b62" providerId="LiveId" clId="{30EB5C21-B2C8-46DF-8B4C-275489B064C1}" dt="2018-09-25T16:44:50.639" v="3628" actId="14100"/>
-          <ac:picMkLst>
-            <pc:docMk/>
-            <pc:sldMk cId="893560541" sldId="265"/>
-            <ac:picMk id="12" creationId="{F293AE2A-2117-42DC-83B9-3C795771FBD0}"/>
-          </ac:picMkLst>
-        </pc:picChg>
-        <pc:picChg chg="add mod topLvl">
-          <ac:chgData name="김 지영" userId="6a163bdcc1d28b62" providerId="LiveId" clId="{30EB5C21-B2C8-46DF-8B4C-275489B064C1}" dt="2018-09-25T17:15:26.062" v="5866" actId="165"/>
-          <ac:picMkLst>
-            <pc:docMk/>
-            <pc:sldMk cId="893560541" sldId="265"/>
-            <ac:picMk id="20" creationId="{0BE24500-08D8-4021-86FA-A0417CB17D54}"/>
-          </ac:picMkLst>
-        </pc:picChg>
-        <pc:picChg chg="add mod topLvl">
-          <ac:chgData name="김 지영" userId="6a163bdcc1d28b62" providerId="LiveId" clId="{30EB5C21-B2C8-46DF-8B4C-275489B064C1}" dt="2018-09-25T17:15:29.940" v="5867" actId="1076"/>
-          <ac:picMkLst>
-            <pc:docMk/>
-            <pc:sldMk cId="893560541" sldId="265"/>
-            <ac:picMk id="21" creationId="{91D1A612-5FAA-46A7-8FE0-D9D23EDB8F00}"/>
-          </ac:picMkLst>
-        </pc:picChg>
-        <pc:picChg chg="add mod">
-          <ac:chgData name="김 지영" userId="6a163bdcc1d28b62" providerId="LiveId" clId="{30EB5C21-B2C8-46DF-8B4C-275489B064C1}" dt="2018-09-25T17:16:11.902" v="5873" actId="14100"/>
-          <ac:picMkLst>
-            <pc:docMk/>
-            <pc:sldMk cId="893560541" sldId="265"/>
-            <ac:picMk id="24" creationId="{CA4C702E-195F-4D19-B045-CD4005B60542}"/>
-          </ac:picMkLst>
-        </pc:picChg>
-        <pc:picChg chg="add mod">
-          <ac:chgData name="김 지영" userId="6a163bdcc1d28b62" providerId="LiveId" clId="{30EB5C21-B2C8-46DF-8B4C-275489B064C1}" dt="2018-09-25T17:16:08.031" v="5872" actId="1076"/>
-          <ac:picMkLst>
-            <pc:docMk/>
-            <pc:sldMk cId="893560541" sldId="265"/>
-            <ac:picMk id="25" creationId="{06EBF2D3-F8C2-4504-9081-B813094A9F51}"/>
-          </ac:picMkLst>
-        </pc:picChg>
-        <pc:cxnChg chg="add mod ord">
-          <ac:chgData name="김 지영" userId="6a163bdcc1d28b62" providerId="LiveId" clId="{30EB5C21-B2C8-46DF-8B4C-275489B064C1}" dt="2018-09-25T17:16:31.421" v="5878" actId="14100"/>
-          <ac:cxnSpMkLst>
-            <pc:docMk/>
-            <pc:sldMk cId="893560541" sldId="265"/>
-            <ac:cxnSpMk id="28" creationId="{DBC7731F-BD5D-4EA2-AFCA-4099E1FDCC6D}"/>
-          </ac:cxnSpMkLst>
-        </pc:cxnChg>
-        <pc:cxnChg chg="add mod">
-          <ac:chgData name="김 지영" userId="6a163bdcc1d28b62" providerId="LiveId" clId="{30EB5C21-B2C8-46DF-8B4C-275489B064C1}" dt="2018-09-25T17:16:35.712" v="5880" actId="1076"/>
-          <ac:cxnSpMkLst>
-            <pc:docMk/>
-            <pc:sldMk cId="893560541" sldId="265"/>
-            <ac:cxnSpMk id="30" creationId="{2E21F5C6-01E6-41B8-B4AC-7EA2965760E8}"/>
-          </ac:cxnSpMkLst>
-        </pc:cxnChg>
-      </pc:sldChg>
-      <pc:sldChg chg="addSp delSp modSp">
-        <pc:chgData name="김 지영" userId="6a163bdcc1d28b62" providerId="LiveId" clId="{30EB5C21-B2C8-46DF-8B4C-275489B064C1}" dt="2018-09-25T16:29:52.330" v="3462" actId="1076"/>
-        <pc:sldMkLst>
-          <pc:docMk/>
-          <pc:sldMk cId="2060705439" sldId="266"/>
-        </pc:sldMkLst>
-        <pc:spChg chg="mod">
-          <ac:chgData name="김 지영" userId="6a163bdcc1d28b62" providerId="LiveId" clId="{30EB5C21-B2C8-46DF-8B4C-275489B064C1}" dt="2018-09-25T15:34:09.146" v="2939"/>
-          <ac:spMkLst>
-            <pc:docMk/>
-            <pc:sldMk cId="2060705439" sldId="266"/>
-            <ac:spMk id="2" creationId="{EBA39F9C-68A0-4A7C-A7E9-3C9DC93023E0}"/>
-          </ac:spMkLst>
-        </pc:spChg>
-        <pc:spChg chg="add del mod">
-          <ac:chgData name="김 지영" userId="6a163bdcc1d28b62" providerId="LiveId" clId="{30EB5C21-B2C8-46DF-8B4C-275489B064C1}" dt="2018-09-25T15:32:56.878" v="2828" actId="478"/>
-          <ac:spMkLst>
-            <pc:docMk/>
-            <pc:sldMk cId="2060705439" sldId="266"/>
-            <ac:spMk id="7" creationId="{7A36AB59-F13F-4A9D-BF5D-FE1A3C0A9164}"/>
-          </ac:spMkLst>
-        </pc:spChg>
-        <pc:spChg chg="add del mod">
-          <ac:chgData name="김 지영" userId="6a163bdcc1d28b62" providerId="LiveId" clId="{30EB5C21-B2C8-46DF-8B4C-275489B064C1}" dt="2018-09-25T15:33:37.049" v="2887" actId="478"/>
-          <ac:spMkLst>
-            <pc:docMk/>
-            <pc:sldMk cId="2060705439" sldId="266"/>
-            <ac:spMk id="8" creationId="{7763744A-77B4-4695-8187-CAB816DCF2EB}"/>
-          </ac:spMkLst>
-        </pc:spChg>
-        <pc:spChg chg="add del mod">
-          <ac:chgData name="김 지영" userId="6a163bdcc1d28b62" providerId="LiveId" clId="{30EB5C21-B2C8-46DF-8B4C-275489B064C1}" dt="2018-09-25T15:32:54.607" v="2827" actId="478"/>
-          <ac:spMkLst>
-            <pc:docMk/>
-            <pc:sldMk cId="2060705439" sldId="266"/>
-            <ac:spMk id="15" creationId="{7160D9D2-C8C8-438C-B30C-6D64C8CEE74D}"/>
-          </ac:spMkLst>
-        </pc:spChg>
-        <pc:spChg chg="add del mod">
-          <ac:chgData name="김 지영" userId="6a163bdcc1d28b62" providerId="LiveId" clId="{30EB5C21-B2C8-46DF-8B4C-275489B064C1}" dt="2018-09-25T15:33:35.486" v="2886" actId="478"/>
-          <ac:spMkLst>
-            <pc:docMk/>
-            <pc:sldMk cId="2060705439" sldId="266"/>
-            <ac:spMk id="16" creationId="{1968BCD6-ABC7-405F-A68F-A89898D4ECA1}"/>
-          </ac:spMkLst>
-        </pc:spChg>
-        <pc:spChg chg="add mod">
-          <ac:chgData name="김 지영" userId="6a163bdcc1d28b62" providerId="LiveId" clId="{30EB5C21-B2C8-46DF-8B4C-275489B064C1}" dt="2018-09-25T15:34:11.771" v="2940" actId="1076"/>
-          <ac:spMkLst>
-            <pc:docMk/>
-            <pc:sldMk cId="2060705439" sldId="266"/>
-            <ac:spMk id="17" creationId="{3974BD65-1A26-4AD3-A145-6B1CAE4CB300}"/>
-          </ac:spMkLst>
-        </pc:spChg>
-        <pc:spChg chg="add del mod">
-          <ac:chgData name="김 지영" userId="6a163bdcc1d28b62" providerId="LiveId" clId="{30EB5C21-B2C8-46DF-8B4C-275489B064C1}" dt="2018-09-25T16:18:47.277" v="2960" actId="11529"/>
-          <ac:spMkLst>
-            <pc:docMk/>
-            <pc:sldMk cId="2060705439" sldId="266"/>
-            <ac:spMk id="27" creationId="{C86FFE2A-9BDC-476B-A1BC-207DD5F0CA07}"/>
-          </ac:spMkLst>
-        </pc:spChg>
-        <pc:spChg chg="add mod">
-          <ac:chgData name="김 지영" userId="6a163bdcc1d28b62" providerId="LiveId" clId="{30EB5C21-B2C8-46DF-8B4C-275489B064C1}" dt="2018-09-25T16:20:30.188" v="3116" actId="404"/>
-          <ac:spMkLst>
-            <pc:docMk/>
-            <pc:sldMk cId="2060705439" sldId="266"/>
-            <ac:spMk id="28" creationId="{28123D21-3A4A-4B51-B698-83E41D0076BB}"/>
-          </ac:spMkLst>
-        </pc:spChg>
-        <pc:spChg chg="add mod">
-          <ac:chgData name="김 지영" userId="6a163bdcc1d28b62" providerId="LiveId" clId="{30EB5C21-B2C8-46DF-8B4C-275489B064C1}" dt="2018-09-25T16:21:04.413" v="3135" actId="1076"/>
-          <ac:spMkLst>
-            <pc:docMk/>
-            <pc:sldMk cId="2060705439" sldId="266"/>
-            <ac:spMk id="29" creationId="{83C6DC04-8E5C-4347-B531-AADF89A7B880}"/>
-          </ac:spMkLst>
-        </pc:spChg>
-        <pc:spChg chg="add mod">
-          <ac:chgData name="김 지영" userId="6a163bdcc1d28b62" providerId="LiveId" clId="{30EB5C21-B2C8-46DF-8B4C-275489B064C1}" dt="2018-09-25T16:29:37.304" v="3461" actId="14100"/>
-          <ac:spMkLst>
-            <pc:docMk/>
-            <pc:sldMk cId="2060705439" sldId="266"/>
-            <ac:spMk id="30" creationId="{D60351CF-D20C-4AA3-B866-DB8C7FDB7F31}"/>
-          </ac:spMkLst>
-        </pc:spChg>
-        <pc:spChg chg="add mod">
-          <ac:chgData name="김 지영" userId="6a163bdcc1d28b62" providerId="LiveId" clId="{30EB5C21-B2C8-46DF-8B4C-275489B064C1}" dt="2018-09-25T16:28:56.730" v="3416" actId="1076"/>
-          <ac:spMkLst>
-            <pc:docMk/>
-            <pc:sldMk cId="2060705439" sldId="266"/>
-            <ac:spMk id="34" creationId="{E70CB9DA-2E8C-44AB-89F0-C57A7E07F59D}"/>
-          </ac:spMkLst>
-        </pc:spChg>
-        <pc:spChg chg="add mod ord">
-          <ac:chgData name="김 지영" userId="6a163bdcc1d28b62" providerId="LiveId" clId="{30EB5C21-B2C8-46DF-8B4C-275489B064C1}" dt="2018-09-25T16:29:07.364" v="3428" actId="20577"/>
-          <ac:spMkLst>
-            <pc:docMk/>
-            <pc:sldMk cId="2060705439" sldId="266"/>
-            <ac:spMk id="35" creationId="{97EB2B1B-F018-4976-8F18-8D572A8B374B}"/>
-          </ac:spMkLst>
-        </pc:spChg>
-        <pc:spChg chg="add mod">
-          <ac:chgData name="김 지영" userId="6a163bdcc1d28b62" providerId="LiveId" clId="{30EB5C21-B2C8-46DF-8B4C-275489B064C1}" dt="2018-09-25T16:29:19.461" v="3448" actId="404"/>
-          <ac:spMkLst>
-            <pc:docMk/>
-            <pc:sldMk cId="2060705439" sldId="266"/>
-            <ac:spMk id="36" creationId="{C9DA3273-9B0C-42FF-AD20-217AD214FB56}"/>
-          </ac:spMkLst>
-        </pc:spChg>
-        <pc:spChg chg="add mod">
-          <ac:chgData name="김 지영" userId="6a163bdcc1d28b62" providerId="LiveId" clId="{30EB5C21-B2C8-46DF-8B4C-275489B064C1}" dt="2018-09-25T16:22:34.081" v="3212" actId="1076"/>
-          <ac:spMkLst>
-            <pc:docMk/>
-            <pc:sldMk cId="2060705439" sldId="266"/>
-            <ac:spMk id="37" creationId="{BCD09378-17D4-491A-8891-BEBBB61C729D}"/>
-          </ac:spMkLst>
-        </pc:spChg>
-        <pc:spChg chg="add mod">
-          <ac:chgData name="김 지영" userId="6a163bdcc1d28b62" providerId="LiveId" clId="{30EB5C21-B2C8-46DF-8B4C-275489B064C1}" dt="2018-09-25T16:22:50.978" v="3226" actId="1076"/>
-          <ac:spMkLst>
-            <pc:docMk/>
-            <pc:sldMk cId="2060705439" sldId="266"/>
-            <ac:spMk id="38" creationId="{95F1DCF6-946C-4FDA-A1A0-37894BBB78FD}"/>
-          </ac:spMkLst>
-        </pc:spChg>
-        <pc:spChg chg="add mod">
-          <ac:chgData name="김 지영" userId="6a163bdcc1d28b62" providerId="LiveId" clId="{30EB5C21-B2C8-46DF-8B4C-275489B064C1}" dt="2018-09-25T16:23:13.513" v="3250" actId="14100"/>
-          <ac:spMkLst>
-            <pc:docMk/>
-            <pc:sldMk cId="2060705439" sldId="266"/>
-            <ac:spMk id="39" creationId="{9976D884-C29E-452D-A0FA-63AA7AF62EC2}"/>
-          </ac:spMkLst>
-        </pc:spChg>
-        <pc:spChg chg="add mod ord">
-          <ac:chgData name="김 지영" userId="6a163bdcc1d28b62" providerId="LiveId" clId="{30EB5C21-B2C8-46DF-8B4C-275489B064C1}" dt="2018-09-25T16:23:43.067" v="3257" actId="171"/>
-          <ac:spMkLst>
-            <pc:docMk/>
-            <pc:sldMk cId="2060705439" sldId="266"/>
-            <ac:spMk id="40" creationId="{74B4726D-CDED-4DC9-BEA8-BB2D0E921AF0}"/>
-          </ac:spMkLst>
-        </pc:spChg>
-        <pc:spChg chg="add mod">
-          <ac:chgData name="김 지영" userId="6a163bdcc1d28b62" providerId="LiveId" clId="{30EB5C21-B2C8-46DF-8B4C-275489B064C1}" dt="2018-09-25T16:23:53.911" v="3261" actId="14100"/>
-          <ac:spMkLst>
-            <pc:docMk/>
-            <pc:sldMk cId="2060705439" sldId="266"/>
-            <ac:spMk id="41" creationId="{2F388F53-45BA-4751-947D-9C9615E26C78}"/>
-          </ac:spMkLst>
-        </pc:spChg>
-        <pc:spChg chg="add mod">
-          <ac:chgData name="김 지영" userId="6a163bdcc1d28b62" providerId="LiveId" clId="{30EB5C21-B2C8-46DF-8B4C-275489B064C1}" dt="2018-09-25T16:24:11.215" v="3268" actId="14100"/>
-          <ac:spMkLst>
-            <pc:docMk/>
-            <pc:sldMk cId="2060705439" sldId="266"/>
-            <ac:spMk id="42" creationId="{1955C5B7-2A82-4BE9-80B1-06E3127D6CD5}"/>
-          </ac:spMkLst>
-        </pc:spChg>
-        <pc:spChg chg="add mod">
-          <ac:chgData name="김 지영" userId="6a163bdcc1d28b62" providerId="LiveId" clId="{30EB5C21-B2C8-46DF-8B4C-275489B064C1}" dt="2018-09-25T16:26:13.209" v="3389" actId="14100"/>
-          <ac:spMkLst>
-            <pc:docMk/>
-            <pc:sldMk cId="2060705439" sldId="266"/>
-            <ac:spMk id="43" creationId="{0FB0D9AB-790F-4F91-931C-817567697E4D}"/>
-          </ac:spMkLst>
-        </pc:spChg>
-        <pc:spChg chg="add mod">
-          <ac:chgData name="김 지영" userId="6a163bdcc1d28b62" providerId="LiveId" clId="{30EB5C21-B2C8-46DF-8B4C-275489B064C1}" dt="2018-09-25T16:24:36.663" v="3278" actId="14100"/>
-          <ac:spMkLst>
-            <pc:docMk/>
-            <pc:sldMk cId="2060705439" sldId="266"/>
-            <ac:spMk id="44" creationId="{E333BAEF-95EE-45C5-9DF2-1F1B9AAE0A72}"/>
-          </ac:spMkLst>
-        </pc:spChg>
-        <pc:spChg chg="add del mod">
-          <ac:chgData name="김 지영" userId="6a163bdcc1d28b62" providerId="LiveId" clId="{30EB5C21-B2C8-46DF-8B4C-275489B064C1}" dt="2018-09-25T16:28:04.853" v="3406" actId="478"/>
-          <ac:spMkLst>
-            <pc:docMk/>
-            <pc:sldMk cId="2060705439" sldId="266"/>
-            <ac:spMk id="45" creationId="{DFA46761-F7FE-4FCB-864F-4AA0A5C8845C}"/>
-          </ac:spMkLst>
-        </pc:spChg>
-        <pc:spChg chg="add del mod">
-          <ac:chgData name="김 지영" userId="6a163bdcc1d28b62" providerId="LiveId" clId="{30EB5C21-B2C8-46DF-8B4C-275489B064C1}" dt="2018-09-25T16:25:15.752" v="3285" actId="478"/>
-          <ac:spMkLst>
-            <pc:docMk/>
-            <pc:sldMk cId="2060705439" sldId="266"/>
-            <ac:spMk id="46" creationId="{143D6B6F-9680-4497-BE9A-2B7A60ECC226}"/>
-          </ac:spMkLst>
-        </pc:spChg>
-        <pc:spChg chg="add mod">
-          <ac:chgData name="김 지영" userId="6a163bdcc1d28b62" providerId="LiveId" clId="{30EB5C21-B2C8-46DF-8B4C-275489B064C1}" dt="2018-09-25T16:25:49.779" v="3385" actId="1076"/>
-          <ac:spMkLst>
-            <pc:docMk/>
-            <pc:sldMk cId="2060705439" sldId="266"/>
-            <ac:spMk id="47" creationId="{80749332-0C62-4C0D-B4F9-A14043638C03}"/>
-          </ac:spMkLst>
-        </pc:spChg>
-        <pc:spChg chg="add mod">
-          <ac:chgData name="김 지영" userId="6a163bdcc1d28b62" providerId="LiveId" clId="{30EB5C21-B2C8-46DF-8B4C-275489B064C1}" dt="2018-09-25T16:26:03.290" v="3388" actId="14100"/>
-          <ac:spMkLst>
-            <pc:docMk/>
-            <pc:sldMk cId="2060705439" sldId="266"/>
-            <ac:spMk id="48" creationId="{965F9EFF-A166-4B07-8A60-C633F105592C}"/>
-          </ac:spMkLst>
-        </pc:spChg>
-        <pc:spChg chg="add mod">
-          <ac:chgData name="김 지영" userId="6a163bdcc1d28b62" providerId="LiveId" clId="{30EB5C21-B2C8-46DF-8B4C-275489B064C1}" dt="2018-09-25T16:29:52.330" v="3462" actId="1076"/>
-          <ac:spMkLst>
-            <pc:docMk/>
-            <pc:sldMk cId="2060705439" sldId="266"/>
-            <ac:spMk id="54" creationId="{F109228A-ACF3-4D83-AA8E-B1789A19D0F1}"/>
-          </ac:spMkLst>
-        </pc:spChg>
-        <pc:spChg chg="add del mod">
-          <ac:chgData name="김 지영" userId="6a163bdcc1d28b62" providerId="LiveId" clId="{30EB5C21-B2C8-46DF-8B4C-275489B064C1}" dt="2018-09-25T16:28:11.134" v="3408" actId="11529"/>
-          <ac:spMkLst>
-            <pc:docMk/>
-            <pc:sldMk cId="2060705439" sldId="266"/>
-            <ac:spMk id="58" creationId="{10EE9D3F-2A70-4338-9799-2F55DBA882E7}"/>
-          </ac:spMkLst>
-        </pc:spChg>
-        <pc:spChg chg="add del mod">
-          <ac:chgData name="김 지영" userId="6a163bdcc1d28b62" providerId="LiveId" clId="{30EB5C21-B2C8-46DF-8B4C-275489B064C1}" dt="2018-09-25T16:28:21.052" v="3410" actId="11529"/>
-          <ac:spMkLst>
-            <pc:docMk/>
-            <pc:sldMk cId="2060705439" sldId="266"/>
-            <ac:spMk id="59" creationId="{6BE030A8-2C90-4944-A453-E481558509A0}"/>
-          </ac:spMkLst>
-        </pc:spChg>
-        <pc:spChg chg="add del mod">
-          <ac:chgData name="김 지영" userId="6a163bdcc1d28b62" providerId="LiveId" clId="{30EB5C21-B2C8-46DF-8B4C-275489B064C1}" dt="2018-09-25T16:28:35.477" v="3412" actId="11529"/>
-          <ac:spMkLst>
-            <pc:docMk/>
-            <pc:sldMk cId="2060705439" sldId="266"/>
-            <ac:spMk id="60" creationId="{DD2046EE-368E-4205-A400-F70EB5371196}"/>
-          </ac:spMkLst>
-        </pc:spChg>
-        <pc:spChg chg="add mod">
-          <ac:chgData name="김 지영" userId="6a163bdcc1d28b62" providerId="LiveId" clId="{30EB5C21-B2C8-46DF-8B4C-275489B064C1}" dt="2018-09-25T16:28:54.082" v="3415" actId="208"/>
-          <ac:spMkLst>
-            <pc:docMk/>
-            <pc:sldMk cId="2060705439" sldId="266"/>
-            <ac:spMk id="61" creationId="{3C2257C3-58C2-4A87-A12C-078861913060}"/>
-          </ac:spMkLst>
-        </pc:spChg>
-        <pc:picChg chg="mod">
-          <ac:chgData name="김 지영" userId="6a163bdcc1d28b62" providerId="LiveId" clId="{30EB5C21-B2C8-46DF-8B4C-275489B064C1}" dt="2018-09-25T15:09:21.529" v="2052" actId="1076"/>
-          <ac:picMkLst>
-            <pc:docMk/>
-            <pc:sldMk cId="2060705439" sldId="266"/>
-            <ac:picMk id="4" creationId="{57BCDACD-7D9A-4EC2-8C41-DE05C77DB4E9}"/>
-          </ac:picMkLst>
-        </pc:picChg>
-        <pc:picChg chg="add mod">
-          <ac:chgData name="김 지영" userId="6a163bdcc1d28b62" providerId="LiveId" clId="{30EB5C21-B2C8-46DF-8B4C-275489B064C1}" dt="2018-09-25T16:24:27.884" v="3275" actId="1076"/>
-          <ac:picMkLst>
-            <pc:docMk/>
-            <pc:sldMk cId="2060705439" sldId="266"/>
-            <ac:picMk id="19" creationId="{D8054964-B3E1-476D-9D09-215E607B504A}"/>
-          </ac:picMkLst>
-        </pc:picChg>
-        <pc:cxnChg chg="add del mod">
-          <ac:chgData name="김 지영" userId="6a163bdcc1d28b62" providerId="LiveId" clId="{30EB5C21-B2C8-46DF-8B4C-275489B064C1}" dt="2018-09-25T15:32:58.726" v="2829" actId="478"/>
-          <ac:cxnSpMkLst>
-            <pc:docMk/>
-            <pc:sldMk cId="2060705439" sldId="266"/>
-            <ac:cxnSpMk id="10" creationId="{C2127356-A178-45EE-94A1-18AE570879EA}"/>
-          </ac:cxnSpMkLst>
-        </pc:cxnChg>
-        <pc:cxnChg chg="add del mod">
-          <ac:chgData name="김 지영" userId="6a163bdcc1d28b62" providerId="LiveId" clId="{30EB5C21-B2C8-46DF-8B4C-275489B064C1}" dt="2018-09-25T16:18:25.844" v="2954" actId="478"/>
-          <ac:cxnSpMkLst>
-            <pc:docMk/>
-            <pc:sldMk cId="2060705439" sldId="266"/>
-            <ac:cxnSpMk id="21" creationId="{7BAEFBD8-DE71-4E28-9B37-E32EE7CE4D6A}"/>
-          </ac:cxnSpMkLst>
-        </pc:cxnChg>
-        <pc:cxnChg chg="add del mod">
-          <ac:chgData name="김 지영" userId="6a163bdcc1d28b62" providerId="LiveId" clId="{30EB5C21-B2C8-46DF-8B4C-275489B064C1}" dt="2018-09-25T16:18:39.615" v="2958" actId="478"/>
-          <ac:cxnSpMkLst>
-            <pc:docMk/>
-            <pc:sldMk cId="2060705439" sldId="266"/>
-            <ac:cxnSpMk id="24" creationId="{2125188E-0549-485C-AF31-9780C1F5166A}"/>
-          </ac:cxnSpMkLst>
-        </pc:cxnChg>
-        <pc:cxnChg chg="add mod">
-          <ac:chgData name="김 지영" userId="6a163bdcc1d28b62" providerId="LiveId" clId="{30EB5C21-B2C8-46DF-8B4C-275489B064C1}" dt="2018-09-25T16:29:37.304" v="3461" actId="14100"/>
-          <ac:cxnSpMkLst>
-            <pc:docMk/>
-            <pc:sldMk cId="2060705439" sldId="266"/>
-            <ac:cxnSpMk id="32" creationId="{160F26B8-6D31-4651-9B9E-7E5EF19798E9}"/>
-          </ac:cxnSpMkLst>
-        </pc:cxnChg>
-        <pc:cxnChg chg="add mod">
-          <ac:chgData name="김 지영" userId="6a163bdcc1d28b62" providerId="LiveId" clId="{30EB5C21-B2C8-46DF-8B4C-275489B064C1}" dt="2018-09-25T16:26:34.416" v="3390" actId="11529"/>
-          <ac:cxnSpMkLst>
-            <pc:docMk/>
-            <pc:sldMk cId="2060705439" sldId="266"/>
-            <ac:cxnSpMk id="50" creationId="{594E51D2-2B8F-4E8A-B111-174BC0528A62}"/>
-          </ac:cxnSpMkLst>
-        </pc:cxnChg>
-        <pc:cxnChg chg="add del mod">
-          <ac:chgData name="김 지영" userId="6a163bdcc1d28b62" providerId="LiveId" clId="{30EB5C21-B2C8-46DF-8B4C-275489B064C1}" dt="2018-09-25T16:27:55.044" v="3404" actId="478"/>
-          <ac:cxnSpMkLst>
-            <pc:docMk/>
-            <pc:sldMk cId="2060705439" sldId="266"/>
-            <ac:cxnSpMk id="51" creationId="{47DB70AD-F2BB-406D-B58A-2F9CCDA09EA9}"/>
-          </ac:cxnSpMkLst>
-        </pc:cxnChg>
-      </pc:sldChg>
-      <pc:sldChg chg="addSp delSp modSp">
-        <pc:chgData name="김 지영" userId="6a163bdcc1d28b62" providerId="LiveId" clId="{30EB5C21-B2C8-46DF-8B4C-275489B064C1}" dt="2018-09-25T17:20:04.144" v="6124" actId="11529"/>
-        <pc:sldMkLst>
-          <pc:docMk/>
-          <pc:sldMk cId="370430953" sldId="267"/>
-        </pc:sldMkLst>
-        <pc:spChg chg="mod">
-          <ac:chgData name="김 지영" userId="6a163bdcc1d28b62" providerId="LiveId" clId="{30EB5C21-B2C8-46DF-8B4C-275489B064C1}" dt="2018-09-25T17:09:25.619" v="5349" actId="20577"/>
-          <ac:spMkLst>
-            <pc:docMk/>
-            <pc:sldMk cId="370430953" sldId="267"/>
-            <ac:spMk id="2" creationId="{EBA39F9C-68A0-4A7C-A7E9-3C9DC93023E0}"/>
-          </ac:spMkLst>
-        </pc:spChg>
-        <pc:spChg chg="add mod">
-          <ac:chgData name="김 지영" userId="6a163bdcc1d28b62" providerId="LiveId" clId="{30EB5C21-B2C8-46DF-8B4C-275489B064C1}" dt="2018-09-25T17:09:30.089" v="5350" actId="1076"/>
-          <ac:spMkLst>
-            <pc:docMk/>
-            <pc:sldMk cId="370430953" sldId="267"/>
-            <ac:spMk id="7" creationId="{6A7A6C49-DBD9-4DD6-B5C8-8D081C9C2D44}"/>
-          </ac:spMkLst>
-        </pc:spChg>
-        <pc:spChg chg="add mod">
-          <ac:chgData name="김 지영" userId="6a163bdcc1d28b62" providerId="LiveId" clId="{30EB5C21-B2C8-46DF-8B4C-275489B064C1}" dt="2018-09-25T16:59:48.563" v="4593" actId="20577"/>
-          <ac:spMkLst>
-            <pc:docMk/>
-            <pc:sldMk cId="370430953" sldId="267"/>
-            <ac:spMk id="8" creationId="{FA001588-1F95-4632-A5B7-C177D6012934}"/>
-          </ac:spMkLst>
-        </pc:spChg>
-        <pc:spChg chg="add del mod">
-          <ac:chgData name="김 지영" userId="6a163bdcc1d28b62" providerId="LiveId" clId="{30EB5C21-B2C8-46DF-8B4C-275489B064C1}" dt="2018-09-25T16:59:53.346" v="4594" actId="478"/>
-          <ac:spMkLst>
-            <pc:docMk/>
-            <pc:sldMk cId="370430953" sldId="267"/>
-            <ac:spMk id="9" creationId="{C3EA73BD-44F2-4FC5-BC3A-F0162872A545}"/>
-          </ac:spMkLst>
-        </pc:spChg>
-        <pc:spChg chg="add del mod">
-          <ac:chgData name="김 지영" userId="6a163bdcc1d28b62" providerId="LiveId" clId="{30EB5C21-B2C8-46DF-8B4C-275489B064C1}" dt="2018-09-25T17:00:41.739" v="4640" actId="478"/>
-          <ac:spMkLst>
-            <pc:docMk/>
-            <pc:sldMk cId="370430953" sldId="267"/>
-            <ac:spMk id="12" creationId="{9039AC48-6D28-4513-A38A-EB9598017183}"/>
-          </ac:spMkLst>
-        </pc:spChg>
-        <pc:spChg chg="add del mod">
-          <ac:chgData name="김 지영" userId="6a163bdcc1d28b62" providerId="LiveId" clId="{30EB5C21-B2C8-46DF-8B4C-275489B064C1}" dt="2018-09-25T17:00:43.307" v="4643" actId="478"/>
-          <ac:spMkLst>
-            <pc:docMk/>
-            <pc:sldMk cId="370430953" sldId="267"/>
-            <ac:spMk id="13" creationId="{466D6254-B7C3-4DC5-8FF8-3E02FCCBC97F}"/>
-          </ac:spMkLst>
-        </pc:spChg>
-        <pc:spChg chg="add mod">
-          <ac:chgData name="김 지영" userId="6a163bdcc1d28b62" providerId="LiveId" clId="{30EB5C21-B2C8-46DF-8B4C-275489B064C1}" dt="2018-09-25T16:58:19.021" v="4364" actId="207"/>
-          <ac:spMkLst>
-            <pc:docMk/>
-            <pc:sldMk cId="370430953" sldId="267"/>
-            <ac:spMk id="18" creationId="{1D4215EA-16F1-4B0F-9A8C-73791067445A}"/>
-          </ac:spMkLst>
-        </pc:spChg>
-        <pc:spChg chg="add mod">
-          <ac:chgData name="김 지영" userId="6a163bdcc1d28b62" providerId="LiveId" clId="{30EB5C21-B2C8-46DF-8B4C-275489B064C1}" dt="2018-09-25T17:10:05.539" v="5456" actId="20577"/>
-          <ac:spMkLst>
-            <pc:docMk/>
-            <pc:sldMk cId="370430953" sldId="267"/>
-            <ac:spMk id="19" creationId="{AB9C1F4C-FD16-46A8-8F92-44AB99376850}"/>
-          </ac:spMkLst>
-        </pc:spChg>
-        <pc:spChg chg="add mod">
-          <ac:chgData name="김 지영" userId="6a163bdcc1d28b62" providerId="LiveId" clId="{30EB5C21-B2C8-46DF-8B4C-275489B064C1}" dt="2018-09-25T17:08:43.717" v="5273" actId="1038"/>
-          <ac:spMkLst>
-            <pc:docMk/>
-            <pc:sldMk cId="370430953" sldId="267"/>
-            <ac:spMk id="20" creationId="{DBBF0F29-BA44-47A7-8E19-733552C8B30D}"/>
-          </ac:spMkLst>
-        </pc:spChg>
-        <pc:spChg chg="add mod">
-          <ac:chgData name="김 지영" userId="6a163bdcc1d28b62" providerId="LiveId" clId="{30EB5C21-B2C8-46DF-8B4C-275489B064C1}" dt="2018-09-25T17:13:04.585" v="5839" actId="404"/>
-          <ac:spMkLst>
-            <pc:docMk/>
-            <pc:sldMk cId="370430953" sldId="267"/>
-            <ac:spMk id="25" creationId="{81F6D1BE-509D-4240-893E-26A3D48794AD}"/>
-          </ac:spMkLst>
-        </pc:spChg>
-        <pc:spChg chg="add mod">
-          <ac:chgData name="김 지영" userId="6a163bdcc1d28b62" providerId="LiveId" clId="{30EB5C21-B2C8-46DF-8B4C-275489B064C1}" dt="2018-09-25T17:13:16.056" v="5849" actId="403"/>
-          <ac:spMkLst>
-            <pc:docMk/>
-            <pc:sldMk cId="370430953" sldId="267"/>
-            <ac:spMk id="26" creationId="{E7394582-1368-446F-8BF5-5F5EA866CC56}"/>
-          </ac:spMkLst>
-        </pc:spChg>
-        <pc:spChg chg="add mod">
-          <ac:chgData name="김 지영" userId="6a163bdcc1d28b62" providerId="LiveId" clId="{30EB5C21-B2C8-46DF-8B4C-275489B064C1}" dt="2018-09-25T17:13:24.275" v="5859" actId="403"/>
-          <ac:spMkLst>
-            <pc:docMk/>
-            <pc:sldMk cId="370430953" sldId="267"/>
-            <ac:spMk id="27" creationId="{B69D1C34-716D-44DC-BAD6-2DA50EE50210}"/>
-          </ac:spMkLst>
-        </pc:spChg>
-        <pc:spChg chg="add mod ord">
-          <ac:chgData name="김 지영" userId="6a163bdcc1d28b62" providerId="LiveId" clId="{30EB5C21-B2C8-46DF-8B4C-275489B064C1}" dt="2018-09-25T17:19:40.786" v="6122" actId="207"/>
-          <ac:spMkLst>
-            <pc:docMk/>
-            <pc:sldMk cId="370430953" sldId="267"/>
-            <ac:spMk id="28" creationId="{55F2D1D2-5635-4594-A3F1-D754DFCCFB97}"/>
-          </ac:spMkLst>
-        </pc:spChg>
-        <pc:spChg chg="add mod">
-          <ac:chgData name="김 지영" userId="6a163bdcc1d28b62" providerId="LiveId" clId="{30EB5C21-B2C8-46DF-8B4C-275489B064C1}" dt="2018-09-25T17:18:37.260" v="6055" actId="2711"/>
-          <ac:spMkLst>
-            <pc:docMk/>
-            <pc:sldMk cId="370430953" sldId="267"/>
-            <ac:spMk id="29" creationId="{118CBD90-667F-4527-A3DF-D3CF7716AF4C}"/>
-          </ac:spMkLst>
-        </pc:spChg>
-        <pc:spChg chg="add mod">
-          <ac:chgData name="김 지영" userId="6a163bdcc1d28b62" providerId="LiveId" clId="{30EB5C21-B2C8-46DF-8B4C-275489B064C1}" dt="2018-09-25T17:12:23.243" v="5683" actId="1035"/>
-          <ac:spMkLst>
-            <pc:docMk/>
-            <pc:sldMk cId="370430953" sldId="267"/>
-            <ac:spMk id="31" creationId="{C992976F-A3BC-40DB-8604-4E5A4EF87084}"/>
-          </ac:spMkLst>
-        </pc:spChg>
-        <pc:spChg chg="add mod">
-          <ac:chgData name="김 지영" userId="6a163bdcc1d28b62" providerId="LiveId" clId="{30EB5C21-B2C8-46DF-8B4C-275489B064C1}" dt="2018-09-25T17:08:43.717" v="5273" actId="1038"/>
-          <ac:spMkLst>
-            <pc:docMk/>
-            <pc:sldMk cId="370430953" sldId="267"/>
-            <ac:spMk id="32" creationId="{02C8E0AE-5D6E-4A92-9408-A6DDF9C8093E}"/>
-          </ac:spMkLst>
-        </pc:spChg>
-        <pc:spChg chg="add mod">
-          <ac:chgData name="김 지영" userId="6a163bdcc1d28b62" providerId="LiveId" clId="{30EB5C21-B2C8-46DF-8B4C-275489B064C1}" dt="2018-09-25T17:18:50.300" v="6067" actId="20577"/>
-          <ac:spMkLst>
-            <pc:docMk/>
-            <pc:sldMk cId="370430953" sldId="267"/>
-            <ac:spMk id="33" creationId="{0E85DBA0-FA98-4E40-AF2F-2B4C1DAC1279}"/>
-          </ac:spMkLst>
-        </pc:spChg>
-        <pc:spChg chg="add del mod">
-          <ac:chgData name="김 지영" userId="6a163bdcc1d28b62" providerId="LiveId" clId="{30EB5C21-B2C8-46DF-8B4C-275489B064C1}" dt="2018-09-25T17:11:00.462" v="5503"/>
-          <ac:spMkLst>
-            <pc:docMk/>
-            <pc:sldMk cId="370430953" sldId="267"/>
-            <ac:spMk id="34" creationId="{796CA743-0C79-49DF-B876-0F49EA853FDC}"/>
-          </ac:spMkLst>
-        </pc:spChg>
-        <pc:spChg chg="add mod">
-          <ac:chgData name="김 지영" userId="6a163bdcc1d28b62" providerId="LiveId" clId="{30EB5C21-B2C8-46DF-8B4C-275489B064C1}" dt="2018-09-25T17:18:31.015" v="6054" actId="14100"/>
-          <ac:spMkLst>
-            <pc:docMk/>
-            <pc:sldMk cId="370430953" sldId="267"/>
-            <ac:spMk id="35" creationId="{38EA902A-6339-41C4-BA36-FACE546CEBAC}"/>
-          </ac:spMkLst>
-        </pc:spChg>
-        <pc:spChg chg="add mod">
-          <ac:chgData name="김 지영" userId="6a163bdcc1d28b62" providerId="LiveId" clId="{30EB5C21-B2C8-46DF-8B4C-275489B064C1}" dt="2018-09-25T17:19:50.481" v="6123" actId="207"/>
-          <ac:spMkLst>
-            <pc:docMk/>
-            <pc:sldMk cId="370430953" sldId="267"/>
-            <ac:spMk id="36" creationId="{ACB3D07F-8C90-4728-8CF4-A42510D22722}"/>
-          </ac:spMkLst>
-        </pc:spChg>
-        <pc:picChg chg="add mod">
-          <ac:chgData name="김 지영" userId="6a163bdcc1d28b62" providerId="LiveId" clId="{30EB5C21-B2C8-46DF-8B4C-275489B064C1}" dt="2018-09-25T17:19:00.189" v="6078" actId="1035"/>
-          <ac:picMkLst>
-            <pc:docMk/>
-            <pc:sldMk cId="370430953" sldId="267"/>
-            <ac:picMk id="6" creationId="{3B3A3FC3-80BC-4EB5-A9B1-1F7F65C5B6BD}"/>
-          </ac:picMkLst>
-        </pc:picChg>
-        <pc:picChg chg="add del mod">
-          <ac:chgData name="김 지영" userId="6a163bdcc1d28b62" providerId="LiveId" clId="{30EB5C21-B2C8-46DF-8B4C-275489B064C1}" dt="2018-09-25T17:00:42.147" v="4641" actId="478"/>
-          <ac:picMkLst>
-            <pc:docMk/>
-            <pc:sldMk cId="370430953" sldId="267"/>
-            <ac:picMk id="11" creationId="{8BCDED21-9D4C-4069-AABD-A45BD0175F00}"/>
-          </ac:picMkLst>
-        </pc:picChg>
-        <pc:picChg chg="add del mod">
-          <ac:chgData name="김 지영" userId="6a163bdcc1d28b62" providerId="LiveId" clId="{30EB5C21-B2C8-46DF-8B4C-275489B064C1}" dt="2018-09-25T17:00:42.715" v="4642" actId="478"/>
-          <ac:picMkLst>
-            <pc:docMk/>
-            <pc:sldMk cId="370430953" sldId="267"/>
-            <ac:picMk id="14" creationId="{20016EF8-1AFE-4FD0-94CE-3FDC7D7239FC}"/>
-          </ac:picMkLst>
-        </pc:picChg>
-        <pc:picChg chg="add mod modCrop">
-          <ac:chgData name="김 지영" userId="6a163bdcc1d28b62" providerId="LiveId" clId="{30EB5C21-B2C8-46DF-8B4C-275489B064C1}" dt="2018-09-25T17:08:43.717" v="5273" actId="1038"/>
-          <ac:picMkLst>
-            <pc:docMk/>
-            <pc:sldMk cId="370430953" sldId="267"/>
-            <ac:picMk id="15" creationId="{12CA7D0C-0641-4DCF-86F3-8E114825AB19}"/>
-          </ac:picMkLst>
-        </pc:picChg>
-        <pc:picChg chg="add mod">
-          <ac:chgData name="김 지영" userId="6a163bdcc1d28b62" providerId="LiveId" clId="{30EB5C21-B2C8-46DF-8B4C-275489B064C1}" dt="2018-09-25T16:57:29.505" v="4352" actId="1076"/>
-          <ac:picMkLst>
-            <pc:docMk/>
-            <pc:sldMk cId="370430953" sldId="267"/>
-            <ac:picMk id="16" creationId="{50DD4CB5-ADC5-44C2-8AE2-A377C04BAB1B}"/>
-          </ac:picMkLst>
-        </pc:picChg>
-        <pc:picChg chg="add mod">
-          <ac:chgData name="김 지영" userId="6a163bdcc1d28b62" providerId="LiveId" clId="{30EB5C21-B2C8-46DF-8B4C-275489B064C1}" dt="2018-09-25T16:57:56.514" v="4358" actId="1076"/>
-          <ac:picMkLst>
-            <pc:docMk/>
-            <pc:sldMk cId="370430953" sldId="267"/>
-            <ac:picMk id="17" creationId="{589C8F11-D4CF-48C4-99AF-798D2F02843F}"/>
-          </ac:picMkLst>
-        </pc:picChg>
-        <pc:picChg chg="add mod">
-          <ac:chgData name="김 지영" userId="6a163bdcc1d28b62" providerId="LiveId" clId="{30EB5C21-B2C8-46DF-8B4C-275489B064C1}" dt="2018-09-25T17:08:43.717" v="5273" actId="1038"/>
-          <ac:picMkLst>
-            <pc:docMk/>
-            <pc:sldMk cId="370430953" sldId="267"/>
-            <ac:picMk id="23" creationId="{9D9AD1EE-DF4D-4529-B814-BB498CBFF592}"/>
-          </ac:picMkLst>
-        </pc:picChg>
-        <pc:picChg chg="add mod">
-          <ac:chgData name="김 지영" userId="6a163bdcc1d28b62" providerId="LiveId" clId="{30EB5C21-B2C8-46DF-8B4C-275489B064C1}" dt="2018-09-25T17:08:43.717" v="5273" actId="1038"/>
-          <ac:picMkLst>
-            <pc:docMk/>
-            <pc:sldMk cId="370430953" sldId="267"/>
-            <ac:picMk id="24" creationId="{232DB73E-A79E-44EA-8515-9FE526A7B772}"/>
-          </ac:picMkLst>
-        </pc:picChg>
-        <pc:picChg chg="add mod">
-          <ac:chgData name="김 지영" userId="6a163bdcc1d28b62" providerId="LiveId" clId="{30EB5C21-B2C8-46DF-8B4C-275489B064C1}" dt="2018-09-25T17:07:07.665" v="5047" actId="208"/>
-          <ac:picMkLst>
-            <pc:docMk/>
-            <pc:sldMk cId="370430953" sldId="267"/>
-            <ac:picMk id="30" creationId="{D94867D0-1197-4321-A82D-8FB84C169445}"/>
-          </ac:picMkLst>
-        </pc:picChg>
-        <pc:cxnChg chg="add mod">
-          <ac:chgData name="김 지영" userId="6a163bdcc1d28b62" providerId="LiveId" clId="{30EB5C21-B2C8-46DF-8B4C-275489B064C1}" dt="2018-09-25T17:08:48.563" v="5284" actId="1038"/>
-          <ac:cxnSpMkLst>
-            <pc:docMk/>
-            <pc:sldMk cId="370430953" sldId="267"/>
-            <ac:cxnSpMk id="22" creationId="{0225D5FC-050B-486A-B810-C837DB7B08A7}"/>
-          </ac:cxnSpMkLst>
-        </pc:cxnChg>
-        <pc:cxnChg chg="add mod">
-          <ac:chgData name="김 지영" userId="6a163bdcc1d28b62" providerId="LiveId" clId="{30EB5C21-B2C8-46DF-8B4C-275489B064C1}" dt="2018-09-25T17:20:04.144" v="6124" actId="11529"/>
-          <ac:cxnSpMkLst>
-            <pc:docMk/>
-            <pc:sldMk cId="370430953" sldId="267"/>
-            <ac:cxnSpMk id="38" creationId="{B796E930-5F34-4D57-8DE6-286EC216650B}"/>
-          </ac:cxnSpMkLst>
-        </pc:cxnChg>
-      </pc:sldChg>
-      <pc:sldChg chg="addSp modSp">
-        <pc:chgData name="김 지영" userId="6a163bdcc1d28b62" providerId="LiveId" clId="{30EB5C21-B2C8-46DF-8B4C-275489B064C1}" dt="2018-09-25T17:42:51.430" v="7086" actId="2711"/>
-        <pc:sldMkLst>
-          <pc:docMk/>
-          <pc:sldMk cId="574112230" sldId="268"/>
-        </pc:sldMkLst>
-        <pc:spChg chg="mod">
-          <ac:chgData name="김 지영" userId="6a163bdcc1d28b62" providerId="LiveId" clId="{30EB5C21-B2C8-46DF-8B4C-275489B064C1}" dt="2018-09-25T13:28:41.608" v="6" actId="2711"/>
-          <ac:spMkLst>
-            <pc:docMk/>
-            <pc:sldMk cId="574112230" sldId="268"/>
-            <ac:spMk id="2" creationId="{EBA39F9C-68A0-4A7C-A7E9-3C9DC93023E0}"/>
-          </ac:spMkLst>
-        </pc:spChg>
-        <pc:graphicFrameChg chg="add mod modGraphic">
-          <ac:chgData name="김 지영" userId="6a163bdcc1d28b62" providerId="LiveId" clId="{30EB5C21-B2C8-46DF-8B4C-275489B064C1}" dt="2018-09-25T17:42:51.430" v="7086" actId="2711"/>
-          <ac:graphicFrameMkLst>
-            <pc:docMk/>
-            <pc:sldMk cId="574112230" sldId="268"/>
-            <ac:graphicFrameMk id="7" creationId="{C4338E28-F544-4222-8ECF-B73858DD92EB}"/>
-          </ac:graphicFrameMkLst>
-        </pc:graphicFrameChg>
-      </pc:sldChg>
-      <pc:sldChg chg="addSp modSp">
-        <pc:chgData name="김 지영" userId="6a163bdcc1d28b62" providerId="LiveId" clId="{30EB5C21-B2C8-46DF-8B4C-275489B064C1}" dt="2018-09-25T17:43:06.026" v="7097" actId="1036"/>
-        <pc:sldMkLst>
-          <pc:docMk/>
-          <pc:sldMk cId="75780149" sldId="269"/>
-        </pc:sldMkLst>
-        <pc:spChg chg="mod">
-          <ac:chgData name="김 지영" userId="6a163bdcc1d28b62" providerId="LiveId" clId="{30EB5C21-B2C8-46DF-8B4C-275489B064C1}" dt="2018-09-25T13:28:49.907" v="7" actId="2711"/>
-          <ac:spMkLst>
-            <pc:docMk/>
-            <pc:sldMk cId="75780149" sldId="269"/>
-            <ac:spMk id="2" creationId="{EBA39F9C-68A0-4A7C-A7E9-3C9DC93023E0}"/>
-          </ac:spMkLst>
-        </pc:spChg>
-        <pc:graphicFrameChg chg="add mod modGraphic">
-          <ac:chgData name="김 지영" userId="6a163bdcc1d28b62" providerId="LiveId" clId="{30EB5C21-B2C8-46DF-8B4C-275489B064C1}" dt="2018-09-25T17:43:06.026" v="7097" actId="1036"/>
-          <ac:graphicFrameMkLst>
-            <pc:docMk/>
-            <pc:sldMk cId="75780149" sldId="269"/>
-            <ac:graphicFrameMk id="6" creationId="{1C127317-B159-4673-912F-1FAF84C6BC45}"/>
-          </ac:graphicFrameMkLst>
-        </pc:graphicFrameChg>
-      </pc:sldChg>
-      <pc:sldChg chg="addSp delSp modSp add del">
-        <pc:chgData name="김 지영" userId="6a163bdcc1d28b62" providerId="LiveId" clId="{30EB5C21-B2C8-46DF-8B4C-275489B064C1}" dt="2018-09-25T13:52:44.095" v="190" actId="2696"/>
-        <pc:sldMkLst>
-          <pc:docMk/>
-          <pc:sldMk cId="1370133645" sldId="270"/>
-        </pc:sldMkLst>
-        <pc:spChg chg="mod">
-          <ac:chgData name="김 지영" userId="6a163bdcc1d28b62" providerId="LiveId" clId="{30EB5C21-B2C8-46DF-8B4C-275489B064C1}" dt="2018-09-25T13:50:10.804" v="178"/>
-          <ac:spMkLst>
-            <pc:docMk/>
-            <pc:sldMk cId="1370133645" sldId="270"/>
-            <ac:spMk id="2" creationId="{EBA39F9C-68A0-4A7C-A7E9-3C9DC93023E0}"/>
-          </ac:spMkLst>
-        </pc:spChg>
-        <pc:picChg chg="add">
-          <ac:chgData name="김 지영" userId="6a163bdcc1d28b62" providerId="LiveId" clId="{30EB5C21-B2C8-46DF-8B4C-275489B064C1}" dt="2018-09-25T13:50:15.855" v="180"/>
-          <ac:picMkLst>
-            <pc:docMk/>
-            <pc:sldMk cId="1370133645" sldId="270"/>
-            <ac:picMk id="4" creationId="{11D560A7-AED8-4F45-8A6F-44410266C245}"/>
-          </ac:picMkLst>
-        </pc:picChg>
-        <pc:picChg chg="del">
-          <ac:chgData name="김 지영" userId="6a163bdcc1d28b62" providerId="LiveId" clId="{30EB5C21-B2C8-46DF-8B4C-275489B064C1}" dt="2018-09-25T13:50:12.225" v="179" actId="478"/>
-          <ac:picMkLst>
-            <pc:docMk/>
-            <pc:sldMk cId="1370133645" sldId="270"/>
-            <ac:picMk id="10" creationId="{1558CC2F-5957-4FBE-A429-AB8CB977480C}"/>
-          </ac:picMkLst>
-        </pc:picChg>
-      </pc:sldChg>
-      <pc:sldChg chg="addSp delSp modSp add">
-        <pc:chgData name="김 지영" userId="6a163bdcc1d28b62" providerId="LiveId" clId="{30EB5C21-B2C8-46DF-8B4C-275489B064C1}" dt="2018-09-25T17:32:17.222" v="6453" actId="196"/>
-        <pc:sldMkLst>
-          <pc:docMk/>
-          <pc:sldMk cId="2051454027" sldId="270"/>
-        </pc:sldMkLst>
-        <pc:spChg chg="mod">
-          <ac:chgData name="김 지영" userId="6a163bdcc1d28b62" providerId="LiveId" clId="{30EB5C21-B2C8-46DF-8B4C-275489B064C1}" dt="2018-09-25T15:35:01.618" v="2945" actId="207"/>
-          <ac:spMkLst>
-            <pc:docMk/>
-            <pc:sldMk cId="2051454027" sldId="270"/>
-            <ac:spMk id="4" creationId="{C540BE7A-29BD-4BE9-A10E-AD0A633F4CC5}"/>
-          </ac:spMkLst>
-        </pc:spChg>
-        <pc:spChg chg="mod">
-          <ac:chgData name="김 지영" userId="6a163bdcc1d28b62" providerId="LiveId" clId="{30EB5C21-B2C8-46DF-8B4C-275489B064C1}" dt="2018-09-25T15:23:10.979" v="2270" actId="1076"/>
-          <ac:spMkLst>
-            <pc:docMk/>
-            <pc:sldMk cId="2051454027" sldId="270"/>
-            <ac:spMk id="6" creationId="{BF8F5B2F-6976-4062-B8BC-119E7CB035A4}"/>
-          </ac:spMkLst>
-        </pc:spChg>
-        <pc:spChg chg="add mod">
-          <ac:chgData name="김 지영" userId="6a163bdcc1d28b62" providerId="LiveId" clId="{30EB5C21-B2C8-46DF-8B4C-275489B064C1}" dt="2018-09-25T15:22:42.405" v="2262" actId="1076"/>
-          <ac:spMkLst>
-            <pc:docMk/>
-            <pc:sldMk cId="2051454027" sldId="270"/>
-            <ac:spMk id="9" creationId="{863C5938-B080-46E6-A35F-4800A473740A}"/>
-          </ac:spMkLst>
-        </pc:spChg>
-        <pc:spChg chg="add mod">
-          <ac:chgData name="김 지영" userId="6a163bdcc1d28b62" providerId="LiveId" clId="{30EB5C21-B2C8-46DF-8B4C-275489B064C1}" dt="2018-09-25T15:22:42.405" v="2262" actId="1076"/>
-          <ac:spMkLst>
-            <pc:docMk/>
-            <pc:sldMk cId="2051454027" sldId="270"/>
-            <ac:spMk id="11" creationId="{A9BD34A7-E681-4DB9-9473-168084454316}"/>
-          </ac:spMkLst>
-        </pc:spChg>
-        <pc:spChg chg="add del mod">
-          <ac:chgData name="김 지영" userId="6a163bdcc1d28b62" providerId="LiveId" clId="{30EB5C21-B2C8-46DF-8B4C-275489B064C1}" dt="2018-09-25T14:59:20.367" v="1468" actId="478"/>
-          <ac:spMkLst>
-            <pc:docMk/>
-            <pc:sldMk cId="2051454027" sldId="270"/>
-            <ac:spMk id="12" creationId="{6BB7E6D2-2D9E-48B6-8BE0-5027653FEBBA}"/>
-          </ac:spMkLst>
-        </pc:spChg>
-        <pc:spChg chg="add del mod">
-          <ac:chgData name="김 지영" userId="6a163bdcc1d28b62" providerId="LiveId" clId="{30EB5C21-B2C8-46DF-8B4C-275489B064C1}" dt="2018-09-25T14:59:20.367" v="1468" actId="478"/>
-          <ac:spMkLst>
-            <pc:docMk/>
-            <pc:sldMk cId="2051454027" sldId="270"/>
-            <ac:spMk id="13" creationId="{8BB7C77C-E796-416E-8A5E-C072DBC5A3F3}"/>
-          </ac:spMkLst>
-        </pc:spChg>
-        <pc:spChg chg="add mod">
-          <ac:chgData name="김 지영" userId="6a163bdcc1d28b62" providerId="LiveId" clId="{30EB5C21-B2C8-46DF-8B4C-275489B064C1}" dt="2018-09-25T15:22:42.405" v="2262" actId="1076"/>
-          <ac:spMkLst>
-            <pc:docMk/>
-            <pc:sldMk cId="2051454027" sldId="270"/>
-            <ac:spMk id="15" creationId="{E79CFDC8-6E87-4672-9A7B-F30C73371031}"/>
-          </ac:spMkLst>
-        </pc:spChg>
-        <pc:spChg chg="add mod">
-          <ac:chgData name="김 지영" userId="6a163bdcc1d28b62" providerId="LiveId" clId="{30EB5C21-B2C8-46DF-8B4C-275489B064C1}" dt="2018-09-25T15:22:42.405" v="2262" actId="1076"/>
-          <ac:spMkLst>
-            <pc:docMk/>
-            <pc:sldMk cId="2051454027" sldId="270"/>
-            <ac:spMk id="16" creationId="{14EAC522-CBB7-478B-8B2C-75AEAD28D85A}"/>
-          </ac:spMkLst>
-        </pc:spChg>
-        <pc:spChg chg="add mod">
-          <ac:chgData name="김 지영" userId="6a163bdcc1d28b62" providerId="LiveId" clId="{30EB5C21-B2C8-46DF-8B4C-275489B064C1}" dt="2018-09-25T15:20:14.476" v="2225" actId="207"/>
-          <ac:spMkLst>
-            <pc:docMk/>
-            <pc:sldMk cId="2051454027" sldId="270"/>
-            <ac:spMk id="17" creationId="{AA5ABC03-E2B7-4FE5-9C4A-2E008102DC91}"/>
-          </ac:spMkLst>
-        </pc:spChg>
-        <pc:spChg chg="add mod">
-          <ac:chgData name="김 지영" userId="6a163bdcc1d28b62" providerId="LiveId" clId="{30EB5C21-B2C8-46DF-8B4C-275489B064C1}" dt="2018-09-25T15:02:24.726" v="1613"/>
-          <ac:spMkLst>
-            <pc:docMk/>
-            <pc:sldMk cId="2051454027" sldId="270"/>
-            <ac:spMk id="18" creationId="{E79CD525-BD3E-4F6B-8CA9-8DA7D7A3CA21}"/>
-          </ac:spMkLst>
-        </pc:spChg>
-        <pc:spChg chg="add mod">
-          <ac:chgData name="김 지영" userId="6a163bdcc1d28b62" providerId="LiveId" clId="{30EB5C21-B2C8-46DF-8B4C-275489B064C1}" dt="2018-09-25T15:25:58.939" v="2587" actId="1076"/>
-          <ac:spMkLst>
-            <pc:docMk/>
-            <pc:sldMk cId="2051454027" sldId="270"/>
-            <ac:spMk id="20" creationId="{8D958CC9-667D-4E3A-89F4-4CB604E3C4B2}"/>
-          </ac:spMkLst>
-        </pc:spChg>
-        <pc:spChg chg="add mod">
-          <ac:chgData name="김 지영" userId="6a163bdcc1d28b62" providerId="LiveId" clId="{30EB5C21-B2C8-46DF-8B4C-275489B064C1}" dt="2018-09-25T15:35:12.120" v="2947" actId="207"/>
-          <ac:spMkLst>
-            <pc:docMk/>
-            <pc:sldMk cId="2051454027" sldId="270"/>
-            <ac:spMk id="21" creationId="{E66DEADD-C2B1-4D08-B1BA-23913CC78705}"/>
-          </ac:spMkLst>
-        </pc:spChg>
-        <pc:spChg chg="add mod">
-          <ac:chgData name="김 지영" userId="6a163bdcc1d28b62" providerId="LiveId" clId="{30EB5C21-B2C8-46DF-8B4C-275489B064C1}" dt="2018-09-25T15:26:23.873" v="2612"/>
-          <ac:spMkLst>
-            <pc:docMk/>
-            <pc:sldMk cId="2051454027" sldId="270"/>
-            <ac:spMk id="22" creationId="{E0431238-BE0E-43AD-901F-2A15BB812512}"/>
-          </ac:spMkLst>
-        </pc:spChg>
-        <pc:spChg chg="add mod">
-          <ac:chgData name="김 지영" userId="6a163bdcc1d28b62" providerId="LiveId" clId="{30EB5C21-B2C8-46DF-8B4C-275489B064C1}" dt="2018-09-25T15:28:31.631" v="2753"/>
-          <ac:spMkLst>
-            <pc:docMk/>
-            <pc:sldMk cId="2051454027" sldId="270"/>
-            <ac:spMk id="23" creationId="{A0FDE3A2-1323-45EB-8598-1F499B105586}"/>
-          </ac:spMkLst>
-        </pc:spChg>
-        <pc:spChg chg="add mod ord">
-          <ac:chgData name="김 지영" userId="6a163bdcc1d28b62" providerId="LiveId" clId="{30EB5C21-B2C8-46DF-8B4C-275489B064C1}" dt="2018-09-25T15:30:19.429" v="2796" actId="207"/>
-          <ac:spMkLst>
-            <pc:docMk/>
-            <pc:sldMk cId="2051454027" sldId="270"/>
-            <ac:spMk id="32" creationId="{A6E43BE9-BE2E-49B6-BA46-6ADB9BCAC4CC}"/>
-          </ac:spMkLst>
-        </pc:spChg>
-        <pc:spChg chg="add mod ord">
-          <ac:chgData name="김 지영" userId="6a163bdcc1d28b62" providerId="LiveId" clId="{30EB5C21-B2C8-46DF-8B4C-275489B064C1}" dt="2018-09-25T15:30:32.139" v="2802" actId="171"/>
-          <ac:spMkLst>
-            <pc:docMk/>
-            <pc:sldMk cId="2051454027" sldId="270"/>
-            <ac:spMk id="33" creationId="{D65F202C-5F88-4206-BF0A-931D0C51ABCB}"/>
-          </ac:spMkLst>
-        </pc:spChg>
-        <pc:spChg chg="add mod ord">
-          <ac:chgData name="김 지영" userId="6a163bdcc1d28b62" providerId="LiveId" clId="{30EB5C21-B2C8-46DF-8B4C-275489B064C1}" dt="2018-09-25T15:31:15.435" v="2826" actId="14100"/>
-          <ac:spMkLst>
-            <pc:docMk/>
-            <pc:sldMk cId="2051454027" sldId="270"/>
-            <ac:spMk id="34" creationId="{98A90DBD-A3A8-4D7E-88CE-6FE87D985AF4}"/>
-          </ac:spMkLst>
-        </pc:spChg>
-        <pc:picChg chg="add mod">
-          <ac:chgData name="김 지영" userId="6a163bdcc1d28b62" providerId="LiveId" clId="{30EB5C21-B2C8-46DF-8B4C-275489B064C1}" dt="2018-09-25T15:01:21.744" v="1597" actId="1076"/>
-          <ac:picMkLst>
-            <pc:docMk/>
-            <pc:sldMk cId="2051454027" sldId="270"/>
-            <ac:picMk id="14" creationId="{3D1406C3-3840-405C-B7B5-35406C844E63}"/>
-          </ac:picMkLst>
-        </pc:picChg>
-        <pc:picChg chg="add mod">
-          <ac:chgData name="김 지영" userId="6a163bdcc1d28b62" providerId="LiveId" clId="{30EB5C21-B2C8-46DF-8B4C-275489B064C1}" dt="2018-09-25T17:32:17.222" v="6453" actId="196"/>
-          <ac:picMkLst>
-            <pc:docMk/>
-            <pc:sldMk cId="2051454027" sldId="270"/>
-            <ac:picMk id="19" creationId="{73F3BB3D-73BB-46ED-95C3-C8EF5AE38090}"/>
-          </ac:picMkLst>
-        </pc:picChg>
-        <pc:cxnChg chg="add del mod">
-          <ac:chgData name="김 지영" userId="6a163bdcc1d28b62" providerId="LiveId" clId="{30EB5C21-B2C8-46DF-8B4C-275489B064C1}" dt="2018-09-25T15:29:28.614" v="2790" actId="11529"/>
-          <ac:cxnSpMkLst>
-            <pc:docMk/>
-            <pc:sldMk cId="2051454027" sldId="270"/>
-            <ac:cxnSpMk id="25" creationId="{80F43559-4EEE-42FB-9BD3-0022DD80DD02}"/>
-          </ac:cxnSpMkLst>
-        </pc:cxnChg>
-        <pc:cxnChg chg="add del mod">
-          <ac:chgData name="김 지영" userId="6a163bdcc1d28b62" providerId="LiveId" clId="{30EB5C21-B2C8-46DF-8B4C-275489B064C1}" dt="2018-09-25T15:28:58.616" v="2756" actId="11529"/>
-          <ac:cxnSpMkLst>
-            <pc:docMk/>
-            <pc:sldMk cId="2051454027" sldId="270"/>
-            <ac:cxnSpMk id="27" creationId="{A455D384-4B02-455F-A90F-BC9E9C28631E}"/>
-          </ac:cxnSpMkLst>
-        </pc:cxnChg>
-        <pc:cxnChg chg="add del mod">
-          <ac:chgData name="김 지영" userId="6a163bdcc1d28b62" providerId="LiveId" clId="{30EB5C21-B2C8-46DF-8B4C-275489B064C1}" dt="2018-09-25T15:29:28.110" v="2789"/>
-          <ac:cxnSpMkLst>
-            <pc:docMk/>
-            <pc:sldMk cId="2051454027" sldId="270"/>
-            <ac:cxnSpMk id="28" creationId="{A5ADDBEF-B16B-40EE-BBEA-65EB3883A147}"/>
-          </ac:cxnSpMkLst>
-        </pc:cxnChg>
-        <pc:cxnChg chg="add del mod">
-          <ac:chgData name="김 지영" userId="6a163bdcc1d28b62" providerId="LiveId" clId="{30EB5C21-B2C8-46DF-8B4C-275489B064C1}" dt="2018-09-25T15:29:25.016" v="2781"/>
-          <ac:cxnSpMkLst>
-            <pc:docMk/>
-            <pc:sldMk cId="2051454027" sldId="270"/>
-            <ac:cxnSpMk id="29" creationId="{FAAEC975-4CB8-43EA-BE7E-BC4B52474C69}"/>
-          </ac:cxnSpMkLst>
-        </pc:cxnChg>
-        <pc:cxnChg chg="add del mod">
-          <ac:chgData name="김 지영" userId="6a163bdcc1d28b62" providerId="LiveId" clId="{30EB5C21-B2C8-46DF-8B4C-275489B064C1}" dt="2018-09-25T15:29:23.782" v="2778"/>
-          <ac:cxnSpMkLst>
-            <pc:docMk/>
-            <pc:sldMk cId="2051454027" sldId="270"/>
-            <ac:cxnSpMk id="31" creationId="{E4667E2D-FFCC-4A7B-945B-E169BA0D86E6}"/>
-          </ac:cxnSpMkLst>
-        </pc:cxnChg>
-      </pc:sldChg>
-      <pc:sldChg chg="addSp delSp modSp add del modTransition">
-        <pc:chgData name="김 지영" userId="6a163bdcc1d28b62" providerId="LiveId" clId="{30EB5C21-B2C8-46DF-8B4C-275489B064C1}" dt="2018-09-25T17:40:48.884" v="6820"/>
-        <pc:sldMkLst>
-          <pc:docMk/>
-          <pc:sldMk cId="2210559762" sldId="271"/>
-        </pc:sldMkLst>
-        <pc:spChg chg="mod">
-          <ac:chgData name="김 지영" userId="6a163bdcc1d28b62" providerId="LiveId" clId="{30EB5C21-B2C8-46DF-8B4C-275489B064C1}" dt="2018-09-25T17:24:19.427" v="6182" actId="20577"/>
-          <ac:spMkLst>
-            <pc:docMk/>
-            <pc:sldMk cId="2210559762" sldId="271"/>
-            <ac:spMk id="2" creationId="{EBA39F9C-68A0-4A7C-A7E9-3C9DC93023E0}"/>
-          </ac:spMkLst>
-        </pc:spChg>
-        <pc:spChg chg="mod">
-          <ac:chgData name="김 지영" userId="6a163bdcc1d28b62" providerId="LiveId" clId="{30EB5C21-B2C8-46DF-8B4C-275489B064C1}" dt="2018-09-25T17:21:34.704" v="6178"/>
-          <ac:spMkLst>
-            <pc:docMk/>
-            <pc:sldMk cId="2210559762" sldId="271"/>
-            <ac:spMk id="7" creationId="{6A7A6C49-DBD9-4DD6-B5C8-8D081C9C2D44}"/>
-          </ac:spMkLst>
-        </pc:spChg>
-        <pc:spChg chg="del">
-          <ac:chgData name="김 지영" userId="6a163bdcc1d28b62" providerId="LiveId" clId="{30EB5C21-B2C8-46DF-8B4C-275489B064C1}" dt="2018-09-25T17:21:21.491" v="6129" actId="478"/>
-          <ac:spMkLst>
-            <pc:docMk/>
-            <pc:sldMk cId="2210559762" sldId="271"/>
-            <ac:spMk id="8" creationId="{FA001588-1F95-4632-A5B7-C177D6012934}"/>
-          </ac:spMkLst>
-        </pc:spChg>
-        <pc:spChg chg="del">
-          <ac:chgData name="김 지영" userId="6a163bdcc1d28b62" providerId="LiveId" clId="{30EB5C21-B2C8-46DF-8B4C-275489B064C1}" dt="2018-09-25T17:21:21.491" v="6129" actId="478"/>
-          <ac:spMkLst>
-            <pc:docMk/>
-            <pc:sldMk cId="2210559762" sldId="271"/>
-            <ac:spMk id="18" creationId="{1D4215EA-16F1-4B0F-9A8C-73791067445A}"/>
-          </ac:spMkLst>
-        </pc:spChg>
-        <pc:spChg chg="del">
-          <ac:chgData name="김 지영" userId="6a163bdcc1d28b62" providerId="LiveId" clId="{30EB5C21-B2C8-46DF-8B4C-275489B064C1}" dt="2018-09-25T17:21:21.491" v="6129" actId="478"/>
-          <ac:spMkLst>
-            <pc:docMk/>
-            <pc:sldMk cId="2210559762" sldId="271"/>
-            <ac:spMk id="19" creationId="{AB9C1F4C-FD16-46A8-8F92-44AB99376850}"/>
-          </ac:spMkLst>
-        </pc:spChg>
-        <pc:spChg chg="del">
-          <ac:chgData name="김 지영" userId="6a163bdcc1d28b62" providerId="LiveId" clId="{30EB5C21-B2C8-46DF-8B4C-275489B064C1}" dt="2018-09-25T17:21:21.491" v="6129" actId="478"/>
-          <ac:spMkLst>
-            <pc:docMk/>
-            <pc:sldMk cId="2210559762" sldId="271"/>
-            <ac:spMk id="20" creationId="{DBBF0F29-BA44-47A7-8E19-733552C8B30D}"/>
-          </ac:spMkLst>
-        </pc:spChg>
-        <pc:spChg chg="del">
-          <ac:chgData name="김 지영" userId="6a163bdcc1d28b62" providerId="LiveId" clId="{30EB5C21-B2C8-46DF-8B4C-275489B064C1}" dt="2018-09-25T17:21:21.491" v="6129" actId="478"/>
-          <ac:spMkLst>
-            <pc:docMk/>
-            <pc:sldMk cId="2210559762" sldId="271"/>
-            <ac:spMk id="25" creationId="{81F6D1BE-509D-4240-893E-26A3D48794AD}"/>
-          </ac:spMkLst>
-        </pc:spChg>
-        <pc:spChg chg="del">
-          <ac:chgData name="김 지영" userId="6a163bdcc1d28b62" providerId="LiveId" clId="{30EB5C21-B2C8-46DF-8B4C-275489B064C1}" dt="2018-09-25T17:21:21.491" v="6129" actId="478"/>
-          <ac:spMkLst>
-            <pc:docMk/>
-            <pc:sldMk cId="2210559762" sldId="271"/>
-            <ac:spMk id="26" creationId="{E7394582-1368-446F-8BF5-5F5EA866CC56}"/>
-          </ac:spMkLst>
-        </pc:spChg>
-        <pc:spChg chg="del">
-          <ac:chgData name="김 지영" userId="6a163bdcc1d28b62" providerId="LiveId" clId="{30EB5C21-B2C8-46DF-8B4C-275489B064C1}" dt="2018-09-25T17:21:21.491" v="6129" actId="478"/>
-          <ac:spMkLst>
-            <pc:docMk/>
-            <pc:sldMk cId="2210559762" sldId="271"/>
-            <ac:spMk id="27" creationId="{B69D1C34-716D-44DC-BAD6-2DA50EE50210}"/>
-          </ac:spMkLst>
-        </pc:spChg>
-        <pc:spChg chg="del">
-          <ac:chgData name="김 지영" userId="6a163bdcc1d28b62" providerId="LiveId" clId="{30EB5C21-B2C8-46DF-8B4C-275489B064C1}" dt="2018-09-25T17:21:21.491" v="6129" actId="478"/>
-          <ac:spMkLst>
-            <pc:docMk/>
-            <pc:sldMk cId="2210559762" sldId="271"/>
-            <ac:spMk id="28" creationId="{55F2D1D2-5635-4594-A3F1-D754DFCCFB97}"/>
-          </ac:spMkLst>
-        </pc:spChg>
-        <pc:spChg chg="del">
-          <ac:chgData name="김 지영" userId="6a163bdcc1d28b62" providerId="LiveId" clId="{30EB5C21-B2C8-46DF-8B4C-275489B064C1}" dt="2018-09-25T17:21:21.491" v="6129" actId="478"/>
-          <ac:spMkLst>
-            <pc:docMk/>
-            <pc:sldMk cId="2210559762" sldId="271"/>
-            <ac:spMk id="29" creationId="{118CBD90-667F-4527-A3DF-D3CF7716AF4C}"/>
-          </ac:spMkLst>
-        </pc:spChg>
-        <pc:spChg chg="del">
-          <ac:chgData name="김 지영" userId="6a163bdcc1d28b62" providerId="LiveId" clId="{30EB5C21-B2C8-46DF-8B4C-275489B064C1}" dt="2018-09-25T17:21:21.491" v="6129" actId="478"/>
-          <ac:spMkLst>
-            <pc:docMk/>
-            <pc:sldMk cId="2210559762" sldId="271"/>
-            <ac:spMk id="31" creationId="{C992976F-A3BC-40DB-8604-4E5A4EF87084}"/>
-          </ac:spMkLst>
-        </pc:spChg>
-        <pc:spChg chg="del">
-          <ac:chgData name="김 지영" userId="6a163bdcc1d28b62" providerId="LiveId" clId="{30EB5C21-B2C8-46DF-8B4C-275489B064C1}" dt="2018-09-25T17:21:21.491" v="6129" actId="478"/>
-          <ac:spMkLst>
-            <pc:docMk/>
-            <pc:sldMk cId="2210559762" sldId="271"/>
-            <ac:spMk id="32" creationId="{02C8E0AE-5D6E-4A92-9408-A6DDF9C8093E}"/>
-          </ac:spMkLst>
-        </pc:spChg>
-        <pc:spChg chg="del">
-          <ac:chgData name="김 지영" userId="6a163bdcc1d28b62" providerId="LiveId" clId="{30EB5C21-B2C8-46DF-8B4C-275489B064C1}" dt="2018-09-25T17:21:21.491" v="6129" actId="478"/>
-          <ac:spMkLst>
-            <pc:docMk/>
-            <pc:sldMk cId="2210559762" sldId="271"/>
-            <ac:spMk id="33" creationId="{0E85DBA0-FA98-4E40-AF2F-2B4C1DAC1279}"/>
-          </ac:spMkLst>
-        </pc:spChg>
-        <pc:spChg chg="del">
-          <ac:chgData name="김 지영" userId="6a163bdcc1d28b62" providerId="LiveId" clId="{30EB5C21-B2C8-46DF-8B4C-275489B064C1}" dt="2018-09-25T17:21:21.491" v="6129" actId="478"/>
-          <ac:spMkLst>
-            <pc:docMk/>
-            <pc:sldMk cId="2210559762" sldId="271"/>
-            <ac:spMk id="35" creationId="{38EA902A-6339-41C4-BA36-FACE546CEBAC}"/>
-          </ac:spMkLst>
-        </pc:spChg>
-        <pc:spChg chg="del">
-          <ac:chgData name="김 지영" userId="6a163bdcc1d28b62" providerId="LiveId" clId="{30EB5C21-B2C8-46DF-8B4C-275489B064C1}" dt="2018-09-25T17:21:21.491" v="6129" actId="478"/>
-          <ac:spMkLst>
-            <pc:docMk/>
-            <pc:sldMk cId="2210559762" sldId="271"/>
-            <ac:spMk id="36" creationId="{ACB3D07F-8C90-4728-8CF4-A42510D22722}"/>
-          </ac:spMkLst>
-        </pc:spChg>
-        <pc:graphicFrameChg chg="add del">
-          <ac:chgData name="김 지영" userId="6a163bdcc1d28b62" providerId="LiveId" clId="{30EB5C21-B2C8-46DF-8B4C-275489B064C1}" dt="2018-09-25T17:40:48.884" v="6820"/>
-          <ac:graphicFrameMkLst>
-            <pc:docMk/>
-            <pc:sldMk cId="2210559762" sldId="271"/>
-            <ac:graphicFrameMk id="34" creationId="{03F141BD-4102-4E3D-96CF-1BF4CEF1307F}"/>
-          </ac:graphicFrameMkLst>
-        </pc:graphicFrameChg>
-        <pc:picChg chg="del">
-          <ac:chgData name="김 지영" userId="6a163bdcc1d28b62" providerId="LiveId" clId="{30EB5C21-B2C8-46DF-8B4C-275489B064C1}" dt="2018-09-25T17:21:21.491" v="6129" actId="478"/>
-          <ac:picMkLst>
-            <pc:docMk/>
-            <pc:sldMk cId="2210559762" sldId="271"/>
-            <ac:picMk id="6" creationId="{3B3A3FC3-80BC-4EB5-A9B1-1F7F65C5B6BD}"/>
-          </ac:picMkLst>
-        </pc:picChg>
-        <pc:picChg chg="mod">
-          <ac:chgData name="김 지영" userId="6a163bdcc1d28b62" providerId="LiveId" clId="{30EB5C21-B2C8-46DF-8B4C-275489B064C1}" dt="2018-09-25T17:21:18.043" v="6128" actId="1076"/>
-          <ac:picMkLst>
-            <pc:docMk/>
-            <pc:sldMk cId="2210559762" sldId="271"/>
-            <ac:picMk id="10" creationId="{1558CC2F-5957-4FBE-A429-AB8CB977480C}"/>
-          </ac:picMkLst>
-        </pc:picChg>
-        <pc:picChg chg="del">
-          <ac:chgData name="김 지영" userId="6a163bdcc1d28b62" providerId="LiveId" clId="{30EB5C21-B2C8-46DF-8B4C-275489B064C1}" dt="2018-09-25T17:21:21.491" v="6129" actId="478"/>
-          <ac:picMkLst>
-            <pc:docMk/>
-            <pc:sldMk cId="2210559762" sldId="271"/>
-            <ac:picMk id="15" creationId="{12CA7D0C-0641-4DCF-86F3-8E114825AB19}"/>
-          </ac:picMkLst>
-        </pc:picChg>
-        <pc:picChg chg="del">
-          <ac:chgData name="김 지영" userId="6a163bdcc1d28b62" providerId="LiveId" clId="{30EB5C21-B2C8-46DF-8B4C-275489B064C1}" dt="2018-09-25T17:21:21.491" v="6129" actId="478"/>
-          <ac:picMkLst>
-            <pc:docMk/>
-            <pc:sldMk cId="2210559762" sldId="271"/>
-            <ac:picMk id="16" creationId="{50DD4CB5-ADC5-44C2-8AE2-A377C04BAB1B}"/>
-          </ac:picMkLst>
-        </pc:picChg>
-        <pc:picChg chg="del">
-          <ac:chgData name="김 지영" userId="6a163bdcc1d28b62" providerId="LiveId" clId="{30EB5C21-B2C8-46DF-8B4C-275489B064C1}" dt="2018-09-25T17:21:21.491" v="6129" actId="478"/>
-          <ac:picMkLst>
-            <pc:docMk/>
-            <pc:sldMk cId="2210559762" sldId="271"/>
-            <ac:picMk id="17" creationId="{589C8F11-D4CF-48C4-99AF-798D2F02843F}"/>
-          </ac:picMkLst>
-        </pc:picChg>
-        <pc:picChg chg="del">
-          <ac:chgData name="김 지영" userId="6a163bdcc1d28b62" providerId="LiveId" clId="{30EB5C21-B2C8-46DF-8B4C-275489B064C1}" dt="2018-09-25T17:21:21.491" v="6129" actId="478"/>
-          <ac:picMkLst>
-            <pc:docMk/>
-            <pc:sldMk cId="2210559762" sldId="271"/>
-            <ac:picMk id="23" creationId="{9D9AD1EE-DF4D-4529-B814-BB498CBFF592}"/>
-          </ac:picMkLst>
-        </pc:picChg>
-        <pc:picChg chg="del">
-          <ac:chgData name="김 지영" userId="6a163bdcc1d28b62" providerId="LiveId" clId="{30EB5C21-B2C8-46DF-8B4C-275489B064C1}" dt="2018-09-25T17:21:21.491" v="6129" actId="478"/>
-          <ac:picMkLst>
-            <pc:docMk/>
-            <pc:sldMk cId="2210559762" sldId="271"/>
-            <ac:picMk id="24" creationId="{232DB73E-A79E-44EA-8515-9FE526A7B772}"/>
-          </ac:picMkLst>
-        </pc:picChg>
-        <pc:picChg chg="del">
-          <ac:chgData name="김 지영" userId="6a163bdcc1d28b62" providerId="LiveId" clId="{30EB5C21-B2C8-46DF-8B4C-275489B064C1}" dt="2018-09-25T17:21:21.491" v="6129" actId="478"/>
-          <ac:picMkLst>
-            <pc:docMk/>
-            <pc:sldMk cId="2210559762" sldId="271"/>
-            <ac:picMk id="30" creationId="{D94867D0-1197-4321-A82D-8FB84C169445}"/>
-          </ac:picMkLst>
-        </pc:picChg>
-        <pc:cxnChg chg="del">
-          <ac:chgData name="김 지영" userId="6a163bdcc1d28b62" providerId="LiveId" clId="{30EB5C21-B2C8-46DF-8B4C-275489B064C1}" dt="2018-09-25T17:21:21.491" v="6129" actId="478"/>
-          <ac:cxnSpMkLst>
-            <pc:docMk/>
-            <pc:sldMk cId="2210559762" sldId="271"/>
-            <ac:cxnSpMk id="22" creationId="{0225D5FC-050B-486A-B810-C837DB7B08A7}"/>
-          </ac:cxnSpMkLst>
-        </pc:cxnChg>
-        <pc:cxnChg chg="del">
-          <ac:chgData name="김 지영" userId="6a163bdcc1d28b62" providerId="LiveId" clId="{30EB5C21-B2C8-46DF-8B4C-275489B064C1}" dt="2018-09-25T17:21:21.491" v="6129" actId="478"/>
-          <ac:cxnSpMkLst>
-            <pc:docMk/>
-            <pc:sldMk cId="2210559762" sldId="271"/>
-            <ac:cxnSpMk id="38" creationId="{B796E930-5F34-4D57-8DE6-286EC216650B}"/>
-          </ac:cxnSpMkLst>
-        </pc:cxnChg>
-      </pc:sldChg>
-      <pc:sldChg chg="add del">
-        <pc:chgData name="김 지영" userId="6a163bdcc1d28b62" providerId="LiveId" clId="{30EB5C21-B2C8-46DF-8B4C-275489B064C1}" dt="2018-09-25T17:20:38.783" v="6125" actId="2696"/>
-        <pc:sldMkLst>
-          <pc:docMk/>
-          <pc:sldMk cId="3851025856" sldId="271"/>
-        </pc:sldMkLst>
-      </pc:sldChg>
-    </pc:docChg>
-  </pc:docChgLst>
-  <pc:docChgLst>
-    <pc:chgData name="김 지영" userId="6a163bdcc1d28b62" providerId="LiveId" clId="{08B50BAA-12EA-418B-A5CA-543369E8AA22}"/>
-    <pc:docChg chg="undo custSel mod addSld delSld modSld sldOrd modMainMaster">
-      <pc:chgData name="김 지영" userId="6a163bdcc1d28b62" providerId="LiveId" clId="{08B50BAA-12EA-418B-A5CA-543369E8AA22}" dt="2018-09-26T09:42:08.489" v="9778" actId="20577"/>
-      <pc:docMkLst>
-        <pc:docMk/>
-      </pc:docMkLst>
-      <pc:sldChg chg="addSp delSp modSp mod setBg setClrOvrMap">
-        <pc:chgData name="김 지영" userId="6a163bdcc1d28b62" providerId="LiveId" clId="{08B50BAA-12EA-418B-A5CA-543369E8AA22}" dt="2018-09-25T06:57:54.533" v="379" actId="2711"/>
-        <pc:sldMkLst>
-          <pc:docMk/>
-          <pc:sldMk cId="1784608836" sldId="256"/>
-        </pc:sldMkLst>
-        <pc:spChg chg="mod">
-          <ac:chgData name="김 지영" userId="6a163bdcc1d28b62" providerId="LiveId" clId="{08B50BAA-12EA-418B-A5CA-543369E8AA22}" dt="2018-09-25T06:57:54.533" v="379" actId="2711"/>
-          <ac:spMkLst>
-            <pc:docMk/>
-            <pc:sldMk cId="1784608836" sldId="256"/>
-            <ac:spMk id="2" creationId="{ED938150-7C02-4651-BC63-79451682DCEA}"/>
-          </ac:spMkLst>
-        </pc:spChg>
-        <pc:spChg chg="mod">
-          <ac:chgData name="김 지영" userId="6a163bdcc1d28b62" providerId="LiveId" clId="{08B50BAA-12EA-418B-A5CA-543369E8AA22}" dt="2018-09-25T06:40:05.223" v="287" actId="207"/>
-          <ac:spMkLst>
-            <pc:docMk/>
-            <pc:sldMk cId="1784608836" sldId="256"/>
-            <ac:spMk id="3" creationId="{7F4CD55E-95ED-492E-ADE2-F53DEE671098}"/>
-          </ac:spMkLst>
-        </pc:spChg>
-        <pc:spChg chg="add del">
-          <ac:chgData name="김 지영" userId="6a163bdcc1d28b62" providerId="LiveId" clId="{08B50BAA-12EA-418B-A5CA-543369E8AA22}" dt="2018-09-25T05:23:27.221" v="18" actId="26606"/>
-          <ac:spMkLst>
-            <pc:docMk/>
-            <pc:sldMk cId="1784608836" sldId="256"/>
-            <ac:spMk id="7" creationId="{BCC55ACC-A2F6-403C-A3A4-D59B3734D45F}"/>
-          </ac:spMkLst>
-        </pc:spChg>
-        <pc:spChg chg="add del">
-          <ac:chgData name="김 지영" userId="6a163bdcc1d28b62" providerId="LiveId" clId="{08B50BAA-12EA-418B-A5CA-543369E8AA22}" dt="2018-09-25T05:23:12.674" v="2" actId="26606"/>
-          <ac:spMkLst>
-            <pc:docMk/>
-            <pc:sldMk cId="1784608836" sldId="256"/>
-            <ac:spMk id="10" creationId="{87CC2527-562A-4F69-B487-4371E5B243E7}"/>
-          </ac:spMkLst>
-        </pc:spChg>
-        <pc:spChg chg="add del">
-          <ac:chgData name="김 지영" userId="6a163bdcc1d28b62" providerId="LiveId" clId="{08B50BAA-12EA-418B-A5CA-543369E8AA22}" dt="2018-09-25T06:04:34.704" v="23" actId="26606"/>
-          <ac:spMkLst>
-            <pc:docMk/>
-            <pc:sldMk cId="1784608836" sldId="256"/>
-            <ac:spMk id="13" creationId="{71B2258F-86CA-4D4D-8270-BC05FCDEBFB3}"/>
-          </ac:spMkLst>
-        </pc:spChg>
-        <pc:spChg chg="add del">
-          <ac:chgData name="김 지영" userId="6a163bdcc1d28b62" providerId="LiveId" clId="{08B50BAA-12EA-418B-A5CA-543369E8AA22}" dt="2018-09-25T05:23:14.728" v="4" actId="26606"/>
-          <ac:spMkLst>
-            <pc:docMk/>
-            <pc:sldMk cId="1784608836" sldId="256"/>
-            <ac:spMk id="14" creationId="{77DA6D33-2D62-458C-BF5D-DBF612FD557E}"/>
-          </ac:spMkLst>
-        </pc:spChg>
-        <pc:spChg chg="add del">
-          <ac:chgData name="김 지영" userId="6a163bdcc1d28b62" providerId="LiveId" clId="{08B50BAA-12EA-418B-A5CA-543369E8AA22}" dt="2018-09-25T05:23:14.728" v="4" actId="26606"/>
-          <ac:spMkLst>
-            <pc:docMk/>
-            <pc:sldMk cId="1784608836" sldId="256"/>
-            <ac:spMk id="15" creationId="{0BC9EFE1-D8CB-4668-9980-DB108327A794}"/>
-          </ac:spMkLst>
-        </pc:spChg>
-        <pc:spChg chg="add del">
-          <ac:chgData name="김 지영" userId="6a163bdcc1d28b62" providerId="LiveId" clId="{08B50BAA-12EA-418B-A5CA-543369E8AA22}" dt="2018-09-25T06:04:35.633" v="25" actId="26606"/>
-          <ac:spMkLst>
-            <pc:docMk/>
-            <pc:sldMk cId="1784608836" sldId="256"/>
-            <ac:spMk id="17" creationId="{77DA6D33-2D62-458C-BF5D-DBF612FD557E}"/>
-          </ac:spMkLst>
-        </pc:spChg>
-        <pc:spChg chg="add del">
-          <ac:chgData name="김 지영" userId="6a163bdcc1d28b62" providerId="LiveId" clId="{08B50BAA-12EA-418B-A5CA-543369E8AA22}" dt="2018-09-25T06:04:35.633" v="25" actId="26606"/>
-          <ac:spMkLst>
-            <pc:docMk/>
-            <pc:sldMk cId="1784608836" sldId="256"/>
-            <ac:spMk id="19" creationId="{0BC9EFE1-D8CB-4668-9980-DB108327A794}"/>
-          </ac:spMkLst>
-        </pc:spChg>
-        <pc:spChg chg="add del">
-          <ac:chgData name="김 지영" userId="6a163bdcc1d28b62" providerId="LiveId" clId="{08B50BAA-12EA-418B-A5CA-543369E8AA22}" dt="2018-09-25T06:04:36.075" v="27" actId="26606"/>
-          <ac:spMkLst>
-            <pc:docMk/>
-            <pc:sldMk cId="1784608836" sldId="256"/>
-            <ac:spMk id="22" creationId="{1DB7C82F-AB7E-4F0C-B829-FA1B9C415180}"/>
-          </ac:spMkLst>
-        </pc:spChg>
-        <pc:spChg chg="add del">
-          <ac:chgData name="김 지영" userId="6a163bdcc1d28b62" providerId="LiveId" clId="{08B50BAA-12EA-418B-A5CA-543369E8AA22}" dt="2018-09-25T06:04:36.658" v="29" actId="26606"/>
-          <ac:spMkLst>
-            <pc:docMk/>
-            <pc:sldMk cId="1784608836" sldId="256"/>
-            <ac:spMk id="24" creationId="{87CC2527-562A-4F69-B487-4371E5B243E7}"/>
-          </ac:spMkLst>
-        </pc:spChg>
-        <pc:spChg chg="add del">
-          <ac:chgData name="김 지영" userId="6a163bdcc1d28b62" providerId="LiveId" clId="{08B50BAA-12EA-418B-A5CA-543369E8AA22}" dt="2018-09-25T06:04:38.359" v="31" actId="26606"/>
-          <ac:spMkLst>
-            <pc:docMk/>
-            <pc:sldMk cId="1784608836" sldId="256"/>
-            <ac:spMk id="27" creationId="{71B2258F-86CA-4D4D-8270-BC05FCDEBFB3}"/>
-          </ac:spMkLst>
-        </pc:spChg>
-        <pc:spChg chg="add del">
-          <ac:chgData name="김 지영" userId="6a163bdcc1d28b62" providerId="LiveId" clId="{08B50BAA-12EA-418B-A5CA-543369E8AA22}" dt="2018-09-25T06:04:40.621" v="33" actId="26606"/>
-          <ac:spMkLst>
-            <pc:docMk/>
-            <pc:sldMk cId="1784608836" sldId="256"/>
-            <ac:spMk id="29" creationId="{0BC9EFE1-D8CB-4668-9980-DB108327A794}"/>
-          </ac:spMkLst>
-        </pc:spChg>
-        <pc:spChg chg="add del">
-          <ac:chgData name="김 지영" userId="6a163bdcc1d28b62" providerId="LiveId" clId="{08B50BAA-12EA-418B-A5CA-543369E8AA22}" dt="2018-09-25T06:04:40.621" v="33" actId="26606"/>
-          <ac:spMkLst>
-            <pc:docMk/>
-            <pc:sldMk cId="1784608836" sldId="256"/>
-            <ac:spMk id="31" creationId="{77DA6D33-2D62-458C-BF5D-DBF612FD557E}"/>
-          </ac:spMkLst>
-        </pc:spChg>
-        <pc:spChg chg="add del">
-          <ac:chgData name="김 지영" userId="6a163bdcc1d28b62" providerId="LiveId" clId="{08B50BAA-12EA-418B-A5CA-543369E8AA22}" dt="2018-09-25T06:04:42.854" v="35" actId="26606"/>
-          <ac:spMkLst>
-            <pc:docMk/>
-            <pc:sldMk cId="1784608836" sldId="256"/>
-            <ac:spMk id="33" creationId="{87CC2527-562A-4F69-B487-4371E5B243E7}"/>
-          </ac:spMkLst>
-        </pc:spChg>
-        <pc:spChg chg="add del">
-          <ac:chgData name="김 지영" userId="6a163bdcc1d28b62" providerId="LiveId" clId="{08B50BAA-12EA-418B-A5CA-543369E8AA22}" dt="2018-09-25T06:04:45.845" v="37" actId="26606"/>
-          <ac:spMkLst>
-            <pc:docMk/>
-            <pc:sldMk cId="1784608836" sldId="256"/>
-            <ac:spMk id="36" creationId="{2A0E4E09-FC02-4ADC-951A-3FFA90B6FE39}"/>
-          </ac:spMkLst>
-        </pc:spChg>
-        <pc:spChg chg="add del">
-          <ac:chgData name="김 지영" userId="6a163bdcc1d28b62" providerId="LiveId" clId="{08B50BAA-12EA-418B-A5CA-543369E8AA22}" dt="2018-09-25T06:04:46.261" v="39" actId="26606"/>
-          <ac:spMkLst>
-            <pc:docMk/>
-            <pc:sldMk cId="1784608836" sldId="256"/>
-            <ac:spMk id="39" creationId="{AB45A142-4255-493C-8284-5D566C121B10}"/>
-          </ac:spMkLst>
-        </pc:spChg>
-        <pc:picChg chg="add del mod ord">
-          <ac:chgData name="김 지영" userId="6a163bdcc1d28b62" providerId="LiveId" clId="{08B50BAA-12EA-418B-A5CA-543369E8AA22}" dt="2018-09-25T06:04:21.446" v="20" actId="478"/>
-          <ac:picMkLst>
-            <pc:docMk/>
-            <pc:sldMk cId="1784608836" sldId="256"/>
-            <ac:picMk id="5" creationId="{39F1D077-E3B0-4D8A-8BBE-7A15A8759F0A}"/>
-          </ac:picMkLst>
-        </pc:picChg>
-        <pc:picChg chg="add mod ord">
-          <ac:chgData name="김 지영" userId="6a163bdcc1d28b62" providerId="LiveId" clId="{08B50BAA-12EA-418B-A5CA-543369E8AA22}" dt="2018-09-25T06:04:46.269" v="40" actId="26606"/>
-          <ac:picMkLst>
-            <pc:docMk/>
-            <pc:sldMk cId="1784608836" sldId="256"/>
-            <ac:picMk id="8" creationId="{DED87219-BE65-47E4-AAE3-88A290B0A9F9}"/>
-          </ac:picMkLst>
-        </pc:picChg>
-        <pc:picChg chg="add del">
-          <ac:chgData name="김 지영" userId="6a163bdcc1d28b62" providerId="LiveId" clId="{08B50BAA-12EA-418B-A5CA-543369E8AA22}" dt="2018-09-25T05:23:14.728" v="4" actId="26606"/>
-          <ac:picMkLst>
-            <pc:docMk/>
-            <pc:sldMk cId="1784608836" sldId="256"/>
-            <ac:picMk id="16" creationId="{7CBAE1BD-B8E4-4029-8AA2-C77E4FED9864}"/>
-          </ac:picMkLst>
-        </pc:picChg>
-        <pc:picChg chg="add del">
-          <ac:chgData name="김 지영" userId="6a163bdcc1d28b62" providerId="LiveId" clId="{08B50BAA-12EA-418B-A5CA-543369E8AA22}" dt="2018-09-25T06:04:35.633" v="25" actId="26606"/>
-          <ac:picMkLst>
-            <pc:docMk/>
-            <pc:sldMk cId="1784608836" sldId="256"/>
-            <ac:picMk id="20" creationId="{7CBAE1BD-B8E4-4029-8AA2-C77E4FED9864}"/>
-          </ac:picMkLst>
-        </pc:picChg>
-        <pc:picChg chg="add del">
-          <ac:chgData name="김 지영" userId="6a163bdcc1d28b62" providerId="LiveId" clId="{08B50BAA-12EA-418B-A5CA-543369E8AA22}" dt="2018-09-25T06:04:40.621" v="33" actId="26606"/>
-          <ac:picMkLst>
-            <pc:docMk/>
-            <pc:sldMk cId="1784608836" sldId="256"/>
-            <ac:picMk id="30" creationId="{7CBAE1BD-B8E4-4029-8AA2-C77E4FED9864}"/>
-          </ac:picMkLst>
-        </pc:picChg>
-        <pc:picChg chg="add del">
-          <ac:chgData name="김 지영" userId="6a163bdcc1d28b62" providerId="LiveId" clId="{08B50BAA-12EA-418B-A5CA-543369E8AA22}" dt="2018-09-25T06:04:45.845" v="37" actId="26606"/>
-          <ac:picMkLst>
-            <pc:docMk/>
-            <pc:sldMk cId="1784608836" sldId="256"/>
-            <ac:picMk id="37" creationId="{24F266AD-725B-4A9D-B448-4C000F95CB47}"/>
-          </ac:picMkLst>
-        </pc:picChg>
-        <pc:cxnChg chg="add del">
-          <ac:chgData name="김 지영" userId="6a163bdcc1d28b62" providerId="LiveId" clId="{08B50BAA-12EA-418B-A5CA-543369E8AA22}" dt="2018-09-25T05:23:12.674" v="2" actId="26606"/>
-          <ac:cxnSpMkLst>
-            <pc:docMk/>
-            <pc:sldMk cId="1784608836" sldId="256"/>
-            <ac:cxnSpMk id="12" creationId="{BCDAEC91-5BCE-4B55-9CC0-43EF94CB734B}"/>
-          </ac:cxnSpMkLst>
-        </pc:cxnChg>
-        <pc:cxnChg chg="add del">
-          <ac:chgData name="김 지영" userId="6a163bdcc1d28b62" providerId="LiveId" clId="{08B50BAA-12EA-418B-A5CA-543369E8AA22}" dt="2018-09-25T05:23:16.358" v="6" actId="26606"/>
-          <ac:cxnSpMkLst>
-            <pc:docMk/>
-            <pc:sldMk cId="1784608836" sldId="256"/>
-            <ac:cxnSpMk id="18" creationId="{E126E481-B945-4179-BD79-05E96E9B29E1}"/>
-          </ac:cxnSpMkLst>
-        </pc:cxnChg>
-        <pc:cxnChg chg="add del">
-          <ac:chgData name="김 지영" userId="6a163bdcc1d28b62" providerId="LiveId" clId="{08B50BAA-12EA-418B-A5CA-543369E8AA22}" dt="2018-09-25T06:04:36.658" v="29" actId="26606"/>
-          <ac:cxnSpMkLst>
-            <pc:docMk/>
-            <pc:sldMk cId="1784608836" sldId="256"/>
-            <ac:cxnSpMk id="25" creationId="{BCDAEC91-5BCE-4B55-9CC0-43EF94CB734B}"/>
-          </ac:cxnSpMkLst>
-        </pc:cxnChg>
-        <pc:cxnChg chg="add del">
-          <ac:chgData name="김 지영" userId="6a163bdcc1d28b62" providerId="LiveId" clId="{08B50BAA-12EA-418B-A5CA-543369E8AA22}" dt="2018-09-25T06:04:42.854" v="35" actId="26606"/>
-          <ac:cxnSpMkLst>
-            <pc:docMk/>
-            <pc:sldMk cId="1784608836" sldId="256"/>
-            <ac:cxnSpMk id="34" creationId="{BCDAEC91-5BCE-4B55-9CC0-43EF94CB734B}"/>
-          </ac:cxnSpMkLst>
-        </pc:cxnChg>
-        <pc:cxnChg chg="add del">
-          <ac:chgData name="김 지영" userId="6a163bdcc1d28b62" providerId="LiveId" clId="{08B50BAA-12EA-418B-A5CA-543369E8AA22}" dt="2018-09-25T06:04:46.261" v="39" actId="26606"/>
-          <ac:cxnSpMkLst>
-            <pc:docMk/>
-            <pc:sldMk cId="1784608836" sldId="256"/>
-            <ac:cxnSpMk id="40" creationId="{38FB9660-F42F-4313-BBC4-47C007FE484C}"/>
-          </ac:cxnSpMkLst>
-        </pc:cxnChg>
-      </pc:sldChg>
-      <pc:sldChg chg="addSp delSp modSp">
-        <pc:chgData name="김 지영" userId="6a163bdcc1d28b62" providerId="LiveId" clId="{08B50BAA-12EA-418B-A5CA-543369E8AA22}" dt="2018-09-26T09:29:11.582" v="9656" actId="404"/>
-        <pc:sldMkLst>
-          <pc:docMk/>
-          <pc:sldMk cId="851119314" sldId="258"/>
-        </pc:sldMkLst>
-        <pc:spChg chg="mod">
-          <ac:chgData name="김 지영" userId="6a163bdcc1d28b62" providerId="LiveId" clId="{08B50BAA-12EA-418B-A5CA-543369E8AA22}" dt="2018-09-25T06:57:46.012" v="378" actId="2711"/>
-          <ac:spMkLst>
-            <pc:docMk/>
-            <pc:sldMk cId="851119314" sldId="258"/>
-            <ac:spMk id="2" creationId="{EBA39F9C-68A0-4A7C-A7E9-3C9DC93023E0}"/>
-          </ac:spMkLst>
-        </pc:spChg>
-        <pc:spChg chg="del mod">
-          <ac:chgData name="김 지영" userId="6a163bdcc1d28b62" providerId="LiveId" clId="{08B50BAA-12EA-418B-A5CA-543369E8AA22}" dt="2018-09-25T06:36:26.238" v="279" actId="478"/>
-          <ac:spMkLst>
-            <pc:docMk/>
-            <pc:sldMk cId="851119314" sldId="258"/>
-            <ac:spMk id="5" creationId="{0F249AAA-8C75-4347-923C-AD9F7F3DACAF}"/>
-          </ac:spMkLst>
-        </pc:spChg>
-        <pc:spChg chg="add del mod">
-          <ac:chgData name="김 지영" userId="6a163bdcc1d28b62" providerId="LiveId" clId="{08B50BAA-12EA-418B-A5CA-543369E8AA22}" dt="2018-09-25T07:01:25.349" v="468" actId="11529"/>
-          <ac:spMkLst>
-            <pc:docMk/>
-            <pc:sldMk cId="851119314" sldId="258"/>
-            <ac:spMk id="5" creationId="{7414B988-D22C-410A-804D-3047848CC171}"/>
-          </ac:spMkLst>
-        </pc:spChg>
-        <pc:spChg chg="del mod">
-          <ac:chgData name="김 지영" userId="6a163bdcc1d28b62" providerId="LiveId" clId="{08B50BAA-12EA-418B-A5CA-543369E8AA22}" dt="2018-09-25T06:30:30.249" v="153" actId="478"/>
-          <ac:spMkLst>
-            <pc:docMk/>
-            <pc:sldMk cId="851119314" sldId="258"/>
-            <ac:spMk id="6" creationId="{D0CD995C-A047-4D7B-B769-5F662F0420C5}"/>
-          </ac:spMkLst>
-        </pc:spChg>
-        <pc:spChg chg="add del mod">
-          <ac:chgData name="김 지영" userId="6a163bdcc1d28b62" providerId="LiveId" clId="{08B50BAA-12EA-418B-A5CA-543369E8AA22}" dt="2018-09-25T07:01:30.274" v="470" actId="11529"/>
-          <ac:spMkLst>
-            <pc:docMk/>
-            <pc:sldMk cId="851119314" sldId="258"/>
-            <ac:spMk id="6" creationId="{F4AD236E-4AA8-4738-B6C3-A27DB5E829D2}"/>
-          </ac:spMkLst>
-        </pc:spChg>
-        <pc:spChg chg="del mod">
-          <ac:chgData name="김 지영" userId="6a163bdcc1d28b62" providerId="LiveId" clId="{08B50BAA-12EA-418B-A5CA-543369E8AA22}" dt="2018-09-25T06:30:51.081" v="160" actId="478"/>
-          <ac:spMkLst>
-            <pc:docMk/>
-            <pc:sldMk cId="851119314" sldId="258"/>
-            <ac:spMk id="7" creationId="{22086BCA-5EB9-4044-B8BE-14CB90760011}"/>
-          </ac:spMkLst>
-        </pc:spChg>
-        <pc:spChg chg="del mod">
-          <ac:chgData name="김 지영" userId="6a163bdcc1d28b62" providerId="LiveId" clId="{08B50BAA-12EA-418B-A5CA-543369E8AA22}" dt="2018-09-25T06:33:22.802" v="219" actId="478"/>
-          <ac:spMkLst>
-            <pc:docMk/>
-            <pc:sldMk cId="851119314" sldId="258"/>
-            <ac:spMk id="8" creationId="{95C46312-5AEF-4D1D-9C63-54940F1AEE67}"/>
-          </ac:spMkLst>
-        </pc:spChg>
-        <pc:spChg chg="del mod">
-          <ac:chgData name="김 지영" userId="6a163bdcc1d28b62" providerId="LiveId" clId="{08B50BAA-12EA-418B-A5CA-543369E8AA22}" dt="2018-09-25T06:33:24.888" v="220" actId="478"/>
-          <ac:spMkLst>
-            <pc:docMk/>
-            <pc:sldMk cId="851119314" sldId="258"/>
-            <ac:spMk id="9" creationId="{5204276C-F390-4C68-8923-425DD8856177}"/>
-          </ac:spMkLst>
-        </pc:spChg>
-        <pc:spChg chg="add del mod">
-          <ac:chgData name="김 지영" userId="6a163bdcc1d28b62" providerId="LiveId" clId="{08B50BAA-12EA-418B-A5CA-543369E8AA22}" dt="2018-09-25T06:36:26.238" v="279" actId="478"/>
-          <ac:spMkLst>
-            <pc:docMk/>
-            <pc:sldMk cId="851119314" sldId="258"/>
-            <ac:spMk id="13" creationId="{29D86B44-5D6D-4720-AF41-C6CE031359CC}"/>
-          </ac:spMkLst>
-        </pc:spChg>
-        <pc:spChg chg="mod topLvl">
-          <ac:chgData name="김 지영" userId="6a163bdcc1d28b62" providerId="LiveId" clId="{08B50BAA-12EA-418B-A5CA-543369E8AA22}" dt="2018-09-26T09:29:11.582" v="9656" actId="404"/>
-          <ac:spMkLst>
-            <pc:docMk/>
-            <pc:sldMk cId="851119314" sldId="258"/>
-            <ac:spMk id="14" creationId="{1E20B05D-B024-465E-843A-2A2E9C270E5A}"/>
-          </ac:spMkLst>
-        </pc:spChg>
-        <pc:spChg chg="add del mod">
-          <ac:chgData name="김 지영" userId="6a163bdcc1d28b62" providerId="LiveId" clId="{08B50BAA-12EA-418B-A5CA-543369E8AA22}" dt="2018-09-25T06:36:26.238" v="279" actId="478"/>
-          <ac:spMkLst>
-            <pc:docMk/>
-            <pc:sldMk cId="851119314" sldId="258"/>
-            <ac:spMk id="14" creationId="{A9F7FC76-CC9E-4C35-BB18-A11CB7D81680}"/>
-          </ac:spMkLst>
-        </pc:spChg>
-        <pc:spChg chg="mod topLvl">
-          <ac:chgData name="김 지영" userId="6a163bdcc1d28b62" providerId="LiveId" clId="{08B50BAA-12EA-418B-A5CA-543369E8AA22}" dt="2018-09-26T09:29:11.582" v="9656" actId="404"/>
-          <ac:spMkLst>
-            <pc:docMk/>
-            <pc:sldMk cId="851119314" sldId="258"/>
-            <ac:spMk id="15" creationId="{1BB62F8B-F48C-4C45-8523-93FFEF22609D}"/>
-          </ac:spMkLst>
-        </pc:spChg>
-        <pc:spChg chg="add del mod">
-          <ac:chgData name="김 지영" userId="6a163bdcc1d28b62" providerId="LiveId" clId="{08B50BAA-12EA-418B-A5CA-543369E8AA22}" dt="2018-09-25T06:36:26.238" v="279" actId="478"/>
-          <ac:spMkLst>
-            <pc:docMk/>
-            <pc:sldMk cId="851119314" sldId="258"/>
-            <ac:spMk id="15" creationId="{90CB645B-5324-474D-9EE6-4C10E01F7BDB}"/>
-          </ac:spMkLst>
-        </pc:spChg>
-        <pc:spChg chg="add del mod">
-          <ac:chgData name="김 지영" userId="6a163bdcc1d28b62" providerId="LiveId" clId="{08B50BAA-12EA-418B-A5CA-543369E8AA22}" dt="2018-09-25T06:36:26.238" v="279" actId="478"/>
-          <ac:spMkLst>
-            <pc:docMk/>
-            <pc:sldMk cId="851119314" sldId="258"/>
-            <ac:spMk id="16" creationId="{2F62668C-BDAE-4753-BE40-20C695006D8D}"/>
-          </ac:spMkLst>
-        </pc:spChg>
-        <pc:spChg chg="mod topLvl">
-          <ac:chgData name="김 지영" userId="6a163bdcc1d28b62" providerId="LiveId" clId="{08B50BAA-12EA-418B-A5CA-543369E8AA22}" dt="2018-09-26T09:29:11.582" v="9656" actId="404"/>
-          <ac:spMkLst>
-            <pc:docMk/>
-            <pc:sldMk cId="851119314" sldId="258"/>
-            <ac:spMk id="16" creationId="{518BA980-DC9C-4A21-8D47-ECC2556F0623}"/>
-          </ac:spMkLst>
-        </pc:spChg>
-        <pc:spChg chg="mod topLvl">
-          <ac:chgData name="김 지영" userId="6a163bdcc1d28b62" providerId="LiveId" clId="{08B50BAA-12EA-418B-A5CA-543369E8AA22}" dt="2018-09-26T09:29:11.582" v="9656" actId="404"/>
-          <ac:spMkLst>
-            <pc:docMk/>
-            <pc:sldMk cId="851119314" sldId="258"/>
-            <ac:spMk id="18" creationId="{3C41DB2B-DF02-4A46-B952-C23716DDB49C}"/>
-          </ac:spMkLst>
-        </pc:spChg>
-        <pc:spChg chg="mod topLvl">
-          <ac:chgData name="김 지영" userId="6a163bdcc1d28b62" providerId="LiveId" clId="{08B50BAA-12EA-418B-A5CA-543369E8AA22}" dt="2018-09-26T09:29:11.582" v="9656" actId="404"/>
-          <ac:spMkLst>
-            <pc:docMk/>
-            <pc:sldMk cId="851119314" sldId="258"/>
-            <ac:spMk id="19" creationId="{F479EF26-5477-4F4F-A598-772DC5EED778}"/>
-          </ac:spMkLst>
-        </pc:spChg>
-        <pc:spChg chg="mod topLvl">
-          <ac:chgData name="김 지영" userId="6a163bdcc1d28b62" providerId="LiveId" clId="{08B50BAA-12EA-418B-A5CA-543369E8AA22}" dt="2018-09-26T09:02:56.848" v="7253" actId="1036"/>
-          <ac:spMkLst>
-            <pc:docMk/>
-            <pc:sldMk cId="851119314" sldId="258"/>
-            <ac:spMk id="27" creationId="{37925CB7-240E-4D4A-BE9D-F65DE420DDFC}"/>
-          </ac:spMkLst>
-        </pc:spChg>
-        <pc:spChg chg="mod topLvl">
-          <ac:chgData name="김 지영" userId="6a163bdcc1d28b62" providerId="LiveId" clId="{08B50BAA-12EA-418B-A5CA-543369E8AA22}" dt="2018-09-26T09:02:56.848" v="7253" actId="1036"/>
-          <ac:spMkLst>
-            <pc:docMk/>
-            <pc:sldMk cId="851119314" sldId="258"/>
-            <ac:spMk id="28" creationId="{5C80EB3E-203B-4029-B9E6-3992431ABBAC}"/>
-          </ac:spMkLst>
-        </pc:spChg>
-        <pc:spChg chg="add mod">
-          <ac:chgData name="김 지영" userId="6a163bdcc1d28b62" providerId="LiveId" clId="{08B50BAA-12EA-418B-A5CA-543369E8AA22}" dt="2018-09-26T09:02:56.848" v="7253" actId="1036"/>
-          <ac:spMkLst>
-            <pc:docMk/>
-            <pc:sldMk cId="851119314" sldId="258"/>
-            <ac:spMk id="31" creationId="{D0621726-F959-4EBF-96AE-E7CAAF4CEA59}"/>
-          </ac:spMkLst>
-        </pc:spChg>
-        <pc:spChg chg="add mod">
-          <ac:chgData name="김 지영" userId="6a163bdcc1d28b62" providerId="LiveId" clId="{08B50BAA-12EA-418B-A5CA-543369E8AA22}" dt="2018-09-26T09:02:56.848" v="7253" actId="1036"/>
-          <ac:spMkLst>
-            <pc:docMk/>
-            <pc:sldMk cId="851119314" sldId="258"/>
-            <ac:spMk id="33" creationId="{4C17966B-8CB7-4430-934F-4FE298EDBA74}"/>
-          </ac:spMkLst>
-        </pc:spChg>
-        <pc:spChg chg="mod topLvl">
-          <ac:chgData name="김 지영" userId="6a163bdcc1d28b62" providerId="LiveId" clId="{08B50BAA-12EA-418B-A5CA-543369E8AA22}" dt="2018-09-26T09:01:18.620" v="7207" actId="165"/>
-          <ac:spMkLst>
-            <pc:docMk/>
-            <pc:sldMk cId="851119314" sldId="258"/>
-            <ac:spMk id="52" creationId="{6AB7405F-4AF9-4C2E-98F2-6DF397299545}"/>
-          </ac:spMkLst>
-        </pc:spChg>
-        <pc:spChg chg="mod topLvl">
-          <ac:chgData name="김 지영" userId="6a163bdcc1d28b62" providerId="LiveId" clId="{08B50BAA-12EA-418B-A5CA-543369E8AA22}" dt="2018-09-26T09:01:18.620" v="7207" actId="165"/>
-          <ac:spMkLst>
-            <pc:docMk/>
-            <pc:sldMk cId="851119314" sldId="258"/>
-            <ac:spMk id="53" creationId="{6F9BF583-E4CD-478F-831F-B6E322807F78}"/>
-          </ac:spMkLst>
-        </pc:spChg>
-        <pc:spChg chg="mod topLvl">
-          <ac:chgData name="김 지영" userId="6a163bdcc1d28b62" providerId="LiveId" clId="{08B50BAA-12EA-418B-A5CA-543369E8AA22}" dt="2018-09-26T09:02:56.848" v="7253" actId="1036"/>
-          <ac:spMkLst>
-            <pc:docMk/>
-            <pc:sldMk cId="851119314" sldId="258"/>
-            <ac:spMk id="54" creationId="{B5C01354-B1E4-4615-B09E-AD73C9BBF50F}"/>
-          </ac:spMkLst>
-        </pc:spChg>
-        <pc:spChg chg="mod topLvl">
-          <ac:chgData name="김 지영" userId="6a163bdcc1d28b62" providerId="LiveId" clId="{08B50BAA-12EA-418B-A5CA-543369E8AA22}" dt="2018-09-26T09:02:56.848" v="7253" actId="1036"/>
-          <ac:spMkLst>
-            <pc:docMk/>
-            <pc:sldMk cId="851119314" sldId="258"/>
-            <ac:spMk id="55" creationId="{E9D79B82-BB20-4569-8E52-A3EAA109FE92}"/>
-          </ac:spMkLst>
-        </pc:spChg>
-        <pc:spChg chg="mod topLvl">
-          <ac:chgData name="김 지영" userId="6a163bdcc1d28b62" providerId="LiveId" clId="{08B50BAA-12EA-418B-A5CA-543369E8AA22}" dt="2018-09-26T09:01:18.620" v="7207" actId="165"/>
-          <ac:spMkLst>
-            <pc:docMk/>
-            <pc:sldMk cId="851119314" sldId="258"/>
-            <ac:spMk id="56" creationId="{63CAE2B4-FAC5-463B-942F-6E434E86E8AC}"/>
-          </ac:spMkLst>
-        </pc:spChg>
-        <pc:spChg chg="mod topLvl">
-          <ac:chgData name="김 지영" userId="6a163bdcc1d28b62" providerId="LiveId" clId="{08B50BAA-12EA-418B-A5CA-543369E8AA22}" dt="2018-09-26T09:01:18.620" v="7207" actId="165"/>
-          <ac:spMkLst>
-            <pc:docMk/>
-            <pc:sldMk cId="851119314" sldId="258"/>
-            <ac:spMk id="57" creationId="{3BFCE54D-1251-443E-B47D-E9B4315A0B28}"/>
-          </ac:spMkLst>
-        </pc:spChg>
-        <pc:grpChg chg="mod topLvl">
-          <ac:chgData name="김 지영" userId="6a163bdcc1d28b62" providerId="LiveId" clId="{08B50BAA-12EA-418B-A5CA-543369E8AA22}" dt="2018-09-26T09:02:56.848" v="7253" actId="1036"/>
-          <ac:grpSpMkLst>
-            <pc:docMk/>
-            <pc:sldMk cId="851119314" sldId="258"/>
-            <ac:grpSpMk id="40" creationId="{D4F41D7E-0A03-4E78-AEC4-A482969408FD}"/>
-          </ac:grpSpMkLst>
-        </pc:grpChg>
-        <pc:grpChg chg="del">
-          <ac:chgData name="김 지영" userId="6a163bdcc1d28b62" providerId="LiveId" clId="{08B50BAA-12EA-418B-A5CA-543369E8AA22}" dt="2018-09-26T09:01:18.620" v="7207" actId="165"/>
-          <ac:grpSpMkLst>
-            <pc:docMk/>
-            <pc:sldMk cId="851119314" sldId="258"/>
-            <ac:grpSpMk id="58" creationId="{78B5647B-9193-4AF3-9563-8394870EBE8A}"/>
-          </ac:grpSpMkLst>
-        </pc:grpChg>
-        <pc:picChg chg="add mod">
-          <ac:chgData name="김 지영" userId="6a163bdcc1d28b62" providerId="LiveId" clId="{08B50BAA-12EA-418B-A5CA-543369E8AA22}" dt="2018-09-25T06:27:30.466" v="133" actId="1076"/>
-          <ac:picMkLst>
-            <pc:docMk/>
-            <pc:sldMk cId="851119314" sldId="258"/>
-            <ac:picMk id="10" creationId="{1558CC2F-5957-4FBE-A429-AB8CB977480C}"/>
-          </ac:picMkLst>
-        </pc:picChg>
-        <pc:picChg chg="add del mod">
-          <ac:chgData name="김 지영" userId="6a163bdcc1d28b62" providerId="LiveId" clId="{08B50BAA-12EA-418B-A5CA-543369E8AA22}" dt="2018-09-25T06:36:42.045" v="281" actId="478"/>
-          <ac:picMkLst>
-            <pc:docMk/>
-            <pc:sldMk cId="851119314" sldId="258"/>
-            <ac:picMk id="12" creationId="{4591E4BB-8C3A-4BB1-9F0F-E2AADC95777D}"/>
-          </ac:picMkLst>
-        </pc:picChg>
-        <pc:picChg chg="add del mod">
-          <ac:chgData name="김 지영" userId="6a163bdcc1d28b62" providerId="LiveId" clId="{08B50BAA-12EA-418B-A5CA-543369E8AA22}" dt="2018-09-25T06:42:35.962" v="314"/>
-          <ac:picMkLst>
-            <pc:docMk/>
-            <pc:sldMk cId="851119314" sldId="258"/>
-            <ac:picMk id="17" creationId="{1853521D-2F3D-4DAC-BE9F-B2754C1D2C8E}"/>
-          </ac:picMkLst>
-        </pc:picChg>
-        <pc:cxnChg chg="del mod">
-          <ac:chgData name="김 지영" userId="6a163bdcc1d28b62" providerId="LiveId" clId="{08B50BAA-12EA-418B-A5CA-543369E8AA22}" dt="2018-09-25T06:36:29.236" v="280" actId="478"/>
-          <ac:cxnSpMkLst>
-            <pc:docMk/>
-            <pc:sldMk cId="851119314" sldId="258"/>
-            <ac:cxnSpMk id="4" creationId="{2EF2E063-D018-4F86-AEA7-EB93EECA732F}"/>
-          </ac:cxnSpMkLst>
-        </pc:cxnChg>
-        <pc:cxnChg chg="add del mod">
-          <ac:chgData name="김 지영" userId="6a163bdcc1d28b62" providerId="LiveId" clId="{08B50BAA-12EA-418B-A5CA-543369E8AA22}" dt="2018-09-25T07:01:22.741" v="466" actId="11529"/>
-          <ac:cxnSpMkLst>
-            <pc:docMk/>
-            <pc:sldMk cId="851119314" sldId="258"/>
-            <ac:cxnSpMk id="4" creationId="{75A3B98D-6D12-4C8A-8EF2-1E32930CB7EF}"/>
-          </ac:cxnSpMkLst>
-        </pc:cxnChg>
-        <pc:cxnChg chg="add del mod">
-          <ac:chgData name="김 지영" userId="6a163bdcc1d28b62" providerId="LiveId" clId="{08B50BAA-12EA-418B-A5CA-543369E8AA22}" dt="2018-09-25T07:01:35.479" v="472" actId="11529"/>
-          <ac:cxnSpMkLst>
-            <pc:docMk/>
-            <pc:sldMk cId="851119314" sldId="258"/>
-            <ac:cxnSpMk id="8" creationId="{C0E1732F-A681-40FF-AF19-B1D3A37D8853}"/>
-          </ac:cxnSpMkLst>
-        </pc:cxnChg>
-        <pc:cxnChg chg="add del mod">
-          <ac:chgData name="김 지영" userId="6a163bdcc1d28b62" providerId="LiveId" clId="{08B50BAA-12EA-418B-A5CA-543369E8AA22}" dt="2018-09-25T07:01:44.704" v="474" actId="11529"/>
-          <ac:cxnSpMkLst>
-            <pc:docMk/>
-            <pc:sldMk cId="851119314" sldId="258"/>
-            <ac:cxnSpMk id="11" creationId="{AC2558B9-7E0B-4C18-AFCE-4ED483242746}"/>
-          </ac:cxnSpMkLst>
-        </pc:cxnChg>
-        <pc:cxnChg chg="add del mod">
-          <ac:chgData name="김 지영" userId="6a163bdcc1d28b62" providerId="LiveId" clId="{08B50BAA-12EA-418B-A5CA-543369E8AA22}" dt="2018-09-25T07:01:48.933" v="476" actId="11529"/>
-          <ac:cxnSpMkLst>
-            <pc:docMk/>
-            <pc:sldMk cId="851119314" sldId="258"/>
-            <ac:cxnSpMk id="13" creationId="{FB356564-83F3-4044-BF22-9035C66EFF43}"/>
-          </ac:cxnSpMkLst>
-        </pc:cxnChg>
-        <pc:cxnChg chg="add del mod">
-          <ac:chgData name="김 지영" userId="6a163bdcc1d28b62" providerId="LiveId" clId="{08B50BAA-12EA-418B-A5CA-543369E8AA22}" dt="2018-09-25T07:01:54.874" v="478" actId="11529"/>
-          <ac:cxnSpMkLst>
-            <pc:docMk/>
-            <pc:sldMk cId="851119314" sldId="258"/>
-            <ac:cxnSpMk id="15" creationId="{B3C9FD89-6CC1-42B5-84EE-AED320BBD4A7}"/>
-          </ac:cxnSpMkLst>
-        </pc:cxnChg>
-        <pc:cxnChg chg="add mod">
-          <ac:chgData name="김 지영" userId="6a163bdcc1d28b62" providerId="LiveId" clId="{08B50BAA-12EA-418B-A5CA-543369E8AA22}" dt="2018-09-26T09:02:56.848" v="7253" actId="1036"/>
-          <ac:cxnSpMkLst>
-            <pc:docMk/>
-            <pc:sldMk cId="851119314" sldId="258"/>
-            <ac:cxnSpMk id="32" creationId="{0A6BE66F-15A2-4EBF-8127-C167BBB73AD1}"/>
-          </ac:cxnSpMkLst>
-        </pc:cxnChg>
-        <pc:cxnChg chg="mod">
-          <ac:chgData name="김 지영" userId="6a163bdcc1d28b62" providerId="LiveId" clId="{08B50BAA-12EA-418B-A5CA-543369E8AA22}" dt="2018-09-26T09:02:56.848" v="7253" actId="1036"/>
-          <ac:cxnSpMkLst>
-            <pc:docMk/>
-            <pc:sldMk cId="851119314" sldId="258"/>
-            <ac:cxnSpMk id="37" creationId="{48DC2872-EFAE-4E56-ACE4-C47C1A2B6495}"/>
-          </ac:cxnSpMkLst>
-        </pc:cxnChg>
-        <pc:cxnChg chg="mod">
-          <ac:chgData name="김 지영" userId="6a163bdcc1d28b62" providerId="LiveId" clId="{08B50BAA-12EA-418B-A5CA-543369E8AA22}" dt="2018-09-26T09:02:56.848" v="7253" actId="1036"/>
-          <ac:cxnSpMkLst>
-            <pc:docMk/>
-            <pc:sldMk cId="851119314" sldId="258"/>
-            <ac:cxnSpMk id="39" creationId="{F5905BB1-ACF7-468C-8882-4211D34D3920}"/>
-          </ac:cxnSpMkLst>
-        </pc:cxnChg>
-        <pc:cxnChg chg="mod topLvl">
-          <ac:chgData name="김 지영" userId="6a163bdcc1d28b62" providerId="LiveId" clId="{08B50BAA-12EA-418B-A5CA-543369E8AA22}" dt="2018-09-26T09:01:18.620" v="7207" actId="165"/>
-          <ac:cxnSpMkLst>
-            <pc:docMk/>
-            <pc:sldMk cId="851119314" sldId="258"/>
-            <ac:cxnSpMk id="43" creationId="{2A27744B-8337-47D3-8930-C9F25BDA0E7A}"/>
-          </ac:cxnSpMkLst>
-        </pc:cxnChg>
-        <pc:cxnChg chg="mod topLvl">
-          <ac:chgData name="김 지영" userId="6a163bdcc1d28b62" providerId="LiveId" clId="{08B50BAA-12EA-418B-A5CA-543369E8AA22}" dt="2018-09-26T09:01:18.620" v="7207" actId="165"/>
-          <ac:cxnSpMkLst>
-            <pc:docMk/>
-            <pc:sldMk cId="851119314" sldId="258"/>
-            <ac:cxnSpMk id="44" creationId="{21A85666-B7FF-48B5-B9C0-8D58CF08701E}"/>
-          </ac:cxnSpMkLst>
-        </pc:cxnChg>
-        <pc:cxnChg chg="mod topLvl">
-          <ac:chgData name="김 지영" userId="6a163bdcc1d28b62" providerId="LiveId" clId="{08B50BAA-12EA-418B-A5CA-543369E8AA22}" dt="2018-09-26T09:02:56.848" v="7253" actId="1036"/>
-          <ac:cxnSpMkLst>
-            <pc:docMk/>
-            <pc:sldMk cId="851119314" sldId="258"/>
-            <ac:cxnSpMk id="45" creationId="{BCA710EF-A602-4BAE-9E45-3134C3F55486}"/>
-          </ac:cxnSpMkLst>
-        </pc:cxnChg>
-        <pc:cxnChg chg="mod topLvl">
-          <ac:chgData name="김 지영" userId="6a163bdcc1d28b62" providerId="LiveId" clId="{08B50BAA-12EA-418B-A5CA-543369E8AA22}" dt="2018-09-26T09:02:56.848" v="7253" actId="1036"/>
-          <ac:cxnSpMkLst>
-            <pc:docMk/>
-            <pc:sldMk cId="851119314" sldId="258"/>
-            <ac:cxnSpMk id="46" creationId="{BB61C6BF-AB75-4B4D-AD8C-6E0B073BBF53}"/>
-          </ac:cxnSpMkLst>
-        </pc:cxnChg>
-        <pc:cxnChg chg="mod topLvl">
-          <ac:chgData name="김 지영" userId="6a163bdcc1d28b62" providerId="LiveId" clId="{08B50BAA-12EA-418B-A5CA-543369E8AA22}" dt="2018-09-26T09:01:18.620" v="7207" actId="165"/>
-          <ac:cxnSpMkLst>
-            <pc:docMk/>
-            <pc:sldMk cId="851119314" sldId="258"/>
-            <ac:cxnSpMk id="50" creationId="{D139EFB9-55B5-4924-B19E-AC6A475F61B0}"/>
-          </ac:cxnSpMkLst>
-        </pc:cxnChg>
-        <pc:cxnChg chg="mod topLvl">
-          <ac:chgData name="김 지영" userId="6a163bdcc1d28b62" providerId="LiveId" clId="{08B50BAA-12EA-418B-A5CA-543369E8AA22}" dt="2018-09-26T09:01:18.620" v="7207" actId="165"/>
-          <ac:cxnSpMkLst>
-            <pc:docMk/>
-            <pc:sldMk cId="851119314" sldId="258"/>
-            <ac:cxnSpMk id="51" creationId="{30563F2A-93F7-4FFD-B20E-493FC478ABB1}"/>
-          </ac:cxnSpMkLst>
-        </pc:cxnChg>
-      </pc:sldChg>
-      <pc:sldChg chg="addSp delSp modSp del">
-        <pc:chgData name="김 지영" userId="6a163bdcc1d28b62" providerId="LiveId" clId="{08B50BAA-12EA-418B-A5CA-543369E8AA22}" dt="2018-09-25T06:42:46.913" v="316" actId="2696"/>
-        <pc:sldMkLst>
-          <pc:docMk/>
-          <pc:sldMk cId="2955049328" sldId="259"/>
-        </pc:sldMkLst>
-        <pc:spChg chg="mod">
-          <ac:chgData name="김 지영" userId="6a163bdcc1d28b62" providerId="LiveId" clId="{08B50BAA-12EA-418B-A5CA-543369E8AA22}" dt="2018-09-25T06:19:14.899" v="126" actId="2711"/>
-          <ac:spMkLst>
-            <pc:docMk/>
-            <pc:sldMk cId="2955049328" sldId="259"/>
-            <ac:spMk id="2" creationId="{8C0AD7AB-2BDD-4075-BC5B-2C72373ADDCA}"/>
-          </ac:spMkLst>
-        </pc:spChg>
-        <pc:graphicFrameChg chg="add del modGraphic">
-          <ac:chgData name="김 지영" userId="6a163bdcc1d28b62" providerId="LiveId" clId="{08B50BAA-12EA-418B-A5CA-543369E8AA22}" dt="2018-09-25T06:41:51.556" v="300" actId="27309"/>
-          <ac:graphicFrameMkLst>
-            <pc:docMk/>
-            <pc:sldMk cId="2955049328" sldId="259"/>
-            <ac:graphicFrameMk id="4" creationId="{E9076870-F084-470E-AB8A-F8FFA7363A30}"/>
-          </ac:graphicFrameMkLst>
-        </pc:graphicFrameChg>
-      </pc:sldChg>
-      <pc:sldChg chg="del">
-        <pc:chgData name="김 지영" userId="6a163bdcc1d28b62" providerId="LiveId" clId="{08B50BAA-12EA-418B-A5CA-543369E8AA22}" dt="2018-09-25T06:58:55.394" v="437" actId="2696"/>
-        <pc:sldMkLst>
-          <pc:docMk/>
-          <pc:sldMk cId="387281898" sldId="260"/>
-        </pc:sldMkLst>
-      </pc:sldChg>
-      <pc:sldChg chg="del">
-        <pc:chgData name="김 지영" userId="6a163bdcc1d28b62" providerId="LiveId" clId="{08B50BAA-12EA-418B-A5CA-543369E8AA22}" dt="2018-09-25T06:58:39.511" v="415" actId="2696"/>
-        <pc:sldMkLst>
-          <pc:docMk/>
-          <pc:sldMk cId="4045360395" sldId="261"/>
-        </pc:sldMkLst>
-      </pc:sldChg>
-      <pc:sldChg chg="del">
-        <pc:chgData name="김 지영" userId="6a163bdcc1d28b62" providerId="LiveId" clId="{08B50BAA-12EA-418B-A5CA-543369E8AA22}" dt="2018-09-25T06:43:41.382" v="328" actId="2696"/>
-        <pc:sldMkLst>
-          <pc:docMk/>
-          <pc:sldMk cId="4250501618" sldId="262"/>
-        </pc:sldMkLst>
-      </pc:sldChg>
-      <pc:sldChg chg="del">
-        <pc:chgData name="김 지영" userId="6a163bdcc1d28b62" providerId="LiveId" clId="{08B50BAA-12EA-418B-A5CA-543369E8AA22}" dt="2018-09-25T06:43:36.357" v="327" actId="2696"/>
-        <pc:sldMkLst>
-          <pc:docMk/>
-          <pc:sldMk cId="2727869050" sldId="263"/>
-        </pc:sldMkLst>
-      </pc:sldChg>
-      <pc:sldChg chg="modSp add del">
-        <pc:chgData name="김 지영" userId="6a163bdcc1d28b62" providerId="LiveId" clId="{08B50BAA-12EA-418B-A5CA-543369E8AA22}" dt="2018-09-25T06:58:06.868" v="380" actId="2696"/>
-        <pc:sldMkLst>
-          <pc:docMk/>
-          <pc:sldMk cId="1986549556" sldId="264"/>
-        </pc:sldMkLst>
-        <pc:spChg chg="mod">
-          <ac:chgData name="김 지영" userId="6a163bdcc1d28b62" providerId="LiveId" clId="{08B50BAA-12EA-418B-A5CA-543369E8AA22}" dt="2018-09-25T06:42:53.893" v="325" actId="20577"/>
-          <ac:spMkLst>
-            <pc:docMk/>
-            <pc:sldMk cId="1986549556" sldId="264"/>
-            <ac:spMk id="2" creationId="{EBA39F9C-68A0-4A7C-A7E9-3C9DC93023E0}"/>
-          </ac:spMkLst>
-        </pc:spChg>
-      </pc:sldChg>
-      <pc:sldChg chg="addSp modSp add ord">
-        <pc:chgData name="김 지영" userId="6a163bdcc1d28b62" providerId="LiveId" clId="{08B50BAA-12EA-418B-A5CA-543369E8AA22}" dt="2018-09-26T09:42:08.489" v="9778" actId="20577"/>
-        <pc:sldMkLst>
-          <pc:docMk/>
-          <pc:sldMk cId="893560541" sldId="265"/>
-        </pc:sldMkLst>
-        <pc:spChg chg="mod">
-          <ac:chgData name="김 지영" userId="6a163bdcc1d28b62" providerId="LiveId" clId="{08B50BAA-12EA-418B-A5CA-543369E8AA22}" dt="2018-09-26T09:05:00.304" v="7343" actId="1076"/>
-          <ac:spMkLst>
-            <pc:docMk/>
-            <pc:sldMk cId="893560541" sldId="265"/>
-            <ac:spMk id="2" creationId="{EBA39F9C-68A0-4A7C-A7E9-3C9DC93023E0}"/>
-          </ac:spMkLst>
-        </pc:spChg>
-        <pc:spChg chg="mod">
-          <ac:chgData name="김 지영" userId="6a163bdcc1d28b62" providerId="LiveId" clId="{08B50BAA-12EA-418B-A5CA-543369E8AA22}" dt="2018-09-26T08:26:33.144" v="5967" actId="20577"/>
-          <ac:spMkLst>
-            <pc:docMk/>
-            <pc:sldMk cId="893560541" sldId="265"/>
-            <ac:spMk id="17" creationId="{2D308B19-AAA6-4658-877F-70FAFB3EA83C}"/>
-          </ac:spMkLst>
-        </pc:spChg>
-        <pc:spChg chg="mod">
-          <ac:chgData name="김 지영" userId="6a163bdcc1d28b62" providerId="LiveId" clId="{08B50BAA-12EA-418B-A5CA-543369E8AA22}" dt="2018-09-26T09:41:31.800" v="9705" actId="1035"/>
-          <ac:spMkLst>
-            <pc:docMk/>
-            <pc:sldMk cId="893560541" sldId="265"/>
-            <ac:spMk id="19" creationId="{4BCF7F4B-AEC0-4885-A562-9565B22F425F}"/>
-          </ac:spMkLst>
-        </pc:spChg>
-        <pc:spChg chg="mod">
-          <ac:chgData name="김 지영" userId="6a163bdcc1d28b62" providerId="LiveId" clId="{08B50BAA-12EA-418B-A5CA-543369E8AA22}" dt="2018-09-26T09:41:31.800" v="9705" actId="1035"/>
-          <ac:spMkLst>
-            <pc:docMk/>
-            <pc:sldMk cId="893560541" sldId="265"/>
-            <ac:spMk id="22" creationId="{0DAD7674-8BBD-4A54-A851-0001F4A788E1}"/>
-          </ac:spMkLst>
-        </pc:spChg>
-        <pc:spChg chg="mod">
-          <ac:chgData name="김 지영" userId="6a163bdcc1d28b62" providerId="LiveId" clId="{08B50BAA-12EA-418B-A5CA-543369E8AA22}" dt="2018-09-26T09:41:31.800" v="9705" actId="1035"/>
-          <ac:spMkLst>
-            <pc:docMk/>
-            <pc:sldMk cId="893560541" sldId="265"/>
-            <ac:spMk id="26" creationId="{13192FBD-36C0-4EF6-976F-6B5B9DA75634}"/>
-          </ac:spMkLst>
-        </pc:spChg>
-        <pc:spChg chg="add mod">
-          <ac:chgData name="김 지영" userId="6a163bdcc1d28b62" providerId="LiveId" clId="{08B50BAA-12EA-418B-A5CA-543369E8AA22}" dt="2018-09-26T09:42:08.489" v="9778" actId="20577"/>
-          <ac:spMkLst>
-            <pc:docMk/>
-            <pc:sldMk cId="893560541" sldId="265"/>
-            <ac:spMk id="27" creationId="{E8701294-8D28-468B-B7A5-CB50FE4BCCDE}"/>
-          </ac:spMkLst>
-        </pc:spChg>
-        <pc:picChg chg="mod">
-          <ac:chgData name="김 지영" userId="6a163bdcc1d28b62" providerId="LiveId" clId="{08B50BAA-12EA-418B-A5CA-543369E8AA22}" dt="2018-09-26T09:41:31.800" v="9705" actId="1035"/>
-          <ac:picMkLst>
-            <pc:docMk/>
-            <pc:sldMk cId="893560541" sldId="265"/>
-            <ac:picMk id="20" creationId="{0BE24500-08D8-4021-86FA-A0417CB17D54}"/>
-          </ac:picMkLst>
-        </pc:picChg>
-        <pc:picChg chg="mod">
-          <ac:chgData name="김 지영" userId="6a163bdcc1d28b62" providerId="LiveId" clId="{08B50BAA-12EA-418B-A5CA-543369E8AA22}" dt="2018-09-26T09:41:31.800" v="9705" actId="1035"/>
-          <ac:picMkLst>
-            <pc:docMk/>
-            <pc:sldMk cId="893560541" sldId="265"/>
-            <ac:picMk id="21" creationId="{91D1A612-5FAA-46A7-8FE0-D9D23EDB8F00}"/>
-          </ac:picMkLst>
-        </pc:picChg>
-        <pc:picChg chg="mod">
-          <ac:chgData name="김 지영" userId="6a163bdcc1d28b62" providerId="LiveId" clId="{08B50BAA-12EA-418B-A5CA-543369E8AA22}" dt="2018-09-26T09:41:31.800" v="9705" actId="1035"/>
-          <ac:picMkLst>
-            <pc:docMk/>
-            <pc:sldMk cId="893560541" sldId="265"/>
-            <ac:picMk id="24" creationId="{CA4C702E-195F-4D19-B045-CD4005B60542}"/>
-          </ac:picMkLst>
-        </pc:picChg>
-        <pc:picChg chg="mod">
-          <ac:chgData name="김 지영" userId="6a163bdcc1d28b62" providerId="LiveId" clId="{08B50BAA-12EA-418B-A5CA-543369E8AA22}" dt="2018-09-26T09:41:31.800" v="9705" actId="1035"/>
-          <ac:picMkLst>
-            <pc:docMk/>
-            <pc:sldMk cId="893560541" sldId="265"/>
-            <ac:picMk id="25" creationId="{06EBF2D3-F8C2-4504-9081-B813094A9F51}"/>
-          </ac:picMkLst>
-        </pc:picChg>
-      </pc:sldChg>
-      <pc:sldChg chg="addSp delSp modSp add">
-        <pc:chgData name="김 지영" userId="6a163bdcc1d28b62" providerId="LiveId" clId="{08B50BAA-12EA-418B-A5CA-543369E8AA22}" dt="2018-09-26T08:37:37.125" v="6179"/>
-        <pc:sldMkLst>
-          <pc:docMk/>
-          <pc:sldMk cId="2060705439" sldId="266"/>
-        </pc:sldMkLst>
-        <pc:spChg chg="mod">
-          <ac:chgData name="김 지영" userId="6a163bdcc1d28b62" providerId="LiveId" clId="{08B50BAA-12EA-418B-A5CA-543369E8AA22}" dt="2018-09-25T07:00:15.030" v="464" actId="20577"/>
-          <ac:spMkLst>
-            <pc:docMk/>
-            <pc:sldMk cId="2060705439" sldId="266"/>
-            <ac:spMk id="2" creationId="{EBA39F9C-68A0-4A7C-A7E9-3C9DC93023E0}"/>
-          </ac:spMkLst>
-        </pc:spChg>
-        <pc:spChg chg="mod">
-          <ac:chgData name="김 지영" userId="6a163bdcc1d28b62" providerId="LiveId" clId="{08B50BAA-12EA-418B-A5CA-543369E8AA22}" dt="2018-09-26T07:40:39.855" v="4979"/>
-          <ac:spMkLst>
-            <pc:docMk/>
-            <pc:sldMk cId="2060705439" sldId="266"/>
-            <ac:spMk id="28" creationId="{28123D21-3A4A-4B51-B698-83E41D0076BB}"/>
-          </ac:spMkLst>
-        </pc:spChg>
-        <pc:spChg chg="mod">
-          <ac:chgData name="김 지영" userId="6a163bdcc1d28b62" providerId="LiveId" clId="{08B50BAA-12EA-418B-A5CA-543369E8AA22}" dt="2018-09-26T07:17:32.349" v="3986" actId="14100"/>
-          <ac:spMkLst>
-            <pc:docMk/>
-            <pc:sldMk cId="2060705439" sldId="266"/>
-            <ac:spMk id="29" creationId="{83C6DC04-8E5C-4347-B531-AADF89A7B880}"/>
-          </ac:spMkLst>
-        </pc:spChg>
-        <pc:spChg chg="mod">
-          <ac:chgData name="김 지영" userId="6a163bdcc1d28b62" providerId="LiveId" clId="{08B50BAA-12EA-418B-A5CA-543369E8AA22}" dt="2018-09-26T06:03:29.639" v="540"/>
-          <ac:spMkLst>
-            <pc:docMk/>
-            <pc:sldMk cId="2060705439" sldId="266"/>
-            <ac:spMk id="30" creationId="{D60351CF-D20C-4AA3-B866-DB8C7FDB7F31}"/>
-          </ac:spMkLst>
-        </pc:spChg>
-        <pc:spChg chg="add mod">
-          <ac:chgData name="김 지영" userId="6a163bdcc1d28b62" providerId="LiveId" clId="{08B50BAA-12EA-418B-A5CA-543369E8AA22}" dt="2018-09-26T06:11:16.315" v="940" actId="14100"/>
-          <ac:spMkLst>
-            <pc:docMk/>
-            <pc:sldMk cId="2060705439" sldId="266"/>
-            <ac:spMk id="31" creationId="{8DC597CA-EB18-445D-90E7-2A9FB98BBB8B}"/>
-          </ac:spMkLst>
-        </pc:spChg>
-        <pc:spChg chg="add mod">
-          <ac:chgData name="김 지영" userId="6a163bdcc1d28b62" providerId="LiveId" clId="{08B50BAA-12EA-418B-A5CA-543369E8AA22}" dt="2018-09-26T07:17:56.662" v="3992" actId="20577"/>
-          <ac:spMkLst>
-            <pc:docMk/>
-            <pc:sldMk cId="2060705439" sldId="266"/>
-            <ac:spMk id="33" creationId="{0E72696C-A48A-452D-8AE9-3FAD517905BC}"/>
-          </ac:spMkLst>
-        </pc:spChg>
-        <pc:spChg chg="mod">
-          <ac:chgData name="김 지영" userId="6a163bdcc1d28b62" providerId="LiveId" clId="{08B50BAA-12EA-418B-A5CA-543369E8AA22}" dt="2018-09-26T06:19:24.625" v="1387" actId="1076"/>
-          <ac:spMkLst>
-            <pc:docMk/>
-            <pc:sldMk cId="2060705439" sldId="266"/>
-            <ac:spMk id="34" creationId="{E70CB9DA-2E8C-44AB-89F0-C57A7E07F59D}"/>
-          </ac:spMkLst>
-        </pc:spChg>
-        <pc:spChg chg="ord">
-          <ac:chgData name="김 지영" userId="6a163bdcc1d28b62" providerId="LiveId" clId="{08B50BAA-12EA-418B-A5CA-543369E8AA22}" dt="2018-09-26T06:26:04.607" v="1977" actId="171"/>
-          <ac:spMkLst>
-            <pc:docMk/>
-            <pc:sldMk cId="2060705439" sldId="266"/>
-            <ac:spMk id="41" creationId="{2F388F53-45BA-4751-947D-9C9615E26C78}"/>
-          </ac:spMkLst>
-        </pc:spChg>
-        <pc:spChg chg="ord">
-          <ac:chgData name="김 지영" userId="6a163bdcc1d28b62" providerId="LiveId" clId="{08B50BAA-12EA-418B-A5CA-543369E8AA22}" dt="2018-09-26T06:26:40.667" v="1994" actId="171"/>
-          <ac:spMkLst>
-            <pc:docMk/>
-            <pc:sldMk cId="2060705439" sldId="266"/>
-            <ac:spMk id="42" creationId="{1955C5B7-2A82-4BE9-80B1-06E3127D6CD5}"/>
-          </ac:spMkLst>
-        </pc:spChg>
-        <pc:spChg chg="ord">
-          <ac:chgData name="김 지영" userId="6a163bdcc1d28b62" providerId="LiveId" clId="{08B50BAA-12EA-418B-A5CA-543369E8AA22}" dt="2018-09-26T06:26:11.545" v="1984" actId="171"/>
-          <ac:spMkLst>
-            <pc:docMk/>
-            <pc:sldMk cId="2060705439" sldId="266"/>
-            <ac:spMk id="43" creationId="{0FB0D9AB-790F-4F91-931C-817567697E4D}"/>
-          </ac:spMkLst>
-        </pc:spChg>
-        <pc:spChg chg="ord">
-          <ac:chgData name="김 지영" userId="6a163bdcc1d28b62" providerId="LiveId" clId="{08B50BAA-12EA-418B-A5CA-543369E8AA22}" dt="2018-09-26T06:26:16.965" v="1991" actId="171"/>
-          <ac:spMkLst>
-            <pc:docMk/>
-            <pc:sldMk cId="2060705439" sldId="266"/>
-            <ac:spMk id="44" creationId="{E333BAEF-95EE-45C5-9DF2-1F1B9AAE0A72}"/>
-          </ac:spMkLst>
-        </pc:spChg>
-        <pc:spChg chg="add mod">
-          <ac:chgData name="김 지영" userId="6a163bdcc1d28b62" providerId="LiveId" clId="{08B50BAA-12EA-418B-A5CA-543369E8AA22}" dt="2018-09-26T07:17:26.990" v="3985" actId="14100"/>
-          <ac:spMkLst>
-            <pc:docMk/>
-            <pc:sldMk cId="2060705439" sldId="266"/>
-            <ac:spMk id="45" creationId="{34D22E21-5CC3-4CCD-9A8A-01FFA4FBF4F5}"/>
-          </ac:spMkLst>
-        </pc:spChg>
-        <pc:spChg chg="add mod">
-          <ac:chgData name="김 지영" userId="6a163bdcc1d28b62" providerId="LiveId" clId="{08B50BAA-12EA-418B-A5CA-543369E8AA22}" dt="2018-09-26T08:37:37.125" v="6179"/>
-          <ac:spMkLst>
-            <pc:docMk/>
-            <pc:sldMk cId="2060705439" sldId="266"/>
-            <ac:spMk id="46" creationId="{D1257FF3-629E-424A-B980-8C10552586C8}"/>
-          </ac:spMkLst>
-        </pc:spChg>
-        <pc:spChg chg="ord">
-          <ac:chgData name="김 지영" userId="6a163bdcc1d28b62" providerId="LiveId" clId="{08B50BAA-12EA-418B-A5CA-543369E8AA22}" dt="2018-09-26T06:25:58.257" v="1968" actId="170"/>
-          <ac:spMkLst>
-            <pc:docMk/>
-            <pc:sldMk cId="2060705439" sldId="266"/>
-            <ac:spMk id="48" creationId="{965F9EFF-A166-4B07-8A60-C633F105592C}"/>
-          </ac:spMkLst>
-        </pc:spChg>
-        <pc:spChg chg="mod">
-          <ac:chgData name="김 지영" userId="6a163bdcc1d28b62" providerId="LiveId" clId="{08B50BAA-12EA-418B-A5CA-543369E8AA22}" dt="2018-09-26T06:21:27.963" v="1700" actId="20577"/>
-          <ac:spMkLst>
-            <pc:docMk/>
-            <pc:sldMk cId="2060705439" sldId="266"/>
-            <ac:spMk id="54" creationId="{F109228A-ACF3-4D83-AA8E-B1789A19D0F1}"/>
-          </ac:spMkLst>
-        </pc:spChg>
-        <pc:picChg chg="add mod">
-          <ac:chgData name="김 지영" userId="6a163bdcc1d28b62" providerId="LiveId" clId="{08B50BAA-12EA-418B-A5CA-543369E8AA22}" dt="2018-09-25T07:02:26.099" v="486" actId="1076"/>
-          <ac:picMkLst>
-            <pc:docMk/>
-            <pc:sldMk cId="2060705439" sldId="266"/>
-            <ac:picMk id="4" creationId="{57BCDACD-7D9A-4EC2-8C41-DE05C77DB4E9}"/>
-          </ac:picMkLst>
-        </pc:picChg>
-        <pc:picChg chg="del mod">
-          <ac:chgData name="김 지영" userId="6a163bdcc1d28b62" providerId="LiveId" clId="{08B50BAA-12EA-418B-A5CA-543369E8AA22}" dt="2018-09-25T07:02:03.789" v="480" actId="478"/>
-          <ac:picMkLst>
-            <pc:docMk/>
-            <pc:sldMk cId="2060705439" sldId="266"/>
-            <ac:picMk id="10" creationId="{1558CC2F-5957-4FBE-A429-AB8CB977480C}"/>
-          </ac:picMkLst>
-        </pc:picChg>
-        <pc:cxnChg chg="add mod">
-          <ac:chgData name="김 지영" userId="6a163bdcc1d28b62" providerId="LiveId" clId="{08B50BAA-12EA-418B-A5CA-543369E8AA22}" dt="2018-09-26T06:33:32.315" v="2091" actId="208"/>
-          <ac:cxnSpMkLst>
-            <pc:docMk/>
-            <pc:sldMk cId="2060705439" sldId="266"/>
-            <ac:cxnSpMk id="11" creationId="{CE8DF1E6-0167-4F1B-9859-CA3AE9E9D373}"/>
-          </ac:cxnSpMkLst>
-        </pc:cxnChg>
-        <pc:cxnChg chg="add del mod">
-          <ac:chgData name="김 지영" userId="6a163bdcc1d28b62" providerId="LiveId" clId="{08B50BAA-12EA-418B-A5CA-543369E8AA22}" dt="2018-09-26T06:21:58.475" v="1703" actId="11529"/>
-          <ac:cxnSpMkLst>
-            <pc:docMk/>
-            <pc:sldMk cId="2060705439" sldId="266"/>
-            <ac:cxnSpMk id="13" creationId="{64572313-BBEB-42BF-A50D-40CD045F9319}"/>
-          </ac:cxnSpMkLst>
-        </pc:cxnChg>
-        <pc:cxnChg chg="add mod">
-          <ac:chgData name="김 지영" userId="6a163bdcc1d28b62" providerId="LiveId" clId="{08B50BAA-12EA-418B-A5CA-543369E8AA22}" dt="2018-09-26T07:17:26.990" v="3985" actId="14100"/>
-          <ac:cxnSpMkLst>
-            <pc:docMk/>
-            <pc:sldMk cId="2060705439" sldId="266"/>
-            <ac:cxnSpMk id="15" creationId="{47109C06-D8E0-40EA-B6AD-54FB70B325B8}"/>
-          </ac:cxnSpMkLst>
-        </pc:cxnChg>
-        <pc:cxnChg chg="add del mod">
-          <ac:chgData name="김 지영" userId="6a163bdcc1d28b62" providerId="LiveId" clId="{08B50BAA-12EA-418B-A5CA-543369E8AA22}" dt="2018-09-26T06:25:08.857" v="1942" actId="478"/>
-          <ac:cxnSpMkLst>
-            <pc:docMk/>
-            <pc:sldMk cId="2060705439" sldId="266"/>
-            <ac:cxnSpMk id="18" creationId="{AF485504-05EB-4412-80E8-CB6C2DE17212}"/>
-          </ac:cxnSpMkLst>
-        </pc:cxnChg>
-        <pc:cxnChg chg="add mod">
-          <ac:chgData name="김 지영" userId="6a163bdcc1d28b62" providerId="LiveId" clId="{08B50BAA-12EA-418B-A5CA-543369E8AA22}" dt="2018-09-26T07:17:16.371" v="3982" actId="14100"/>
-          <ac:cxnSpMkLst>
-            <pc:docMk/>
-            <pc:sldMk cId="2060705439" sldId="266"/>
-            <ac:cxnSpMk id="22" creationId="{CD5CB861-136E-4A04-912C-42DA84CE6646}"/>
-          </ac:cxnSpMkLst>
-        </pc:cxnChg>
-        <pc:cxnChg chg="add del mod">
-          <ac:chgData name="김 지영" userId="6a163bdcc1d28b62" providerId="LiveId" clId="{08B50BAA-12EA-418B-A5CA-543369E8AA22}" dt="2018-09-26T06:25:18.302" v="1944" actId="478"/>
-          <ac:cxnSpMkLst>
-            <pc:docMk/>
-            <pc:sldMk cId="2060705439" sldId="266"/>
-            <ac:cxnSpMk id="26" creationId="{8A55FA70-4C53-4485-A2A9-DAAAE0F367A7}"/>
-          </ac:cxnSpMkLst>
-        </pc:cxnChg>
-        <pc:cxnChg chg="mod">
-          <ac:chgData name="김 지영" userId="6a163bdcc1d28b62" providerId="LiveId" clId="{08B50BAA-12EA-418B-A5CA-543369E8AA22}" dt="2018-09-26T07:17:32.349" v="3986" actId="14100"/>
-          <ac:cxnSpMkLst>
-            <pc:docMk/>
-            <pc:sldMk cId="2060705439" sldId="266"/>
-            <ac:cxnSpMk id="32" creationId="{160F26B8-6D31-4651-9B9E-7E5EF19798E9}"/>
-          </ac:cxnSpMkLst>
-        </pc:cxnChg>
-        <pc:cxnChg chg="add del mod">
-          <ac:chgData name="김 지영" userId="6a163bdcc1d28b62" providerId="LiveId" clId="{08B50BAA-12EA-418B-A5CA-543369E8AA22}" dt="2018-09-26T06:25:25.537" v="1946" actId="478"/>
-          <ac:cxnSpMkLst>
-            <pc:docMk/>
-            <pc:sldMk cId="2060705439" sldId="266"/>
-            <ac:cxnSpMk id="49" creationId="{31C89CA1-25C9-457C-83AA-CA5AE3C44385}"/>
-          </ac:cxnSpMkLst>
-        </pc:cxnChg>
-        <pc:cxnChg chg="mod">
-          <ac:chgData name="김 지영" userId="6a163bdcc1d28b62" providerId="LiveId" clId="{08B50BAA-12EA-418B-A5CA-543369E8AA22}" dt="2018-09-26T06:33:27.576" v="2090" actId="208"/>
-          <ac:cxnSpMkLst>
-            <pc:docMk/>
-            <pc:sldMk cId="2060705439" sldId="266"/>
-            <ac:cxnSpMk id="50" creationId="{594E51D2-2B8F-4E8A-B111-174BC0528A62}"/>
-          </ac:cxnSpMkLst>
-        </pc:cxnChg>
-        <pc:cxnChg chg="add mod">
-          <ac:chgData name="김 지영" userId="6a163bdcc1d28b62" providerId="LiveId" clId="{08B50BAA-12EA-418B-A5CA-543369E8AA22}" dt="2018-09-26T06:33:43.692" v="2094" actId="208"/>
-          <ac:cxnSpMkLst>
-            <pc:docMk/>
-            <pc:sldMk cId="2060705439" sldId="266"/>
-            <ac:cxnSpMk id="52" creationId="{0B053477-47CA-4E38-B572-BF1D8548321C}"/>
-          </ac:cxnSpMkLst>
-        </pc:cxnChg>
-      </pc:sldChg>
-      <pc:sldChg chg="addSp modSp add">
-        <pc:chgData name="김 지영" userId="6a163bdcc1d28b62" providerId="LiveId" clId="{08B50BAA-12EA-418B-A5CA-543369E8AA22}" dt="2018-09-26T09:06:17.652" v="7461" actId="20577"/>
-        <pc:sldMkLst>
-          <pc:docMk/>
-          <pc:sldMk cId="370430953" sldId="267"/>
-        </pc:sldMkLst>
-        <pc:spChg chg="mod">
-          <ac:chgData name="김 지영" userId="6a163bdcc1d28b62" providerId="LiveId" clId="{08B50BAA-12EA-418B-A5CA-543369E8AA22}" dt="2018-09-25T06:58:32.417" v="413" actId="20577"/>
-          <ac:spMkLst>
-            <pc:docMk/>
-            <pc:sldMk cId="370430953" sldId="267"/>
-            <ac:spMk id="2" creationId="{EBA39F9C-68A0-4A7C-A7E9-3C9DC93023E0}"/>
-          </ac:spMkLst>
-        </pc:spChg>
-        <pc:spChg chg="mod">
-          <ac:chgData name="김 지영" userId="6a163bdcc1d28b62" providerId="LiveId" clId="{08B50BAA-12EA-418B-A5CA-543369E8AA22}" dt="2018-09-26T09:06:17.652" v="7461" actId="20577"/>
-          <ac:spMkLst>
-            <pc:docMk/>
-            <pc:sldMk cId="370430953" sldId="267"/>
-            <ac:spMk id="19" creationId="{AB9C1F4C-FD16-46A8-8F92-44AB99376850}"/>
-          </ac:spMkLst>
-        </pc:spChg>
-        <pc:spChg chg="mod">
-          <ac:chgData name="김 지영" userId="6a163bdcc1d28b62" providerId="LiveId" clId="{08B50BAA-12EA-418B-A5CA-543369E8AA22}" dt="2018-09-26T08:56:21.735" v="6792" actId="2711"/>
-          <ac:spMkLst>
-            <pc:docMk/>
-            <pc:sldMk cId="370430953" sldId="267"/>
-            <ac:spMk id="25" creationId="{81F6D1BE-509D-4240-893E-26A3D48794AD}"/>
-          </ac:spMkLst>
-        </pc:spChg>
-        <pc:spChg chg="mod">
-          <ac:chgData name="김 지영" userId="6a163bdcc1d28b62" providerId="LiveId" clId="{08B50BAA-12EA-418B-A5CA-543369E8AA22}" dt="2018-09-26T08:56:21.735" v="6792" actId="2711"/>
-          <ac:spMkLst>
-            <pc:docMk/>
-            <pc:sldMk cId="370430953" sldId="267"/>
-            <ac:spMk id="26" creationId="{E7394582-1368-446F-8BF5-5F5EA866CC56}"/>
-          </ac:spMkLst>
-        </pc:spChg>
-        <pc:spChg chg="mod">
-          <ac:chgData name="김 지영" userId="6a163bdcc1d28b62" providerId="LiveId" clId="{08B50BAA-12EA-418B-A5CA-543369E8AA22}" dt="2018-09-26T08:56:21.735" v="6792" actId="2711"/>
-          <ac:spMkLst>
-            <pc:docMk/>
-            <pc:sldMk cId="370430953" sldId="267"/>
-            <ac:spMk id="27" creationId="{B69D1C34-716D-44DC-BAD6-2DA50EE50210}"/>
-          </ac:spMkLst>
-        </pc:spChg>
-        <pc:spChg chg="mod">
-          <ac:chgData name="김 지영" userId="6a163bdcc1d28b62" providerId="LiveId" clId="{08B50BAA-12EA-418B-A5CA-543369E8AA22}" dt="2018-09-26T06:28:13.466" v="2086" actId="14100"/>
-          <ac:spMkLst>
-            <pc:docMk/>
-            <pc:sldMk cId="370430953" sldId="267"/>
-            <ac:spMk id="28" creationId="{55F2D1D2-5635-4594-A3F1-D754DFCCFB97}"/>
-          </ac:spMkLst>
-        </pc:spChg>
-        <pc:spChg chg="mod">
-          <ac:chgData name="김 지영" userId="6a163bdcc1d28b62" providerId="LiveId" clId="{08B50BAA-12EA-418B-A5CA-543369E8AA22}" dt="2018-09-26T06:28:18.425" v="2087" actId="14100"/>
-          <ac:spMkLst>
-            <pc:docMk/>
-            <pc:sldMk cId="370430953" sldId="267"/>
-            <ac:spMk id="31" creationId="{C992976F-A3BC-40DB-8604-4E5A4EF87084}"/>
-          </ac:spMkLst>
-        </pc:spChg>
-        <pc:spChg chg="mod">
-          <ac:chgData name="김 지영" userId="6a163bdcc1d28b62" providerId="LiveId" clId="{08B50BAA-12EA-418B-A5CA-543369E8AA22}" dt="2018-09-26T06:27:18.188" v="2039"/>
-          <ac:spMkLst>
-            <pc:docMk/>
-            <pc:sldMk cId="370430953" sldId="267"/>
-            <ac:spMk id="35" creationId="{38EA902A-6339-41C4-BA36-FACE546CEBAC}"/>
-          </ac:spMkLst>
-        </pc:spChg>
-        <pc:spChg chg="mod">
-          <ac:chgData name="김 지영" userId="6a163bdcc1d28b62" providerId="LiveId" clId="{08B50BAA-12EA-418B-A5CA-543369E8AA22}" dt="2018-09-26T06:28:22.754" v="2088" actId="14100"/>
-          <ac:spMkLst>
-            <pc:docMk/>
-            <pc:sldMk cId="370430953" sldId="267"/>
-            <ac:spMk id="36" creationId="{ACB3D07F-8C90-4728-8CF4-A42510D22722}"/>
-          </ac:spMkLst>
-        </pc:spChg>
-        <pc:cxnChg chg="add mod">
-          <ac:chgData name="김 지영" userId="6a163bdcc1d28b62" providerId="LiveId" clId="{08B50BAA-12EA-418B-A5CA-543369E8AA22}" dt="2018-09-26T09:00:45.738" v="7206" actId="1582"/>
-          <ac:cxnSpMkLst>
-            <pc:docMk/>
-            <pc:sldMk cId="370430953" sldId="267"/>
-            <ac:cxnSpMk id="34" creationId="{7B5C3454-C048-42E2-9DC7-1F32893A0464}"/>
-          </ac:cxnSpMkLst>
-        </pc:cxnChg>
-      </pc:sldChg>
-      <pc:sldChg chg="addSp delSp modSp add">
-        <pc:chgData name="김 지영" userId="6a163bdcc1d28b62" providerId="LiveId" clId="{08B50BAA-12EA-418B-A5CA-543369E8AA22}" dt="2018-09-26T09:08:19.822" v="7585" actId="120"/>
-        <pc:sldMkLst>
-          <pc:docMk/>
-          <pc:sldMk cId="574112230" sldId="268"/>
-        </pc:sldMkLst>
-        <pc:spChg chg="mod">
-          <ac:chgData name="김 지영" userId="6a163bdcc1d28b62" providerId="LiveId" clId="{08B50BAA-12EA-418B-A5CA-543369E8AA22}" dt="2018-09-25T06:58:47.981" v="436"/>
-          <ac:spMkLst>
-            <pc:docMk/>
-            <pc:sldMk cId="574112230" sldId="268"/>
-            <ac:spMk id="2" creationId="{EBA39F9C-68A0-4A7C-A7E9-3C9DC93023E0}"/>
-          </ac:spMkLst>
-        </pc:spChg>
-        <pc:graphicFrameChg chg="mod modGraphic">
-          <ac:chgData name="김 지영" userId="6a163bdcc1d28b62" providerId="LiveId" clId="{08B50BAA-12EA-418B-A5CA-543369E8AA22}" dt="2018-09-26T09:08:19.822" v="7585" actId="120"/>
-          <ac:graphicFrameMkLst>
-            <pc:docMk/>
-            <pc:sldMk cId="574112230" sldId="268"/>
-            <ac:graphicFrameMk id="7" creationId="{C4338E28-F544-4222-8ECF-B73858DD92EB}"/>
-          </ac:graphicFrameMkLst>
-        </pc:graphicFrameChg>
-        <pc:picChg chg="add">
-          <ac:chgData name="김 지영" userId="6a163bdcc1d28b62" providerId="LiveId" clId="{08B50BAA-12EA-418B-A5CA-543369E8AA22}" dt="2018-09-25T07:02:41.332" v="488"/>
-          <ac:picMkLst>
-            <pc:docMk/>
-            <pc:sldMk cId="574112230" sldId="268"/>
-            <ac:picMk id="4" creationId="{EBC0F982-A5F0-453C-BBD6-BC86B839D32F}"/>
-          </ac:picMkLst>
-        </pc:picChg>
-        <pc:picChg chg="del">
-          <ac:chgData name="김 지영" userId="6a163bdcc1d28b62" providerId="LiveId" clId="{08B50BAA-12EA-418B-A5CA-543369E8AA22}" dt="2018-09-25T07:02:41.094" v="487" actId="478"/>
-          <ac:picMkLst>
-            <pc:docMk/>
-            <pc:sldMk cId="574112230" sldId="268"/>
-            <ac:picMk id="10" creationId="{1558CC2F-5957-4FBE-A429-AB8CB977480C}"/>
-          </ac:picMkLst>
-        </pc:picChg>
-        <pc:cxnChg chg="add del mod">
-          <ac:chgData name="김 지영" userId="6a163bdcc1d28b62" providerId="LiveId" clId="{08B50BAA-12EA-418B-A5CA-543369E8AA22}" dt="2018-09-26T06:46:04.441" v="2299" actId="478"/>
-          <ac:cxnSpMkLst>
-            <pc:docMk/>
-            <pc:sldMk cId="574112230" sldId="268"/>
-            <ac:cxnSpMk id="9" creationId="{603AC4CF-2E10-4D9D-9425-FAB4ED3A7A3B}"/>
-          </ac:cxnSpMkLst>
-        </pc:cxnChg>
-        <pc:cxnChg chg="add del mod">
-          <ac:chgData name="김 지영" userId="6a163bdcc1d28b62" providerId="LiveId" clId="{08B50BAA-12EA-418B-A5CA-543369E8AA22}" dt="2018-09-26T06:46:01.855" v="2298" actId="478"/>
-          <ac:cxnSpMkLst>
-            <pc:docMk/>
-            <pc:sldMk cId="574112230" sldId="268"/>
-            <ac:cxnSpMk id="10" creationId="{7951FA82-7781-4468-930E-248ECBE0456C}"/>
-          </ac:cxnSpMkLst>
-        </pc:cxnChg>
-        <pc:cxnChg chg="add del mod">
-          <ac:chgData name="김 지영" userId="6a163bdcc1d28b62" providerId="LiveId" clId="{08B50BAA-12EA-418B-A5CA-543369E8AA22}" dt="2018-09-26T06:46:01.855" v="2298" actId="478"/>
-          <ac:cxnSpMkLst>
-            <pc:docMk/>
-            <pc:sldMk cId="574112230" sldId="268"/>
-            <ac:cxnSpMk id="12" creationId="{926D3EFD-1D69-42AF-988E-68DD6003A32E}"/>
-          </ac:cxnSpMkLst>
-        </pc:cxnChg>
-      </pc:sldChg>
-      <pc:sldChg chg="addSp delSp modSp add">
-        <pc:chgData name="김 지영" userId="6a163bdcc1d28b62" providerId="LiveId" clId="{08B50BAA-12EA-418B-A5CA-543369E8AA22}" dt="2018-09-26T09:28:24.936" v="9650" actId="2711"/>
-        <pc:sldMkLst>
-          <pc:docMk/>
-          <pc:sldMk cId="75780149" sldId="269"/>
-        </pc:sldMkLst>
-        <pc:spChg chg="mod">
-          <ac:chgData name="김 지영" userId="6a163bdcc1d28b62" providerId="LiveId" clId="{08B50BAA-12EA-418B-A5CA-543369E8AA22}" dt="2018-09-25T06:59:00.452" v="447"/>
-          <ac:spMkLst>
-            <pc:docMk/>
-            <pc:sldMk cId="75780149" sldId="269"/>
-            <ac:spMk id="2" creationId="{EBA39F9C-68A0-4A7C-A7E9-3C9DC93023E0}"/>
-          </ac:spMkLst>
-        </pc:spChg>
-        <pc:spChg chg="add del mod">
-          <ac:chgData name="김 지영" userId="6a163bdcc1d28b62" providerId="LiveId" clId="{08B50BAA-12EA-418B-A5CA-543369E8AA22}" dt="2018-09-26T09:19:06.164" v="9330" actId="12084"/>
-          <ac:spMkLst>
-            <pc:docMk/>
-            <pc:sldMk cId="75780149" sldId="269"/>
-            <ac:spMk id="8" creationId="{EA0E60FF-C427-4B07-8D2E-04F0AD0E5BAF}"/>
-          </ac:spMkLst>
-        </pc:spChg>
-        <pc:graphicFrameChg chg="del mod modGraphic">
-          <ac:chgData name="김 지영" userId="6a163bdcc1d28b62" providerId="LiveId" clId="{08B50BAA-12EA-418B-A5CA-543369E8AA22}" dt="2018-09-26T09:18:19.172" v="9329" actId="478"/>
-          <ac:graphicFrameMkLst>
-            <pc:docMk/>
-            <pc:sldMk cId="75780149" sldId="269"/>
-            <ac:graphicFrameMk id="6" creationId="{1C127317-B159-4673-912F-1FAF84C6BC45}"/>
-          </ac:graphicFrameMkLst>
-        </pc:graphicFrameChg>
-        <pc:graphicFrameChg chg="add del mod">
-          <ac:chgData name="김 지영" userId="6a163bdcc1d28b62" providerId="LiveId" clId="{08B50BAA-12EA-418B-A5CA-543369E8AA22}" dt="2018-09-26T09:11:31.762" v="7841" actId="478"/>
-          <ac:graphicFrameMkLst>
-            <pc:docMk/>
-            <pc:sldMk cId="75780149" sldId="269"/>
-            <ac:graphicFrameMk id="7" creationId="{BE650E5F-C7E5-4CDA-81F6-073D3067CF8C}"/>
-          </ac:graphicFrameMkLst>
-        </pc:graphicFrameChg>
-        <pc:graphicFrameChg chg="add mod">
-          <ac:chgData name="김 지영" userId="6a163bdcc1d28b62" providerId="LiveId" clId="{08B50BAA-12EA-418B-A5CA-543369E8AA22}" dt="2018-09-26T09:28:24.936" v="9650" actId="2711"/>
-          <ac:graphicFrameMkLst>
-            <pc:docMk/>
-            <pc:sldMk cId="75780149" sldId="269"/>
-            <ac:graphicFrameMk id="9" creationId="{236089B7-A57E-46AB-A7D6-04BDCC97DE8A}"/>
-          </ac:graphicFrameMkLst>
-        </pc:graphicFrameChg>
-      </pc:sldChg>
-      <pc:sldChg chg="modSp">
-        <pc:chgData name="김 지영" userId="6a163bdcc1d28b62" providerId="LiveId" clId="{08B50BAA-12EA-418B-A5CA-543369E8AA22}" dt="2018-09-26T08:37:19.531" v="6170" actId="1037"/>
-        <pc:sldMkLst>
-          <pc:docMk/>
-          <pc:sldMk cId="2051454027" sldId="270"/>
-        </pc:sldMkLst>
-        <pc:spChg chg="mod">
-          <ac:chgData name="김 지영" userId="6a163bdcc1d28b62" providerId="LiveId" clId="{08B50BAA-12EA-418B-A5CA-543369E8AA22}" dt="2018-09-26T08:24:00.335" v="5925" actId="1035"/>
-          <ac:spMkLst>
-            <pc:docMk/>
-            <pc:sldMk cId="2051454027" sldId="270"/>
-            <ac:spMk id="4" creationId="{C540BE7A-29BD-4BE9-A10E-AD0A633F4CC5}"/>
-          </ac:spMkLst>
-        </pc:spChg>
-        <pc:spChg chg="mod">
-          <ac:chgData name="김 지영" userId="6a163bdcc1d28b62" providerId="LiveId" clId="{08B50BAA-12EA-418B-A5CA-543369E8AA22}" dt="2018-09-26T08:24:43.709" v="5932" actId="1035"/>
-          <ac:spMkLst>
-            <pc:docMk/>
-            <pc:sldMk cId="2051454027" sldId="270"/>
-            <ac:spMk id="15" creationId="{E79CFDC8-6E87-4672-9A7B-F30C73371031}"/>
-          </ac:spMkLst>
-        </pc:spChg>
-        <pc:spChg chg="mod">
-          <ac:chgData name="김 지영" userId="6a163bdcc1d28b62" providerId="LiveId" clId="{08B50BAA-12EA-418B-A5CA-543369E8AA22}" dt="2018-09-26T08:23:50.259" v="5920" actId="20577"/>
-          <ac:spMkLst>
-            <pc:docMk/>
-            <pc:sldMk cId="2051454027" sldId="270"/>
-            <ac:spMk id="23" creationId="{A0FDE3A2-1323-45EB-8598-1F499B105586}"/>
-          </ac:spMkLst>
-        </pc:spChg>
-        <pc:picChg chg="mod">
-          <ac:chgData name="김 지영" userId="6a163bdcc1d28b62" providerId="LiveId" clId="{08B50BAA-12EA-418B-A5CA-543369E8AA22}" dt="2018-09-26T08:37:19.531" v="6170" actId="1037"/>
-          <ac:picMkLst>
-            <pc:docMk/>
-            <pc:sldMk cId="2051454027" sldId="270"/>
-            <ac:picMk id="14" creationId="{3D1406C3-3840-405C-B7B5-35406C844E63}"/>
-          </ac:picMkLst>
-        </pc:picChg>
-        <pc:picChg chg="mod">
-          <ac:chgData name="김 지영" userId="6a163bdcc1d28b62" providerId="LiveId" clId="{08B50BAA-12EA-418B-A5CA-543369E8AA22}" dt="2018-09-26T08:24:12.370" v="5926" actId="14100"/>
-          <ac:picMkLst>
-            <pc:docMk/>
-            <pc:sldMk cId="2051454027" sldId="270"/>
-            <ac:picMk id="19" creationId="{73F3BB3D-73BB-46ED-95C3-C8EF5AE38090}"/>
-          </ac:picMkLst>
-        </pc:picChg>
-      </pc:sldChg>
-      <pc:sldChg chg="addSp delSp modSp add del modTransition">
-        <pc:chgData name="김 지영" userId="6a163bdcc1d28b62" providerId="LiveId" clId="{08B50BAA-12EA-418B-A5CA-543369E8AA22}" dt="2018-09-26T09:06:06.773" v="7446" actId="1036"/>
-        <pc:sldMkLst>
-          <pc:docMk/>
-          <pc:sldMk cId="2210559762" sldId="271"/>
-        </pc:sldMkLst>
-        <pc:spChg chg="mod">
-          <ac:chgData name="김 지영" userId="6a163bdcc1d28b62" providerId="LiveId" clId="{08B50BAA-12EA-418B-A5CA-543369E8AA22}" dt="2018-09-26T09:05:27.868" v="7393"/>
-          <ac:spMkLst>
-            <pc:docMk/>
-            <pc:sldMk cId="2210559762" sldId="271"/>
-            <ac:spMk id="2" creationId="{EBA39F9C-68A0-4A7C-A7E9-3C9DC93023E0}"/>
-          </ac:spMkLst>
-        </pc:spChg>
-        <pc:spChg chg="add del mod">
-          <ac:chgData name="김 지영" userId="6a163bdcc1d28b62" providerId="LiveId" clId="{08B50BAA-12EA-418B-A5CA-543369E8AA22}" dt="2018-09-26T08:38:19.985" v="6181"/>
-          <ac:spMkLst>
-            <pc:docMk/>
-            <pc:sldMk cId="2210559762" sldId="271"/>
-            <ac:spMk id="6" creationId="{F5E2A1D3-FDA0-4149-8E6F-4F6742E327BA}"/>
-          </ac:spMkLst>
-        </pc:spChg>
-        <pc:spChg chg="mod">
-          <ac:chgData name="김 지영" userId="6a163bdcc1d28b62" providerId="LiveId" clId="{08B50BAA-12EA-418B-A5CA-543369E8AA22}" dt="2018-09-26T09:05:39.040" v="7434"/>
-          <ac:spMkLst>
-            <pc:docMk/>
-            <pc:sldMk cId="2210559762" sldId="271"/>
-            <ac:spMk id="7" creationId="{6A7A6C49-DBD9-4DD6-B5C8-8D081C9C2D44}"/>
-          </ac:spMkLst>
-        </pc:spChg>
-        <pc:spChg chg="add del mod">
-          <ac:chgData name="김 지영" userId="6a163bdcc1d28b62" providerId="LiveId" clId="{08B50BAA-12EA-418B-A5CA-543369E8AA22}" dt="2018-09-26T08:38:19.985" v="6181"/>
-          <ac:spMkLst>
-            <pc:docMk/>
-            <pc:sldMk cId="2210559762" sldId="271"/>
-            <ac:spMk id="8" creationId="{8B01533F-0A6A-46E8-8A67-791F90FD9739}"/>
-          </ac:spMkLst>
-        </pc:spChg>
-        <pc:spChg chg="add del mod">
-          <ac:chgData name="김 지영" userId="6a163bdcc1d28b62" providerId="LiveId" clId="{08B50BAA-12EA-418B-A5CA-543369E8AA22}" dt="2018-09-26T08:38:19.985" v="6181"/>
-          <ac:spMkLst>
-            <pc:docMk/>
-            <pc:sldMk cId="2210559762" sldId="271"/>
-            <ac:spMk id="9" creationId="{1B3E929E-6202-416C-909E-57FFFC441704}"/>
-          </ac:spMkLst>
-        </pc:spChg>
-        <pc:spChg chg="add del mod">
-          <ac:chgData name="김 지영" userId="6a163bdcc1d28b62" providerId="LiveId" clId="{08B50BAA-12EA-418B-A5CA-543369E8AA22}" dt="2018-09-26T08:38:19.985" v="6181"/>
-          <ac:spMkLst>
-            <pc:docMk/>
-            <pc:sldMk cId="2210559762" sldId="271"/>
-            <ac:spMk id="11" creationId="{F1674D56-CE95-490E-85BD-DF3B6E227C56}"/>
-          </ac:spMkLst>
-        </pc:spChg>
-        <pc:spChg chg="add mod">
-          <ac:chgData name="김 지영" userId="6a163bdcc1d28b62" providerId="LiveId" clId="{08B50BAA-12EA-418B-A5CA-543369E8AA22}" dt="2018-09-26T08:40:02.318" v="6206"/>
-          <ac:spMkLst>
-            <pc:docMk/>
-            <pc:sldMk cId="2210559762" sldId="271"/>
-            <ac:spMk id="13" creationId="{A715E1D5-AF6B-4C15-A438-C993A0C8F5E5}"/>
-          </ac:spMkLst>
-        </pc:spChg>
-        <pc:spChg chg="add del mod">
-          <ac:chgData name="김 지영" userId="6a163bdcc1d28b62" providerId="LiveId" clId="{08B50BAA-12EA-418B-A5CA-543369E8AA22}" dt="2018-09-26T08:48:56.011" v="6450" actId="478"/>
-          <ac:spMkLst>
-            <pc:docMk/>
-            <pc:sldMk cId="2210559762" sldId="271"/>
-            <ac:spMk id="16" creationId="{058166DA-8CF5-4DC6-9AB7-EAF4F0CEAF8B}"/>
-          </ac:spMkLst>
-        </pc:spChg>
-        <pc:spChg chg="add mod">
-          <ac:chgData name="김 지영" userId="6a163bdcc1d28b62" providerId="LiveId" clId="{08B50BAA-12EA-418B-A5CA-543369E8AA22}" dt="2018-09-26T09:05:53.975" v="7436" actId="404"/>
-          <ac:spMkLst>
-            <pc:docMk/>
-            <pc:sldMk cId="2210559762" sldId="271"/>
-            <ac:spMk id="20" creationId="{6AB4629F-CE20-4EAC-A469-850994422EFB}"/>
-          </ac:spMkLst>
-        </pc:spChg>
-        <pc:spChg chg="add del mod">
-          <ac:chgData name="김 지영" userId="6a163bdcc1d28b62" providerId="LiveId" clId="{08B50BAA-12EA-418B-A5CA-543369E8AA22}" dt="2018-09-26T08:50:21.676" v="6584" actId="478"/>
-          <ac:spMkLst>
-            <pc:docMk/>
-            <pc:sldMk cId="2210559762" sldId="271"/>
-            <ac:spMk id="21" creationId="{5E038F58-51F0-4881-8313-F05E1FB4FE84}"/>
-          </ac:spMkLst>
-        </pc:spChg>
-        <pc:spChg chg="add mod">
-          <ac:chgData name="김 지영" userId="6a163bdcc1d28b62" providerId="LiveId" clId="{08B50BAA-12EA-418B-A5CA-543369E8AA22}" dt="2018-09-26T09:05:51.085" v="7435" actId="404"/>
-          <ac:spMkLst>
-            <pc:docMk/>
-            <pc:sldMk cId="2210559762" sldId="271"/>
-            <ac:spMk id="22" creationId="{0CC367B7-ECA2-4750-8C1D-CA26D2667B1C}"/>
-          </ac:spMkLst>
-        </pc:spChg>
-        <pc:spChg chg="add del mod">
-          <ac:chgData name="김 지영" userId="6a163bdcc1d28b62" providerId="LiveId" clId="{08B50BAA-12EA-418B-A5CA-543369E8AA22}" dt="2018-09-26T08:51:15.959" v="6625" actId="478"/>
-          <ac:spMkLst>
-            <pc:docMk/>
-            <pc:sldMk cId="2210559762" sldId="271"/>
-            <ac:spMk id="23" creationId="{D85FF3F3-1E4A-43DA-B9D9-4DAD00C4577D}"/>
-          </ac:spMkLst>
-        </pc:spChg>
-        <pc:spChg chg="add del mod">
-          <ac:chgData name="김 지영" userId="6a163bdcc1d28b62" providerId="LiveId" clId="{08B50BAA-12EA-418B-A5CA-543369E8AA22}" dt="2018-09-26T08:51:32.985" v="6648" actId="478"/>
-          <ac:spMkLst>
-            <pc:docMk/>
-            <pc:sldMk cId="2210559762" sldId="271"/>
-            <ac:spMk id="24" creationId="{4565FA5B-0D60-47C8-A861-37E46E88B173}"/>
-          </ac:spMkLst>
-        </pc:spChg>
-        <pc:spChg chg="add mod">
-          <ac:chgData name="김 지영" userId="6a163bdcc1d28b62" providerId="LiveId" clId="{08B50BAA-12EA-418B-A5CA-543369E8AA22}" dt="2018-09-26T08:56:00.491" v="6791" actId="2711"/>
-          <ac:spMkLst>
-            <pc:docMk/>
-            <pc:sldMk cId="2210559762" sldId="271"/>
-            <ac:spMk id="25" creationId="{747571BF-0BC3-4034-B400-1B835AAD6BF4}"/>
-          </ac:spMkLst>
-        </pc:spChg>
-        <pc:spChg chg="add mod">
-          <ac:chgData name="김 지영" userId="6a163bdcc1d28b62" providerId="LiveId" clId="{08B50BAA-12EA-418B-A5CA-543369E8AA22}" dt="2018-09-26T08:56:00.491" v="6791" actId="2711"/>
-          <ac:spMkLst>
-            <pc:docMk/>
-            <pc:sldMk cId="2210559762" sldId="271"/>
-            <ac:spMk id="26" creationId="{E7DFA7CD-EBE5-4D35-BF17-6DE8E1ABE74D}"/>
-          </ac:spMkLst>
-        </pc:spChg>
-        <pc:spChg chg="add mod">
-          <ac:chgData name="김 지영" userId="6a163bdcc1d28b62" providerId="LiveId" clId="{08B50BAA-12EA-418B-A5CA-543369E8AA22}" dt="2018-09-26T09:06:06.773" v="7446" actId="1036"/>
-          <ac:spMkLst>
-            <pc:docMk/>
-            <pc:sldMk cId="2210559762" sldId="271"/>
-            <ac:spMk id="27" creationId="{91F5B755-947A-4DB7-B89B-1F3882DD1CFC}"/>
-          </ac:spMkLst>
-        </pc:spChg>
-        <pc:spChg chg="add mod">
-          <ac:chgData name="김 지영" userId="6a163bdcc1d28b62" providerId="LiveId" clId="{08B50BAA-12EA-418B-A5CA-543369E8AA22}" dt="2018-09-26T09:06:06.773" v="7446" actId="1036"/>
-          <ac:spMkLst>
-            <pc:docMk/>
-            <pc:sldMk cId="2210559762" sldId="271"/>
-            <ac:spMk id="28" creationId="{74EA26EA-4449-40E9-9718-5B5C80B19145}"/>
-          </ac:spMkLst>
-        </pc:spChg>
-        <pc:spChg chg="add mod">
-          <ac:chgData name="김 지영" userId="6a163bdcc1d28b62" providerId="LiveId" clId="{08B50BAA-12EA-418B-A5CA-543369E8AA22}" dt="2018-09-26T09:06:06.773" v="7446" actId="1036"/>
-          <ac:spMkLst>
-            <pc:docMk/>
-            <pc:sldMk cId="2210559762" sldId="271"/>
-            <ac:spMk id="29" creationId="{738714E1-683C-462E-9EF9-374670B3E6B6}"/>
-          </ac:spMkLst>
-        </pc:spChg>
-        <pc:picChg chg="add mod">
-          <ac:chgData name="김 지영" userId="6a163bdcc1d28b62" providerId="LiveId" clId="{08B50BAA-12EA-418B-A5CA-543369E8AA22}" dt="2018-09-26T08:40:06.587" v="6209" actId="1076"/>
-          <ac:picMkLst>
-            <pc:docMk/>
-            <pc:sldMk cId="2210559762" sldId="271"/>
-            <ac:picMk id="12" creationId="{D025DAD3-430E-49CA-91A0-B850406D7907}"/>
-          </ac:picMkLst>
-        </pc:picChg>
-        <pc:picChg chg="add mod">
-          <ac:chgData name="김 지영" userId="6a163bdcc1d28b62" providerId="LiveId" clId="{08B50BAA-12EA-418B-A5CA-543369E8AA22}" dt="2018-09-26T08:50:55.984" v="6620" actId="1038"/>
-          <ac:picMkLst>
-            <pc:docMk/>
-            <pc:sldMk cId="2210559762" sldId="271"/>
-            <ac:picMk id="15" creationId="{C3795C62-71A3-4278-AB41-AA09C9955894}"/>
-          </ac:picMkLst>
-        </pc:picChg>
-        <pc:picChg chg="add mod">
-          <ac:chgData name="김 지영" userId="6a163bdcc1d28b62" providerId="LiveId" clId="{08B50BAA-12EA-418B-A5CA-543369E8AA22}" dt="2018-09-26T08:52:42.073" v="6673" actId="1076"/>
-          <ac:picMkLst>
-            <pc:docMk/>
-            <pc:sldMk cId="2210559762" sldId="271"/>
-            <ac:picMk id="17" creationId="{781A338D-8034-4A09-A0FA-60B9AC901CEF}"/>
-          </ac:picMkLst>
-        </pc:picChg>
-        <pc:picChg chg="add mod">
-          <ac:chgData name="김 지영" userId="6a163bdcc1d28b62" providerId="LiveId" clId="{08B50BAA-12EA-418B-A5CA-543369E8AA22}" dt="2018-09-26T08:50:55.984" v="6620" actId="1038"/>
-          <ac:picMkLst>
-            <pc:docMk/>
-            <pc:sldMk cId="2210559762" sldId="271"/>
-            <ac:picMk id="19" creationId="{CB0A5CFE-8BEE-4562-85EE-0C3C29FE9D4B}"/>
-          </ac:picMkLst>
-        </pc:picChg>
-      </pc:sldChg>
-      <pc:sldChg chg="add del modTransition">
-        <pc:chgData name="김 지영" userId="6a163bdcc1d28b62" providerId="LiveId" clId="{08B50BAA-12EA-418B-A5CA-543369E8AA22}" dt="2018-09-26T09:28:45.753" v="9652" actId="2696"/>
-        <pc:sldMkLst>
-          <pc:docMk/>
-          <pc:sldMk cId="1626959054" sldId="272"/>
-        </pc:sldMkLst>
-      </pc:sldChg>
-      <pc:sldChg chg="add del">
-        <pc:chgData name="김 지영" userId="6a163bdcc1d28b62" providerId="LiveId" clId="{08B50BAA-12EA-418B-A5CA-543369E8AA22}" dt="2018-09-26T07:17:02.390" v="3967"/>
-        <pc:sldMkLst>
-          <pc:docMk/>
-          <pc:sldMk cId="1998193189" sldId="272"/>
-        </pc:sldMkLst>
-      </pc:sldChg>
-      <pc:sldMasterChg chg="addSp delSp modSp">
-        <pc:chgData name="김 지영" userId="6a163bdcc1d28b62" providerId="LiveId" clId="{08B50BAA-12EA-418B-A5CA-543369E8AA22}" dt="2018-09-25T06:41:39.963" v="297" actId="478"/>
-        <pc:sldMasterMkLst>
-          <pc:docMk/>
-          <pc:sldMasterMk cId="2740839354" sldId="2147483648"/>
-        </pc:sldMasterMkLst>
-        <pc:spChg chg="mod">
-          <ac:chgData name="김 지영" userId="6a163bdcc1d28b62" providerId="LiveId" clId="{08B50BAA-12EA-418B-A5CA-543369E8AA22}" dt="2018-09-25T06:41:17.030" v="296" actId="2711"/>
-          <ac:spMkLst>
-            <pc:docMk/>
-            <pc:sldMasterMk cId="2740839354" sldId="2147483648"/>
-            <ac:spMk id="2" creationId="{C1284959-DCC0-4199-A4D4-AA84EDD53A8D}"/>
-          </ac:spMkLst>
-        </pc:spChg>
-        <pc:picChg chg="add del mod">
-          <ac:chgData name="김 지영" userId="6a163bdcc1d28b62" providerId="LiveId" clId="{08B50BAA-12EA-418B-A5CA-543369E8AA22}" dt="2018-09-25T06:41:39.963" v="297" actId="478"/>
-          <ac:picMkLst>
-            <pc:docMk/>
-            <pc:sldMasterMk cId="2740839354" sldId="2147483648"/>
-            <ac:picMk id="8" creationId="{6006BDF0-B735-42E8-AF72-FB240D5F4933}"/>
-          </ac:picMkLst>
-        </pc:picChg>
-      </pc:sldMasterChg>
-    </pc:docChg>
-  </pc:docChgLst>
-</pc:chgInfo>
 </file>
 
 <file path=ppt/diagrams/colors1.xml><?xml version="1.0" encoding="utf-8"?>
@@ -4096,14 +981,14 @@
         <a:p>
           <a:pPr latinLnBrk="1"/>
           <a:r>
-            <a:rPr lang="en-US" sz="1200" b="0" dirty="0"/>
+            <a:rPr lang="en-US" sz="1400" b="1" dirty="0"/>
             <a:t>1</a:t>
           </a:r>
           <a:r>
-            <a:rPr lang="ko-KR" sz="1200" b="0" dirty="0"/>
+            <a:rPr lang="ko-KR" sz="1400" b="1" dirty="0"/>
             <a:t>주차</a:t>
           </a:r>
-          <a:endParaRPr lang="ko-KR" sz="1100" b="0" dirty="0"/>
+          <a:endParaRPr lang="ko-KR" sz="1200" b="1" dirty="0"/>
         </a:p>
       </dgm:t>
     </dgm:pt>
@@ -4115,7 +1000,7 @@
         <a:lstStyle/>
         <a:p>
           <a:pPr latinLnBrk="1"/>
-          <a:endParaRPr lang="ko-KR" altLang="en-US" b="0"/>
+          <a:endParaRPr lang="ko-KR" altLang="en-US" sz="2000" b="1"/>
         </a:p>
       </dgm:t>
     </dgm:pt>
@@ -4134,7 +1019,7 @@
         <a:lstStyle/>
         <a:p>
           <a:pPr latinLnBrk="1"/>
-          <a:endParaRPr lang="ko-KR" altLang="en-US" b="0"/>
+          <a:endParaRPr lang="ko-KR" altLang="en-US" sz="2000" b="1"/>
         </a:p>
       </dgm:t>
     </dgm:pt>
@@ -4147,10 +1032,10 @@
         <a:p>
           <a:pPr latinLnBrk="1"/>
           <a:r>
-            <a:rPr lang="ko-KR" altLang="en-US" sz="1100" b="0" dirty="0"/>
+            <a:rPr lang="ko-KR" altLang="en-US" sz="1200" b="1" dirty="0"/>
             <a:t>리소스 제작 및 좌표 처리</a:t>
           </a:r>
-          <a:endParaRPr lang="ko-KR" altLang="en-US" sz="1000" b="0" dirty="0"/>
+          <a:endParaRPr lang="ko-KR" altLang="en-US" sz="1050" b="1" dirty="0"/>
         </a:p>
       </dgm:t>
     </dgm:pt>
@@ -4162,7 +1047,7 @@
         <a:lstStyle/>
         <a:p>
           <a:pPr latinLnBrk="1"/>
-          <a:endParaRPr lang="ko-KR" altLang="en-US" b="0"/>
+          <a:endParaRPr lang="ko-KR" altLang="en-US" sz="2000" b="1"/>
         </a:p>
       </dgm:t>
     </dgm:pt>
@@ -4174,7 +1059,7 @@
         <a:lstStyle/>
         <a:p>
           <a:pPr latinLnBrk="1"/>
-          <a:endParaRPr lang="ko-KR" altLang="en-US" b="0"/>
+          <a:endParaRPr lang="ko-KR" altLang="en-US" sz="2000" b="1"/>
         </a:p>
       </dgm:t>
     </dgm:pt>
@@ -4187,29 +1072,29 @@
         <a:p>
           <a:pPr latinLnBrk="1"/>
           <a:r>
-            <a:rPr lang="ko-KR" sz="1000" b="0" dirty="0"/>
+            <a:rPr lang="ko-KR" sz="1050" b="1" dirty="0"/>
             <a:t>캐릭터 몬스터 리소스 제작</a:t>
           </a:r>
           <a:br>
-            <a:rPr lang="en-US" altLang="ko-KR" sz="1000" b="0" dirty="0"/>
+            <a:rPr lang="en-US" altLang="ko-KR" sz="1050" b="1" dirty="0"/>
           </a:br>
           <a:r>
-            <a:rPr lang="en-US" altLang="ko-KR" sz="1000" b="0" dirty="0"/>
+            <a:rPr lang="en-US" altLang="ko-KR" sz="1050" b="1" dirty="0"/>
             <a:t>	</a:t>
           </a:r>
           <a:r>
-            <a:rPr lang="en-US" sz="1000" b="0" dirty="0"/>
+            <a:rPr lang="en-US" sz="1050" b="1" dirty="0"/>
             <a:t>( Sprite</a:t>
           </a:r>
           <a:r>
-            <a:rPr lang="ko-KR" sz="1000" b="0" dirty="0"/>
+            <a:rPr lang="ko-KR" sz="1050" b="1" dirty="0"/>
             <a:t> 제작 </a:t>
           </a:r>
           <a:r>
-            <a:rPr lang="en-US" sz="1000" b="0" dirty="0"/>
+            <a:rPr lang="en-US" sz="1050" b="1" dirty="0"/>
             <a:t>)</a:t>
           </a:r>
-          <a:endParaRPr lang="ko-KR" sz="1000" b="0" dirty="0"/>
+          <a:endParaRPr lang="ko-KR" sz="1050" b="1" dirty="0"/>
         </a:p>
       </dgm:t>
     </dgm:pt>
@@ -4221,7 +1106,7 @@
         <a:lstStyle/>
         <a:p>
           <a:pPr latinLnBrk="1"/>
-          <a:endParaRPr lang="ko-KR" altLang="en-US" b="0"/>
+          <a:endParaRPr lang="ko-KR" altLang="en-US" sz="2000" b="1"/>
         </a:p>
       </dgm:t>
     </dgm:pt>
@@ -4233,7 +1118,7 @@
         <a:lstStyle/>
         <a:p>
           <a:pPr latinLnBrk="1"/>
-          <a:endParaRPr lang="ko-KR" altLang="en-US" b="0"/>
+          <a:endParaRPr lang="ko-KR" altLang="en-US" sz="2000" b="1"/>
         </a:p>
       </dgm:t>
     </dgm:pt>
@@ -4246,14 +1131,14 @@
         <a:p>
           <a:pPr latinLnBrk="1"/>
           <a:r>
-            <a:rPr lang="en-US" sz="1200" b="0" dirty="0"/>
+            <a:rPr lang="en-US" sz="1400" b="1" dirty="0"/>
             <a:t>2</a:t>
           </a:r>
           <a:r>
-            <a:rPr lang="ko-KR" sz="1200" b="0" dirty="0"/>
+            <a:rPr lang="ko-KR" sz="1400" b="1" dirty="0"/>
             <a:t>주차</a:t>
           </a:r>
-          <a:endParaRPr lang="ko-KR" sz="1000" b="0" dirty="0"/>
+          <a:endParaRPr lang="ko-KR" sz="1050" b="1" dirty="0"/>
         </a:p>
       </dgm:t>
     </dgm:pt>
@@ -4265,7 +1150,7 @@
         <a:lstStyle/>
         <a:p>
           <a:pPr latinLnBrk="1"/>
-          <a:endParaRPr lang="ko-KR" altLang="en-US" b="0"/>
+          <a:endParaRPr lang="ko-KR" altLang="en-US" sz="2000" b="1"/>
         </a:p>
       </dgm:t>
     </dgm:pt>
@@ -4284,7 +1169,7 @@
         <a:lstStyle/>
         <a:p>
           <a:pPr latinLnBrk="1"/>
-          <a:endParaRPr lang="ko-KR" altLang="en-US" b="0"/>
+          <a:endParaRPr lang="ko-KR" altLang="en-US" sz="2000" b="1"/>
         </a:p>
       </dgm:t>
     </dgm:pt>
@@ -4297,7 +1182,7 @@
         <a:p>
           <a:pPr latinLnBrk="1"/>
           <a:r>
-            <a:rPr lang="ko-KR" altLang="en-US" sz="1000" b="0" dirty="0"/>
+            <a:rPr lang="ko-KR" altLang="en-US" sz="1050" b="1" dirty="0"/>
             <a:t>리소스 제작 및 캐릭터 컨트롤</a:t>
           </a:r>
         </a:p>
@@ -4311,7 +1196,7 @@
         <a:lstStyle/>
         <a:p>
           <a:pPr latinLnBrk="1"/>
-          <a:endParaRPr lang="ko-KR" altLang="en-US" b="0"/>
+          <a:endParaRPr lang="ko-KR" altLang="en-US" sz="2000" b="1"/>
         </a:p>
       </dgm:t>
     </dgm:pt>
@@ -4323,12 +1208,12 @@
         <a:lstStyle/>
         <a:p>
           <a:pPr latinLnBrk="1"/>
-          <a:endParaRPr lang="ko-KR" altLang="en-US" b="0"/>
+          <a:endParaRPr lang="ko-KR" altLang="en-US" sz="2000" b="1"/>
         </a:p>
       </dgm:t>
     </dgm:pt>
     <dgm:pt modelId="{6E45FF22-43DD-44E9-8BB2-52A5D151E3EF}">
-      <dgm:prSet/>
+      <dgm:prSet custT="1"/>
       <dgm:spPr/>
       <dgm:t>
         <a:bodyPr anchor="ctr"/>
@@ -4336,7 +1221,7 @@
         <a:p>
           <a:pPr latinLnBrk="1"/>
           <a:r>
-            <a:rPr lang="ko-KR" altLang="en-US" sz="800" b="0" dirty="0"/>
+            <a:rPr lang="ko-KR" altLang="en-US" sz="900" b="1" dirty="0"/>
             <a:t>캐릭터 컨트롤 구현</a:t>
           </a:r>
         </a:p>
@@ -4350,7 +1235,7 @@
         <a:lstStyle/>
         <a:p>
           <a:pPr latinLnBrk="1"/>
-          <a:endParaRPr lang="ko-KR" altLang="en-US" b="0"/>
+          <a:endParaRPr lang="ko-KR" altLang="en-US" sz="2000" b="1"/>
         </a:p>
       </dgm:t>
     </dgm:pt>
@@ -4362,12 +1247,12 @@
         <a:lstStyle/>
         <a:p>
           <a:pPr latinLnBrk="1"/>
-          <a:endParaRPr lang="ko-KR" altLang="en-US" b="0"/>
+          <a:endParaRPr lang="ko-KR" altLang="en-US" sz="2000" b="1"/>
         </a:p>
       </dgm:t>
     </dgm:pt>
     <dgm:pt modelId="{34240DD1-B283-4473-AD05-DFFDA8BE2F29}">
-      <dgm:prSet/>
+      <dgm:prSet custT="1"/>
       <dgm:spPr/>
       <dgm:t>
         <a:bodyPr anchor="ctr"/>
@@ -4375,23 +1260,23 @@
         <a:p>
           <a:pPr latinLnBrk="1"/>
           <a:r>
-            <a:rPr lang="ko-KR" altLang="en-US" sz="800" b="0" dirty="0"/>
+            <a:rPr lang="ko-KR" altLang="en-US" sz="900" b="1" dirty="0"/>
             <a:t>배경</a:t>
           </a:r>
           <a:r>
-            <a:rPr lang="en-US" altLang="ko-KR" sz="800" b="0" dirty="0"/>
+            <a:rPr lang="en-US" altLang="ko-KR" sz="900" b="1" dirty="0"/>
             <a:t> </a:t>
           </a:r>
           <a:r>
-            <a:rPr lang="ko-KR" altLang="en-US" sz="800" b="0" dirty="0"/>
+            <a:rPr lang="ko-KR" altLang="en-US" sz="900" b="1" dirty="0"/>
             <a:t>및 </a:t>
           </a:r>
           <a:r>
-            <a:rPr lang="en-US" altLang="ko-KR" sz="800" b="0" dirty="0"/>
+            <a:rPr lang="en-US" altLang="ko-KR" sz="900" b="1" dirty="0"/>
             <a:t>UI </a:t>
           </a:r>
           <a:r>
-            <a:rPr lang="ko-KR" altLang="en-US" sz="800" b="0" dirty="0"/>
+            <a:rPr lang="ko-KR" altLang="en-US" sz="900" b="1" dirty="0"/>
             <a:t>리소스 제작</a:t>
           </a:r>
         </a:p>
@@ -4405,7 +1290,7 @@
         <a:lstStyle/>
         <a:p>
           <a:pPr latinLnBrk="1"/>
-          <a:endParaRPr lang="ko-KR" altLang="en-US" b="0"/>
+          <a:endParaRPr lang="ko-KR" altLang="en-US" sz="2000" b="1"/>
         </a:p>
       </dgm:t>
     </dgm:pt>
@@ -4417,7 +1302,7 @@
         <a:lstStyle/>
         <a:p>
           <a:pPr latinLnBrk="1"/>
-          <a:endParaRPr lang="ko-KR" altLang="en-US" b="0"/>
+          <a:endParaRPr lang="ko-KR" altLang="en-US" sz="2000" b="1"/>
         </a:p>
       </dgm:t>
     </dgm:pt>
@@ -4430,14 +1315,14 @@
         <a:p>
           <a:pPr latinLnBrk="1"/>
           <a:r>
-            <a:rPr lang="en-US" sz="1200" b="0" dirty="0"/>
+            <a:rPr lang="en-US" sz="1400" b="1" dirty="0"/>
             <a:t>3</a:t>
           </a:r>
           <a:r>
-            <a:rPr lang="ko-KR" sz="1200" b="0" dirty="0"/>
+            <a:rPr lang="ko-KR" sz="1400" b="1" dirty="0"/>
             <a:t>주차</a:t>
           </a:r>
-          <a:endParaRPr lang="ko-KR" sz="1000" b="0" dirty="0"/>
+          <a:endParaRPr lang="ko-KR" sz="1050" b="1" dirty="0"/>
         </a:p>
       </dgm:t>
     </dgm:pt>
@@ -4449,7 +1334,7 @@
         <a:lstStyle/>
         <a:p>
           <a:pPr latinLnBrk="1"/>
-          <a:endParaRPr lang="ko-KR" altLang="en-US" b="0"/>
+          <a:endParaRPr lang="ko-KR" altLang="en-US" sz="2000" b="1"/>
         </a:p>
       </dgm:t>
     </dgm:pt>
@@ -4468,7 +1353,7 @@
         <a:lstStyle/>
         <a:p>
           <a:pPr latinLnBrk="1"/>
-          <a:endParaRPr lang="ko-KR" altLang="en-US" b="0"/>
+          <a:endParaRPr lang="ko-KR" altLang="en-US" sz="2000" b="1"/>
         </a:p>
       </dgm:t>
     </dgm:pt>
@@ -4481,10 +1366,10 @@
         <a:p>
           <a:pPr latinLnBrk="1"/>
           <a:r>
-            <a:rPr lang="ko-KR" altLang="en-US" sz="1000" b="0" dirty="0"/>
+            <a:rPr lang="ko-KR" altLang="en-US" sz="1050" b="1" dirty="0"/>
             <a:t>몬스터 이동 및 스킬 사용 오브젝트</a:t>
           </a:r>
-          <a:endParaRPr lang="ko-KR" altLang="en-US" sz="800" b="0" dirty="0"/>
+          <a:endParaRPr lang="ko-KR" altLang="en-US" sz="900" b="1" dirty="0"/>
         </a:p>
       </dgm:t>
     </dgm:pt>
@@ -4496,7 +1381,7 @@
         <a:lstStyle/>
         <a:p>
           <a:pPr latinLnBrk="1"/>
-          <a:endParaRPr lang="ko-KR" altLang="en-US" b="0"/>
+          <a:endParaRPr lang="ko-KR" altLang="en-US" sz="2000" b="1"/>
         </a:p>
       </dgm:t>
     </dgm:pt>
@@ -4508,12 +1393,12 @@
         <a:lstStyle/>
         <a:p>
           <a:pPr latinLnBrk="1"/>
-          <a:endParaRPr lang="ko-KR" altLang="en-US" b="0"/>
+          <a:endParaRPr lang="ko-KR" altLang="en-US" sz="2000" b="1"/>
         </a:p>
       </dgm:t>
     </dgm:pt>
     <dgm:pt modelId="{73522555-2A45-4F0D-94D8-69E385D37F10}">
-      <dgm:prSet/>
+      <dgm:prSet custT="1"/>
       <dgm:spPr/>
       <dgm:t>
         <a:bodyPr anchor="ctr"/>
@@ -4521,14 +1406,14 @@
         <a:p>
           <a:pPr latinLnBrk="1"/>
           <a:r>
-            <a:rPr lang="ko-KR" altLang="en-US" sz="800" b="0" dirty="0"/>
+            <a:rPr lang="ko-KR" altLang="en-US" sz="900" b="1" dirty="0"/>
             <a:t>몬스터 이동을 구현한다</a:t>
           </a:r>
           <a:r>
-            <a:rPr lang="en-US" altLang="ko-KR" sz="800" b="0" dirty="0"/>
+            <a:rPr lang="en-US" altLang="ko-KR" sz="900" b="1" dirty="0"/>
             <a:t>.</a:t>
           </a:r>
-          <a:endParaRPr lang="ko-KR" altLang="en-US" sz="800" b="0" dirty="0"/>
+          <a:endParaRPr lang="ko-KR" altLang="en-US" sz="900" b="1" dirty="0"/>
         </a:p>
       </dgm:t>
     </dgm:pt>
@@ -4540,7 +1425,7 @@
         <a:lstStyle/>
         <a:p>
           <a:pPr latinLnBrk="1"/>
-          <a:endParaRPr lang="ko-KR" altLang="en-US" b="0"/>
+          <a:endParaRPr lang="ko-KR" altLang="en-US" sz="2000" b="1"/>
         </a:p>
       </dgm:t>
     </dgm:pt>
@@ -4552,12 +1437,12 @@
         <a:lstStyle/>
         <a:p>
           <a:pPr latinLnBrk="1"/>
-          <a:endParaRPr lang="ko-KR" altLang="en-US" b="0"/>
+          <a:endParaRPr lang="ko-KR" altLang="en-US" sz="2000" b="1"/>
         </a:p>
       </dgm:t>
     </dgm:pt>
     <dgm:pt modelId="{5EFADB5D-1F77-4E86-9199-5696F0F7CF7A}">
-      <dgm:prSet/>
+      <dgm:prSet custT="1"/>
       <dgm:spPr/>
       <dgm:t>
         <a:bodyPr anchor="ctr"/>
@@ -4565,7 +1450,7 @@
         <a:p>
           <a:pPr latinLnBrk="1"/>
           <a:r>
-            <a:rPr lang="ko-KR" altLang="en-US" sz="800" b="0" dirty="0"/>
+            <a:rPr lang="ko-KR" altLang="en-US" sz="900" b="1" dirty="0"/>
             <a:t>몬스터와 캐릭터의 스킬 사용 이펙트를 구현</a:t>
           </a:r>
         </a:p>
@@ -4579,7 +1464,7 @@
         <a:lstStyle/>
         <a:p>
           <a:pPr latinLnBrk="1"/>
-          <a:endParaRPr lang="ko-KR" altLang="en-US" b="0"/>
+          <a:endParaRPr lang="ko-KR" altLang="en-US" sz="2000" b="1"/>
         </a:p>
       </dgm:t>
     </dgm:pt>
@@ -4591,7 +1476,7 @@
         <a:lstStyle/>
         <a:p>
           <a:pPr latinLnBrk="1"/>
-          <a:endParaRPr lang="ko-KR" altLang="en-US" b="0"/>
+          <a:endParaRPr lang="ko-KR" altLang="en-US" sz="2000" b="1"/>
         </a:p>
       </dgm:t>
     </dgm:pt>
@@ -4604,14 +1489,14 @@
         <a:p>
           <a:pPr latinLnBrk="1"/>
           <a:r>
-            <a:rPr lang="en-US" sz="1200" b="0" dirty="0"/>
+            <a:rPr lang="en-US" sz="1400" b="1" dirty="0"/>
             <a:t>4</a:t>
           </a:r>
           <a:r>
-            <a:rPr lang="ko-KR" sz="1200" b="0" dirty="0"/>
+            <a:rPr lang="ko-KR" sz="1400" b="1" dirty="0"/>
             <a:t>주차</a:t>
           </a:r>
-          <a:endParaRPr lang="ko-KR" sz="1000" b="0" dirty="0"/>
+          <a:endParaRPr lang="ko-KR" sz="1050" b="1" dirty="0"/>
         </a:p>
       </dgm:t>
     </dgm:pt>
@@ -4623,7 +1508,7 @@
         <a:lstStyle/>
         <a:p>
           <a:pPr latinLnBrk="1"/>
-          <a:endParaRPr lang="ko-KR" altLang="en-US" b="0"/>
+          <a:endParaRPr lang="ko-KR" altLang="en-US" sz="2000" b="1"/>
         </a:p>
       </dgm:t>
     </dgm:pt>
@@ -4642,7 +1527,7 @@
         <a:lstStyle/>
         <a:p>
           <a:pPr latinLnBrk="1"/>
-          <a:endParaRPr lang="ko-KR" altLang="en-US" b="0"/>
+          <a:endParaRPr lang="ko-KR" altLang="en-US" sz="2000" b="1"/>
         </a:p>
       </dgm:t>
     </dgm:pt>
@@ -4655,14 +1540,14 @@
         <a:p>
           <a:pPr latinLnBrk="1"/>
           <a:r>
-            <a:rPr lang="ko-KR" sz="1000" b="0" dirty="0"/>
+            <a:rPr lang="ko-KR" sz="1050" b="1" dirty="0"/>
             <a:t>충돌 처리</a:t>
           </a:r>
           <a:r>
-            <a:rPr lang="en-US" sz="1000" b="0" dirty="0"/>
+            <a:rPr lang="en-US" sz="1050" b="1" dirty="0"/>
             <a:t>1</a:t>
           </a:r>
-          <a:endParaRPr lang="ko-KR" sz="800" b="0" dirty="0"/>
+          <a:endParaRPr lang="ko-KR" sz="900" b="1" dirty="0"/>
         </a:p>
       </dgm:t>
     </dgm:pt>
@@ -4674,7 +1559,7 @@
         <a:lstStyle/>
         <a:p>
           <a:pPr latinLnBrk="1"/>
-          <a:endParaRPr lang="ko-KR" altLang="en-US" b="0"/>
+          <a:endParaRPr lang="ko-KR" altLang="en-US" sz="2000" b="1"/>
         </a:p>
       </dgm:t>
     </dgm:pt>
@@ -4686,12 +1571,12 @@
         <a:lstStyle/>
         <a:p>
           <a:pPr latinLnBrk="1"/>
-          <a:endParaRPr lang="ko-KR" altLang="en-US" b="0"/>
+          <a:endParaRPr lang="ko-KR" altLang="en-US" sz="2000" b="1"/>
         </a:p>
       </dgm:t>
     </dgm:pt>
     <dgm:pt modelId="{EC6B38D8-7992-4298-BFBD-5F9051F9A97C}">
-      <dgm:prSet/>
+      <dgm:prSet custT="1"/>
       <dgm:spPr/>
       <dgm:t>
         <a:bodyPr anchor="ctr"/>
@@ -4699,15 +1584,15 @@
         <a:p>
           <a:pPr latinLnBrk="1"/>
           <a:r>
-            <a:rPr lang="ko-KR" sz="800" b="0" dirty="0"/>
+            <a:rPr lang="ko-KR" sz="900" b="1" dirty="0"/>
             <a:t>몬스터와 </a:t>
           </a:r>
           <a:r>
-            <a:rPr lang="en-US" sz="800" b="0" dirty="0"/>
+            <a:rPr lang="en-US" sz="900" b="1" dirty="0"/>
             <a:t>Player </a:t>
           </a:r>
           <a:r>
-            <a:rPr lang="ko-KR" sz="800" b="0" dirty="0"/>
+            <a:rPr lang="ko-KR" sz="900" b="1" dirty="0"/>
             <a:t>충돌 판정 구현</a:t>
           </a:r>
         </a:p>
@@ -4721,7 +1606,7 @@
         <a:lstStyle/>
         <a:p>
           <a:pPr latinLnBrk="1"/>
-          <a:endParaRPr lang="ko-KR" altLang="en-US" b="0"/>
+          <a:endParaRPr lang="ko-KR" altLang="en-US" sz="2000" b="1"/>
         </a:p>
       </dgm:t>
     </dgm:pt>
@@ -4733,7 +1618,7 @@
         <a:lstStyle/>
         <a:p>
           <a:pPr latinLnBrk="1"/>
-          <a:endParaRPr lang="ko-KR" altLang="en-US" b="0"/>
+          <a:endParaRPr lang="ko-KR" altLang="en-US" sz="2000" b="1"/>
         </a:p>
       </dgm:t>
     </dgm:pt>
@@ -4741,9 +1626,8 @@
       <dgm:prSet custT="1"/>
       <dgm:spPr>
         <a:solidFill>
-          <a:schemeClr val="accent4">
-            <a:lumMod val="40000"/>
-            <a:lumOff val="60000"/>
+          <a:schemeClr val="bg1">
+            <a:lumMod val="95000"/>
           </a:schemeClr>
         </a:solidFill>
       </dgm:spPr>
@@ -4753,14 +1637,14 @@
         <a:p>
           <a:pPr latinLnBrk="1"/>
           <a:r>
-            <a:rPr lang="en-US" sz="1200" b="0" dirty="0"/>
+            <a:rPr lang="en-US" sz="1400" b="1" dirty="0"/>
             <a:t>5</a:t>
           </a:r>
           <a:r>
-            <a:rPr lang="ko-KR" sz="1200" b="0" dirty="0"/>
+            <a:rPr lang="ko-KR" sz="1400" b="1" dirty="0"/>
             <a:t>주차</a:t>
           </a:r>
-          <a:endParaRPr lang="ko-KR" sz="1000" b="0" dirty="0"/>
+          <a:endParaRPr lang="ko-KR" sz="1050" b="1" dirty="0"/>
         </a:p>
       </dgm:t>
     </dgm:pt>
@@ -4772,7 +1656,7 @@
         <a:lstStyle/>
         <a:p>
           <a:pPr latinLnBrk="1"/>
-          <a:endParaRPr lang="ko-KR" altLang="en-US" b="0"/>
+          <a:endParaRPr lang="ko-KR" altLang="en-US" sz="2000" b="1"/>
         </a:p>
       </dgm:t>
     </dgm:pt>
@@ -4791,7 +1675,7 @@
         <a:lstStyle/>
         <a:p>
           <a:pPr latinLnBrk="1"/>
-          <a:endParaRPr lang="ko-KR" altLang="en-US" b="0"/>
+          <a:endParaRPr lang="ko-KR" altLang="en-US" sz="2000" b="1"/>
         </a:p>
       </dgm:t>
     </dgm:pt>
@@ -4799,9 +1683,8 @@
       <dgm:prSet custT="1"/>
       <dgm:spPr>
         <a:solidFill>
-          <a:schemeClr val="accent4">
-            <a:lumMod val="40000"/>
-            <a:lumOff val="60000"/>
+          <a:schemeClr val="bg1">
+            <a:lumMod val="95000"/>
           </a:schemeClr>
         </a:solidFill>
       </dgm:spPr>
@@ -4811,10 +1694,10 @@
         <a:p>
           <a:pPr latinLnBrk="1"/>
           <a:r>
-            <a:rPr lang="ko-KR" altLang="en-US" sz="1000" b="0" dirty="0"/>
+            <a:rPr lang="ko-KR" altLang="en-US" sz="1050" b="1" dirty="0"/>
             <a:t>추가 구현 및 중간 점검</a:t>
           </a:r>
-          <a:endParaRPr lang="ko-KR" altLang="en-US" sz="800" b="0" dirty="0"/>
+          <a:endParaRPr lang="ko-KR" altLang="en-US" sz="900" b="1" dirty="0"/>
         </a:p>
       </dgm:t>
     </dgm:pt>
@@ -4826,7 +1709,7 @@
         <a:lstStyle/>
         <a:p>
           <a:pPr latinLnBrk="1"/>
-          <a:endParaRPr lang="ko-KR" altLang="en-US" b="0"/>
+          <a:endParaRPr lang="ko-KR" altLang="en-US" sz="2000" b="1"/>
         </a:p>
       </dgm:t>
     </dgm:pt>
@@ -4838,17 +1721,16 @@
         <a:lstStyle/>
         <a:p>
           <a:pPr latinLnBrk="1"/>
-          <a:endParaRPr lang="ko-KR" altLang="en-US" b="0"/>
+          <a:endParaRPr lang="ko-KR" altLang="en-US" sz="2000" b="1"/>
         </a:p>
       </dgm:t>
     </dgm:pt>
     <dgm:pt modelId="{23E3F90E-DA66-49A1-A8D9-F25CBD4533D9}">
-      <dgm:prSet/>
+      <dgm:prSet custT="1"/>
       <dgm:spPr>
         <a:solidFill>
-          <a:schemeClr val="accent4">
-            <a:lumMod val="40000"/>
-            <a:lumOff val="60000"/>
+          <a:schemeClr val="bg1">
+            <a:lumMod val="95000"/>
           </a:schemeClr>
         </a:solidFill>
       </dgm:spPr>
@@ -4858,11 +1740,11 @@
         <a:p>
           <a:pPr latinLnBrk="1"/>
           <a:r>
-            <a:rPr lang="en-US" sz="800" b="0"/>
+            <a:rPr lang="en-US" sz="900" b="1"/>
             <a:t>1~4</a:t>
           </a:r>
           <a:r>
-            <a:rPr lang="ko-KR" sz="800" b="0"/>
+            <a:rPr lang="ko-KR" sz="900" b="1"/>
             <a:t>주차 결과물 보안</a:t>
           </a:r>
         </a:p>
@@ -4876,7 +1758,7 @@
         <a:lstStyle/>
         <a:p>
           <a:pPr latinLnBrk="1"/>
-          <a:endParaRPr lang="ko-KR" altLang="en-US" b="0"/>
+          <a:endParaRPr lang="ko-KR" altLang="en-US" sz="2000" b="1"/>
         </a:p>
       </dgm:t>
     </dgm:pt>
@@ -4888,17 +1770,16 @@
         <a:lstStyle/>
         <a:p>
           <a:pPr latinLnBrk="1"/>
-          <a:endParaRPr lang="ko-KR" altLang="en-US" b="0"/>
+          <a:endParaRPr lang="ko-KR" altLang="en-US" sz="2000" b="1"/>
         </a:p>
       </dgm:t>
     </dgm:pt>
     <dgm:pt modelId="{0966DB82-6CEA-4DB5-9408-D73FD4B7DFE8}">
-      <dgm:prSet/>
+      <dgm:prSet custT="1"/>
       <dgm:spPr>
         <a:solidFill>
-          <a:schemeClr val="accent4">
-            <a:lumMod val="40000"/>
-            <a:lumOff val="60000"/>
+          <a:schemeClr val="bg1">
+            <a:lumMod val="95000"/>
           </a:schemeClr>
         </a:solidFill>
       </dgm:spPr>
@@ -4908,7 +1789,7 @@
         <a:p>
           <a:pPr latinLnBrk="1"/>
           <a:r>
-            <a:rPr lang="ko-KR" altLang="en-US" sz="800" b="0" dirty="0"/>
+            <a:rPr lang="ko-KR" altLang="en-US" sz="900" b="1" dirty="0"/>
             <a:t>추가할 점 구현</a:t>
           </a:r>
         </a:p>
@@ -4922,7 +1803,7 @@
         <a:lstStyle/>
         <a:p>
           <a:pPr latinLnBrk="1"/>
-          <a:endParaRPr lang="ko-KR" altLang="en-US" b="0"/>
+          <a:endParaRPr lang="ko-KR" altLang="en-US" sz="2000" b="1"/>
         </a:p>
       </dgm:t>
     </dgm:pt>
@@ -4934,17 +1815,16 @@
         <a:lstStyle/>
         <a:p>
           <a:pPr latinLnBrk="1"/>
-          <a:endParaRPr lang="ko-KR" altLang="en-US" b="0"/>
+          <a:endParaRPr lang="ko-KR" altLang="en-US" sz="2000" b="1"/>
         </a:p>
       </dgm:t>
     </dgm:pt>
     <dgm:pt modelId="{D307715D-3FB5-4ACB-8E94-CBF7B2023919}">
-      <dgm:prSet/>
+      <dgm:prSet custT="1"/>
       <dgm:spPr>
         <a:solidFill>
-          <a:schemeClr val="accent4">
-            <a:lumMod val="40000"/>
-            <a:lumOff val="60000"/>
+          <a:schemeClr val="bg1">
+            <a:lumMod val="95000"/>
           </a:schemeClr>
         </a:solidFill>
       </dgm:spPr>
@@ -4954,22 +1834,22 @@
         <a:p>
           <a:pPr latinLnBrk="1"/>
           <a:r>
-            <a:rPr lang="ko-KR" sz="800" b="0" dirty="0"/>
+            <a:rPr lang="ko-KR" sz="900" b="1" dirty="0"/>
             <a:t>코드를 수정한다</a:t>
           </a:r>
           <a:r>
-            <a:rPr lang="en-US" sz="800" b="0" dirty="0"/>
+            <a:rPr lang="en-US" sz="900" b="1" dirty="0"/>
             <a:t>.(</a:t>
           </a:r>
           <a:r>
-            <a:rPr lang="ko-KR" sz="800" b="0" dirty="0"/>
+            <a:rPr lang="ko-KR" sz="900" b="1" dirty="0"/>
             <a:t>가독성 </a:t>
           </a:r>
           <a:r>
-            <a:rPr lang="en-US" sz="800" b="0" dirty="0"/>
+            <a:rPr lang="en-US" sz="900" b="1" dirty="0"/>
             <a:t>UP)</a:t>
           </a:r>
-          <a:endParaRPr lang="ko-KR" sz="800" b="0" dirty="0"/>
+          <a:endParaRPr lang="ko-KR" sz="900" b="1" dirty="0"/>
         </a:p>
       </dgm:t>
     </dgm:pt>
@@ -4981,7 +1861,7 @@
         <a:lstStyle/>
         <a:p>
           <a:pPr latinLnBrk="1"/>
-          <a:endParaRPr lang="ko-KR" altLang="en-US" b="0"/>
+          <a:endParaRPr lang="ko-KR" altLang="en-US" sz="2000" b="1"/>
         </a:p>
       </dgm:t>
     </dgm:pt>
@@ -4993,7 +1873,7 @@
         <a:lstStyle/>
         <a:p>
           <a:pPr latinLnBrk="1"/>
-          <a:endParaRPr lang="ko-KR" altLang="en-US" b="0"/>
+          <a:endParaRPr lang="ko-KR" altLang="en-US" sz="2000" b="1"/>
         </a:p>
       </dgm:t>
     </dgm:pt>
@@ -5006,14 +1886,14 @@
         <a:p>
           <a:pPr latinLnBrk="1"/>
           <a:r>
-            <a:rPr lang="en-US" sz="1200" b="0" dirty="0"/>
+            <a:rPr lang="en-US" sz="1400" b="1" dirty="0"/>
             <a:t>6</a:t>
           </a:r>
           <a:r>
-            <a:rPr lang="ko-KR" sz="1200" b="0" dirty="0"/>
+            <a:rPr lang="ko-KR" sz="1400" b="1" dirty="0"/>
             <a:t>주차</a:t>
           </a:r>
-          <a:endParaRPr lang="ko-KR" sz="1000" b="0" dirty="0"/>
+          <a:endParaRPr lang="ko-KR" sz="1050" b="1" dirty="0"/>
         </a:p>
       </dgm:t>
     </dgm:pt>
@@ -5025,7 +1905,7 @@
         <a:lstStyle/>
         <a:p>
           <a:pPr latinLnBrk="1"/>
-          <a:endParaRPr lang="ko-KR" altLang="en-US" b="0"/>
+          <a:endParaRPr lang="ko-KR" altLang="en-US" sz="2000" b="1"/>
         </a:p>
       </dgm:t>
     </dgm:pt>
@@ -5044,7 +1924,7 @@
         <a:lstStyle/>
         <a:p>
           <a:pPr latinLnBrk="1"/>
-          <a:endParaRPr lang="ko-KR" altLang="en-US" b="0"/>
+          <a:endParaRPr lang="ko-KR" altLang="en-US" sz="2000" b="1"/>
         </a:p>
       </dgm:t>
     </dgm:pt>
@@ -5057,10 +1937,10 @@
         <a:p>
           <a:pPr latinLnBrk="1"/>
           <a:r>
-            <a:rPr lang="ko-KR" altLang="en-US" sz="1000" b="0" dirty="0"/>
+            <a:rPr lang="ko-KR" altLang="en-US" sz="1050" b="1" dirty="0"/>
             <a:t>충돌 처리 최종 및 코드 수정</a:t>
           </a:r>
-          <a:endParaRPr lang="ko-KR" altLang="en-US" sz="800" b="0" dirty="0"/>
+          <a:endParaRPr lang="ko-KR" altLang="en-US" sz="900" b="1" dirty="0"/>
         </a:p>
       </dgm:t>
     </dgm:pt>
@@ -5072,7 +1952,7 @@
         <a:lstStyle/>
         <a:p>
           <a:pPr latinLnBrk="1"/>
-          <a:endParaRPr lang="ko-KR" altLang="en-US" b="0"/>
+          <a:endParaRPr lang="ko-KR" altLang="en-US" sz="2000" b="1"/>
         </a:p>
       </dgm:t>
     </dgm:pt>
@@ -5084,12 +1964,12 @@
         <a:lstStyle/>
         <a:p>
           <a:pPr latinLnBrk="1"/>
-          <a:endParaRPr lang="ko-KR" altLang="en-US" b="0"/>
+          <a:endParaRPr lang="ko-KR" altLang="en-US" sz="2000" b="1"/>
         </a:p>
       </dgm:t>
     </dgm:pt>
     <dgm:pt modelId="{D5DB234C-EAB9-46FB-9861-68B453A5493F}">
-      <dgm:prSet/>
+      <dgm:prSet custT="1"/>
       <dgm:spPr/>
       <dgm:t>
         <a:bodyPr anchor="ctr"/>
@@ -5097,22 +1977,22 @@
         <a:p>
           <a:pPr latinLnBrk="1"/>
           <a:r>
-            <a:rPr lang="ko-KR" sz="800" b="0" dirty="0"/>
+            <a:rPr lang="ko-KR" sz="900" b="1" dirty="0"/>
             <a:t>충돌 처리 마무리</a:t>
           </a:r>
           <a:r>
-            <a:rPr lang="en-US" sz="800" b="0" dirty="0"/>
+            <a:rPr lang="en-US" sz="900" b="1" dirty="0"/>
             <a:t>_</a:t>
           </a:r>
           <a:r>
-            <a:rPr lang="ko-KR" sz="800" b="0" dirty="0"/>
+            <a:rPr lang="ko-KR" sz="900" b="1" dirty="0"/>
             <a:t>오차가 없게 만든다</a:t>
           </a:r>
           <a:r>
-            <a:rPr lang="en-US" sz="800" b="0" dirty="0"/>
+            <a:rPr lang="en-US" sz="900" b="1" dirty="0"/>
             <a:t>.</a:t>
           </a:r>
-          <a:endParaRPr lang="ko-KR" sz="800" b="0" dirty="0"/>
+          <a:endParaRPr lang="ko-KR" sz="900" b="1" dirty="0"/>
         </a:p>
       </dgm:t>
     </dgm:pt>
@@ -5124,7 +2004,7 @@
         <a:lstStyle/>
         <a:p>
           <a:pPr latinLnBrk="1"/>
-          <a:endParaRPr lang="ko-KR" altLang="en-US" b="0"/>
+          <a:endParaRPr lang="ko-KR" altLang="en-US" sz="2000" b="1"/>
         </a:p>
       </dgm:t>
     </dgm:pt>
@@ -5136,12 +2016,12 @@
         <a:lstStyle/>
         <a:p>
           <a:pPr latinLnBrk="1"/>
-          <a:endParaRPr lang="ko-KR" altLang="en-US" b="0"/>
+          <a:endParaRPr lang="ko-KR" altLang="en-US" sz="2000" b="1"/>
         </a:p>
       </dgm:t>
     </dgm:pt>
     <dgm:pt modelId="{B3189FAC-982E-4D92-8EAA-AD722039A6D5}">
-      <dgm:prSet/>
+      <dgm:prSet custT="1"/>
       <dgm:spPr/>
       <dgm:t>
         <a:bodyPr anchor="ctr"/>
@@ -5149,7 +2029,7 @@
         <a:p>
           <a:pPr latinLnBrk="1"/>
           <a:r>
-            <a:rPr lang="ko-KR" altLang="en-US" sz="800" b="0" dirty="0"/>
+            <a:rPr lang="ko-KR" altLang="en-US" sz="900" b="1" dirty="0"/>
             <a:t>코드 간소화 및 가독성 수정</a:t>
           </a:r>
         </a:p>
@@ -5163,7 +2043,7 @@
         <a:lstStyle/>
         <a:p>
           <a:pPr latinLnBrk="1"/>
-          <a:endParaRPr lang="ko-KR" altLang="en-US" b="0"/>
+          <a:endParaRPr lang="ko-KR" altLang="en-US" sz="2000" b="1"/>
         </a:p>
       </dgm:t>
     </dgm:pt>
@@ -5175,12 +2055,12 @@
         <a:lstStyle/>
         <a:p>
           <a:pPr latinLnBrk="1"/>
-          <a:endParaRPr lang="ko-KR" altLang="en-US" b="0"/>
+          <a:endParaRPr lang="ko-KR" altLang="en-US" sz="2000" b="1"/>
         </a:p>
       </dgm:t>
     </dgm:pt>
     <dgm:pt modelId="{2F389F4B-9299-49C2-91AF-163CCEDB3BF4}">
-      <dgm:prSet/>
+      <dgm:prSet custT="1"/>
       <dgm:spPr/>
       <dgm:t>
         <a:bodyPr anchor="ctr"/>
@@ -5188,11 +2068,11 @@
         <a:p>
           <a:pPr latinLnBrk="1"/>
           <a:r>
-            <a:rPr lang="en-US" sz="1200" b="0" dirty="0"/>
+            <a:rPr lang="en-US" sz="1400" b="1" dirty="0"/>
             <a:t>7</a:t>
           </a:r>
           <a:r>
-            <a:rPr lang="ko-KR" sz="1200" b="0" dirty="0"/>
+            <a:rPr lang="ko-KR" sz="1400" b="1" dirty="0"/>
             <a:t>주차</a:t>
           </a:r>
         </a:p>
@@ -5206,7 +2086,7 @@
         <a:lstStyle/>
         <a:p>
           <a:pPr latinLnBrk="1"/>
-          <a:endParaRPr lang="ko-KR" altLang="en-US" b="0"/>
+          <a:endParaRPr lang="ko-KR" altLang="en-US" sz="2000" b="1"/>
         </a:p>
       </dgm:t>
     </dgm:pt>
@@ -5222,7 +2102,7 @@
         <a:lstStyle/>
         <a:p>
           <a:pPr latinLnBrk="1"/>
-          <a:endParaRPr lang="ko-KR" altLang="en-US" b="0"/>
+          <a:endParaRPr lang="ko-KR" altLang="en-US" sz="2000" b="1"/>
         </a:p>
       </dgm:t>
     </dgm:pt>
@@ -5235,10 +2115,10 @@
         <a:p>
           <a:pPr latinLnBrk="1"/>
           <a:r>
-            <a:rPr lang="ko-KR" altLang="en-US" sz="1050" b="0" dirty="0"/>
+            <a:rPr lang="ko-KR" altLang="en-US" sz="1100" b="1" dirty="0"/>
             <a:t>애니메이션 점검</a:t>
           </a:r>
-          <a:endParaRPr lang="ko-KR" altLang="en-US" sz="900" b="0" dirty="0"/>
+          <a:endParaRPr lang="ko-KR" altLang="en-US" sz="1000" b="1" dirty="0"/>
         </a:p>
       </dgm:t>
     </dgm:pt>
@@ -5250,7 +2130,7 @@
         <a:lstStyle/>
         <a:p>
           <a:pPr latinLnBrk="1"/>
-          <a:endParaRPr lang="ko-KR" altLang="en-US" b="0"/>
+          <a:endParaRPr lang="ko-KR" altLang="en-US" sz="2000" b="1"/>
         </a:p>
       </dgm:t>
     </dgm:pt>
@@ -5262,12 +2142,12 @@
         <a:lstStyle/>
         <a:p>
           <a:pPr latinLnBrk="1"/>
-          <a:endParaRPr lang="ko-KR" altLang="en-US" b="0"/>
+          <a:endParaRPr lang="ko-KR" altLang="en-US" sz="2000" b="1"/>
         </a:p>
       </dgm:t>
     </dgm:pt>
     <dgm:pt modelId="{980139EE-A5DE-44FC-BF58-9931547C394B}">
-      <dgm:prSet/>
+      <dgm:prSet custT="1"/>
       <dgm:spPr/>
       <dgm:t>
         <a:bodyPr anchor="ctr"/>
@@ -5275,14 +2155,14 @@
         <a:p>
           <a:pPr latinLnBrk="1"/>
           <a:r>
-            <a:rPr lang="ko-KR" sz="900" b="0" dirty="0"/>
+            <a:rPr lang="ko-KR" sz="1000" b="1" dirty="0"/>
             <a:t>애니메이션이 정상적으로 돌아가고 있는지 점검한다</a:t>
           </a:r>
           <a:r>
-            <a:rPr lang="en-US" sz="900" b="0" dirty="0"/>
+            <a:rPr lang="en-US" sz="1000" b="1" dirty="0"/>
             <a:t>.</a:t>
           </a:r>
-          <a:endParaRPr lang="ko-KR" sz="900" b="0" dirty="0"/>
+          <a:endParaRPr lang="ko-KR" sz="1000" b="1" dirty="0"/>
         </a:p>
       </dgm:t>
     </dgm:pt>
@@ -5294,7 +2174,7 @@
         <a:lstStyle/>
         <a:p>
           <a:pPr latinLnBrk="1"/>
-          <a:endParaRPr lang="ko-KR" altLang="en-US" b="0"/>
+          <a:endParaRPr lang="ko-KR" altLang="en-US" sz="2000" b="1"/>
         </a:p>
       </dgm:t>
     </dgm:pt>
@@ -5306,12 +2186,12 @@
         <a:lstStyle/>
         <a:p>
           <a:pPr latinLnBrk="1"/>
-          <a:endParaRPr lang="ko-KR" altLang="en-US" b="0"/>
+          <a:endParaRPr lang="ko-KR" altLang="en-US" sz="2000" b="1"/>
         </a:p>
       </dgm:t>
     </dgm:pt>
     <dgm:pt modelId="{BAD3DDEB-CD47-4CD5-88A4-75A0D8FFC931}">
-      <dgm:prSet/>
+      <dgm:prSet custT="1"/>
       <dgm:spPr/>
       <dgm:t>
         <a:bodyPr anchor="ctr"/>
@@ -5319,14 +2199,14 @@
         <a:p>
           <a:pPr latinLnBrk="1"/>
           <a:r>
-            <a:rPr lang="ko-KR" sz="900" b="0"/>
+            <a:rPr lang="ko-KR" sz="1000" b="1"/>
             <a:t>빠졌거나 부자연 스러운 애니메이션이 있다면 수정 한다</a:t>
           </a:r>
           <a:r>
-            <a:rPr lang="en-US" sz="900" b="0"/>
+            <a:rPr lang="en-US" sz="1000" b="1"/>
             <a:t>.</a:t>
           </a:r>
-          <a:endParaRPr lang="ko-KR" sz="900" b="0"/>
+          <a:endParaRPr lang="ko-KR" sz="1000" b="1"/>
         </a:p>
       </dgm:t>
     </dgm:pt>
@@ -5338,7 +2218,7 @@
         <a:lstStyle/>
         <a:p>
           <a:pPr latinLnBrk="1"/>
-          <a:endParaRPr lang="ko-KR" altLang="en-US" b="0"/>
+          <a:endParaRPr lang="ko-KR" altLang="en-US" sz="2000" b="1"/>
         </a:p>
       </dgm:t>
     </dgm:pt>
@@ -5350,7 +2230,7 @@
         <a:lstStyle/>
         <a:p>
           <a:pPr latinLnBrk="1"/>
-          <a:endParaRPr lang="ko-KR" altLang="en-US" b="0"/>
+          <a:endParaRPr lang="ko-KR" altLang="en-US" sz="2000" b="1"/>
         </a:p>
       </dgm:t>
     </dgm:pt>
@@ -5363,14 +2243,14 @@
         <a:p>
           <a:pPr latinLnBrk="1"/>
           <a:r>
-            <a:rPr lang="en-US" sz="1200" b="0" dirty="0"/>
+            <a:rPr lang="en-US" sz="1400" b="1" dirty="0"/>
             <a:t>8</a:t>
           </a:r>
           <a:r>
-            <a:rPr lang="ko-KR" sz="1200" b="0" dirty="0"/>
+            <a:rPr lang="ko-KR" sz="1400" b="1" dirty="0"/>
             <a:t>주차</a:t>
           </a:r>
-          <a:endParaRPr lang="ko-KR" sz="1000" b="0" dirty="0"/>
+          <a:endParaRPr lang="ko-KR" sz="1050" b="1" dirty="0"/>
         </a:p>
       </dgm:t>
     </dgm:pt>
@@ -5382,7 +2262,7 @@
         <a:lstStyle/>
         <a:p>
           <a:pPr latinLnBrk="1"/>
-          <a:endParaRPr lang="ko-KR" altLang="en-US" b="0"/>
+          <a:endParaRPr lang="ko-KR" altLang="en-US" sz="2000" b="1"/>
         </a:p>
       </dgm:t>
     </dgm:pt>
@@ -5398,7 +2278,7 @@
         <a:lstStyle/>
         <a:p>
           <a:pPr latinLnBrk="1"/>
-          <a:endParaRPr lang="ko-KR" altLang="en-US" b="0"/>
+          <a:endParaRPr lang="ko-KR" altLang="en-US" sz="2000" b="1"/>
         </a:p>
       </dgm:t>
     </dgm:pt>
@@ -5411,10 +2291,10 @@
         <a:p>
           <a:pPr latinLnBrk="1"/>
           <a:r>
-            <a:rPr lang="ko-KR" altLang="en-US" sz="1000" b="0" dirty="0"/>
+            <a:rPr lang="ko-KR" altLang="en-US" sz="1050" b="1" dirty="0"/>
             <a:t>시작과 종료 및 밸런스 조절</a:t>
           </a:r>
-          <a:endParaRPr lang="ko-KR" altLang="en-US" sz="800" b="0" dirty="0"/>
+          <a:endParaRPr lang="ko-KR" altLang="en-US" sz="900" b="1" dirty="0"/>
         </a:p>
       </dgm:t>
     </dgm:pt>
@@ -5426,7 +2306,7 @@
         <a:lstStyle/>
         <a:p>
           <a:pPr latinLnBrk="1"/>
-          <a:endParaRPr lang="ko-KR" altLang="en-US" b="0"/>
+          <a:endParaRPr lang="ko-KR" altLang="en-US" sz="2000" b="1"/>
         </a:p>
       </dgm:t>
     </dgm:pt>
@@ -5438,12 +2318,12 @@
         <a:lstStyle/>
         <a:p>
           <a:pPr latinLnBrk="1"/>
-          <a:endParaRPr lang="ko-KR" altLang="en-US" b="0"/>
+          <a:endParaRPr lang="ko-KR" altLang="en-US" sz="2000" b="1"/>
         </a:p>
       </dgm:t>
     </dgm:pt>
     <dgm:pt modelId="{7658E10B-2522-4A96-8D7A-EB4CC70830AE}">
-      <dgm:prSet/>
+      <dgm:prSet custT="1"/>
       <dgm:spPr/>
       <dgm:t>
         <a:bodyPr anchor="ctr"/>
@@ -5451,39 +2331,39 @@
         <a:p>
           <a:pPr latinLnBrk="1"/>
           <a:r>
-            <a:rPr lang="ko-KR" sz="800" b="0" dirty="0"/>
+            <a:rPr lang="ko-KR" sz="900" b="1" dirty="0"/>
             <a:t>게임 실행 화면</a:t>
           </a:r>
           <a:r>
-            <a:rPr lang="en-US" sz="800" b="0" dirty="0"/>
+            <a:rPr lang="en-US" sz="900" b="1" dirty="0"/>
             <a:t>(</a:t>
           </a:r>
           <a:r>
-            <a:rPr lang="ko-KR" sz="800" b="0" dirty="0"/>
+            <a:rPr lang="ko-KR" sz="900" b="1" dirty="0"/>
             <a:t>첫 타이틀 화면</a:t>
           </a:r>
           <a:r>
-            <a:rPr lang="en-US" sz="800" b="0" dirty="0"/>
+            <a:rPr lang="en-US" sz="900" b="1" dirty="0"/>
             <a:t>, </a:t>
           </a:r>
           <a:r>
-            <a:rPr lang="ko-KR" sz="800" b="0" dirty="0"/>
+            <a:rPr lang="ko-KR" sz="900" b="1" dirty="0"/>
             <a:t>조작법</a:t>
           </a:r>
           <a:r>
-            <a:rPr lang="en-US" sz="800" b="0" dirty="0"/>
+            <a:rPr lang="en-US" sz="900" b="1" dirty="0"/>
             <a:t>, </a:t>
           </a:r>
           <a:r>
-            <a:rPr lang="ko-KR" sz="800" b="0" dirty="0"/>
+            <a:rPr lang="ko-KR" sz="900" b="1" dirty="0"/>
             <a:t>게임 종료 화면</a:t>
           </a:r>
           <a:r>
-            <a:rPr lang="en-US" sz="800" b="0" dirty="0"/>
+            <a:rPr lang="en-US" sz="900" b="1" dirty="0"/>
             <a:t>)</a:t>
           </a:r>
           <a:r>
-            <a:rPr lang="ko-KR" sz="800" b="0" dirty="0"/>
+            <a:rPr lang="ko-KR" sz="900" b="1" dirty="0"/>
             <a:t>만들기</a:t>
           </a:r>
         </a:p>
@@ -5497,7 +2377,7 @@
         <a:lstStyle/>
         <a:p>
           <a:pPr latinLnBrk="1"/>
-          <a:endParaRPr lang="ko-KR" altLang="en-US" b="0"/>
+          <a:endParaRPr lang="ko-KR" altLang="en-US" sz="2000" b="1"/>
         </a:p>
       </dgm:t>
     </dgm:pt>
@@ -5509,12 +2389,12 @@
         <a:lstStyle/>
         <a:p>
           <a:pPr latinLnBrk="1"/>
-          <a:endParaRPr lang="ko-KR" altLang="en-US" b="0"/>
+          <a:endParaRPr lang="ko-KR" altLang="en-US" sz="2000" b="1"/>
         </a:p>
       </dgm:t>
     </dgm:pt>
     <dgm:pt modelId="{FA872544-9706-4FAE-BF9B-3A7A1CBACE8A}">
-      <dgm:prSet/>
+      <dgm:prSet custT="1"/>
       <dgm:spPr/>
       <dgm:t>
         <a:bodyPr anchor="ctr"/>
@@ -5522,22 +2402,22 @@
         <a:p>
           <a:pPr latinLnBrk="1"/>
           <a:r>
-            <a:rPr lang="ko-KR" sz="800" b="0" dirty="0"/>
+            <a:rPr lang="ko-KR" sz="900" b="1" dirty="0"/>
             <a:t>밸런스 조정한다</a:t>
           </a:r>
           <a:r>
-            <a:rPr lang="en-US" sz="800" b="0" dirty="0"/>
+            <a:rPr lang="en-US" sz="900" b="1" dirty="0"/>
             <a:t>.(</a:t>
           </a:r>
           <a:r>
-            <a:rPr lang="ko-KR" sz="800" b="0" dirty="0"/>
+            <a:rPr lang="ko-KR" sz="900" b="1" dirty="0"/>
             <a:t>몬스터의 스킬 사용 빈도나 몬스터 출연 빈도 수정</a:t>
           </a:r>
           <a:r>
-            <a:rPr lang="en-US" sz="800" b="0" dirty="0"/>
+            <a:rPr lang="en-US" sz="900" b="1" dirty="0"/>
             <a:t>)</a:t>
           </a:r>
-          <a:endParaRPr lang="ko-KR" sz="800" b="0" dirty="0"/>
+          <a:endParaRPr lang="ko-KR" sz="900" b="1" dirty="0"/>
         </a:p>
       </dgm:t>
     </dgm:pt>
@@ -5549,7 +2429,7 @@
         <a:lstStyle/>
         <a:p>
           <a:pPr latinLnBrk="1"/>
-          <a:endParaRPr lang="ko-KR" altLang="en-US" b="0"/>
+          <a:endParaRPr lang="ko-KR" altLang="en-US" sz="2000" b="1"/>
         </a:p>
       </dgm:t>
     </dgm:pt>
@@ -5561,7 +2441,7 @@
         <a:lstStyle/>
         <a:p>
           <a:pPr latinLnBrk="1"/>
-          <a:endParaRPr lang="ko-KR" altLang="en-US" b="0"/>
+          <a:endParaRPr lang="ko-KR" altLang="en-US" sz="2000" b="1"/>
         </a:p>
       </dgm:t>
     </dgm:pt>
@@ -5569,9 +2449,8 @@
       <dgm:prSet custT="1"/>
       <dgm:spPr>
         <a:solidFill>
-          <a:schemeClr val="accent4">
-            <a:lumMod val="40000"/>
-            <a:lumOff val="60000"/>
+          <a:schemeClr val="bg1">
+            <a:lumMod val="95000"/>
           </a:schemeClr>
         </a:solidFill>
       </dgm:spPr>
@@ -5581,14 +2460,14 @@
         <a:p>
           <a:pPr latinLnBrk="1"/>
           <a:r>
-            <a:rPr lang="en-US" sz="1200" b="0" dirty="0"/>
+            <a:rPr lang="en-US" sz="1400" b="1" dirty="0"/>
             <a:t>9</a:t>
           </a:r>
           <a:r>
-            <a:rPr lang="ko-KR" sz="1200" b="0" dirty="0"/>
+            <a:rPr lang="ko-KR" sz="1400" b="1" dirty="0"/>
             <a:t>주차</a:t>
           </a:r>
-          <a:endParaRPr lang="ko-KR" sz="1000" b="0" dirty="0"/>
+          <a:endParaRPr lang="ko-KR" sz="1050" b="1" dirty="0"/>
         </a:p>
       </dgm:t>
     </dgm:pt>
@@ -5600,7 +2479,7 @@
         <a:lstStyle/>
         <a:p>
           <a:pPr latinLnBrk="1"/>
-          <a:endParaRPr lang="ko-KR" altLang="en-US" b="0"/>
+          <a:endParaRPr lang="ko-KR" altLang="en-US" sz="2000" b="1"/>
         </a:p>
       </dgm:t>
     </dgm:pt>
@@ -5612,7 +2491,7 @@
         <a:lstStyle/>
         <a:p>
           <a:pPr latinLnBrk="1"/>
-          <a:endParaRPr lang="ko-KR" altLang="en-US" b="0"/>
+          <a:endParaRPr lang="ko-KR" altLang="en-US" sz="2000" b="1"/>
         </a:p>
       </dgm:t>
     </dgm:pt>
@@ -5620,9 +2499,8 @@
       <dgm:prSet custT="1"/>
       <dgm:spPr>
         <a:solidFill>
-          <a:schemeClr val="accent4">
-            <a:lumMod val="40000"/>
-            <a:lumOff val="60000"/>
+          <a:schemeClr val="bg1">
+            <a:lumMod val="95000"/>
           </a:schemeClr>
         </a:solidFill>
       </dgm:spPr>
@@ -5632,10 +2510,10 @@
         <a:p>
           <a:pPr latinLnBrk="1"/>
           <a:r>
-            <a:rPr lang="ko-KR" altLang="en-US" sz="1000" b="0" dirty="0"/>
+            <a:rPr lang="ko-KR" altLang="en-US" sz="1050" b="1" dirty="0"/>
             <a:t>최종 점검 및 릴리즈</a:t>
           </a:r>
-          <a:endParaRPr lang="ko-KR" altLang="en-US" sz="800" b="0" dirty="0"/>
+          <a:endParaRPr lang="ko-KR" altLang="en-US" sz="900" b="1" dirty="0"/>
         </a:p>
       </dgm:t>
     </dgm:pt>
@@ -5647,7 +2525,7 @@
         <a:lstStyle/>
         <a:p>
           <a:pPr latinLnBrk="1"/>
-          <a:endParaRPr lang="ko-KR" altLang="en-US" b="0"/>
+          <a:endParaRPr lang="ko-KR" altLang="en-US" sz="2000" b="1"/>
         </a:p>
       </dgm:t>
     </dgm:pt>
@@ -5659,17 +2537,16 @@
         <a:lstStyle/>
         <a:p>
           <a:pPr latinLnBrk="1"/>
-          <a:endParaRPr lang="ko-KR" altLang="en-US" b="0"/>
+          <a:endParaRPr lang="ko-KR" altLang="en-US" sz="2000" b="1"/>
         </a:p>
       </dgm:t>
     </dgm:pt>
     <dgm:pt modelId="{4DC3F9B5-8C0E-46E0-8A8A-64178F43E5C5}">
-      <dgm:prSet/>
+      <dgm:prSet custT="1"/>
       <dgm:spPr>
         <a:solidFill>
-          <a:schemeClr val="accent4">
-            <a:lumMod val="40000"/>
-            <a:lumOff val="60000"/>
+          <a:schemeClr val="bg1">
+            <a:lumMod val="95000"/>
           </a:schemeClr>
         </a:solidFill>
       </dgm:spPr>
@@ -5679,14 +2556,14 @@
         <a:p>
           <a:pPr latinLnBrk="1"/>
           <a:r>
-            <a:rPr lang="ko-KR" sz="800" b="0" dirty="0"/>
+            <a:rPr lang="ko-KR" sz="900" b="1" dirty="0"/>
             <a:t>최종 마무리를 하기 전 각 오브젝트가 부드럽게 연결되는지 본다</a:t>
           </a:r>
           <a:r>
-            <a:rPr lang="en-US" sz="800" b="0" dirty="0"/>
+            <a:rPr lang="en-US" sz="900" b="1" dirty="0"/>
             <a:t>.</a:t>
           </a:r>
-          <a:endParaRPr lang="ko-KR" sz="800" b="0" dirty="0"/>
+          <a:endParaRPr lang="ko-KR" sz="900" b="1" dirty="0"/>
         </a:p>
       </dgm:t>
     </dgm:pt>
@@ -5698,7 +2575,7 @@
         <a:lstStyle/>
         <a:p>
           <a:pPr latinLnBrk="1"/>
-          <a:endParaRPr lang="ko-KR" altLang="en-US" b="0"/>
+          <a:endParaRPr lang="ko-KR" altLang="en-US" sz="2000" b="1"/>
         </a:p>
       </dgm:t>
     </dgm:pt>
@@ -5710,17 +2587,16 @@
         <a:lstStyle/>
         <a:p>
           <a:pPr latinLnBrk="1"/>
-          <a:endParaRPr lang="ko-KR" altLang="en-US" b="0"/>
+          <a:endParaRPr lang="ko-KR" altLang="en-US" sz="2000" b="1"/>
         </a:p>
       </dgm:t>
     </dgm:pt>
     <dgm:pt modelId="{C826A04E-69B8-49CE-B405-E10584D98885}">
-      <dgm:prSet/>
+      <dgm:prSet custT="1"/>
       <dgm:spPr>
         <a:solidFill>
-          <a:schemeClr val="accent4">
-            <a:lumMod val="40000"/>
-            <a:lumOff val="60000"/>
+          <a:schemeClr val="bg1">
+            <a:lumMod val="95000"/>
           </a:schemeClr>
         </a:solidFill>
       </dgm:spPr>
@@ -5730,14 +2606,14 @@
         <a:p>
           <a:pPr latinLnBrk="1"/>
           <a:r>
-            <a:rPr lang="ko-KR" sz="800" b="0"/>
+            <a:rPr lang="ko-KR" sz="900" b="1"/>
             <a:t>충돌 처리 오류가 난 곳을 고친다</a:t>
           </a:r>
           <a:r>
-            <a:rPr lang="en-US" sz="800" b="0"/>
+            <a:rPr lang="en-US" sz="900" b="1"/>
             <a:t>.</a:t>
           </a:r>
-          <a:endParaRPr lang="ko-KR" sz="800" b="0"/>
+          <a:endParaRPr lang="ko-KR" sz="900" b="1"/>
         </a:p>
       </dgm:t>
     </dgm:pt>
@@ -5749,7 +2625,7 @@
         <a:lstStyle/>
         <a:p>
           <a:pPr latinLnBrk="1"/>
-          <a:endParaRPr lang="ko-KR" altLang="en-US" b="0"/>
+          <a:endParaRPr lang="ko-KR" altLang="en-US" sz="2000" b="1"/>
         </a:p>
       </dgm:t>
     </dgm:pt>
@@ -5761,7 +2637,7 @@
         <a:lstStyle/>
         <a:p>
           <a:pPr latinLnBrk="1"/>
-          <a:endParaRPr lang="ko-KR" altLang="en-US" b="0"/>
+          <a:endParaRPr lang="ko-KR" altLang="en-US" sz="2000" b="1"/>
         </a:p>
       </dgm:t>
     </dgm:pt>
@@ -6092,8 +2968,8 @@
       </dsp:nvSpPr>
       <dsp:spPr>
         <a:xfrm rot="5400000">
-          <a:off x="137342" y="1115274"/>
-          <a:ext cx="1743109" cy="210127"/>
+          <a:off x="623503" y="1117959"/>
+          <a:ext cx="1750781" cy="210968"/>
         </a:xfrm>
         <a:prstGeom prst="rect">
           <a:avLst/>
@@ -6131,8 +3007,8 @@
       </dsp:nvSpPr>
       <dsp:spPr>
         <a:xfrm>
-          <a:off x="537969" y="2290"/>
-          <a:ext cx="2334751" cy="1400850"/>
+          <a:off x="1026433" y="873"/>
+          <a:ext cx="2344090" cy="1406454"/>
         </a:xfrm>
         <a:prstGeom prst="roundRect">
           <a:avLst>
@@ -6177,12 +3053,12 @@
         </a:fontRef>
       </dsp:style>
       <dsp:txBody>
-        <a:bodyPr spcFirstLastPara="0" vert="horz" wrap="square" lIns="45720" tIns="45720" rIns="45720" bIns="45720" numCol="1" spcCol="1270" anchor="ctr" anchorCtr="0">
+        <a:bodyPr spcFirstLastPara="0" vert="horz" wrap="square" lIns="53340" tIns="53340" rIns="53340" bIns="53340" numCol="1" spcCol="1270" anchor="ctr" anchorCtr="0">
           <a:noAutofit/>
         </a:bodyPr>
         <a:lstStyle/>
         <a:p>
-          <a:pPr marL="0" lvl="0" indent="0" algn="l" defTabSz="533400" latinLnBrk="1">
+          <a:pPr marL="0" lvl="0" indent="0" algn="l" defTabSz="622300" latinLnBrk="1">
             <a:lnSpc>
               <a:spcPct val="90000"/>
             </a:lnSpc>
@@ -6195,17 +3071,17 @@
             <a:buNone/>
           </a:pPr>
           <a:r>
-            <a:rPr lang="en-US" sz="1200" b="0" kern="1200" dirty="0"/>
+            <a:rPr lang="en-US" sz="1400" b="1" kern="1200" dirty="0"/>
             <a:t>1</a:t>
           </a:r>
           <a:r>
-            <a:rPr lang="ko-KR" sz="1200" b="0" kern="1200" dirty="0"/>
+            <a:rPr lang="ko-KR" sz="1400" b="1" kern="1200" dirty="0"/>
             <a:t>주차</a:t>
           </a:r>
-          <a:endParaRPr lang="ko-KR" sz="1100" b="0" kern="1200" dirty="0"/>
+          <a:endParaRPr lang="ko-KR" sz="1200" b="1" kern="1200" dirty="0"/>
         </a:p>
         <a:p>
-          <a:pPr marL="57150" lvl="1" indent="-57150" algn="l" defTabSz="488950" latinLnBrk="1">
+          <a:pPr marL="114300" lvl="1" indent="-114300" algn="l" defTabSz="533400" latinLnBrk="1">
             <a:lnSpc>
               <a:spcPct val="90000"/>
             </a:lnSpc>
@@ -6218,13 +3094,13 @@
             <a:buChar char="•"/>
           </a:pPr>
           <a:r>
-            <a:rPr lang="ko-KR" altLang="en-US" sz="1100" b="0" kern="1200" dirty="0"/>
+            <a:rPr lang="ko-KR" altLang="en-US" sz="1200" b="1" kern="1200" dirty="0"/>
             <a:t>리소스 제작 및 좌표 처리</a:t>
           </a:r>
-          <a:endParaRPr lang="ko-KR" altLang="en-US" sz="1000" b="0" kern="1200" dirty="0"/>
+          <a:endParaRPr lang="ko-KR" altLang="en-US" sz="1050" b="1" kern="1200" dirty="0"/>
         </a:p>
         <a:p>
-          <a:pPr marL="114300" lvl="2" indent="-57150" algn="l" defTabSz="444500" latinLnBrk="1">
+          <a:pPr marL="114300" lvl="2" indent="-57150" algn="l" defTabSz="466725" latinLnBrk="1">
             <a:lnSpc>
               <a:spcPct val="90000"/>
             </a:lnSpc>
@@ -6237,34 +3113,34 @@
             <a:buChar char="•"/>
           </a:pPr>
           <a:r>
-            <a:rPr lang="ko-KR" sz="1000" b="0" kern="1200" dirty="0"/>
+            <a:rPr lang="ko-KR" sz="1050" b="1" kern="1200" dirty="0"/>
             <a:t>캐릭터 몬스터 리소스 제작</a:t>
           </a:r>
           <a:br>
-            <a:rPr lang="en-US" altLang="ko-KR" sz="1000" b="0" kern="1200" dirty="0"/>
+            <a:rPr lang="en-US" altLang="ko-KR" sz="1050" b="1" kern="1200" dirty="0"/>
           </a:br>
           <a:r>
-            <a:rPr lang="en-US" altLang="ko-KR" sz="1000" b="0" kern="1200" dirty="0"/>
+            <a:rPr lang="en-US" altLang="ko-KR" sz="1050" b="1" kern="1200" dirty="0"/>
             <a:t>	</a:t>
           </a:r>
           <a:r>
-            <a:rPr lang="en-US" sz="1000" b="0" kern="1200" dirty="0"/>
+            <a:rPr lang="en-US" sz="1050" b="1" kern="1200" dirty="0"/>
             <a:t>( Sprite</a:t>
           </a:r>
           <a:r>
-            <a:rPr lang="ko-KR" sz="1000" b="0" kern="1200" dirty="0"/>
+            <a:rPr lang="ko-KR" sz="1050" b="1" kern="1200" dirty="0"/>
             <a:t> 제작 </a:t>
           </a:r>
           <a:r>
-            <a:rPr lang="en-US" sz="1000" b="0" kern="1200" dirty="0"/>
+            <a:rPr lang="en-US" sz="1050" b="1" kern="1200" dirty="0"/>
             <a:t>)</a:t>
           </a:r>
-          <a:endParaRPr lang="ko-KR" sz="1000" b="0" kern="1200" dirty="0"/>
+          <a:endParaRPr lang="ko-KR" sz="1050" b="1" kern="1200" dirty="0"/>
         </a:p>
       </dsp:txBody>
       <dsp:txXfrm>
-        <a:off x="578998" y="43319"/>
-        <a:ext cx="2252693" cy="1318792"/>
+        <a:off x="1067627" y="42067"/>
+        <a:ext cx="2261702" cy="1324066"/>
       </dsp:txXfrm>
     </dsp:sp>
     <dsp:sp modelId="{23BE9938-36FE-454F-963B-DAD6FFF464D2}">
@@ -6274,8 +3150,8 @@
       </dsp:nvSpPr>
       <dsp:spPr>
         <a:xfrm rot="5400000">
-          <a:off x="137342" y="2866337"/>
-          <a:ext cx="1743109" cy="210127"/>
+          <a:off x="623503" y="2876027"/>
+          <a:ext cx="1750781" cy="210968"/>
         </a:xfrm>
         <a:prstGeom prst="rect">
           <a:avLst/>
@@ -6313,8 +3189,8 @@
       </dsp:nvSpPr>
       <dsp:spPr>
         <a:xfrm>
-          <a:off x="537969" y="1753354"/>
-          <a:ext cx="2334751" cy="1400850"/>
+          <a:off x="1026433" y="1758941"/>
+          <a:ext cx="2344090" cy="1406454"/>
         </a:xfrm>
         <a:prstGeom prst="roundRect">
           <a:avLst>
@@ -6359,12 +3235,12 @@
         </a:fontRef>
       </dsp:style>
       <dsp:txBody>
-        <a:bodyPr spcFirstLastPara="0" vert="horz" wrap="square" lIns="45720" tIns="45720" rIns="45720" bIns="45720" numCol="1" spcCol="1270" anchor="ctr" anchorCtr="0">
+        <a:bodyPr spcFirstLastPara="0" vert="horz" wrap="square" lIns="53340" tIns="53340" rIns="53340" bIns="53340" numCol="1" spcCol="1270" anchor="ctr" anchorCtr="0">
           <a:noAutofit/>
         </a:bodyPr>
         <a:lstStyle/>
         <a:p>
-          <a:pPr marL="0" lvl="0" indent="0" algn="l" defTabSz="533400" latinLnBrk="1">
+          <a:pPr marL="0" lvl="0" indent="0" algn="l" defTabSz="622300" latinLnBrk="1">
             <a:lnSpc>
               <a:spcPct val="90000"/>
             </a:lnSpc>
@@ -6377,17 +3253,17 @@
             <a:buNone/>
           </a:pPr>
           <a:r>
-            <a:rPr lang="en-US" sz="1200" b="0" kern="1200" dirty="0"/>
+            <a:rPr lang="en-US" sz="1400" b="1" kern="1200" dirty="0"/>
             <a:t>2</a:t>
           </a:r>
           <a:r>
-            <a:rPr lang="ko-KR" sz="1200" b="0" kern="1200" dirty="0"/>
+            <a:rPr lang="ko-KR" sz="1400" b="1" kern="1200" dirty="0"/>
             <a:t>주차</a:t>
           </a:r>
-          <a:endParaRPr lang="ko-KR" sz="1000" b="0" kern="1200" dirty="0"/>
+          <a:endParaRPr lang="ko-KR" sz="1050" b="1" kern="1200" dirty="0"/>
         </a:p>
         <a:p>
-          <a:pPr marL="57150" lvl="1" indent="-57150" algn="l" defTabSz="444500" latinLnBrk="1">
+          <a:pPr marL="57150" lvl="1" indent="-57150" algn="l" defTabSz="466725" latinLnBrk="1">
             <a:lnSpc>
               <a:spcPct val="90000"/>
             </a:lnSpc>
@@ -6400,12 +3276,12 @@
             <a:buChar char="•"/>
           </a:pPr>
           <a:r>
-            <a:rPr lang="ko-KR" altLang="en-US" sz="1000" b="0" kern="1200" dirty="0"/>
+            <a:rPr lang="ko-KR" altLang="en-US" sz="1050" b="1" kern="1200" dirty="0"/>
             <a:t>리소스 제작 및 캐릭터 컨트롤</a:t>
           </a:r>
         </a:p>
         <a:p>
-          <a:pPr marL="114300" lvl="2" indent="-57150" algn="l" defTabSz="355600" latinLnBrk="1">
+          <a:pPr marL="114300" lvl="2" indent="-57150" algn="l" defTabSz="400050" latinLnBrk="1">
             <a:lnSpc>
               <a:spcPct val="90000"/>
             </a:lnSpc>
@@ -6418,12 +3294,12 @@
             <a:buChar char="•"/>
           </a:pPr>
           <a:r>
-            <a:rPr lang="ko-KR" altLang="en-US" sz="800" b="0" kern="1200" dirty="0"/>
+            <a:rPr lang="ko-KR" altLang="en-US" sz="900" b="1" kern="1200" dirty="0"/>
             <a:t>캐릭터 컨트롤 구현</a:t>
           </a:r>
         </a:p>
         <a:p>
-          <a:pPr marL="114300" lvl="2" indent="-57150" algn="l" defTabSz="355600" latinLnBrk="1">
+          <a:pPr marL="114300" lvl="2" indent="-57150" algn="l" defTabSz="400050" latinLnBrk="1">
             <a:lnSpc>
               <a:spcPct val="90000"/>
             </a:lnSpc>
@@ -6436,30 +3312,30 @@
             <a:buChar char="•"/>
           </a:pPr>
           <a:r>
-            <a:rPr lang="ko-KR" altLang="en-US" sz="800" b="0" kern="1200" dirty="0"/>
+            <a:rPr lang="ko-KR" altLang="en-US" sz="900" b="1" kern="1200" dirty="0"/>
             <a:t>배경</a:t>
           </a:r>
           <a:r>
-            <a:rPr lang="en-US" altLang="ko-KR" sz="800" b="0" kern="1200" dirty="0"/>
+            <a:rPr lang="en-US" altLang="ko-KR" sz="900" b="1" kern="1200" dirty="0"/>
             <a:t> </a:t>
           </a:r>
           <a:r>
-            <a:rPr lang="ko-KR" altLang="en-US" sz="800" b="0" kern="1200" dirty="0"/>
+            <a:rPr lang="ko-KR" altLang="en-US" sz="900" b="1" kern="1200" dirty="0"/>
             <a:t>및 </a:t>
           </a:r>
           <a:r>
-            <a:rPr lang="en-US" altLang="ko-KR" sz="800" b="0" kern="1200" dirty="0"/>
+            <a:rPr lang="en-US" altLang="ko-KR" sz="900" b="1" kern="1200" dirty="0"/>
             <a:t>UI </a:t>
           </a:r>
           <a:r>
-            <a:rPr lang="ko-KR" altLang="en-US" sz="800" b="0" kern="1200" dirty="0"/>
+            <a:rPr lang="ko-KR" altLang="en-US" sz="900" b="1" kern="1200" dirty="0"/>
             <a:t>리소스 제작</a:t>
           </a:r>
         </a:p>
       </dsp:txBody>
       <dsp:txXfrm>
-        <a:off x="578998" y="1794383"/>
-        <a:ext cx="2252693" cy="1318792"/>
+        <a:off x="1067627" y="1800135"/>
+        <a:ext cx="2261702" cy="1324066"/>
       </dsp:txXfrm>
     </dsp:sp>
     <dsp:sp modelId="{DC9F5834-94A6-488E-B117-4805728F6260}">
@@ -6469,8 +3345,8 @@
       </dsp:nvSpPr>
       <dsp:spPr>
         <a:xfrm>
-          <a:off x="1012873" y="3741869"/>
-          <a:ext cx="3097264" cy="210127"/>
+          <a:off x="1502537" y="3755061"/>
+          <a:ext cx="3110353" cy="210968"/>
         </a:xfrm>
         <a:prstGeom prst="rect">
           <a:avLst/>
@@ -6508,8 +3384,8 @@
       </dsp:nvSpPr>
       <dsp:spPr>
         <a:xfrm>
-          <a:off x="537969" y="3504417"/>
-          <a:ext cx="2334751" cy="1400850"/>
+          <a:off x="1026433" y="3517009"/>
+          <a:ext cx="2344090" cy="1406454"/>
         </a:xfrm>
         <a:prstGeom prst="roundRect">
           <a:avLst>
@@ -6554,12 +3430,12 @@
         </a:fontRef>
       </dsp:style>
       <dsp:txBody>
-        <a:bodyPr spcFirstLastPara="0" vert="horz" wrap="square" lIns="45720" tIns="45720" rIns="45720" bIns="45720" numCol="1" spcCol="1270" anchor="ctr" anchorCtr="0">
+        <a:bodyPr spcFirstLastPara="0" vert="horz" wrap="square" lIns="53340" tIns="53340" rIns="53340" bIns="53340" numCol="1" spcCol="1270" anchor="ctr" anchorCtr="0">
           <a:noAutofit/>
         </a:bodyPr>
         <a:lstStyle/>
         <a:p>
-          <a:pPr marL="0" lvl="0" indent="0" algn="l" defTabSz="533400" latinLnBrk="1">
+          <a:pPr marL="0" lvl="0" indent="0" algn="l" defTabSz="622300" latinLnBrk="1">
             <a:lnSpc>
               <a:spcPct val="90000"/>
             </a:lnSpc>
@@ -6572,17 +3448,17 @@
             <a:buNone/>
           </a:pPr>
           <a:r>
-            <a:rPr lang="en-US" sz="1200" b="0" kern="1200" dirty="0"/>
+            <a:rPr lang="en-US" sz="1400" b="1" kern="1200" dirty="0"/>
             <a:t>3</a:t>
           </a:r>
           <a:r>
-            <a:rPr lang="ko-KR" sz="1200" b="0" kern="1200" dirty="0"/>
+            <a:rPr lang="ko-KR" sz="1400" b="1" kern="1200" dirty="0"/>
             <a:t>주차</a:t>
           </a:r>
-          <a:endParaRPr lang="ko-KR" sz="1000" b="0" kern="1200" dirty="0"/>
+          <a:endParaRPr lang="ko-KR" sz="1050" b="1" kern="1200" dirty="0"/>
         </a:p>
         <a:p>
-          <a:pPr marL="57150" lvl="1" indent="-57150" algn="l" defTabSz="444500" latinLnBrk="1">
+          <a:pPr marL="57150" lvl="1" indent="-57150" algn="l" defTabSz="466725" latinLnBrk="1">
             <a:lnSpc>
               <a:spcPct val="90000"/>
             </a:lnSpc>
@@ -6595,13 +3471,13 @@
             <a:buChar char="•"/>
           </a:pPr>
           <a:r>
-            <a:rPr lang="ko-KR" altLang="en-US" sz="1000" b="0" kern="1200" dirty="0"/>
+            <a:rPr lang="ko-KR" altLang="en-US" sz="1050" b="1" kern="1200" dirty="0"/>
             <a:t>몬스터 이동 및 스킬 사용 오브젝트</a:t>
           </a:r>
-          <a:endParaRPr lang="ko-KR" altLang="en-US" sz="800" b="0" kern="1200" dirty="0"/>
+          <a:endParaRPr lang="ko-KR" altLang="en-US" sz="900" b="1" kern="1200" dirty="0"/>
         </a:p>
         <a:p>
-          <a:pPr marL="114300" lvl="2" indent="-57150" algn="l" defTabSz="355600" latinLnBrk="1">
+          <a:pPr marL="114300" lvl="2" indent="-57150" algn="l" defTabSz="400050" latinLnBrk="1">
             <a:lnSpc>
               <a:spcPct val="90000"/>
             </a:lnSpc>
@@ -6614,17 +3490,17 @@
             <a:buChar char="•"/>
           </a:pPr>
           <a:r>
-            <a:rPr lang="ko-KR" altLang="en-US" sz="800" b="0" kern="1200" dirty="0"/>
+            <a:rPr lang="ko-KR" altLang="en-US" sz="900" b="1" kern="1200" dirty="0"/>
             <a:t>몬스터 이동을 구현한다</a:t>
           </a:r>
           <a:r>
-            <a:rPr lang="en-US" altLang="ko-KR" sz="800" b="0" kern="1200" dirty="0"/>
+            <a:rPr lang="en-US" altLang="ko-KR" sz="900" b="1" kern="1200" dirty="0"/>
             <a:t>.</a:t>
           </a:r>
-          <a:endParaRPr lang="ko-KR" altLang="en-US" sz="800" b="0" kern="1200" dirty="0"/>
+          <a:endParaRPr lang="ko-KR" altLang="en-US" sz="900" b="1" kern="1200" dirty="0"/>
         </a:p>
         <a:p>
-          <a:pPr marL="114300" lvl="2" indent="-57150" algn="l" defTabSz="355600" latinLnBrk="1">
+          <a:pPr marL="114300" lvl="2" indent="-57150" algn="l" defTabSz="400050" latinLnBrk="1">
             <a:lnSpc>
               <a:spcPct val="90000"/>
             </a:lnSpc>
@@ -6637,14 +3513,14 @@
             <a:buChar char="•"/>
           </a:pPr>
           <a:r>
-            <a:rPr lang="ko-KR" altLang="en-US" sz="800" b="0" kern="1200" dirty="0"/>
+            <a:rPr lang="ko-KR" altLang="en-US" sz="900" b="1" kern="1200" dirty="0"/>
             <a:t>몬스터와 캐릭터의 스킬 사용 이펙트를 구현</a:t>
           </a:r>
         </a:p>
       </dsp:txBody>
       <dsp:txXfrm>
-        <a:off x="578998" y="3545446"/>
-        <a:ext cx="2252693" cy="1318792"/>
+        <a:off x="1067627" y="3558203"/>
+        <a:ext cx="2261702" cy="1324066"/>
       </dsp:txXfrm>
     </dsp:sp>
     <dsp:sp modelId="{E829D15B-DC08-4E50-9399-C42B80143B7A}">
@@ -6654,8 +3530,8 @@
       </dsp:nvSpPr>
       <dsp:spPr>
         <a:xfrm rot="16200000">
-          <a:off x="3242561" y="2866337"/>
-          <a:ext cx="1743109" cy="210127"/>
+          <a:off x="3741143" y="2876027"/>
+          <a:ext cx="1750781" cy="210968"/>
         </a:xfrm>
         <a:prstGeom prst="rect">
           <a:avLst/>
@@ -6693,8 +3569,8 @@
       </dsp:nvSpPr>
       <dsp:spPr>
         <a:xfrm>
-          <a:off x="3643188" y="3504417"/>
-          <a:ext cx="2334751" cy="1400850"/>
+          <a:off x="4144073" y="3517009"/>
+          <a:ext cx="2344090" cy="1406454"/>
         </a:xfrm>
         <a:prstGeom prst="roundRect">
           <a:avLst>
@@ -6739,12 +3615,12 @@
         </a:fontRef>
       </dsp:style>
       <dsp:txBody>
-        <a:bodyPr spcFirstLastPara="0" vert="horz" wrap="square" lIns="45720" tIns="45720" rIns="45720" bIns="45720" numCol="1" spcCol="1270" anchor="ctr" anchorCtr="0">
+        <a:bodyPr spcFirstLastPara="0" vert="horz" wrap="square" lIns="53340" tIns="53340" rIns="53340" bIns="53340" numCol="1" spcCol="1270" anchor="ctr" anchorCtr="0">
           <a:noAutofit/>
         </a:bodyPr>
         <a:lstStyle/>
         <a:p>
-          <a:pPr marL="0" lvl="0" indent="0" algn="l" defTabSz="533400" latinLnBrk="1">
+          <a:pPr marL="0" lvl="0" indent="0" algn="l" defTabSz="622300" latinLnBrk="1">
             <a:lnSpc>
               <a:spcPct val="90000"/>
             </a:lnSpc>
@@ -6757,17 +3633,17 @@
             <a:buNone/>
           </a:pPr>
           <a:r>
-            <a:rPr lang="en-US" sz="1200" b="0" kern="1200" dirty="0"/>
+            <a:rPr lang="en-US" sz="1400" b="1" kern="1200" dirty="0"/>
             <a:t>4</a:t>
           </a:r>
           <a:r>
-            <a:rPr lang="ko-KR" sz="1200" b="0" kern="1200" dirty="0"/>
+            <a:rPr lang="ko-KR" sz="1400" b="1" kern="1200" dirty="0"/>
             <a:t>주차</a:t>
           </a:r>
-          <a:endParaRPr lang="ko-KR" sz="1000" b="0" kern="1200" dirty="0"/>
+          <a:endParaRPr lang="ko-KR" sz="1050" b="1" kern="1200" dirty="0"/>
         </a:p>
         <a:p>
-          <a:pPr marL="57150" lvl="1" indent="-57150" algn="l" defTabSz="444500" latinLnBrk="1">
+          <a:pPr marL="57150" lvl="1" indent="-57150" algn="l" defTabSz="466725" latinLnBrk="1">
             <a:lnSpc>
               <a:spcPct val="90000"/>
             </a:lnSpc>
@@ -6780,17 +3656,17 @@
             <a:buChar char="•"/>
           </a:pPr>
           <a:r>
-            <a:rPr lang="ko-KR" sz="1000" b="0" kern="1200" dirty="0"/>
+            <a:rPr lang="ko-KR" sz="1050" b="1" kern="1200" dirty="0"/>
             <a:t>충돌 처리</a:t>
           </a:r>
           <a:r>
-            <a:rPr lang="en-US" sz="1000" b="0" kern="1200" dirty="0"/>
+            <a:rPr lang="en-US" sz="1050" b="1" kern="1200" dirty="0"/>
             <a:t>1</a:t>
           </a:r>
-          <a:endParaRPr lang="ko-KR" sz="800" b="0" kern="1200" dirty="0"/>
+          <a:endParaRPr lang="ko-KR" sz="900" b="1" kern="1200" dirty="0"/>
         </a:p>
         <a:p>
-          <a:pPr marL="114300" lvl="2" indent="-57150" algn="l" defTabSz="355600" latinLnBrk="1">
+          <a:pPr marL="114300" lvl="2" indent="-57150" algn="l" defTabSz="400050" latinLnBrk="1">
             <a:lnSpc>
               <a:spcPct val="90000"/>
             </a:lnSpc>
@@ -6803,22 +3679,22 @@
             <a:buChar char="•"/>
           </a:pPr>
           <a:r>
-            <a:rPr lang="ko-KR" sz="800" b="0" kern="1200" dirty="0"/>
+            <a:rPr lang="ko-KR" sz="900" b="1" kern="1200" dirty="0"/>
             <a:t>몬스터와 </a:t>
           </a:r>
           <a:r>
-            <a:rPr lang="en-US" sz="800" b="0" kern="1200" dirty="0"/>
+            <a:rPr lang="en-US" sz="900" b="1" kern="1200" dirty="0"/>
             <a:t>Player </a:t>
           </a:r>
           <a:r>
-            <a:rPr lang="ko-KR" sz="800" b="0" kern="1200" dirty="0"/>
+            <a:rPr lang="ko-KR" sz="900" b="1" kern="1200" dirty="0"/>
             <a:t>충돌 판정 구현</a:t>
           </a:r>
         </a:p>
       </dsp:txBody>
       <dsp:txXfrm>
-        <a:off x="3684217" y="3545446"/>
-        <a:ext cx="2252693" cy="1318792"/>
+        <a:off x="4185267" y="3558203"/>
+        <a:ext cx="2261702" cy="1324066"/>
       </dsp:txXfrm>
     </dsp:sp>
     <dsp:sp modelId="{CF8B7963-962C-4264-B653-D351581508DD}">
@@ -6828,8 +3704,8 @@
       </dsp:nvSpPr>
       <dsp:spPr>
         <a:xfrm rot="16200000">
-          <a:off x="3242561" y="1115274"/>
-          <a:ext cx="1743109" cy="210127"/>
+          <a:off x="3741143" y="1117959"/>
+          <a:ext cx="1750781" cy="210968"/>
         </a:xfrm>
         <a:prstGeom prst="rect">
           <a:avLst/>
@@ -6867,8 +3743,8 @@
       </dsp:nvSpPr>
       <dsp:spPr>
         <a:xfrm>
-          <a:off x="3643188" y="1753354"/>
-          <a:ext cx="2334751" cy="1400850"/>
+          <a:off x="4144073" y="1758941"/>
+          <a:ext cx="2344090" cy="1406454"/>
         </a:xfrm>
         <a:prstGeom prst="roundRect">
           <a:avLst>
@@ -6876,9 +3752,8 @@
           </a:avLst>
         </a:prstGeom>
         <a:solidFill>
-          <a:schemeClr val="accent4">
-            <a:lumMod val="40000"/>
-            <a:lumOff val="60000"/>
+          <a:schemeClr val="bg1">
+            <a:lumMod val="95000"/>
           </a:schemeClr>
         </a:solidFill>
         <a:ln w="12700" cap="flat" cmpd="sng" algn="ctr">
@@ -6911,12 +3786,12 @@
         </a:fontRef>
       </dsp:style>
       <dsp:txBody>
-        <a:bodyPr spcFirstLastPara="0" vert="horz" wrap="square" lIns="45720" tIns="45720" rIns="45720" bIns="45720" numCol="1" spcCol="1270" anchor="ctr" anchorCtr="0">
+        <a:bodyPr spcFirstLastPara="0" vert="horz" wrap="square" lIns="53340" tIns="53340" rIns="53340" bIns="53340" numCol="1" spcCol="1270" anchor="ctr" anchorCtr="0">
           <a:noAutofit/>
         </a:bodyPr>
         <a:lstStyle/>
         <a:p>
-          <a:pPr marL="0" lvl="0" indent="0" algn="l" defTabSz="533400" latinLnBrk="1">
+          <a:pPr marL="0" lvl="0" indent="0" algn="l" defTabSz="622300" latinLnBrk="1">
             <a:lnSpc>
               <a:spcPct val="90000"/>
             </a:lnSpc>
@@ -6929,17 +3804,17 @@
             <a:buNone/>
           </a:pPr>
           <a:r>
-            <a:rPr lang="en-US" sz="1200" b="0" kern="1200" dirty="0"/>
+            <a:rPr lang="en-US" sz="1400" b="1" kern="1200" dirty="0"/>
             <a:t>5</a:t>
           </a:r>
           <a:r>
-            <a:rPr lang="ko-KR" sz="1200" b="0" kern="1200" dirty="0"/>
+            <a:rPr lang="ko-KR" sz="1400" b="1" kern="1200" dirty="0"/>
             <a:t>주차</a:t>
           </a:r>
-          <a:endParaRPr lang="ko-KR" sz="1000" b="0" kern="1200" dirty="0"/>
+          <a:endParaRPr lang="ko-KR" sz="1050" b="1" kern="1200" dirty="0"/>
         </a:p>
         <a:p>
-          <a:pPr marL="57150" lvl="1" indent="-57150" algn="l" defTabSz="444500" latinLnBrk="1">
+          <a:pPr marL="57150" lvl="1" indent="-57150" algn="l" defTabSz="466725" latinLnBrk="1">
             <a:lnSpc>
               <a:spcPct val="90000"/>
             </a:lnSpc>
@@ -6952,13 +3827,13 @@
             <a:buChar char="•"/>
           </a:pPr>
           <a:r>
-            <a:rPr lang="ko-KR" altLang="en-US" sz="1000" b="0" kern="1200" dirty="0"/>
+            <a:rPr lang="ko-KR" altLang="en-US" sz="1050" b="1" kern="1200" dirty="0"/>
             <a:t>추가 구현 및 중간 점검</a:t>
           </a:r>
-          <a:endParaRPr lang="ko-KR" altLang="en-US" sz="800" b="0" kern="1200" dirty="0"/>
+          <a:endParaRPr lang="ko-KR" altLang="en-US" sz="900" b="1" kern="1200" dirty="0"/>
         </a:p>
         <a:p>
-          <a:pPr marL="114300" lvl="2" indent="-57150" algn="l" defTabSz="355600" latinLnBrk="1">
+          <a:pPr marL="114300" lvl="2" indent="-57150" algn="l" defTabSz="400050" latinLnBrk="1">
             <a:lnSpc>
               <a:spcPct val="90000"/>
             </a:lnSpc>
@@ -6971,16 +3846,16 @@
             <a:buChar char="•"/>
           </a:pPr>
           <a:r>
-            <a:rPr lang="en-US" sz="800" b="0" kern="1200"/>
+            <a:rPr lang="en-US" sz="900" b="1" kern="1200"/>
             <a:t>1~4</a:t>
           </a:r>
           <a:r>
-            <a:rPr lang="ko-KR" sz="800" b="0" kern="1200"/>
+            <a:rPr lang="ko-KR" sz="900" b="1" kern="1200"/>
             <a:t>주차 결과물 보안</a:t>
           </a:r>
         </a:p>
         <a:p>
-          <a:pPr marL="114300" lvl="2" indent="-57150" algn="l" defTabSz="355600" latinLnBrk="1">
+          <a:pPr marL="114300" lvl="2" indent="-57150" algn="l" defTabSz="400050" latinLnBrk="1">
             <a:lnSpc>
               <a:spcPct val="90000"/>
             </a:lnSpc>
@@ -6993,12 +3868,12 @@
             <a:buChar char="•"/>
           </a:pPr>
           <a:r>
-            <a:rPr lang="ko-KR" altLang="en-US" sz="800" b="0" kern="1200" dirty="0"/>
+            <a:rPr lang="ko-KR" altLang="en-US" sz="900" b="1" kern="1200" dirty="0"/>
             <a:t>추가할 점 구현</a:t>
           </a:r>
         </a:p>
         <a:p>
-          <a:pPr marL="114300" lvl="2" indent="-57150" algn="l" defTabSz="355600" latinLnBrk="1">
+          <a:pPr marL="114300" lvl="2" indent="-57150" algn="l" defTabSz="400050" latinLnBrk="1">
             <a:lnSpc>
               <a:spcPct val="90000"/>
             </a:lnSpc>
@@ -7011,27 +3886,27 @@
             <a:buChar char="•"/>
           </a:pPr>
           <a:r>
-            <a:rPr lang="ko-KR" sz="800" b="0" kern="1200" dirty="0"/>
+            <a:rPr lang="ko-KR" sz="900" b="1" kern="1200" dirty="0"/>
             <a:t>코드를 수정한다</a:t>
           </a:r>
           <a:r>
-            <a:rPr lang="en-US" sz="800" b="0" kern="1200" dirty="0"/>
+            <a:rPr lang="en-US" sz="900" b="1" kern="1200" dirty="0"/>
             <a:t>.(</a:t>
           </a:r>
           <a:r>
-            <a:rPr lang="ko-KR" sz="800" b="0" kern="1200" dirty="0"/>
+            <a:rPr lang="ko-KR" sz="900" b="1" kern="1200" dirty="0"/>
             <a:t>가독성 </a:t>
           </a:r>
           <a:r>
-            <a:rPr lang="en-US" sz="800" b="0" kern="1200" dirty="0"/>
+            <a:rPr lang="en-US" sz="900" b="1" kern="1200" dirty="0"/>
             <a:t>UP)</a:t>
           </a:r>
-          <a:endParaRPr lang="ko-KR" sz="800" b="0" kern="1200" dirty="0"/>
+          <a:endParaRPr lang="ko-KR" sz="900" b="1" kern="1200" dirty="0"/>
         </a:p>
       </dsp:txBody>
       <dsp:txXfrm>
-        <a:off x="3684217" y="1794383"/>
-        <a:ext cx="2252693" cy="1318792"/>
+        <a:off x="4185267" y="1800135"/>
+        <a:ext cx="2261702" cy="1324066"/>
       </dsp:txXfrm>
     </dsp:sp>
     <dsp:sp modelId="{065776B2-1838-49AD-B559-689844E93429}">
@@ -7041,8 +3916,8 @@
       </dsp:nvSpPr>
       <dsp:spPr>
         <a:xfrm>
-          <a:off x="4118092" y="239743"/>
-          <a:ext cx="3568592" cy="210127"/>
+          <a:off x="4620177" y="238925"/>
+          <a:ext cx="3583708" cy="210968"/>
         </a:xfrm>
         <a:prstGeom prst="rect">
           <a:avLst/>
@@ -7080,8 +3955,8 @@
       </dsp:nvSpPr>
       <dsp:spPr>
         <a:xfrm>
-          <a:off x="3643188" y="2290"/>
-          <a:ext cx="2334751" cy="1400850"/>
+          <a:off x="4144073" y="873"/>
+          <a:ext cx="2344090" cy="1406454"/>
         </a:xfrm>
         <a:prstGeom prst="roundRect">
           <a:avLst>
@@ -7126,12 +4001,12 @@
         </a:fontRef>
       </dsp:style>
       <dsp:txBody>
-        <a:bodyPr spcFirstLastPara="0" vert="horz" wrap="square" lIns="45720" tIns="45720" rIns="45720" bIns="45720" numCol="1" spcCol="1270" anchor="ctr" anchorCtr="0">
+        <a:bodyPr spcFirstLastPara="0" vert="horz" wrap="square" lIns="53340" tIns="53340" rIns="53340" bIns="53340" numCol="1" spcCol="1270" anchor="ctr" anchorCtr="0">
           <a:noAutofit/>
         </a:bodyPr>
         <a:lstStyle/>
         <a:p>
-          <a:pPr marL="0" lvl="0" indent="0" algn="l" defTabSz="533400" latinLnBrk="1">
+          <a:pPr marL="0" lvl="0" indent="0" algn="l" defTabSz="622300" latinLnBrk="1">
             <a:lnSpc>
               <a:spcPct val="90000"/>
             </a:lnSpc>
@@ -7144,17 +4019,17 @@
             <a:buNone/>
           </a:pPr>
           <a:r>
-            <a:rPr lang="en-US" sz="1200" b="0" kern="1200" dirty="0"/>
+            <a:rPr lang="en-US" sz="1400" b="1" kern="1200" dirty="0"/>
             <a:t>6</a:t>
           </a:r>
           <a:r>
-            <a:rPr lang="ko-KR" sz="1200" b="0" kern="1200" dirty="0"/>
+            <a:rPr lang="ko-KR" sz="1400" b="1" kern="1200" dirty="0"/>
             <a:t>주차</a:t>
           </a:r>
-          <a:endParaRPr lang="ko-KR" sz="1000" b="0" kern="1200" dirty="0"/>
+          <a:endParaRPr lang="ko-KR" sz="1050" b="1" kern="1200" dirty="0"/>
         </a:p>
         <a:p>
-          <a:pPr marL="57150" lvl="1" indent="-57150" algn="l" defTabSz="444500" latinLnBrk="1">
+          <a:pPr marL="57150" lvl="1" indent="-57150" algn="l" defTabSz="466725" latinLnBrk="1">
             <a:lnSpc>
               <a:spcPct val="90000"/>
             </a:lnSpc>
@@ -7167,13 +4042,13 @@
             <a:buChar char="•"/>
           </a:pPr>
           <a:r>
-            <a:rPr lang="ko-KR" altLang="en-US" sz="1000" b="0" kern="1200" dirty="0"/>
+            <a:rPr lang="ko-KR" altLang="en-US" sz="1050" b="1" kern="1200" dirty="0"/>
             <a:t>충돌 처리 최종 및 코드 수정</a:t>
           </a:r>
-          <a:endParaRPr lang="ko-KR" altLang="en-US" sz="800" b="0" kern="1200" dirty="0"/>
+          <a:endParaRPr lang="ko-KR" altLang="en-US" sz="900" b="1" kern="1200" dirty="0"/>
         </a:p>
         <a:p>
-          <a:pPr marL="114300" lvl="2" indent="-57150" algn="l" defTabSz="355600" latinLnBrk="1">
+          <a:pPr marL="114300" lvl="2" indent="-57150" algn="l" defTabSz="400050" latinLnBrk="1">
             <a:lnSpc>
               <a:spcPct val="90000"/>
             </a:lnSpc>
@@ -7186,25 +4061,25 @@
             <a:buChar char="•"/>
           </a:pPr>
           <a:r>
-            <a:rPr lang="ko-KR" sz="800" b="0" kern="1200" dirty="0"/>
+            <a:rPr lang="ko-KR" sz="900" b="1" kern="1200" dirty="0"/>
             <a:t>충돌 처리 마무리</a:t>
           </a:r>
           <a:r>
-            <a:rPr lang="en-US" sz="800" b="0" kern="1200" dirty="0"/>
+            <a:rPr lang="en-US" sz="900" b="1" kern="1200" dirty="0"/>
             <a:t>_</a:t>
           </a:r>
           <a:r>
-            <a:rPr lang="ko-KR" sz="800" b="0" kern="1200" dirty="0"/>
+            <a:rPr lang="ko-KR" sz="900" b="1" kern="1200" dirty="0"/>
             <a:t>오차가 없게 만든다</a:t>
           </a:r>
           <a:r>
-            <a:rPr lang="en-US" sz="800" b="0" kern="1200" dirty="0"/>
+            <a:rPr lang="en-US" sz="900" b="1" kern="1200" dirty="0"/>
             <a:t>.</a:t>
           </a:r>
-          <a:endParaRPr lang="ko-KR" sz="800" b="0" kern="1200" dirty="0"/>
+          <a:endParaRPr lang="ko-KR" sz="900" b="1" kern="1200" dirty="0"/>
         </a:p>
         <a:p>
-          <a:pPr marL="114300" lvl="2" indent="-57150" algn="l" defTabSz="355600" latinLnBrk="1">
+          <a:pPr marL="114300" lvl="2" indent="-57150" algn="l" defTabSz="400050" latinLnBrk="1">
             <a:lnSpc>
               <a:spcPct val="90000"/>
             </a:lnSpc>
@@ -7217,14 +4092,14 @@
             <a:buChar char="•"/>
           </a:pPr>
           <a:r>
-            <a:rPr lang="ko-KR" altLang="en-US" sz="800" b="0" kern="1200" dirty="0"/>
+            <a:rPr lang="ko-KR" altLang="en-US" sz="900" b="1" kern="1200" dirty="0"/>
             <a:t>코드 간소화 및 가독성 수정</a:t>
           </a:r>
         </a:p>
       </dsp:txBody>
       <dsp:txXfrm>
-        <a:off x="3684217" y="43319"/>
-        <a:ext cx="2252693" cy="1318792"/>
+        <a:off x="4185267" y="42067"/>
+        <a:ext cx="2261702" cy="1324066"/>
       </dsp:txXfrm>
     </dsp:sp>
     <dsp:sp modelId="{B1A7840E-D693-4133-AFAF-EC1D0FF88341}">
@@ -7234,8 +4109,8 @@
       </dsp:nvSpPr>
       <dsp:spPr>
         <a:xfrm rot="5400000">
-          <a:off x="6820719" y="1115274"/>
-          <a:ext cx="1743109" cy="210127"/>
+          <a:off x="7333614" y="1117959"/>
+          <a:ext cx="1750781" cy="210968"/>
         </a:xfrm>
         <a:prstGeom prst="rect">
           <a:avLst/>
@@ -7270,8 +4145,8 @@
       </dsp:nvSpPr>
       <dsp:spPr>
         <a:xfrm>
-          <a:off x="6748407" y="2290"/>
-          <a:ext cx="3280628" cy="1400850"/>
+          <a:off x="7261713" y="873"/>
+          <a:ext cx="3293751" cy="1406454"/>
         </a:xfrm>
         <a:prstGeom prst="roundRect">
           <a:avLst>
@@ -7316,12 +4191,12 @@
         </a:fontRef>
       </dsp:style>
       <dsp:txBody>
-        <a:bodyPr spcFirstLastPara="0" vert="horz" wrap="square" lIns="41910" tIns="41910" rIns="41910" bIns="41910" numCol="1" spcCol="1270" anchor="ctr" anchorCtr="0">
+        <a:bodyPr spcFirstLastPara="0" vert="horz" wrap="square" lIns="53340" tIns="53340" rIns="53340" bIns="53340" numCol="1" spcCol="1270" anchor="ctr" anchorCtr="0">
           <a:noAutofit/>
         </a:bodyPr>
         <a:lstStyle/>
         <a:p>
-          <a:pPr marL="0" lvl="0" indent="0" algn="l" defTabSz="533400" latinLnBrk="1">
+          <a:pPr marL="0" lvl="0" indent="0" algn="l" defTabSz="622300" latinLnBrk="1">
             <a:lnSpc>
               <a:spcPct val="90000"/>
             </a:lnSpc>
@@ -7334,16 +4209,16 @@
             <a:buNone/>
           </a:pPr>
           <a:r>
-            <a:rPr lang="en-US" sz="1200" b="0" kern="1200" dirty="0"/>
+            <a:rPr lang="en-US" sz="1400" b="1" kern="1200" dirty="0"/>
             <a:t>7</a:t>
           </a:r>
           <a:r>
-            <a:rPr lang="ko-KR" sz="1200" b="0" kern="1200" dirty="0"/>
+            <a:rPr lang="ko-KR" sz="1400" b="1" kern="1200" dirty="0"/>
             <a:t>주차</a:t>
           </a:r>
         </a:p>
         <a:p>
-          <a:pPr marL="57150" lvl="1" indent="-57150" algn="l" defTabSz="466725" latinLnBrk="1">
+          <a:pPr marL="57150" lvl="1" indent="-57150" algn="l" defTabSz="488950" latinLnBrk="1">
             <a:lnSpc>
               <a:spcPct val="90000"/>
             </a:lnSpc>
@@ -7356,13 +4231,13 @@
             <a:buChar char="•"/>
           </a:pPr>
           <a:r>
-            <a:rPr lang="ko-KR" altLang="en-US" sz="1050" b="0" kern="1200" dirty="0"/>
+            <a:rPr lang="ko-KR" altLang="en-US" sz="1100" b="1" kern="1200" dirty="0"/>
             <a:t>애니메이션 점검</a:t>
           </a:r>
-          <a:endParaRPr lang="ko-KR" altLang="en-US" sz="900" b="0" kern="1200" dirty="0"/>
+          <a:endParaRPr lang="ko-KR" altLang="en-US" sz="1000" b="1" kern="1200" dirty="0"/>
         </a:p>
         <a:p>
-          <a:pPr marL="114300" lvl="2" indent="-57150" algn="l" defTabSz="400050" latinLnBrk="1">
+          <a:pPr marL="114300" lvl="2" indent="-57150" algn="l" defTabSz="444500" latinLnBrk="1">
             <a:lnSpc>
               <a:spcPct val="90000"/>
             </a:lnSpc>
@@ -7375,17 +4250,17 @@
             <a:buChar char="•"/>
           </a:pPr>
           <a:r>
-            <a:rPr lang="ko-KR" sz="900" b="0" kern="1200" dirty="0"/>
+            <a:rPr lang="ko-KR" sz="1000" b="1" kern="1200" dirty="0"/>
             <a:t>애니메이션이 정상적으로 돌아가고 있는지 점검한다</a:t>
           </a:r>
           <a:r>
-            <a:rPr lang="en-US" sz="900" b="0" kern="1200" dirty="0"/>
+            <a:rPr lang="en-US" sz="1000" b="1" kern="1200" dirty="0"/>
             <a:t>.</a:t>
           </a:r>
-          <a:endParaRPr lang="ko-KR" sz="900" b="0" kern="1200" dirty="0"/>
+          <a:endParaRPr lang="ko-KR" sz="1000" b="1" kern="1200" dirty="0"/>
         </a:p>
         <a:p>
-          <a:pPr marL="114300" lvl="2" indent="-57150" algn="l" defTabSz="400050" latinLnBrk="1">
+          <a:pPr marL="114300" lvl="2" indent="-57150" algn="l" defTabSz="444500" latinLnBrk="1">
             <a:lnSpc>
               <a:spcPct val="90000"/>
             </a:lnSpc>
@@ -7398,19 +4273,19 @@
             <a:buChar char="•"/>
           </a:pPr>
           <a:r>
-            <a:rPr lang="ko-KR" sz="900" b="0" kern="1200"/>
+            <a:rPr lang="ko-KR" sz="1000" b="1" kern="1200"/>
             <a:t>빠졌거나 부자연 스러운 애니메이션이 있다면 수정 한다</a:t>
           </a:r>
           <a:r>
-            <a:rPr lang="en-US" sz="900" b="0" kern="1200"/>
+            <a:rPr lang="en-US" sz="1000" b="1" kern="1200"/>
             <a:t>.</a:t>
           </a:r>
-          <a:endParaRPr lang="ko-KR" sz="900" b="0" kern="1200"/>
+          <a:endParaRPr lang="ko-KR" sz="1000" b="1" kern="1200"/>
         </a:p>
       </dsp:txBody>
       <dsp:txXfrm>
-        <a:off x="6789436" y="43319"/>
-        <a:ext cx="3198570" cy="1318792"/>
+        <a:off x="7302907" y="42067"/>
+        <a:ext cx="3211363" cy="1324066"/>
       </dsp:txXfrm>
     </dsp:sp>
     <dsp:sp modelId="{363BB823-730D-4DCD-AB87-5D2B37B7BE0F}">
@@ -7420,8 +4295,8 @@
       </dsp:nvSpPr>
       <dsp:spPr>
         <a:xfrm rot="5400000">
-          <a:off x="6820719" y="2866337"/>
-          <a:ext cx="1743109" cy="210127"/>
+          <a:off x="7333614" y="2876027"/>
+          <a:ext cx="1750781" cy="210968"/>
         </a:xfrm>
         <a:prstGeom prst="rect">
           <a:avLst/>
@@ -7456,8 +4331,8 @@
       </dsp:nvSpPr>
       <dsp:spPr>
         <a:xfrm>
-          <a:off x="6765182" y="1753354"/>
-          <a:ext cx="3247078" cy="1400850"/>
+          <a:off x="7278555" y="1758941"/>
+          <a:ext cx="3260066" cy="1406454"/>
         </a:xfrm>
         <a:prstGeom prst="roundRect">
           <a:avLst>
@@ -7502,12 +4377,12 @@
         </a:fontRef>
       </dsp:style>
       <dsp:txBody>
-        <a:bodyPr spcFirstLastPara="0" vert="horz" wrap="square" lIns="45720" tIns="45720" rIns="45720" bIns="45720" numCol="1" spcCol="1270" anchor="ctr" anchorCtr="0">
+        <a:bodyPr spcFirstLastPara="0" vert="horz" wrap="square" lIns="53340" tIns="53340" rIns="53340" bIns="53340" numCol="1" spcCol="1270" anchor="ctr" anchorCtr="0">
           <a:noAutofit/>
         </a:bodyPr>
         <a:lstStyle/>
         <a:p>
-          <a:pPr marL="0" lvl="0" indent="0" algn="l" defTabSz="533400" latinLnBrk="1">
+          <a:pPr marL="0" lvl="0" indent="0" algn="l" defTabSz="622300" latinLnBrk="1">
             <a:lnSpc>
               <a:spcPct val="90000"/>
             </a:lnSpc>
@@ -7520,17 +4395,17 @@
             <a:buNone/>
           </a:pPr>
           <a:r>
-            <a:rPr lang="en-US" sz="1200" b="0" kern="1200" dirty="0"/>
+            <a:rPr lang="en-US" sz="1400" b="1" kern="1200" dirty="0"/>
             <a:t>8</a:t>
           </a:r>
           <a:r>
-            <a:rPr lang="ko-KR" sz="1200" b="0" kern="1200" dirty="0"/>
+            <a:rPr lang="ko-KR" sz="1400" b="1" kern="1200" dirty="0"/>
             <a:t>주차</a:t>
           </a:r>
-          <a:endParaRPr lang="ko-KR" sz="1000" b="0" kern="1200" dirty="0"/>
+          <a:endParaRPr lang="ko-KR" sz="1050" b="1" kern="1200" dirty="0"/>
         </a:p>
         <a:p>
-          <a:pPr marL="57150" lvl="1" indent="-57150" algn="l" defTabSz="444500" latinLnBrk="1">
+          <a:pPr marL="57150" lvl="1" indent="-57150" algn="l" defTabSz="466725" latinLnBrk="1">
             <a:lnSpc>
               <a:spcPct val="90000"/>
             </a:lnSpc>
@@ -7543,13 +4418,13 @@
             <a:buChar char="•"/>
           </a:pPr>
           <a:r>
-            <a:rPr lang="ko-KR" altLang="en-US" sz="1000" b="0" kern="1200" dirty="0"/>
+            <a:rPr lang="ko-KR" altLang="en-US" sz="1050" b="1" kern="1200" dirty="0"/>
             <a:t>시작과 종료 및 밸런스 조절</a:t>
           </a:r>
-          <a:endParaRPr lang="ko-KR" altLang="en-US" sz="800" b="0" kern="1200" dirty="0"/>
+          <a:endParaRPr lang="ko-KR" altLang="en-US" sz="900" b="1" kern="1200" dirty="0"/>
         </a:p>
         <a:p>
-          <a:pPr marL="114300" lvl="2" indent="-57150" algn="l" defTabSz="355600" latinLnBrk="1">
+          <a:pPr marL="114300" lvl="2" indent="-57150" algn="l" defTabSz="400050" latinLnBrk="1">
             <a:lnSpc>
               <a:spcPct val="90000"/>
             </a:lnSpc>
@@ -7562,44 +4437,44 @@
             <a:buChar char="•"/>
           </a:pPr>
           <a:r>
-            <a:rPr lang="ko-KR" sz="800" b="0" kern="1200" dirty="0"/>
+            <a:rPr lang="ko-KR" sz="900" b="1" kern="1200" dirty="0"/>
             <a:t>게임 실행 화면</a:t>
           </a:r>
           <a:r>
-            <a:rPr lang="en-US" sz="800" b="0" kern="1200" dirty="0"/>
+            <a:rPr lang="en-US" sz="900" b="1" kern="1200" dirty="0"/>
             <a:t>(</a:t>
           </a:r>
           <a:r>
-            <a:rPr lang="ko-KR" sz="800" b="0" kern="1200" dirty="0"/>
+            <a:rPr lang="ko-KR" sz="900" b="1" kern="1200" dirty="0"/>
             <a:t>첫 타이틀 화면</a:t>
           </a:r>
           <a:r>
-            <a:rPr lang="en-US" sz="800" b="0" kern="1200" dirty="0"/>
+            <a:rPr lang="en-US" sz="900" b="1" kern="1200" dirty="0"/>
             <a:t>, </a:t>
           </a:r>
           <a:r>
-            <a:rPr lang="ko-KR" sz="800" b="0" kern="1200" dirty="0"/>
+            <a:rPr lang="ko-KR" sz="900" b="1" kern="1200" dirty="0"/>
             <a:t>조작법</a:t>
           </a:r>
           <a:r>
-            <a:rPr lang="en-US" sz="800" b="0" kern="1200" dirty="0"/>
+            <a:rPr lang="en-US" sz="900" b="1" kern="1200" dirty="0"/>
             <a:t>, </a:t>
           </a:r>
           <a:r>
-            <a:rPr lang="ko-KR" sz="800" b="0" kern="1200" dirty="0"/>
+            <a:rPr lang="ko-KR" sz="900" b="1" kern="1200" dirty="0"/>
             <a:t>게임 종료 화면</a:t>
           </a:r>
           <a:r>
-            <a:rPr lang="en-US" sz="800" b="0" kern="1200" dirty="0"/>
+            <a:rPr lang="en-US" sz="900" b="1" kern="1200" dirty="0"/>
             <a:t>)</a:t>
           </a:r>
           <a:r>
-            <a:rPr lang="ko-KR" sz="800" b="0" kern="1200" dirty="0"/>
+            <a:rPr lang="ko-KR" sz="900" b="1" kern="1200" dirty="0"/>
             <a:t>만들기</a:t>
           </a:r>
         </a:p>
         <a:p>
-          <a:pPr marL="114300" lvl="2" indent="-57150" algn="l" defTabSz="355600" latinLnBrk="1">
+          <a:pPr marL="114300" lvl="2" indent="-57150" algn="l" defTabSz="400050" latinLnBrk="1">
             <a:lnSpc>
               <a:spcPct val="90000"/>
             </a:lnSpc>
@@ -7612,27 +4487,27 @@
             <a:buChar char="•"/>
           </a:pPr>
           <a:r>
-            <a:rPr lang="ko-KR" sz="800" b="0" kern="1200" dirty="0"/>
+            <a:rPr lang="ko-KR" sz="900" b="1" kern="1200" dirty="0"/>
             <a:t>밸런스 조정한다</a:t>
           </a:r>
           <a:r>
-            <a:rPr lang="en-US" sz="800" b="0" kern="1200" dirty="0"/>
+            <a:rPr lang="en-US" sz="900" b="1" kern="1200" dirty="0"/>
             <a:t>.(</a:t>
           </a:r>
           <a:r>
-            <a:rPr lang="ko-KR" sz="800" b="0" kern="1200" dirty="0"/>
+            <a:rPr lang="ko-KR" sz="900" b="1" kern="1200" dirty="0"/>
             <a:t>몬스터의 스킬 사용 빈도나 몬스터 출연 빈도 수정</a:t>
           </a:r>
           <a:r>
-            <a:rPr lang="en-US" sz="800" b="0" kern="1200" dirty="0"/>
+            <a:rPr lang="en-US" sz="900" b="1" kern="1200" dirty="0"/>
             <a:t>)</a:t>
           </a:r>
-          <a:endParaRPr lang="ko-KR" sz="800" b="0" kern="1200" dirty="0"/>
+          <a:endParaRPr lang="ko-KR" sz="900" b="1" kern="1200" dirty="0"/>
         </a:p>
       </dsp:txBody>
       <dsp:txXfrm>
-        <a:off x="6806211" y="1794383"/>
-        <a:ext cx="3165020" cy="1318792"/>
+        <a:off x="7319749" y="1800135"/>
+        <a:ext cx="3177678" cy="1324066"/>
       </dsp:txXfrm>
     </dsp:sp>
     <dsp:sp modelId="{19142EEA-2493-4EF0-BD7B-AF0ABF34A84D}">
@@ -7642,8 +4517,8 @@
       </dsp:nvSpPr>
       <dsp:spPr>
         <a:xfrm>
-          <a:off x="6790351" y="3504417"/>
-          <a:ext cx="3196741" cy="1400850"/>
+          <a:off x="7303824" y="3517009"/>
+          <a:ext cx="3209528" cy="1406454"/>
         </a:xfrm>
         <a:prstGeom prst="roundRect">
           <a:avLst>
@@ -7651,9 +4526,8 @@
           </a:avLst>
         </a:prstGeom>
         <a:solidFill>
-          <a:schemeClr val="accent4">
-            <a:lumMod val="40000"/>
-            <a:lumOff val="60000"/>
+          <a:schemeClr val="bg1">
+            <a:lumMod val="95000"/>
           </a:schemeClr>
         </a:solidFill>
         <a:ln w="12700" cap="flat" cmpd="sng" algn="ctr">
@@ -7686,12 +4560,12 @@
         </a:fontRef>
       </dsp:style>
       <dsp:txBody>
-        <a:bodyPr spcFirstLastPara="0" vert="horz" wrap="square" lIns="45720" tIns="45720" rIns="45720" bIns="45720" numCol="1" spcCol="1270" anchor="ctr" anchorCtr="0">
+        <a:bodyPr spcFirstLastPara="0" vert="horz" wrap="square" lIns="53340" tIns="53340" rIns="53340" bIns="53340" numCol="1" spcCol="1270" anchor="ctr" anchorCtr="0">
           <a:noAutofit/>
         </a:bodyPr>
         <a:lstStyle/>
         <a:p>
-          <a:pPr marL="0" lvl="0" indent="0" algn="l" defTabSz="533400" latinLnBrk="1">
+          <a:pPr marL="0" lvl="0" indent="0" algn="l" defTabSz="622300" latinLnBrk="1">
             <a:lnSpc>
               <a:spcPct val="90000"/>
             </a:lnSpc>
@@ -7704,17 +4578,17 @@
             <a:buNone/>
           </a:pPr>
           <a:r>
-            <a:rPr lang="en-US" sz="1200" b="0" kern="1200" dirty="0"/>
+            <a:rPr lang="en-US" sz="1400" b="1" kern="1200" dirty="0"/>
             <a:t>9</a:t>
           </a:r>
           <a:r>
-            <a:rPr lang="ko-KR" sz="1200" b="0" kern="1200" dirty="0"/>
+            <a:rPr lang="ko-KR" sz="1400" b="1" kern="1200" dirty="0"/>
             <a:t>주차</a:t>
           </a:r>
-          <a:endParaRPr lang="ko-KR" sz="1000" b="0" kern="1200" dirty="0"/>
+          <a:endParaRPr lang="ko-KR" sz="1050" b="1" kern="1200" dirty="0"/>
         </a:p>
         <a:p>
-          <a:pPr marL="57150" lvl="1" indent="-57150" algn="l" defTabSz="444500" latinLnBrk="1">
+          <a:pPr marL="57150" lvl="1" indent="-57150" algn="l" defTabSz="466725" latinLnBrk="1">
             <a:lnSpc>
               <a:spcPct val="90000"/>
             </a:lnSpc>
@@ -7727,13 +4601,13 @@
             <a:buChar char="•"/>
           </a:pPr>
           <a:r>
-            <a:rPr lang="ko-KR" altLang="en-US" sz="1000" b="0" kern="1200" dirty="0"/>
+            <a:rPr lang="ko-KR" altLang="en-US" sz="1050" b="1" kern="1200" dirty="0"/>
             <a:t>최종 점검 및 릴리즈</a:t>
           </a:r>
-          <a:endParaRPr lang="ko-KR" altLang="en-US" sz="800" b="0" kern="1200" dirty="0"/>
+          <a:endParaRPr lang="ko-KR" altLang="en-US" sz="900" b="1" kern="1200" dirty="0"/>
         </a:p>
         <a:p>
-          <a:pPr marL="114300" lvl="2" indent="-57150" algn="l" defTabSz="355600" latinLnBrk="1">
+          <a:pPr marL="114300" lvl="2" indent="-57150" algn="l" defTabSz="400050" latinLnBrk="1">
             <a:lnSpc>
               <a:spcPct val="90000"/>
             </a:lnSpc>
@@ -7746,17 +4620,17 @@
             <a:buChar char="•"/>
           </a:pPr>
           <a:r>
-            <a:rPr lang="ko-KR" sz="800" b="0" kern="1200" dirty="0"/>
+            <a:rPr lang="ko-KR" sz="900" b="1" kern="1200" dirty="0"/>
             <a:t>최종 마무리를 하기 전 각 오브젝트가 부드럽게 연결되는지 본다</a:t>
           </a:r>
           <a:r>
-            <a:rPr lang="en-US" sz="800" b="0" kern="1200" dirty="0"/>
+            <a:rPr lang="en-US" sz="900" b="1" kern="1200" dirty="0"/>
             <a:t>.</a:t>
           </a:r>
-          <a:endParaRPr lang="ko-KR" sz="800" b="0" kern="1200" dirty="0"/>
+          <a:endParaRPr lang="ko-KR" sz="900" b="1" kern="1200" dirty="0"/>
         </a:p>
         <a:p>
-          <a:pPr marL="114300" lvl="2" indent="-57150" algn="l" defTabSz="355600" latinLnBrk="1">
+          <a:pPr marL="114300" lvl="2" indent="-57150" algn="l" defTabSz="400050" latinLnBrk="1">
             <a:lnSpc>
               <a:spcPct val="90000"/>
             </a:lnSpc>
@@ -7769,19 +4643,19 @@
             <a:buChar char="•"/>
           </a:pPr>
           <a:r>
-            <a:rPr lang="ko-KR" sz="800" b="0" kern="1200"/>
+            <a:rPr lang="ko-KR" sz="900" b="1" kern="1200"/>
             <a:t>충돌 처리 오류가 난 곳을 고친다</a:t>
           </a:r>
           <a:r>
-            <a:rPr lang="en-US" sz="800" b="0" kern="1200"/>
+            <a:rPr lang="en-US" sz="900" b="1" kern="1200"/>
             <a:t>.</a:t>
           </a:r>
-          <a:endParaRPr lang="ko-KR" sz="800" b="0" kern="1200"/>
+          <a:endParaRPr lang="ko-KR" sz="900" b="1" kern="1200"/>
         </a:p>
       </dsp:txBody>
       <dsp:txXfrm>
-        <a:off x="6831380" y="3545446"/>
-        <a:ext cx="3114683" cy="1318792"/>
+        <a:off x="7345018" y="3558203"/>
+        <a:ext cx="3127140" cy="1324066"/>
       </dsp:txXfrm>
     </dsp:sp>
   </dsp:spTree>
@@ -9136,7 +6010,7 @@
           <a:p>
             <a:fld id="{0153C48A-6CD6-4199-9378-4F106DDEF9CD}" type="datetimeFigureOut">
               <a:rPr lang="ko-KR" altLang="en-US" smtClean="0"/>
-              <a:t>2018-09-26</a:t>
+              <a:t>2018-09-27</a:t>
             </a:fld>
             <a:endParaRPr lang="ko-KR" altLang="en-US"/>
           </a:p>
@@ -9550,7 +6424,7 @@
           <a:p>
             <a:fld id="{2FA8B5E4-690C-43C2-A5EF-F24AC7A7D120}" type="datetime1">
               <a:rPr lang="ko-KR" altLang="en-US" smtClean="0"/>
-              <a:t>2018-09-26</a:t>
+              <a:t>2018-09-27</a:t>
             </a:fld>
             <a:endParaRPr lang="ko-KR" altLang="en-US"/>
           </a:p>
@@ -9752,7 +6626,7 @@
           <a:p>
             <a:fld id="{35D16CA1-F79E-4F7E-948D-007A9C104200}" type="datetime1">
               <a:rPr lang="ko-KR" altLang="en-US" smtClean="0"/>
-              <a:t>2018-09-26</a:t>
+              <a:t>2018-09-27</a:t>
             </a:fld>
             <a:endParaRPr lang="ko-KR" altLang="en-US"/>
           </a:p>
@@ -9964,7 +6838,7 @@
           <a:p>
             <a:fld id="{FA3FBAE9-C4BE-4044-84F5-EE1EE582AC9B}" type="datetime1">
               <a:rPr lang="ko-KR" altLang="en-US" smtClean="0"/>
-              <a:t>2018-09-26</a:t>
+              <a:t>2018-09-27</a:t>
             </a:fld>
             <a:endParaRPr lang="ko-KR" altLang="en-US"/>
           </a:p>
@@ -10166,7 +7040,7 @@
           <a:p>
             <a:fld id="{1B7EC2CD-A5D4-47E9-91F2-56DDC1973F4F}" type="datetime1">
               <a:rPr lang="ko-KR" altLang="en-US" smtClean="0"/>
-              <a:t>2018-09-26</a:t>
+              <a:t>2018-09-27</a:t>
             </a:fld>
             <a:endParaRPr lang="ko-KR" altLang="en-US"/>
           </a:p>
@@ -10445,7 +7319,7 @@
           <a:p>
             <a:fld id="{C80A2113-98AD-4663-8BFB-297D9F38C5E3}" type="datetime1">
               <a:rPr lang="ko-KR" altLang="en-US" smtClean="0"/>
-              <a:t>2018-09-26</a:t>
+              <a:t>2018-09-27</a:t>
             </a:fld>
             <a:endParaRPr lang="ko-KR" altLang="en-US"/>
           </a:p>
@@ -10714,7 +7588,7 @@
           <a:p>
             <a:fld id="{5DD657C6-7CF7-46B5-93A6-D8F3CC5BBA29}" type="datetime1">
               <a:rPr lang="ko-KR" altLang="en-US" smtClean="0"/>
-              <a:t>2018-09-26</a:t>
+              <a:t>2018-09-27</a:t>
             </a:fld>
             <a:endParaRPr lang="ko-KR" altLang="en-US"/>
           </a:p>
@@ -11130,7 +8004,7 @@
           <a:p>
             <a:fld id="{5DF8D989-3B36-4CB5-BFBF-03EE4F689B92}" type="datetime1">
               <a:rPr lang="ko-KR" altLang="en-US" smtClean="0"/>
-              <a:t>2018-09-26</a:t>
+              <a:t>2018-09-27</a:t>
             </a:fld>
             <a:endParaRPr lang="ko-KR" altLang="en-US"/>
           </a:p>
@@ -11275,7 +8149,7 @@
           <a:p>
             <a:fld id="{841AFEEC-239C-4587-800B-DAAB8B278B0A}" type="datetime1">
               <a:rPr lang="ko-KR" altLang="en-US" smtClean="0"/>
-              <a:t>2018-09-26</a:t>
+              <a:t>2018-09-27</a:t>
             </a:fld>
             <a:endParaRPr lang="ko-KR" altLang="en-US"/>
           </a:p>
@@ -11392,7 +8266,7 @@
           <a:p>
             <a:fld id="{E159B34E-B315-48C8-9D6F-FC6D801C5171}" type="datetime1">
               <a:rPr lang="ko-KR" altLang="en-US" smtClean="0"/>
-              <a:t>2018-09-26</a:t>
+              <a:t>2018-09-27</a:t>
             </a:fld>
             <a:endParaRPr lang="ko-KR" altLang="en-US"/>
           </a:p>
@@ -11707,7 +8581,7 @@
           <a:p>
             <a:fld id="{8762646D-7590-46E5-9694-445F39413C5E}" type="datetime1">
               <a:rPr lang="ko-KR" altLang="en-US" smtClean="0"/>
-              <a:t>2018-09-26</a:t>
+              <a:t>2018-09-27</a:t>
             </a:fld>
             <a:endParaRPr lang="ko-KR" altLang="en-US"/>
           </a:p>
@@ -11999,7 +8873,7 @@
           <a:p>
             <a:fld id="{6C7D6F54-701B-44A0-97F3-D6E94D41B80E}" type="datetime1">
               <a:rPr lang="ko-KR" altLang="en-US" smtClean="0"/>
-              <a:t>2018-09-26</a:t>
+              <a:t>2018-09-27</a:t>
             </a:fld>
             <a:endParaRPr lang="ko-KR" altLang="en-US"/>
           </a:p>
@@ -12244,7 +9118,7 @@
           <a:p>
             <a:fld id="{9BAD6DBF-B517-490B-81CA-776DB8978DE8}" type="datetime1">
               <a:rPr lang="ko-KR" altLang="en-US" smtClean="0"/>
-              <a:t>2018-09-26</a:t>
+              <a:t>2018-09-27</a:t>
             </a:fld>
             <a:endParaRPr lang="ko-KR" altLang="en-US"/>
           </a:p>
@@ -13031,7 +9905,7 @@
           <a:p>
             <a:fld id="{CD4733AA-7473-48E6-B3BF-87445CE77B7D}" type="datetime1">
               <a:rPr lang="ko-KR" altLang="en-US" smtClean="0"/>
-              <a:t>2018-09-26</a:t>
+              <a:t>2018-09-27</a:t>
             </a:fld>
             <a:endParaRPr lang="ko-KR" altLang="en-US"/>
           </a:p>
@@ -14871,7 +11745,7 @@
           <a:p>
             <a:fld id="{6EA02CB2-D1B6-454C-9933-6A06D02D20EB}" type="datetime1">
               <a:rPr lang="ko-KR" altLang="en-US" smtClean="0"/>
-              <a:t>2018-09-26</a:t>
+              <a:t>2018-09-27</a:t>
             </a:fld>
             <a:endParaRPr lang="ko-KR" altLang="en-US" dirty="0"/>
           </a:p>
@@ -16045,7 +12919,7 @@
           <a:p>
             <a:fld id="{E291C6ED-8A32-46CE-995A-7B27503267B4}" type="datetime1">
               <a:rPr lang="ko-KR" altLang="en-US" smtClean="0"/>
-              <a:t>2018-09-26</a:t>
+              <a:t>2018-09-27</a:t>
             </a:fld>
             <a:endParaRPr lang="ko-KR" altLang="en-US"/>
           </a:p>
@@ -16249,9 +13123,8 @@
             <a:avLst/>
           </a:prstGeom>
           <a:solidFill>
-            <a:schemeClr val="accent4">
-              <a:lumMod val="20000"/>
-              <a:lumOff val="80000"/>
+            <a:schemeClr val="bg1">
+              <a:lumMod val="95000"/>
             </a:schemeClr>
           </a:solidFill>
           <a:ln>
@@ -16282,19 +13155,17 @@
             <a:r>
               <a:rPr lang="ko-KR" altLang="en-US" sz="1200" dirty="0">
                 <a:solidFill>
-                  <a:srgbClr val="37366B"/>
-                </a:solidFill>
-                <a:latin typeface="HY헤드라인M" panose="02030600000101010101" pitchFamily="18" charset="-127"/>
-                <a:ea typeface="HY헤드라인M" panose="02030600000101010101" pitchFamily="18" charset="-127"/>
+                  <a:schemeClr val="tx1"/>
+                </a:solidFill>
+                <a:latin typeface="+mn-ea"/>
               </a:rPr>
               <a:t>게임의 주인공이자 </a:t>
             </a:r>
             <a:endParaRPr lang="en-US" altLang="ko-KR" sz="1200" dirty="0">
               <a:solidFill>
-                <a:srgbClr val="37366B"/>
+                <a:schemeClr val="tx1"/>
               </a:solidFill>
-              <a:latin typeface="HY헤드라인M" panose="02030600000101010101" pitchFamily="18" charset="-127"/>
-              <a:ea typeface="HY헤드라인M" panose="02030600000101010101" pitchFamily="18" charset="-127"/>
+              <a:latin typeface="+mn-ea"/>
             </a:endParaRPr>
           </a:p>
           <a:p>
@@ -16302,19 +13173,17 @@
             <a:r>
               <a:rPr lang="ko-KR" altLang="en-US" sz="1200" dirty="0">
                 <a:solidFill>
-                  <a:srgbClr val="37366B"/>
-                </a:solidFill>
-                <a:latin typeface="HY헤드라인M" panose="02030600000101010101" pitchFamily="18" charset="-127"/>
-                <a:ea typeface="HY헤드라인M" panose="02030600000101010101" pitchFamily="18" charset="-127"/>
+                  <a:schemeClr val="tx1"/>
+                </a:solidFill>
+                <a:latin typeface="+mn-ea"/>
               </a:rPr>
               <a:t>플레이어가 컨트롤 하는 오브젝트</a:t>
             </a:r>
             <a:endParaRPr lang="en-US" altLang="ko-KR" sz="1200" dirty="0">
               <a:solidFill>
-                <a:srgbClr val="37366B"/>
+                <a:schemeClr val="tx1"/>
               </a:solidFill>
-              <a:latin typeface="HY헤드라인M" panose="02030600000101010101" pitchFamily="18" charset="-127"/>
-              <a:ea typeface="HY헤드라인M" panose="02030600000101010101" pitchFamily="18" charset="-127"/>
+              <a:latin typeface="+mn-ea"/>
             </a:endParaRPr>
           </a:p>
         </p:txBody>
@@ -16392,9 +13261,8 @@
             <a:avLst/>
           </a:prstGeom>
           <a:solidFill>
-            <a:schemeClr val="accent4">
-              <a:lumMod val="20000"/>
-              <a:lumOff val="80000"/>
+            <a:schemeClr val="bg1">
+              <a:lumMod val="95000"/>
             </a:schemeClr>
           </a:solidFill>
           <a:ln>
@@ -16425,30 +13293,27 @@
             <a:r>
               <a:rPr lang="en-US" altLang="ko-KR" sz="1200" dirty="0">
                 <a:solidFill>
-                  <a:srgbClr val="37366B"/>
-                </a:solidFill>
-                <a:latin typeface="HY헤드라인M" panose="02030600000101010101" pitchFamily="18" charset="-127"/>
-                <a:ea typeface="HY헤드라인M" panose="02030600000101010101" pitchFamily="18" charset="-127"/>
+                  <a:schemeClr val="tx1"/>
+                </a:solidFill>
+                <a:latin typeface="+mn-ea"/>
               </a:rPr>
               <a:t>If</a:t>
             </a:r>
             <a:r>
               <a:rPr lang="ko-KR" altLang="en-US" sz="1200" dirty="0">
                 <a:solidFill>
-                  <a:srgbClr val="37366B"/>
-                </a:solidFill>
-                <a:latin typeface="HY헤드라인M" panose="02030600000101010101" pitchFamily="18" charset="-127"/>
-                <a:ea typeface="HY헤드라인M" panose="02030600000101010101" pitchFamily="18" charset="-127"/>
+                  <a:schemeClr val="tx1"/>
+                </a:solidFill>
+                <a:latin typeface="+mn-ea"/>
               </a:rPr>
               <a:t> 몬스터 </a:t>
             </a:r>
             <a:r>
               <a:rPr lang="en-US" altLang="ko-KR" sz="1200" dirty="0">
                 <a:solidFill>
-                  <a:srgbClr val="37366B"/>
-                </a:solidFill>
-                <a:latin typeface="HY헤드라인M" panose="02030600000101010101" pitchFamily="18" charset="-127"/>
-                <a:ea typeface="HY헤드라인M" panose="02030600000101010101" pitchFamily="18" charset="-127"/>
+                  <a:schemeClr val="tx1"/>
+                </a:solidFill>
+                <a:latin typeface="+mn-ea"/>
               </a:rPr>
               <a:t>KILL </a:t>
             </a:r>
@@ -16458,30 +13323,27 @@
             <a:r>
               <a:rPr lang="ko-KR" altLang="en-US" sz="1200" dirty="0">
                 <a:solidFill>
-                  <a:srgbClr val="37366B"/>
-                </a:solidFill>
-                <a:latin typeface="HY헤드라인M" panose="02030600000101010101" pitchFamily="18" charset="-127"/>
-                <a:ea typeface="HY헤드라인M" panose="02030600000101010101" pitchFamily="18" charset="-127"/>
+                  <a:schemeClr val="tx1"/>
+                </a:solidFill>
+                <a:latin typeface="+mn-ea"/>
               </a:rPr>
               <a:t>점수 </a:t>
             </a:r>
             <a:r>
               <a:rPr lang="en-US" altLang="ko-KR" sz="1200" dirty="0">
                 <a:solidFill>
-                  <a:srgbClr val="37366B"/>
-                </a:solidFill>
-                <a:latin typeface="HY헤드라인M" panose="02030600000101010101" pitchFamily="18" charset="-127"/>
-                <a:ea typeface="HY헤드라인M" panose="02030600000101010101" pitchFamily="18" charset="-127"/>
+                  <a:schemeClr val="tx1"/>
+                </a:solidFill>
+                <a:latin typeface="+mn-ea"/>
               </a:rPr>
               <a:t>+ 10</a:t>
             </a:r>
             <a:r>
               <a:rPr lang="ko-KR" altLang="en-US" sz="1200" dirty="0">
                 <a:solidFill>
-                  <a:srgbClr val="37366B"/>
-                </a:solidFill>
-                <a:latin typeface="HY헤드라인M" panose="02030600000101010101" pitchFamily="18" charset="-127"/>
-                <a:ea typeface="HY헤드라인M" panose="02030600000101010101" pitchFamily="18" charset="-127"/>
+                  <a:schemeClr val="tx1"/>
+                </a:solidFill>
+                <a:latin typeface="+mn-ea"/>
               </a:rPr>
               <a:t>점</a:t>
             </a:r>
@@ -17413,9 +14275,8 @@
             <a:avLst/>
           </a:prstGeom>
           <a:solidFill>
-            <a:schemeClr val="accent4">
-              <a:lumMod val="20000"/>
-              <a:lumOff val="80000"/>
+            <a:schemeClr val="bg1">
+              <a:lumMod val="95000"/>
             </a:schemeClr>
           </a:solidFill>
           <a:ln>
@@ -17446,19 +14307,17 @@
             <a:r>
               <a:rPr lang="ko-KR" altLang="en-US" sz="1200" dirty="0">
                 <a:solidFill>
-                  <a:srgbClr val="37366B"/>
-                </a:solidFill>
-                <a:latin typeface="HY헤드라인M" panose="02030600000101010101" pitchFamily="18" charset="-127"/>
-                <a:ea typeface="HY헤드라인M" panose="02030600000101010101" pitchFamily="18" charset="-127"/>
+                  <a:schemeClr val="tx1"/>
+                </a:solidFill>
+                <a:latin typeface="+mn-ea"/>
               </a:rPr>
               <a:t>몬스터가 죽을 때 </a:t>
             </a:r>
             <a:endParaRPr lang="en-US" altLang="ko-KR" sz="1200" dirty="0">
               <a:solidFill>
-                <a:srgbClr val="37366B"/>
+                <a:schemeClr val="tx1"/>
               </a:solidFill>
-              <a:latin typeface="HY헤드라인M" panose="02030600000101010101" pitchFamily="18" charset="-127"/>
-              <a:ea typeface="HY헤드라인M" panose="02030600000101010101" pitchFamily="18" charset="-127"/>
+              <a:latin typeface="+mn-ea"/>
             </a:endParaRPr>
           </a:p>
           <a:p>
@@ -17466,109 +14325,98 @@
             <a:r>
               <a:rPr lang="ko-KR" altLang="en-US" sz="1200" dirty="0">
                 <a:solidFill>
-                  <a:srgbClr val="37366B"/>
-                </a:solidFill>
-                <a:latin typeface="HY헤드라인M" panose="02030600000101010101" pitchFamily="18" charset="-127"/>
-                <a:ea typeface="HY헤드라인M" panose="02030600000101010101" pitchFamily="18" charset="-127"/>
+                  <a:schemeClr val="tx1"/>
+                </a:solidFill>
+                <a:latin typeface="+mn-ea"/>
               </a:rPr>
               <a:t>일정 확률로 </a:t>
             </a:r>
             <a:r>
               <a:rPr lang="en-US" altLang="ko-KR" sz="1200" dirty="0">
                 <a:solidFill>
-                  <a:srgbClr val="37366B"/>
-                </a:solidFill>
-                <a:latin typeface="HY헤드라인M" panose="02030600000101010101" pitchFamily="18" charset="-127"/>
-                <a:ea typeface="HY헤드라인M" panose="02030600000101010101" pitchFamily="18" charset="-127"/>
+                  <a:schemeClr val="tx1"/>
+                </a:solidFill>
+                <a:latin typeface="+mn-ea"/>
               </a:rPr>
               <a:t>Drop</a:t>
             </a:r>
             <a:r>
               <a:rPr lang="ko-KR" altLang="en-US" sz="1200" dirty="0">
                 <a:solidFill>
-                  <a:srgbClr val="37366B"/>
-                </a:solidFill>
-                <a:latin typeface="HY헤드라인M" panose="02030600000101010101" pitchFamily="18" charset="-127"/>
-                <a:ea typeface="HY헤드라인M" panose="02030600000101010101" pitchFamily="18" charset="-127"/>
-              </a:rPr>
-              <a:t>되는 아이템</a:t>
+                  <a:schemeClr val="tx1"/>
+                </a:solidFill>
+                <a:latin typeface="+mn-ea"/>
+              </a:rPr>
+              <a:t>되는 필살기 아이템</a:t>
             </a:r>
             <a:endParaRPr lang="en-US" altLang="ko-KR" sz="1200" dirty="0">
               <a:solidFill>
-                <a:srgbClr val="37366B"/>
+                <a:schemeClr val="tx1"/>
               </a:solidFill>
-              <a:latin typeface="HY헤드라인M" panose="02030600000101010101" pitchFamily="18" charset="-127"/>
-              <a:ea typeface="HY헤드라인M" panose="02030600000101010101" pitchFamily="18" charset="-127"/>
+              <a:latin typeface="+mn-ea"/>
             </a:endParaRPr>
           </a:p>
           <a:p>
             <a:pPr algn="ctr"/>
             <a:r>
+              <a:rPr lang="ko-KR" altLang="en-US" sz="1400" dirty="0">
+                <a:solidFill>
+                  <a:srgbClr val="C00000"/>
+                </a:solidFill>
+                <a:latin typeface="+mn-ea"/>
+              </a:rPr>
+              <a:t>연속으로 </a:t>
+            </a:r>
+            <a:r>
+              <a:rPr lang="en-US" altLang="ko-KR" sz="1400" dirty="0">
+                <a:solidFill>
+                  <a:srgbClr val="C00000"/>
+                </a:solidFill>
+                <a:latin typeface="+mn-ea"/>
+              </a:rPr>
+              <a:t>3</a:t>
+            </a:r>
+            <a:r>
+              <a:rPr lang="ko-KR" altLang="en-US" sz="1400" dirty="0">
+                <a:solidFill>
+                  <a:srgbClr val="C00000"/>
+                </a:solidFill>
+                <a:latin typeface="+mn-ea"/>
+              </a:rPr>
+              <a:t>번 먹으면</a:t>
+            </a:r>
+            <a:endParaRPr lang="en-US" altLang="ko-KR" sz="1400" dirty="0">
+              <a:solidFill>
+                <a:srgbClr val="C00000"/>
+              </a:solidFill>
+              <a:latin typeface="+mn-ea"/>
+            </a:endParaRPr>
+          </a:p>
+          <a:p>
+            <a:pPr algn="ctr"/>
+            <a:r>
               <a:rPr lang="ko-KR" altLang="en-US" sz="1200" dirty="0">
                 <a:solidFill>
-                  <a:srgbClr val="37366B"/>
-                </a:solidFill>
-                <a:latin typeface="HY헤드라인M" panose="02030600000101010101" pitchFamily="18" charset="-127"/>
-                <a:ea typeface="HY헤드라인M" panose="02030600000101010101" pitchFamily="18" charset="-127"/>
-              </a:rPr>
-              <a:t>연속으로 </a:t>
+                  <a:schemeClr val="tx1"/>
+                </a:solidFill>
+                <a:latin typeface="+mn-ea"/>
+              </a:rPr>
+              <a:t> 필살기 사용이 가능하다</a:t>
             </a:r>
             <a:r>
               <a:rPr lang="en-US" altLang="ko-KR" sz="1200" dirty="0">
                 <a:solidFill>
-                  <a:srgbClr val="37366B"/>
-                </a:solidFill>
-                <a:latin typeface="HY헤드라인M" panose="02030600000101010101" pitchFamily="18" charset="-127"/>
-                <a:ea typeface="HY헤드라인M" panose="02030600000101010101" pitchFamily="18" charset="-127"/>
-              </a:rPr>
-              <a:t>3</a:t>
-            </a:r>
-            <a:r>
-              <a:rPr lang="ko-KR" altLang="en-US" sz="1200" dirty="0">
-                <a:solidFill>
-                  <a:srgbClr val="37366B"/>
-                </a:solidFill>
-                <a:latin typeface="HY헤드라인M" panose="02030600000101010101" pitchFamily="18" charset="-127"/>
-                <a:ea typeface="HY헤드라인M" panose="02030600000101010101" pitchFamily="18" charset="-127"/>
-              </a:rPr>
-              <a:t>번 먹으면</a:t>
-            </a:r>
-            <a:endParaRPr lang="en-US" altLang="ko-KR" sz="1200" dirty="0">
-              <a:solidFill>
-                <a:srgbClr val="37366B"/>
-              </a:solidFill>
-              <a:latin typeface="HY헤드라인M" panose="02030600000101010101" pitchFamily="18" charset="-127"/>
-              <a:ea typeface="HY헤드라인M" panose="02030600000101010101" pitchFamily="18" charset="-127"/>
-            </a:endParaRPr>
-          </a:p>
-          <a:p>
-            <a:pPr algn="ctr"/>
-            <a:r>
-              <a:rPr lang="ko-KR" altLang="en-US" sz="1200" dirty="0">
-                <a:solidFill>
-                  <a:srgbClr val="37366B"/>
-                </a:solidFill>
-                <a:latin typeface="HY헤드라인M" panose="02030600000101010101" pitchFamily="18" charset="-127"/>
-                <a:ea typeface="HY헤드라인M" panose="02030600000101010101" pitchFamily="18" charset="-127"/>
-              </a:rPr>
-              <a:t> 필살기 사용이 가능하다</a:t>
-            </a:r>
-            <a:r>
-              <a:rPr lang="en-US" altLang="ko-KR" sz="1200" dirty="0">
-                <a:solidFill>
-                  <a:srgbClr val="37366B"/>
-                </a:solidFill>
-                <a:latin typeface="HY헤드라인M" panose="02030600000101010101" pitchFamily="18" charset="-127"/>
-                <a:ea typeface="HY헤드라인M" panose="02030600000101010101" pitchFamily="18" charset="-127"/>
+                  <a:schemeClr val="tx1"/>
+                </a:solidFill>
+                <a:latin typeface="+mn-ea"/>
               </a:rPr>
               <a:t>.</a:t>
             </a:r>
             <a:endParaRPr lang="ko-KR" altLang="en-US" sz="1200" dirty="0">
               <a:solidFill>
-                <a:srgbClr val="37366B"/>
+                <a:schemeClr val="tx1"/>
               </a:solidFill>
-              <a:latin typeface="HY헤드라인M" panose="02030600000101010101" pitchFamily="18" charset="-127"/>
-              <a:ea typeface="HY헤드라인M" panose="02030600000101010101" pitchFamily="18" charset="-127"/>
+              <a:latin typeface="+mn-ea"/>
             </a:endParaRPr>
           </a:p>
         </p:txBody>
@@ -17694,9 +14542,8 @@
             <a:avLst/>
           </a:prstGeom>
           <a:solidFill>
-            <a:schemeClr val="accent4">
-              <a:lumMod val="20000"/>
-              <a:lumOff val="80000"/>
+            <a:schemeClr val="bg1">
+              <a:lumMod val="95000"/>
             </a:schemeClr>
           </a:solidFill>
           <a:ln>
@@ -17727,20 +14574,18 @@
             <a:r>
               <a:rPr lang="ko-KR" altLang="en-US" sz="1200" dirty="0">
                 <a:solidFill>
-                  <a:srgbClr val="37366B"/>
-                </a:solidFill>
-                <a:latin typeface="HY헤드라인M" panose="02030600000101010101" pitchFamily="18" charset="-127"/>
-                <a:ea typeface="HY헤드라인M" panose="02030600000101010101" pitchFamily="18" charset="-127"/>
+                  <a:schemeClr val="tx1"/>
+                </a:solidFill>
+                <a:latin typeface="+mn-ea"/>
               </a:rPr>
               <a:t>플레이어의 목숨을 나타낸다</a:t>
             </a:r>
             <a:r>
               <a:rPr lang="en-US" altLang="ko-KR" sz="1200" dirty="0">
                 <a:solidFill>
-                  <a:srgbClr val="37366B"/>
-                </a:solidFill>
-                <a:latin typeface="HY헤드라인M" panose="02030600000101010101" pitchFamily="18" charset="-127"/>
-                <a:ea typeface="HY헤드라인M" panose="02030600000101010101" pitchFamily="18" charset="-127"/>
+                  <a:schemeClr val="tx1"/>
+                </a:solidFill>
+                <a:latin typeface="+mn-ea"/>
               </a:rPr>
               <a:t>.</a:t>
             </a:r>
@@ -17750,20 +14595,36 @@
             <a:r>
               <a:rPr lang="ko-KR" altLang="en-US" sz="1200" dirty="0">
                 <a:solidFill>
-                  <a:srgbClr val="37366B"/>
-                </a:solidFill>
-                <a:latin typeface="HY헤드라인M" panose="02030600000101010101" pitchFamily="18" charset="-127"/>
-                <a:ea typeface="HY헤드라인M" panose="02030600000101010101" pitchFamily="18" charset="-127"/>
+                  <a:schemeClr val="tx1"/>
+                </a:solidFill>
+                <a:latin typeface="+mn-ea"/>
               </a:rPr>
               <a:t>공격을 맞으면 </a:t>
             </a:r>
             <a:r>
               <a:rPr lang="en-US" altLang="ko-KR" sz="1200" dirty="0">
                 <a:solidFill>
-                  <a:srgbClr val="37366B"/>
-                </a:solidFill>
-                <a:latin typeface="HY헤드라인M" panose="02030600000101010101" pitchFamily="18" charset="-127"/>
-                <a:ea typeface="HY헤드라인M" panose="02030600000101010101" pitchFamily="18" charset="-127"/>
+                  <a:schemeClr val="tx1"/>
+                </a:solidFill>
+                <a:latin typeface="+mn-ea"/>
+              </a:rPr>
+              <a:t>LIFE</a:t>
+            </a:r>
+            <a:r>
+              <a:rPr lang="ko-KR" altLang="en-US" sz="1200" dirty="0">
+                <a:solidFill>
+                  <a:schemeClr val="tx1"/>
+                </a:solidFill>
+                <a:latin typeface="+mn-ea"/>
+              </a:rPr>
+              <a:t> </a:t>
+            </a:r>
+            <a:r>
+              <a:rPr lang="en-US" altLang="ko-KR" sz="1200" dirty="0">
+                <a:solidFill>
+                  <a:schemeClr val="tx1"/>
+                </a:solidFill>
+                <a:latin typeface="+mn-ea"/>
               </a:rPr>
               <a:t>-1</a:t>
             </a:r>
@@ -17773,50 +14634,45 @@
             <a:r>
               <a:rPr lang="en-US" altLang="ko-KR" sz="1200" dirty="0">
                 <a:solidFill>
-                  <a:srgbClr val="37366B"/>
-                </a:solidFill>
-                <a:latin typeface="HY헤드라인M" panose="02030600000101010101" pitchFamily="18" charset="-127"/>
-                <a:ea typeface="HY헤드라인M" panose="02030600000101010101" pitchFamily="18" charset="-127"/>
+                  <a:schemeClr val="tx1"/>
+                </a:solidFill>
+                <a:latin typeface="+mn-ea"/>
               </a:rPr>
               <a:t>LIFE</a:t>
             </a:r>
             <a:r>
               <a:rPr lang="ko-KR" altLang="en-US" sz="1200" dirty="0">
                 <a:solidFill>
-                  <a:srgbClr val="37366B"/>
-                </a:solidFill>
-                <a:latin typeface="HY헤드라인M" panose="02030600000101010101" pitchFamily="18" charset="-127"/>
-                <a:ea typeface="HY헤드라인M" panose="02030600000101010101" pitchFamily="18" charset="-127"/>
+                  <a:schemeClr val="tx1"/>
+                </a:solidFill>
+                <a:latin typeface="+mn-ea"/>
               </a:rPr>
               <a:t>가 </a:t>
             </a:r>
             <a:r>
               <a:rPr lang="en-US" altLang="ko-KR" sz="1200" dirty="0">
                 <a:solidFill>
-                  <a:srgbClr val="37366B"/>
-                </a:solidFill>
-                <a:latin typeface="HY헤드라인M" panose="02030600000101010101" pitchFamily="18" charset="-127"/>
-                <a:ea typeface="HY헤드라인M" panose="02030600000101010101" pitchFamily="18" charset="-127"/>
+                  <a:schemeClr val="tx1"/>
+                </a:solidFill>
+                <a:latin typeface="+mn-ea"/>
               </a:rPr>
               <a:t>0</a:t>
             </a:r>
             <a:r>
               <a:rPr lang="ko-KR" altLang="en-US" sz="1200" dirty="0">
                 <a:solidFill>
-                  <a:srgbClr val="37366B"/>
-                </a:solidFill>
-                <a:latin typeface="HY헤드라인M" panose="02030600000101010101" pitchFamily="18" charset="-127"/>
-                <a:ea typeface="HY헤드라인M" panose="02030600000101010101" pitchFamily="18" charset="-127"/>
+                  <a:schemeClr val="tx1"/>
+                </a:solidFill>
+                <a:latin typeface="+mn-ea"/>
               </a:rPr>
               <a:t>이 되면 </a:t>
             </a:r>
             <a:r>
               <a:rPr lang="en-US" altLang="ko-KR" sz="1200" dirty="0">
                 <a:solidFill>
-                  <a:srgbClr val="37366B"/>
-                </a:solidFill>
-                <a:latin typeface="HY헤드라인M" panose="02030600000101010101" pitchFamily="18" charset="-127"/>
-                <a:ea typeface="HY헤드라인M" panose="02030600000101010101" pitchFamily="18" charset="-127"/>
+                  <a:schemeClr val="tx1"/>
+                </a:solidFill>
+                <a:latin typeface="+mn-ea"/>
               </a:rPr>
               <a:t>GAME OVER</a:t>
             </a:r>
@@ -17844,9 +14700,8 @@
             <a:avLst/>
           </a:prstGeom>
           <a:solidFill>
-            <a:schemeClr val="accent4">
-              <a:lumMod val="20000"/>
-              <a:lumOff val="80000"/>
+            <a:schemeClr val="bg1">
+              <a:lumMod val="95000"/>
             </a:schemeClr>
           </a:solidFill>
           <a:ln>
@@ -17877,19 +14732,17 @@
             <a:r>
               <a:rPr lang="ko-KR" altLang="en-US" sz="1200" dirty="0">
                 <a:solidFill>
-                  <a:srgbClr val="37366B"/>
-                </a:solidFill>
-                <a:latin typeface="HY헤드라인M" panose="02030600000101010101" pitchFamily="18" charset="-127"/>
-                <a:ea typeface="HY헤드라인M" panose="02030600000101010101" pitchFamily="18" charset="-127"/>
+                  <a:schemeClr val="tx1"/>
+                </a:solidFill>
+                <a:latin typeface="+mn-ea"/>
               </a:rPr>
               <a:t>게임 도중에 메뉴 선택이 가능</a:t>
             </a:r>
             <a:endParaRPr lang="en-US" altLang="ko-KR" sz="1200" dirty="0">
               <a:solidFill>
-                <a:srgbClr val="37366B"/>
+                <a:schemeClr val="tx1"/>
               </a:solidFill>
-              <a:latin typeface="HY헤드라인M" panose="02030600000101010101" pitchFamily="18" charset="-127"/>
-              <a:ea typeface="HY헤드라인M" panose="02030600000101010101" pitchFamily="18" charset="-127"/>
+              <a:latin typeface="+mn-ea"/>
             </a:endParaRPr>
           </a:p>
           <a:p>
@@ -17897,19 +14750,17 @@
             <a:r>
               <a:rPr lang="ko-KR" altLang="en-US" sz="1200" dirty="0">
                 <a:solidFill>
-                  <a:srgbClr val="37366B"/>
-                </a:solidFill>
-                <a:latin typeface="HY헤드라인M" panose="02030600000101010101" pitchFamily="18" charset="-127"/>
-                <a:ea typeface="HY헤드라인M" panose="02030600000101010101" pitchFamily="18" charset="-127"/>
+                  <a:schemeClr val="tx1"/>
+                </a:solidFill>
+                <a:latin typeface="+mn-ea"/>
               </a:rPr>
               <a:t>버튼을 누르면 </a:t>
             </a:r>
             <a:endParaRPr lang="en-US" altLang="ko-KR" sz="1200" dirty="0">
               <a:solidFill>
-                <a:srgbClr val="37366B"/>
+                <a:schemeClr val="tx1"/>
               </a:solidFill>
-              <a:latin typeface="HY헤드라인M" panose="02030600000101010101" pitchFamily="18" charset="-127"/>
-              <a:ea typeface="HY헤드라인M" panose="02030600000101010101" pitchFamily="18" charset="-127"/>
+              <a:latin typeface="+mn-ea"/>
             </a:endParaRPr>
           </a:p>
           <a:p>
@@ -17917,20 +14768,18 @@
             <a:r>
               <a:rPr lang="ko-KR" altLang="en-US" sz="1200" dirty="0">
                 <a:solidFill>
-                  <a:srgbClr val="37366B"/>
-                </a:solidFill>
-                <a:latin typeface="HY헤드라인M" panose="02030600000101010101" pitchFamily="18" charset="-127"/>
-                <a:ea typeface="HY헤드라인M" panose="02030600000101010101" pitchFamily="18" charset="-127"/>
+                  <a:schemeClr val="tx1"/>
+                </a:solidFill>
+                <a:latin typeface="+mn-ea"/>
               </a:rPr>
               <a:t>각각의 기능이 실행된다</a:t>
             </a:r>
             <a:r>
               <a:rPr lang="en-US" altLang="ko-KR" sz="1200" dirty="0">
                 <a:solidFill>
-                  <a:srgbClr val="37366B"/>
-                </a:solidFill>
-                <a:latin typeface="HY헤드라인M" panose="02030600000101010101" pitchFamily="18" charset="-127"/>
-                <a:ea typeface="HY헤드라인M" panose="02030600000101010101" pitchFamily="18" charset="-127"/>
+                  <a:schemeClr val="tx1"/>
+                </a:solidFill>
+                <a:latin typeface="+mn-ea"/>
               </a:rPr>
               <a:t>.</a:t>
             </a:r>
@@ -17958,9 +14807,8 @@
             <a:avLst/>
           </a:prstGeom>
           <a:solidFill>
-            <a:schemeClr val="accent4">
-              <a:lumMod val="20000"/>
-              <a:lumOff val="80000"/>
+            <a:schemeClr val="bg1">
+              <a:lumMod val="95000"/>
             </a:schemeClr>
           </a:solidFill>
           <a:ln>
@@ -17991,19 +14839,17 @@
             <a:r>
               <a:rPr lang="ko-KR" altLang="en-US" sz="1200" dirty="0">
                 <a:solidFill>
-                  <a:srgbClr val="37366B"/>
-                </a:solidFill>
-                <a:latin typeface="HY헤드라인M" panose="02030600000101010101" pitchFamily="18" charset="-127"/>
-                <a:ea typeface="HY헤드라인M" panose="02030600000101010101" pitchFamily="18" charset="-127"/>
+                  <a:schemeClr val="tx1"/>
+                </a:solidFill>
+                <a:latin typeface="+mn-ea"/>
               </a:rPr>
               <a:t>게임을 진행하면서 </a:t>
             </a:r>
             <a:endParaRPr lang="en-US" altLang="ko-KR" sz="1200" dirty="0">
               <a:solidFill>
-                <a:srgbClr val="37366B"/>
+                <a:schemeClr val="tx1"/>
               </a:solidFill>
-              <a:latin typeface="HY헤드라인M" panose="02030600000101010101" pitchFamily="18" charset="-127"/>
-              <a:ea typeface="HY헤드라인M" panose="02030600000101010101" pitchFamily="18" charset="-127"/>
+              <a:latin typeface="+mn-ea"/>
             </a:endParaRPr>
           </a:p>
           <a:p>
@@ -18011,79 +14857,71 @@
             <a:r>
               <a:rPr lang="ko-KR" altLang="en-US" sz="1200" dirty="0">
                 <a:solidFill>
-                  <a:srgbClr val="37366B"/>
-                </a:solidFill>
-                <a:latin typeface="HY헤드라인M" panose="02030600000101010101" pitchFamily="18" charset="-127"/>
-                <a:ea typeface="HY헤드라인M" panose="02030600000101010101" pitchFamily="18" charset="-127"/>
+                  <a:schemeClr val="tx1"/>
+                </a:solidFill>
+                <a:latin typeface="+mn-ea"/>
               </a:rPr>
               <a:t>시간에 비례하여 게이지가 차오른다</a:t>
             </a:r>
             <a:r>
               <a:rPr lang="en-US" altLang="ko-KR" sz="1200" dirty="0">
                 <a:solidFill>
-                  <a:srgbClr val="37366B"/>
-                </a:solidFill>
-                <a:latin typeface="HY헤드라인M" panose="02030600000101010101" pitchFamily="18" charset="-127"/>
-                <a:ea typeface="HY헤드라인M" panose="02030600000101010101" pitchFamily="18" charset="-127"/>
+                  <a:schemeClr val="tx1"/>
+                </a:solidFill>
+                <a:latin typeface="+mn-ea"/>
               </a:rPr>
               <a:t>.</a:t>
             </a:r>
             <a:r>
               <a:rPr lang="ko-KR" altLang="en-US" sz="1200" dirty="0">
                 <a:solidFill>
-                  <a:srgbClr val="37366B"/>
-                </a:solidFill>
-                <a:latin typeface="HY헤드라인M" panose="02030600000101010101" pitchFamily="18" charset="-127"/>
-                <a:ea typeface="HY헤드라인M" panose="02030600000101010101" pitchFamily="18" charset="-127"/>
+                  <a:schemeClr val="tx1"/>
+                </a:solidFill>
+                <a:latin typeface="+mn-ea"/>
               </a:rPr>
               <a:t> </a:t>
             </a:r>
             <a:endParaRPr lang="en-US" altLang="ko-KR" sz="1200" dirty="0">
               <a:solidFill>
-                <a:srgbClr val="37366B"/>
+                <a:schemeClr val="tx1"/>
               </a:solidFill>
-              <a:latin typeface="HY헤드라인M" panose="02030600000101010101" pitchFamily="18" charset="-127"/>
-              <a:ea typeface="HY헤드라인M" panose="02030600000101010101" pitchFamily="18" charset="-127"/>
+              <a:latin typeface="+mn-ea"/>
             </a:endParaRPr>
           </a:p>
           <a:p>
             <a:pPr algn="ctr"/>
             <a:r>
-              <a:rPr lang="en-US" altLang="ko-KR" sz="1200" dirty="0">
-                <a:solidFill>
-                  <a:srgbClr val="37366B"/>
-                </a:solidFill>
-                <a:latin typeface="HY헤드라인M" panose="02030600000101010101" pitchFamily="18" charset="-127"/>
-                <a:ea typeface="HY헤드라인M" panose="02030600000101010101" pitchFamily="18" charset="-127"/>
+              <a:rPr lang="en-US" altLang="ko-KR" sz="1600" dirty="0">
+                <a:solidFill>
+                  <a:srgbClr val="C00000"/>
+                </a:solidFill>
+                <a:latin typeface="+mn-ea"/>
               </a:rPr>
               <a:t>MAX</a:t>
             </a:r>
             <a:r>
-              <a:rPr lang="ko-KR" altLang="en-US" sz="1200" dirty="0">
-                <a:solidFill>
-                  <a:srgbClr val="37366B"/>
-                </a:solidFill>
-                <a:latin typeface="HY헤드라인M" panose="02030600000101010101" pitchFamily="18" charset="-127"/>
-                <a:ea typeface="HY헤드라인M" panose="02030600000101010101" pitchFamily="18" charset="-127"/>
+              <a:rPr lang="ko-KR" altLang="en-US" sz="1600" dirty="0">
+                <a:solidFill>
+                  <a:srgbClr val="C00000"/>
+                </a:solidFill>
+                <a:latin typeface="+mn-ea"/>
               </a:rPr>
               <a:t>가 되면 </a:t>
             </a:r>
             <a:r>
-              <a:rPr lang="en-US" altLang="ko-KR" sz="1200" dirty="0">
-                <a:solidFill>
-                  <a:srgbClr val="37366B"/>
-                </a:solidFill>
-                <a:latin typeface="HY헤드라인M" panose="02030600000101010101" pitchFamily="18" charset="-127"/>
-                <a:ea typeface="HY헤드라인M" panose="02030600000101010101" pitchFamily="18" charset="-127"/>
+              <a:rPr lang="en-US" altLang="ko-KR" sz="1600" dirty="0">
+                <a:solidFill>
+                  <a:srgbClr val="C00000"/>
+                </a:solidFill>
+                <a:latin typeface="+mn-ea"/>
               </a:rPr>
               <a:t>GAME CLEAR</a:t>
             </a:r>
-            <a:endParaRPr lang="ko-KR" altLang="en-US" sz="1200" dirty="0">
+            <a:endParaRPr lang="ko-KR" altLang="en-US" sz="1600" dirty="0">
               <a:solidFill>
-                <a:srgbClr val="37366B"/>
+                <a:srgbClr val="C00000"/>
               </a:solidFill>
-              <a:latin typeface="HY헤드라인M" panose="02030600000101010101" pitchFamily="18" charset="-127"/>
-              <a:ea typeface="HY헤드라인M" panose="02030600000101010101" pitchFamily="18" charset="-127"/>
+              <a:latin typeface="+mn-ea"/>
             </a:endParaRPr>
           </a:p>
         </p:txBody>
@@ -18109,9 +14947,8 @@
             <a:avLst/>
           </a:prstGeom>
           <a:solidFill>
-            <a:schemeClr val="accent4">
-              <a:lumMod val="20000"/>
-              <a:lumOff val="80000"/>
+            <a:schemeClr val="bg1">
+              <a:lumMod val="95000"/>
             </a:schemeClr>
           </a:solidFill>
           <a:ln>
@@ -18142,20 +14979,18 @@
             <a:r>
               <a:rPr lang="ko-KR" altLang="en-US" sz="1200" dirty="0">
                 <a:solidFill>
-                  <a:srgbClr val="37366B"/>
-                </a:solidFill>
-                <a:latin typeface="HY헤드라인M" panose="02030600000101010101" pitchFamily="18" charset="-127"/>
-                <a:ea typeface="HY헤드라인M" panose="02030600000101010101" pitchFamily="18" charset="-127"/>
+                  <a:schemeClr val="tx1"/>
+                </a:solidFill>
+                <a:latin typeface="+mn-ea"/>
               </a:rPr>
               <a:t>플레이어를 공격하는 오브젝트</a:t>
             </a:r>
             <a:r>
               <a:rPr lang="en-US" altLang="ko-KR" sz="1200" dirty="0">
                 <a:solidFill>
-                  <a:srgbClr val="37366B"/>
-                </a:solidFill>
-                <a:latin typeface="HY헤드라인M" panose="02030600000101010101" pitchFamily="18" charset="-127"/>
-                <a:ea typeface="HY헤드라인M" panose="02030600000101010101" pitchFamily="18" charset="-127"/>
+                  <a:schemeClr val="tx1"/>
+                </a:solidFill>
+                <a:latin typeface="+mn-ea"/>
               </a:rPr>
               <a:t> </a:t>
             </a:r>
@@ -18165,20 +15000,18 @@
             <a:r>
               <a:rPr lang="ko-KR" altLang="en-US" sz="1200" dirty="0">
                 <a:solidFill>
-                  <a:srgbClr val="37366B"/>
-                </a:solidFill>
-                <a:latin typeface="HY헤드라인M" panose="02030600000101010101" pitchFamily="18" charset="-127"/>
-                <a:ea typeface="HY헤드라인M" panose="02030600000101010101" pitchFamily="18" charset="-127"/>
+                  <a:schemeClr val="tx1"/>
+                </a:solidFill>
+                <a:latin typeface="+mn-ea"/>
               </a:rPr>
               <a:t>특정 시간마다 포탄을 발사한다</a:t>
             </a:r>
             <a:r>
               <a:rPr lang="en-US" altLang="ko-KR" sz="1200" dirty="0">
                 <a:solidFill>
-                  <a:srgbClr val="37366B"/>
-                </a:solidFill>
-                <a:latin typeface="HY헤드라인M" panose="02030600000101010101" pitchFamily="18" charset="-127"/>
-                <a:ea typeface="HY헤드라인M" panose="02030600000101010101" pitchFamily="18" charset="-127"/>
+                  <a:schemeClr val="tx1"/>
+                </a:solidFill>
+                <a:latin typeface="+mn-ea"/>
               </a:rPr>
               <a:t>.</a:t>
             </a:r>
@@ -18564,7 +15397,7 @@
           <a:p>
             <a:fld id="{7F558C70-DFE4-4F36-8E10-57B91AAF175C}" type="datetime1">
               <a:rPr lang="ko-KR" altLang="en-US" smtClean="0"/>
-              <a:t>2018-09-26</a:t>
+              <a:t>2018-09-27</a:t>
             </a:fld>
             <a:endParaRPr lang="ko-KR" altLang="en-US"/>
           </a:p>
@@ -18624,7 +15457,7 @@
               <a:rPr lang="ko-KR" altLang="en-US" smtClean="0"/>
               <a:t>5</a:t>
             </a:fld>
-            <a:endParaRPr lang="ko-KR" altLang="en-US"/>
+            <a:endParaRPr lang="ko-KR" altLang="en-US" dirty="0"/>
           </a:p>
         </p:txBody>
       </p:sp>
@@ -18700,6 +15533,11 @@
           <a:prstGeom prst="rect">
             <a:avLst/>
           </a:prstGeom>
+          <a:solidFill>
+            <a:schemeClr val="bg1">
+              <a:lumMod val="95000"/>
+            </a:schemeClr>
+          </a:solidFill>
         </p:spPr>
       </p:pic>
       <p:pic>
@@ -18730,6 +15568,11 @@
           <a:prstGeom prst="rect">
             <a:avLst/>
           </a:prstGeom>
+          <a:solidFill>
+            <a:schemeClr val="bg1">
+              <a:lumMod val="95000"/>
+            </a:schemeClr>
+          </a:solidFill>
         </p:spPr>
       </p:pic>
       <p:sp>
@@ -18746,16 +15589,15 @@
         </p:nvSpPr>
         <p:spPr>
           <a:xfrm>
-            <a:off x="1156461" y="3646824"/>
-            <a:ext cx="1627464" cy="639950"/>
+            <a:off x="838200" y="3764270"/>
+            <a:ext cx="2263986" cy="858064"/>
           </a:xfrm>
           <a:prstGeom prst="rect">
             <a:avLst/>
           </a:prstGeom>
           <a:solidFill>
-            <a:schemeClr val="accent4">
-              <a:lumMod val="20000"/>
-              <a:lumOff val="80000"/>
+            <a:schemeClr val="bg1">
+              <a:lumMod val="95000"/>
             </a:schemeClr>
           </a:solidFill>
           <a:ln>
@@ -18784,81 +15626,73 @@
           <a:p>
             <a:pPr algn="ctr"/>
             <a:r>
-              <a:rPr lang="en-US" altLang="ko-KR" sz="900" dirty="0">
+              <a:rPr lang="en-US" altLang="ko-KR" sz="1200" dirty="0">
                 <a:solidFill>
                   <a:srgbClr val="37366B"/>
                 </a:solidFill>
-                <a:latin typeface="HY헤드라인M" panose="02030600000101010101" pitchFamily="18" charset="-127"/>
-                <a:ea typeface="HY헤드라인M" panose="02030600000101010101" pitchFamily="18" charset="-127"/>
+                <a:latin typeface="+mn-ea"/>
               </a:rPr>
               <a:t>START </a:t>
             </a:r>
             <a:r>
-              <a:rPr lang="ko-KR" altLang="en-US" sz="900" dirty="0">
+              <a:rPr lang="ko-KR" altLang="en-US" sz="1200" dirty="0">
                 <a:solidFill>
                   <a:srgbClr val="37366B"/>
                 </a:solidFill>
-                <a:latin typeface="HY헤드라인M" panose="02030600000101010101" pitchFamily="18" charset="-127"/>
-                <a:ea typeface="HY헤드라인M" panose="02030600000101010101" pitchFamily="18" charset="-127"/>
+                <a:latin typeface="+mn-ea"/>
               </a:rPr>
               <a:t>버튼 클릭 시 </a:t>
             </a:r>
-            <a:endParaRPr lang="en-US" altLang="ko-KR" sz="900" dirty="0">
+            <a:endParaRPr lang="en-US" altLang="ko-KR" sz="1200" dirty="0">
               <a:solidFill>
                 <a:srgbClr val="37366B"/>
               </a:solidFill>
-              <a:latin typeface="HY헤드라인M" panose="02030600000101010101" pitchFamily="18" charset="-127"/>
-              <a:ea typeface="HY헤드라인M" panose="02030600000101010101" pitchFamily="18" charset="-127"/>
+              <a:latin typeface="+mn-ea"/>
             </a:endParaRPr>
           </a:p>
           <a:p>
             <a:pPr algn="ctr"/>
             <a:r>
-              <a:rPr lang="ko-KR" altLang="en-US" sz="900" dirty="0">
+              <a:rPr lang="ko-KR" altLang="en-US" sz="1100" dirty="0">
                 <a:solidFill>
                   <a:srgbClr val="37366B"/>
                 </a:solidFill>
-                <a:latin typeface="HY헤드라인M" panose="02030600000101010101" pitchFamily="18" charset="-127"/>
-                <a:ea typeface="HY헤드라인M" panose="02030600000101010101" pitchFamily="18" charset="-127"/>
+                <a:latin typeface="+mn-ea"/>
               </a:rPr>
               <a:t>게임 화면 초기화</a:t>
             </a:r>
-            <a:endParaRPr lang="en-US" altLang="ko-KR" sz="900" dirty="0">
+            <a:endParaRPr lang="en-US" altLang="ko-KR" sz="1100" dirty="0">
               <a:solidFill>
                 <a:srgbClr val="37366B"/>
               </a:solidFill>
-              <a:latin typeface="HY헤드라인M" panose="02030600000101010101" pitchFamily="18" charset="-127"/>
-              <a:ea typeface="HY헤드라인M" panose="02030600000101010101" pitchFamily="18" charset="-127"/>
+              <a:latin typeface="+mn-ea"/>
             </a:endParaRPr>
           </a:p>
           <a:p>
             <a:pPr algn="ctr"/>
             <a:r>
-              <a:rPr lang="ko-KR" altLang="en-US" sz="900" dirty="0">
+              <a:rPr lang="ko-KR" altLang="en-US" sz="1100" dirty="0">
                 <a:solidFill>
                   <a:srgbClr val="37366B"/>
                 </a:solidFill>
-                <a:latin typeface="HY헤드라인M" panose="02030600000101010101" pitchFamily="18" charset="-127"/>
-                <a:ea typeface="HY헤드라인M" panose="02030600000101010101" pitchFamily="18" charset="-127"/>
+                <a:latin typeface="+mn-ea"/>
               </a:rPr>
               <a:t>초기 세팅으로 돌려준다</a:t>
             </a:r>
             <a:r>
-              <a:rPr lang="en-US" altLang="ko-KR" sz="900" dirty="0">
+              <a:rPr lang="en-US" altLang="ko-KR" sz="1100" dirty="0">
                 <a:solidFill>
                   <a:srgbClr val="37366B"/>
                 </a:solidFill>
-                <a:latin typeface="HY헤드라인M" panose="02030600000101010101" pitchFamily="18" charset="-127"/>
-                <a:ea typeface="HY헤드라인M" panose="02030600000101010101" pitchFamily="18" charset="-127"/>
+                <a:latin typeface="+mn-ea"/>
               </a:rPr>
               <a:t>.</a:t>
             </a:r>
-            <a:endParaRPr lang="ko-KR" altLang="en-US" sz="900" dirty="0">
+            <a:endParaRPr lang="ko-KR" altLang="en-US" sz="1100" dirty="0">
               <a:solidFill>
                 <a:srgbClr val="37366B"/>
               </a:solidFill>
-              <a:latin typeface="HY헤드라인M" panose="02030600000101010101" pitchFamily="18" charset="-127"/>
-              <a:ea typeface="HY헤드라인M" panose="02030600000101010101" pitchFamily="18" charset="-127"/>
+              <a:latin typeface="+mn-ea"/>
             </a:endParaRPr>
           </a:p>
         </p:txBody>
@@ -18947,7 +15781,9 @@
           <a:lstStyle/>
           <a:p>
             <a:pPr algn="ctr"/>
-            <a:endParaRPr lang="ko-KR" altLang="en-US"/>
+            <a:endParaRPr lang="ko-KR" altLang="en-US" sz="2000">
+              <a:latin typeface="+mn-ea"/>
+            </a:endParaRPr>
           </a:p>
         </p:txBody>
       </p:sp>
@@ -18999,7 +15835,9 @@
           <a:lstStyle/>
           <a:p>
             <a:pPr algn="ctr"/>
-            <a:endParaRPr lang="ko-KR" altLang="en-US"/>
+            <a:endParaRPr lang="ko-KR" altLang="en-US" sz="2800">
+              <a:latin typeface="+mn-ea"/>
+            </a:endParaRPr>
           </a:p>
         </p:txBody>
       </p:sp>
@@ -19017,16 +15855,15 @@
         </p:nvSpPr>
         <p:spPr>
           <a:xfrm>
-            <a:off x="3829120" y="3170037"/>
-            <a:ext cx="1627464" cy="341025"/>
+            <a:off x="3773447" y="3170037"/>
+            <a:ext cx="1964227" cy="490087"/>
           </a:xfrm>
           <a:prstGeom prst="rect">
             <a:avLst/>
           </a:prstGeom>
           <a:solidFill>
-            <a:schemeClr val="accent4">
-              <a:lumMod val="20000"/>
-              <a:lumOff val="80000"/>
+            <a:schemeClr val="bg1">
+              <a:lumMod val="95000"/>
             </a:schemeClr>
           </a:solidFill>
           <a:ln>
@@ -19055,35 +15892,38 @@
           <a:p>
             <a:pPr algn="ctr"/>
             <a:r>
-              <a:rPr lang="ko-KR" altLang="en-US" sz="900" dirty="0">
+              <a:rPr lang="ko-KR" altLang="en-US" sz="1100" dirty="0">
                 <a:solidFill>
                   <a:srgbClr val="37366B"/>
                 </a:solidFill>
-                <a:latin typeface="HY헤드라인M" panose="02030600000101010101" pitchFamily="18" charset="-127"/>
-                <a:ea typeface="HY헤드라인M" panose="02030600000101010101" pitchFamily="18" charset="-127"/>
+                <a:latin typeface="+mn-ea"/>
               </a:rPr>
               <a:t>특정 시간대 마다 </a:t>
             </a:r>
-            <a:endParaRPr lang="en-US" altLang="ko-KR" sz="900" dirty="0">
+            <a:endParaRPr lang="en-US" altLang="ko-KR" sz="1100" dirty="0">
               <a:solidFill>
                 <a:srgbClr val="37366B"/>
               </a:solidFill>
-              <a:latin typeface="HY헤드라인M" panose="02030600000101010101" pitchFamily="18" charset="-127"/>
-              <a:ea typeface="HY헤드라인M" panose="02030600000101010101" pitchFamily="18" charset="-127"/>
+              <a:latin typeface="+mn-ea"/>
             </a:endParaRPr>
           </a:p>
           <a:p>
             <a:pPr algn="ctr"/>
             <a:r>
-              <a:rPr lang="ko-KR" altLang="en-US" sz="900" dirty="0">
-                <a:solidFill>
-                  <a:srgbClr val="37366B"/>
-                </a:solidFill>
-                <a:latin typeface="HY헤드라인M" panose="02030600000101010101" pitchFamily="18" charset="-127"/>
-                <a:ea typeface="HY헤드라인M" panose="02030600000101010101" pitchFamily="18" charset="-127"/>
+              <a:rPr lang="ko-KR" altLang="en-US" sz="1400" dirty="0">
+                <a:solidFill>
+                  <a:srgbClr val="C00000"/>
+                </a:solidFill>
+                <a:latin typeface="+mn-ea"/>
               </a:rPr>
               <a:t>몬스터가 포탄을 발사</a:t>
             </a:r>
+            <a:endParaRPr lang="ko-KR" altLang="en-US" sz="1100" dirty="0">
+              <a:solidFill>
+                <a:srgbClr val="C00000"/>
+              </a:solidFill>
+              <a:latin typeface="+mn-ea"/>
+            </a:endParaRPr>
           </a:p>
         </p:txBody>
       </p:sp>
@@ -19101,16 +15941,15 @@
         </p:nvSpPr>
         <p:spPr>
           <a:xfrm>
-            <a:off x="3787576" y="5490753"/>
-            <a:ext cx="1627464" cy="341025"/>
+            <a:off x="3581399" y="5490753"/>
+            <a:ext cx="2156243" cy="529080"/>
           </a:xfrm>
           <a:prstGeom prst="rect">
             <a:avLst/>
           </a:prstGeom>
           <a:solidFill>
-            <a:schemeClr val="accent4">
-              <a:lumMod val="20000"/>
-              <a:lumOff val="80000"/>
+            <a:schemeClr val="bg1">
+              <a:lumMod val="95000"/>
             </a:schemeClr>
           </a:solidFill>
           <a:ln>
@@ -19139,32 +15978,29 @@
           <a:p>
             <a:pPr algn="ctr"/>
             <a:r>
-              <a:rPr lang="ko-KR" altLang="en-US" sz="900" dirty="0">
+              <a:rPr lang="ko-KR" altLang="en-US" sz="1400" dirty="0">
+                <a:solidFill>
+                  <a:srgbClr val="C00000"/>
+                </a:solidFill>
+                <a:latin typeface="+mn-ea"/>
+              </a:rPr>
+              <a:t>키보드 및 마우스로 </a:t>
+            </a:r>
+            <a:endParaRPr lang="en-US" altLang="ko-KR" sz="1400" dirty="0">
+              <a:solidFill>
+                <a:srgbClr val="C00000"/>
+              </a:solidFill>
+              <a:latin typeface="+mn-ea"/>
+            </a:endParaRPr>
+          </a:p>
+          <a:p>
+            <a:pPr algn="ctr"/>
+            <a:r>
+              <a:rPr lang="ko-KR" altLang="en-US" sz="1400" dirty="0">
                 <a:solidFill>
                   <a:srgbClr val="37366B"/>
                 </a:solidFill>
-                <a:latin typeface="HY헤드라인M" panose="02030600000101010101" pitchFamily="18" charset="-127"/>
-                <a:ea typeface="HY헤드라인M" panose="02030600000101010101" pitchFamily="18" charset="-127"/>
-              </a:rPr>
-              <a:t>키보드 및 마우스로 </a:t>
-            </a:r>
-            <a:endParaRPr lang="en-US" altLang="ko-KR" sz="900" dirty="0">
-              <a:solidFill>
-                <a:srgbClr val="37366B"/>
-              </a:solidFill>
-              <a:latin typeface="HY헤드라인M" panose="02030600000101010101" pitchFamily="18" charset="-127"/>
-              <a:ea typeface="HY헤드라인M" panose="02030600000101010101" pitchFamily="18" charset="-127"/>
-            </a:endParaRPr>
-          </a:p>
-          <a:p>
-            <a:pPr algn="ctr"/>
-            <a:r>
-              <a:rPr lang="ko-KR" altLang="en-US" sz="900" dirty="0">
-                <a:solidFill>
-                  <a:srgbClr val="37366B"/>
-                </a:solidFill>
-                <a:latin typeface="HY헤드라인M" panose="02030600000101010101" pitchFamily="18" charset="-127"/>
-                <a:ea typeface="HY헤드라인M" panose="02030600000101010101" pitchFamily="18" charset="-127"/>
+                <a:latin typeface="+mn-ea"/>
               </a:rPr>
               <a:t>포탄을 회피</a:t>
             </a:r>
@@ -19247,9 +16083,8 @@
             <a:avLst/>
           </a:prstGeom>
           <a:solidFill>
-            <a:schemeClr val="accent4">
-              <a:lumMod val="20000"/>
-              <a:lumOff val="80000"/>
+            <a:schemeClr val="bg1">
+              <a:lumMod val="95000"/>
             </a:schemeClr>
           </a:solidFill>
           <a:ln>
@@ -19282,8 +16117,7 @@
                 <a:solidFill>
                   <a:srgbClr val="37366B"/>
                 </a:solidFill>
-                <a:latin typeface="HY헤드라인M" panose="02030600000101010101" pitchFamily="18" charset="-127"/>
-                <a:ea typeface="HY헤드라인M" panose="02030600000101010101" pitchFamily="18" charset="-127"/>
+                <a:latin typeface="+mn-ea"/>
               </a:rPr>
               <a:t>만약 포탄에 맞으면 </a:t>
             </a:r>
@@ -19291,32 +16125,29 @@
               <a:solidFill>
                 <a:srgbClr val="37366B"/>
               </a:solidFill>
-              <a:latin typeface="HY헤드라인M" panose="02030600000101010101" pitchFamily="18" charset="-127"/>
-              <a:ea typeface="HY헤드라인M" panose="02030600000101010101" pitchFamily="18" charset="-127"/>
+              <a:latin typeface="+mn-ea"/>
             </a:endParaRPr>
           </a:p>
           <a:p>
             <a:pPr algn="ctr"/>
             <a:r>
-              <a:rPr lang="en-US" altLang="ko-KR" sz="1100" dirty="0">
+              <a:rPr lang="en-US" altLang="ko-KR" sz="1400" dirty="0">
+                <a:solidFill>
+                  <a:srgbClr val="FF0000"/>
+                </a:solidFill>
+                <a:latin typeface="+mn-ea"/>
+              </a:rPr>
+              <a:t>LIFE -1</a:t>
+            </a:r>
+          </a:p>
+          <a:p>
+            <a:pPr algn="ctr"/>
+            <a:r>
+              <a:rPr lang="ko-KR" altLang="en-US" sz="1100" dirty="0">
                 <a:solidFill>
                   <a:srgbClr val="37366B"/>
                 </a:solidFill>
-                <a:latin typeface="HY헤드라인M" panose="02030600000101010101" pitchFamily="18" charset="-127"/>
-                <a:ea typeface="HY헤드라인M" panose="02030600000101010101" pitchFamily="18" charset="-127"/>
-              </a:rPr>
-              <a:t>LIFE -1</a:t>
-            </a:r>
-          </a:p>
-          <a:p>
-            <a:pPr algn="ctr"/>
-            <a:r>
-              <a:rPr lang="ko-KR" altLang="en-US" sz="1100" dirty="0">
-                <a:solidFill>
-                  <a:srgbClr val="37366B"/>
-                </a:solidFill>
-                <a:latin typeface="HY헤드라인M" panose="02030600000101010101" pitchFamily="18" charset="-127"/>
-                <a:ea typeface="HY헤드라인M" panose="02030600000101010101" pitchFamily="18" charset="-127"/>
+                <a:latin typeface="+mn-ea"/>
               </a:rPr>
               <a:t>필살기 단계 초기화</a:t>
             </a:r>
@@ -19351,6 +16182,11 @@
           <a:prstGeom prst="rect">
             <a:avLst/>
           </a:prstGeom>
+          <a:solidFill>
+            <a:schemeClr val="bg1">
+              <a:lumMod val="95000"/>
+            </a:schemeClr>
+          </a:solidFill>
         </p:spPr>
       </p:pic>
       <p:pic>
@@ -19381,6 +16217,11 @@
           <a:prstGeom prst="rect">
             <a:avLst/>
           </a:prstGeom>
+          <a:solidFill>
+            <a:schemeClr val="bg1">
+              <a:lumMod val="95000"/>
+            </a:schemeClr>
+          </a:solidFill>
         </p:spPr>
       </p:pic>
       <p:sp>
@@ -19431,7 +16272,9 @@
           <a:lstStyle/>
           <a:p>
             <a:pPr algn="ctr"/>
-            <a:endParaRPr lang="ko-KR" altLang="en-US"/>
+            <a:endParaRPr lang="ko-KR" altLang="en-US">
+              <a:latin typeface="+mn-ea"/>
+            </a:endParaRPr>
           </a:p>
         </p:txBody>
       </p:sp>
@@ -19463,6 +16306,11 @@
           <a:prstGeom prst="rect">
             <a:avLst/>
           </a:prstGeom>
+          <a:solidFill>
+            <a:schemeClr val="bg1">
+              <a:lumMod val="95000"/>
+            </a:schemeClr>
+          </a:solidFill>
         </p:spPr>
       </p:pic>
       <p:pic>
@@ -19492,6 +16340,11 @@
           <a:prstGeom prst="rect">
             <a:avLst/>
           </a:prstGeom>
+          <a:solidFill>
+            <a:schemeClr val="bg1">
+              <a:lumMod val="95000"/>
+            </a:schemeClr>
+          </a:solidFill>
         </p:spPr>
       </p:pic>
       <p:sp>
@@ -19542,7 +16395,9 @@
           <a:lstStyle/>
           <a:p>
             <a:pPr algn="ctr"/>
-            <a:endParaRPr lang="ko-KR" altLang="en-US"/>
+            <a:endParaRPr lang="ko-KR" altLang="en-US">
+              <a:latin typeface="+mn-ea"/>
+            </a:endParaRPr>
           </a:p>
         </p:txBody>
       </p:sp>
@@ -19605,9 +16460,8 @@
             <a:avLst/>
           </a:prstGeom>
           <a:solidFill>
-            <a:schemeClr val="accent4">
-              <a:lumMod val="20000"/>
-              <a:lumOff val="80000"/>
+            <a:schemeClr val="bg1">
+              <a:lumMod val="95000"/>
             </a:schemeClr>
           </a:solidFill>
           <a:ln>
@@ -19640,17 +16494,27 @@
                 <a:solidFill>
                   <a:srgbClr val="37366B"/>
                 </a:solidFill>
-                <a:latin typeface="HY헤드라인M" panose="02030600000101010101" pitchFamily="18" charset="-127"/>
-                <a:ea typeface="HY헤드라인M" panose="02030600000101010101" pitchFamily="18" charset="-127"/>
-              </a:rPr>
-              <a:t>LIFE == 0 -&gt; Game Over</a:t>
+                <a:latin typeface="+mn-ea"/>
+              </a:rPr>
+              <a:t>LIFE == 0 -&gt; </a:t>
+            </a:r>
+          </a:p>
+          <a:p>
+            <a:pPr algn="ctr"/>
+            <a:r>
+              <a:rPr lang="en-US" altLang="ko-KR" sz="1600" dirty="0">
+                <a:solidFill>
+                  <a:srgbClr val="37366B"/>
+                </a:solidFill>
+                <a:latin typeface="+mn-ea"/>
+              </a:rPr>
+              <a:t>Game Over</a:t>
             </a:r>
             <a:endParaRPr lang="ko-KR" altLang="en-US" sz="1600" dirty="0">
               <a:solidFill>
                 <a:srgbClr val="37366B"/>
               </a:solidFill>
-              <a:latin typeface="HY헤드라인M" panose="02030600000101010101" pitchFamily="18" charset="-127"/>
-              <a:ea typeface="HY헤드라인M" panose="02030600000101010101" pitchFamily="18" charset="-127"/>
+              <a:latin typeface="+mn-ea"/>
             </a:endParaRPr>
           </a:p>
         </p:txBody>
@@ -19806,7 +16670,7 @@
           <a:p>
             <a:fld id="{8BCEBFAD-6546-4A90-86E0-54E92B4099CF}" type="datetime1">
               <a:rPr lang="ko-KR" altLang="en-US" smtClean="0"/>
-              <a:t>2018-09-26</a:t>
+              <a:t>2018-09-27</a:t>
             </a:fld>
             <a:endParaRPr lang="ko-KR" altLang="en-US"/>
           </a:p>
@@ -20204,7 +17068,9 @@
           <a:lstStyle/>
           <a:p>
             <a:pPr algn="ctr"/>
-            <a:endParaRPr lang="ko-KR" altLang="en-US"/>
+            <a:endParaRPr lang="ko-KR" altLang="en-US">
+              <a:latin typeface="+mn-ea"/>
+            </a:endParaRPr>
           </a:p>
         </p:txBody>
       </p:sp>
@@ -20229,9 +17095,8 @@
             <a:avLst/>
           </a:prstGeom>
           <a:solidFill>
-            <a:schemeClr val="accent4">
-              <a:lumMod val="20000"/>
-              <a:lumOff val="80000"/>
+            <a:schemeClr val="bg1">
+              <a:lumMod val="95000"/>
             </a:schemeClr>
           </a:solidFill>
           <a:ln>
@@ -20260,72 +17125,83 @@
           <a:p>
             <a:pPr algn="ctr"/>
             <a:r>
-              <a:rPr lang="ko-KR" altLang="en-US" sz="1050" dirty="0">
-                <a:solidFill>
-                  <a:srgbClr val="37366B"/>
-                </a:solidFill>
-                <a:latin typeface="HY헤드라인M" panose="02030600000101010101" pitchFamily="18" charset="-127"/>
-                <a:ea typeface="HY헤드라인M" panose="02030600000101010101" pitchFamily="18" charset="-127"/>
-              </a:rPr>
-              <a:t>몬스터는 기본 공격을</a:t>
-            </a:r>
-            <a:endParaRPr lang="en-US" altLang="ko-KR" sz="1050" dirty="0">
+              <a:rPr lang="ko-KR" altLang="en-US" sz="1200" dirty="0">
+                <a:solidFill>
+                  <a:sysClr val="windowText" lastClr="000000"/>
+                </a:solidFill>
+                <a:latin typeface="+mn-ea"/>
+              </a:rPr>
+              <a:t>몬스터는 </a:t>
+            </a:r>
+            <a:r>
+              <a:rPr lang="ko-KR" altLang="en-US" sz="1200" dirty="0">
+                <a:solidFill>
+                  <a:srgbClr val="FF0000"/>
+                </a:solidFill>
+                <a:latin typeface="+mn-ea"/>
+              </a:rPr>
+              <a:t>기본 공격을</a:t>
+            </a:r>
+            <a:endParaRPr lang="en-US" altLang="ko-KR" sz="1200" dirty="0">
               <a:solidFill>
-                <a:srgbClr val="37366B"/>
+                <a:srgbClr val="FF0000"/>
               </a:solidFill>
-              <a:latin typeface="HY헤드라인M" panose="02030600000101010101" pitchFamily="18" charset="-127"/>
-              <a:ea typeface="HY헤드라인M" panose="02030600000101010101" pitchFamily="18" charset="-127"/>
+              <a:latin typeface="+mn-ea"/>
             </a:endParaRPr>
           </a:p>
           <a:p>
             <a:pPr algn="ctr"/>
             <a:r>
-              <a:rPr lang="ko-KR" altLang="en-US" sz="1050" dirty="0">
-                <a:solidFill>
-                  <a:srgbClr val="37366B"/>
-                </a:solidFill>
-                <a:latin typeface="HY헤드라인M" panose="02030600000101010101" pitchFamily="18" charset="-127"/>
-                <a:ea typeface="HY헤드라인M" panose="02030600000101010101" pitchFamily="18" charset="-127"/>
+              <a:rPr lang="ko-KR" altLang="en-US" sz="1200" dirty="0">
+                <a:solidFill>
+                  <a:srgbClr val="FF0000"/>
+                </a:solidFill>
+                <a:latin typeface="+mn-ea"/>
               </a:rPr>
               <a:t> </a:t>
             </a:r>
             <a:r>
-              <a:rPr lang="en-US" altLang="ko-KR" sz="1050" dirty="0">
-                <a:solidFill>
-                  <a:srgbClr val="37366B"/>
-                </a:solidFill>
-                <a:latin typeface="HY헤드라인M" panose="02030600000101010101" pitchFamily="18" charset="-127"/>
-                <a:ea typeface="HY헤드라인M" panose="02030600000101010101" pitchFamily="18" charset="-127"/>
+              <a:rPr lang="en-US" altLang="ko-KR" sz="1200" dirty="0">
+                <a:solidFill>
+                  <a:srgbClr val="FF0000"/>
+                </a:solidFill>
+                <a:latin typeface="+mn-ea"/>
               </a:rPr>
               <a:t>3</a:t>
             </a:r>
             <a:r>
-              <a:rPr lang="ko-KR" altLang="en-US" sz="1050" dirty="0">
-                <a:solidFill>
-                  <a:srgbClr val="37366B"/>
-                </a:solidFill>
-                <a:latin typeface="HY헤드라인M" panose="02030600000101010101" pitchFamily="18" charset="-127"/>
-                <a:ea typeface="HY헤드라인M" panose="02030600000101010101" pitchFamily="18" charset="-127"/>
-              </a:rPr>
-              <a:t>번 가하면 사라진다</a:t>
-            </a:r>
-            <a:r>
-              <a:rPr lang="en-US" altLang="ko-KR" sz="1050" dirty="0">
-                <a:solidFill>
-                  <a:srgbClr val="37366B"/>
-                </a:solidFill>
-                <a:latin typeface="HY헤드라인M" panose="02030600000101010101" pitchFamily="18" charset="-127"/>
-                <a:ea typeface="HY헤드라인M" panose="02030600000101010101" pitchFamily="18" charset="-127"/>
+              <a:rPr lang="ko-KR" altLang="en-US" sz="1200" dirty="0">
+                <a:solidFill>
+                  <a:srgbClr val="FF0000"/>
+                </a:solidFill>
+                <a:latin typeface="+mn-ea"/>
+              </a:rPr>
+              <a:t>번 </a:t>
+            </a:r>
+            <a:r>
+              <a:rPr lang="ko-KR" altLang="en-US" sz="1200" dirty="0">
+                <a:solidFill>
+                  <a:sysClr val="windowText" lastClr="000000"/>
+                </a:solidFill>
+                <a:latin typeface="+mn-ea"/>
+              </a:rPr>
+              <a:t>가하면 사라진다</a:t>
+            </a:r>
+            <a:r>
+              <a:rPr lang="en-US" altLang="ko-KR" sz="1200" dirty="0">
+                <a:solidFill>
+                  <a:sysClr val="windowText" lastClr="000000"/>
+                </a:solidFill>
+                <a:latin typeface="+mn-ea"/>
               </a:rPr>
               <a:t>.</a:t>
             </a:r>
             <a:r>
-              <a:rPr lang="ko-KR" altLang="en-US" sz="1050" dirty="0">
-                <a:solidFill>
-                  <a:srgbClr val="37366B"/>
-                </a:solidFill>
-                <a:latin typeface="HY헤드라인M" panose="02030600000101010101" pitchFamily="18" charset="-127"/>
-                <a:ea typeface="HY헤드라인M" panose="02030600000101010101" pitchFamily="18" charset="-127"/>
+              <a:rPr lang="ko-KR" altLang="en-US" sz="1200" dirty="0">
+                <a:solidFill>
+                  <a:sysClr val="windowText" lastClr="000000"/>
+                </a:solidFill>
+                <a:latin typeface="+mn-ea"/>
               </a:rPr>
               <a:t> </a:t>
             </a:r>
@@ -20564,7 +17440,7 @@
         <p:spPr>
           <a:xfrm>
             <a:off x="4861285" y="2659865"/>
-            <a:ext cx="510076" cy="369332"/>
+            <a:ext cx="567784" cy="369332"/>
           </a:xfrm>
           <a:prstGeom prst="rect">
             <a:avLst/>
@@ -20579,23 +17455,29 @@
           <a:p>
             <a:r>
               <a:rPr lang="en-US" altLang="ko-KR" dirty="0">
-                <a:latin typeface="THE외계인설명서" panose="02020503020101020101" pitchFamily="18" charset="-127"/>
-                <a:ea typeface="THE외계인설명서" panose="02020503020101020101" pitchFamily="18" charset="-127"/>
+                <a:solidFill>
+                  <a:sysClr val="windowText" lastClr="000000"/>
+                </a:solidFill>
+                <a:latin typeface="+mn-ea"/>
                 <a:cs typeface="THE외계인설명서" panose="02020503020101020101" pitchFamily="18" charset="-127"/>
               </a:rPr>
               <a:t>1</a:t>
             </a:r>
             <a:r>
               <a:rPr lang="ko-KR" altLang="en-US" sz="1000" dirty="0">
-                <a:latin typeface="THE외계인설명서" panose="02020503020101020101" pitchFamily="18" charset="-127"/>
-                <a:ea typeface="THE외계인설명서" panose="02020503020101020101" pitchFamily="18" charset="-127"/>
+                <a:solidFill>
+                  <a:sysClr val="windowText" lastClr="000000"/>
+                </a:solidFill>
+                <a:latin typeface="+mn-ea"/>
                 <a:cs typeface="THE외계인설명서" panose="02020503020101020101" pitchFamily="18" charset="-127"/>
               </a:rPr>
               <a:t>단계</a:t>
             </a:r>
             <a:endParaRPr lang="ko-KR" altLang="en-US" dirty="0">
-              <a:latin typeface="THE외계인설명서" panose="02020503020101020101" pitchFamily="18" charset="-127"/>
-              <a:ea typeface="THE외계인설명서" panose="02020503020101020101" pitchFamily="18" charset="-127"/>
+              <a:solidFill>
+                <a:sysClr val="windowText" lastClr="000000"/>
+              </a:solidFill>
+              <a:latin typeface="+mn-ea"/>
               <a:cs typeface="THE외계인설명서" panose="02020503020101020101" pitchFamily="18" charset="-127"/>
             </a:endParaRPr>
           </a:p>
@@ -20616,7 +17498,7 @@
         <p:spPr>
           <a:xfrm>
             <a:off x="4861285" y="3232076"/>
-            <a:ext cx="545342" cy="369332"/>
+            <a:ext cx="567784" cy="369332"/>
           </a:xfrm>
           <a:prstGeom prst="rect">
             <a:avLst/>
@@ -20631,23 +17513,29 @@
           <a:p>
             <a:r>
               <a:rPr lang="en-US" altLang="ko-KR" dirty="0">
-                <a:latin typeface="THE외계인설명서" panose="02020503020101020101" pitchFamily="18" charset="-127"/>
-                <a:ea typeface="THE외계인설명서" panose="02020503020101020101" pitchFamily="18" charset="-127"/>
+                <a:solidFill>
+                  <a:sysClr val="windowText" lastClr="000000"/>
+                </a:solidFill>
+                <a:latin typeface="+mn-ea"/>
                 <a:cs typeface="THE외계인설명서" panose="02020503020101020101" pitchFamily="18" charset="-127"/>
               </a:rPr>
               <a:t>2</a:t>
             </a:r>
             <a:r>
               <a:rPr lang="ko-KR" altLang="en-US" sz="1000" dirty="0">
-                <a:latin typeface="THE외계인설명서" panose="02020503020101020101" pitchFamily="18" charset="-127"/>
-                <a:ea typeface="THE외계인설명서" panose="02020503020101020101" pitchFamily="18" charset="-127"/>
+                <a:solidFill>
+                  <a:sysClr val="windowText" lastClr="000000"/>
+                </a:solidFill>
+                <a:latin typeface="+mn-ea"/>
                 <a:cs typeface="THE외계인설명서" panose="02020503020101020101" pitchFamily="18" charset="-127"/>
               </a:rPr>
               <a:t>단계</a:t>
             </a:r>
             <a:endParaRPr lang="ko-KR" altLang="en-US" dirty="0">
-              <a:latin typeface="THE외계인설명서" panose="02020503020101020101" pitchFamily="18" charset="-127"/>
-              <a:ea typeface="THE외계인설명서" panose="02020503020101020101" pitchFamily="18" charset="-127"/>
+              <a:solidFill>
+                <a:sysClr val="windowText" lastClr="000000"/>
+              </a:solidFill>
+              <a:latin typeface="+mn-ea"/>
               <a:cs typeface="THE외계인설명서" panose="02020503020101020101" pitchFamily="18" charset="-127"/>
             </a:endParaRPr>
           </a:p>
@@ -20683,23 +17571,29 @@
           <a:p>
             <a:r>
               <a:rPr lang="en-US" altLang="ko-KR" dirty="0">
-                <a:latin typeface="THE외계인설명서" panose="02020503020101020101" pitchFamily="18" charset="-127"/>
-                <a:ea typeface="THE외계인설명서" panose="02020503020101020101" pitchFamily="18" charset="-127"/>
+                <a:solidFill>
+                  <a:sysClr val="windowText" lastClr="000000"/>
+                </a:solidFill>
+                <a:latin typeface="+mn-ea"/>
                 <a:cs typeface="THE외계인설명서" panose="02020503020101020101" pitchFamily="18" charset="-127"/>
               </a:rPr>
               <a:t>3</a:t>
             </a:r>
             <a:r>
               <a:rPr lang="ko-KR" altLang="en-US" sz="1050" dirty="0">
-                <a:latin typeface="THE외계인설명서" panose="02020503020101020101" pitchFamily="18" charset="-127"/>
-                <a:ea typeface="THE외계인설명서" panose="02020503020101020101" pitchFamily="18" charset="-127"/>
+                <a:solidFill>
+                  <a:sysClr val="windowText" lastClr="000000"/>
+                </a:solidFill>
+                <a:latin typeface="+mn-ea"/>
                 <a:cs typeface="THE외계인설명서" panose="02020503020101020101" pitchFamily="18" charset="-127"/>
               </a:rPr>
               <a:t>단계</a:t>
             </a:r>
             <a:endParaRPr lang="ko-KR" altLang="en-US" dirty="0">
-              <a:latin typeface="THE외계인설명서" panose="02020503020101020101" pitchFamily="18" charset="-127"/>
-              <a:ea typeface="THE외계인설명서" panose="02020503020101020101" pitchFamily="18" charset="-127"/>
+              <a:solidFill>
+                <a:sysClr val="windowText" lastClr="000000"/>
+              </a:solidFill>
+              <a:latin typeface="+mn-ea"/>
               <a:cs typeface="THE외계인설명서" panose="02020503020101020101" pitchFamily="18" charset="-127"/>
             </a:endParaRPr>
           </a:p>
@@ -20726,9 +17620,8 @@
             <a:avLst/>
           </a:prstGeom>
           <a:solidFill>
-            <a:schemeClr val="accent4">
-              <a:lumMod val="20000"/>
-              <a:lumOff val="80000"/>
+            <a:schemeClr val="bg1">
+              <a:lumMod val="95000"/>
             </a:schemeClr>
           </a:solidFill>
           <a:ln>
@@ -20759,29 +17652,44 @@
             <a:r>
               <a:rPr lang="ko-KR" altLang="en-US" sz="1050" dirty="0">
                 <a:solidFill>
-                  <a:srgbClr val="37366B"/>
-                </a:solidFill>
-                <a:latin typeface="HY헤드라인M" panose="02030600000101010101" pitchFamily="18" charset="-127"/>
-                <a:ea typeface="HY헤드라인M" panose="02030600000101010101" pitchFamily="18" charset="-127"/>
-              </a:rPr>
-              <a:t>몬스터를 해치우면 랜덤 확률로 필살기 아이템이 나온다</a:t>
+                  <a:sysClr val="windowText" lastClr="000000"/>
+                </a:solidFill>
+                <a:latin typeface="+mn-ea"/>
+              </a:rPr>
+              <a:t>몬스터를 해치우면 랜덤 확률로 </a:t>
+            </a:r>
+            <a:r>
+              <a:rPr lang="ko-KR" altLang="en-US" sz="1050" dirty="0">
+                <a:solidFill>
+                  <a:srgbClr val="FF0000"/>
+                </a:solidFill>
+                <a:latin typeface="+mn-ea"/>
+              </a:rPr>
+              <a:t>필살기 아이템</a:t>
+            </a:r>
+            <a:r>
+              <a:rPr lang="ko-KR" altLang="en-US" sz="1050" dirty="0">
+                <a:solidFill>
+                  <a:sysClr val="windowText" lastClr="000000"/>
+                </a:solidFill>
+                <a:latin typeface="+mn-ea"/>
+              </a:rPr>
+              <a:t>이 나온다</a:t>
             </a:r>
             <a:r>
               <a:rPr lang="en-US" altLang="ko-KR" sz="1050" dirty="0">
                 <a:solidFill>
-                  <a:srgbClr val="37366B"/>
-                </a:solidFill>
-                <a:latin typeface="HY헤드라인M" panose="02030600000101010101" pitchFamily="18" charset="-127"/>
-                <a:ea typeface="HY헤드라인M" panose="02030600000101010101" pitchFamily="18" charset="-127"/>
+                  <a:sysClr val="windowText" lastClr="000000"/>
+                </a:solidFill>
+                <a:latin typeface="+mn-ea"/>
               </a:rPr>
               <a:t>.</a:t>
             </a:r>
             <a:endParaRPr lang="ko-KR" altLang="en-US" sz="1050" dirty="0">
               <a:solidFill>
-                <a:srgbClr val="37366B"/>
+                <a:sysClr val="windowText" lastClr="000000"/>
               </a:solidFill>
-              <a:latin typeface="HY헤드라인M" panose="02030600000101010101" pitchFamily="18" charset="-127"/>
-              <a:ea typeface="HY헤드라인M" panose="02030600000101010101" pitchFamily="18" charset="-127"/>
+              <a:latin typeface="+mn-ea"/>
             </a:endParaRPr>
           </a:p>
         </p:txBody>
@@ -20844,9 +17752,8 @@
             <a:avLst/>
           </a:prstGeom>
           <a:solidFill>
-            <a:schemeClr val="accent4">
-              <a:lumMod val="20000"/>
-              <a:lumOff val="80000"/>
+            <a:schemeClr val="bg1">
+              <a:lumMod val="95000"/>
             </a:schemeClr>
           </a:solidFill>
           <a:ln>
@@ -20875,82 +17782,74 @@
           <a:p>
             <a:pPr algn="ctr"/>
             <a:r>
-              <a:rPr lang="ko-KR" altLang="en-US" sz="1050" dirty="0">
-                <a:solidFill>
-                  <a:srgbClr val="37366B"/>
-                </a:solidFill>
-                <a:latin typeface="HY헤드라인M" panose="02030600000101010101" pitchFamily="18" charset="-127"/>
-                <a:ea typeface="HY헤드라인M" panose="02030600000101010101" pitchFamily="18" charset="-127"/>
+              <a:rPr lang="ko-KR" altLang="en-US" sz="1100" dirty="0">
+                <a:solidFill>
+                  <a:sysClr val="windowText" lastClr="000000"/>
+                </a:solidFill>
+                <a:latin typeface="+mn-ea"/>
               </a:rPr>
               <a:t>필살기를 사용하면 </a:t>
             </a:r>
-            <a:endParaRPr lang="en-US" altLang="ko-KR" sz="1050" dirty="0">
+            <a:endParaRPr lang="en-US" altLang="ko-KR" sz="1100" dirty="0">
               <a:solidFill>
-                <a:srgbClr val="37366B"/>
+                <a:sysClr val="windowText" lastClr="000000"/>
               </a:solidFill>
-              <a:latin typeface="HY헤드라인M" panose="02030600000101010101" pitchFamily="18" charset="-127"/>
-              <a:ea typeface="HY헤드라인M" panose="02030600000101010101" pitchFamily="18" charset="-127"/>
+              <a:latin typeface="+mn-ea"/>
             </a:endParaRPr>
           </a:p>
           <a:p>
             <a:pPr algn="ctr"/>
             <a:r>
-              <a:rPr lang="ko-KR" altLang="en-US" sz="1050" dirty="0">
-                <a:solidFill>
-                  <a:srgbClr val="37366B"/>
-                </a:solidFill>
-                <a:latin typeface="HY헤드라인M" panose="02030600000101010101" pitchFamily="18" charset="-127"/>
-                <a:ea typeface="HY헤드라인M" panose="02030600000101010101" pitchFamily="18" charset="-127"/>
+              <a:rPr lang="ko-KR" altLang="en-US" sz="1100" dirty="0">
+                <a:solidFill>
+                  <a:sysClr val="windowText" lastClr="000000"/>
+                </a:solidFill>
+                <a:latin typeface="+mn-ea"/>
               </a:rPr>
               <a:t>화면 상의 모든 몬스터에게 </a:t>
             </a:r>
-            <a:endParaRPr lang="en-US" altLang="ko-KR" sz="1050" dirty="0">
+            <a:endParaRPr lang="en-US" altLang="ko-KR" sz="1100" dirty="0">
               <a:solidFill>
-                <a:srgbClr val="37366B"/>
+                <a:sysClr val="windowText" lastClr="000000"/>
               </a:solidFill>
-              <a:latin typeface="HY헤드라인M" panose="02030600000101010101" pitchFamily="18" charset="-127"/>
-              <a:ea typeface="HY헤드라인M" panose="02030600000101010101" pitchFamily="18" charset="-127"/>
+              <a:latin typeface="+mn-ea"/>
             </a:endParaRPr>
           </a:p>
           <a:p>
             <a:pPr algn="ctr"/>
             <a:r>
-              <a:rPr lang="ko-KR" altLang="en-US" sz="1050" dirty="0">
-                <a:solidFill>
-                  <a:srgbClr val="C00000"/>
-                </a:solidFill>
-                <a:latin typeface="HY헤드라인M" panose="02030600000101010101" pitchFamily="18" charset="-127"/>
-                <a:ea typeface="HY헤드라인M" panose="02030600000101010101" pitchFamily="18" charset="-127"/>
+              <a:rPr lang="ko-KR" altLang="en-US" sz="1100" dirty="0">
+                <a:solidFill>
+                  <a:sysClr val="windowText" lastClr="000000"/>
+                </a:solidFill>
+                <a:latin typeface="+mn-ea"/>
               </a:rPr>
               <a:t>연속 </a:t>
             </a:r>
             <a:r>
-              <a:rPr lang="en-US" altLang="ko-KR" sz="1050" dirty="0">
-                <a:solidFill>
-                  <a:srgbClr val="C00000"/>
-                </a:solidFill>
-                <a:latin typeface="HY헤드라인M" panose="02030600000101010101" pitchFamily="18" charset="-127"/>
-                <a:ea typeface="HY헤드라인M" panose="02030600000101010101" pitchFamily="18" charset="-127"/>
+              <a:rPr lang="en-US" altLang="ko-KR" sz="1100" dirty="0">
+                <a:solidFill>
+                  <a:sysClr val="windowText" lastClr="000000"/>
+                </a:solidFill>
+                <a:latin typeface="+mn-ea"/>
               </a:rPr>
               <a:t>3</a:t>
             </a:r>
             <a:r>
-              <a:rPr lang="ko-KR" altLang="en-US" sz="1050" dirty="0">
-                <a:solidFill>
-                  <a:srgbClr val="37366B"/>
-                </a:solidFill>
-                <a:latin typeface="HY헤드라인M" panose="02030600000101010101" pitchFamily="18" charset="-127"/>
-                <a:ea typeface="HY헤드라인M" panose="02030600000101010101" pitchFamily="18" charset="-127"/>
+              <a:rPr lang="ko-KR" altLang="en-US" sz="1100" dirty="0">
+                <a:solidFill>
+                  <a:sysClr val="windowText" lastClr="000000"/>
+                </a:solidFill>
+                <a:latin typeface="+mn-ea"/>
               </a:rPr>
               <a:t>번의 공격을 가한다</a:t>
             </a:r>
             <a:r>
-              <a:rPr lang="en-US" altLang="ko-KR" sz="1050" dirty="0">
-                <a:solidFill>
-                  <a:srgbClr val="37366B"/>
-                </a:solidFill>
-                <a:latin typeface="HY헤드라인M" panose="02030600000101010101" pitchFamily="18" charset="-127"/>
-                <a:ea typeface="HY헤드라인M" panose="02030600000101010101" pitchFamily="18" charset="-127"/>
+              <a:rPr lang="en-US" altLang="ko-KR" sz="1100" dirty="0">
+                <a:solidFill>
+                  <a:sysClr val="windowText" lastClr="000000"/>
+                </a:solidFill>
+                <a:latin typeface="+mn-ea"/>
               </a:rPr>
               <a:t>.</a:t>
             </a:r>
@@ -21005,7 +17904,12 @@
           <a:lstStyle/>
           <a:p>
             <a:pPr algn="ctr"/>
-            <a:endParaRPr lang="ko-KR" altLang="en-US"/>
+            <a:endParaRPr lang="ko-KR" altLang="en-US">
+              <a:solidFill>
+                <a:sysClr val="windowText" lastClr="000000"/>
+              </a:solidFill>
+              <a:latin typeface="+mn-ea"/>
+            </a:endParaRPr>
           </a:p>
         </p:txBody>
       </p:sp>
@@ -21030,9 +17934,8 @@
             <a:avLst/>
           </a:prstGeom>
           <a:solidFill>
-            <a:schemeClr val="accent4">
-              <a:lumMod val="20000"/>
-              <a:lumOff val="80000"/>
+            <a:schemeClr val="bg1">
+              <a:lumMod val="95000"/>
             </a:schemeClr>
           </a:solidFill>
           <a:ln>
@@ -21061,72 +17964,65 @@
           <a:p>
             <a:pPr algn="ctr"/>
             <a:r>
-              <a:rPr lang="ko-KR" altLang="en-US" sz="1050" dirty="0">
-                <a:solidFill>
-                  <a:srgbClr val="37366B"/>
-                </a:solidFill>
-                <a:latin typeface="HY헤드라인M" panose="02030600000101010101" pitchFamily="18" charset="-127"/>
-                <a:ea typeface="HY헤드라인M" panose="02030600000101010101" pitchFamily="18" charset="-127"/>
+              <a:rPr lang="ko-KR" altLang="en-US" sz="1200" dirty="0">
+                <a:solidFill>
+                  <a:sysClr val="windowText" lastClr="000000"/>
+                </a:solidFill>
+                <a:latin typeface="+mn-ea"/>
               </a:rPr>
               <a:t>해당 </a:t>
             </a:r>
             <a:r>
-              <a:rPr lang="en-US" altLang="ko-KR" sz="1050" dirty="0">
-                <a:solidFill>
-                  <a:srgbClr val="37366B"/>
-                </a:solidFill>
-                <a:latin typeface="HY헤드라인M" panose="02030600000101010101" pitchFamily="18" charset="-127"/>
-                <a:ea typeface="HY헤드라인M" panose="02030600000101010101" pitchFamily="18" charset="-127"/>
+              <a:rPr lang="en-US" altLang="ko-KR" sz="1200" dirty="0">
+                <a:solidFill>
+                  <a:sysClr val="windowText" lastClr="000000"/>
+                </a:solidFill>
+                <a:latin typeface="+mn-ea"/>
               </a:rPr>
               <a:t>Key </a:t>
             </a:r>
             <a:r>
-              <a:rPr lang="ko-KR" altLang="en-US" sz="1050" dirty="0">
-                <a:solidFill>
-                  <a:srgbClr val="37366B"/>
-                </a:solidFill>
-                <a:latin typeface="HY헤드라인M" panose="02030600000101010101" pitchFamily="18" charset="-127"/>
-                <a:ea typeface="HY헤드라인M" panose="02030600000101010101" pitchFamily="18" charset="-127"/>
+              <a:rPr lang="ko-KR" altLang="en-US" sz="1200" dirty="0">
+                <a:solidFill>
+                  <a:sysClr val="windowText" lastClr="000000"/>
+                </a:solidFill>
+                <a:latin typeface="+mn-ea"/>
               </a:rPr>
               <a:t>를 누르면 플레이어의 </a:t>
             </a:r>
-            <a:endParaRPr lang="en-US" altLang="ko-KR" sz="1050" dirty="0">
+            <a:endParaRPr lang="en-US" altLang="ko-KR" sz="1200" dirty="0">
               <a:solidFill>
-                <a:srgbClr val="37366B"/>
+                <a:sysClr val="windowText" lastClr="000000"/>
               </a:solidFill>
-              <a:latin typeface="HY헤드라인M" panose="02030600000101010101" pitchFamily="18" charset="-127"/>
-              <a:ea typeface="HY헤드라인M" panose="02030600000101010101" pitchFamily="18" charset="-127"/>
+              <a:latin typeface="+mn-ea"/>
             </a:endParaRPr>
           </a:p>
           <a:p>
             <a:pPr algn="ctr"/>
             <a:r>
-              <a:rPr lang="ko-KR" altLang="en-US" sz="1050" dirty="0">
-                <a:solidFill>
-                  <a:srgbClr val="37366B"/>
-                </a:solidFill>
-                <a:latin typeface="HY헤드라인M" panose="02030600000101010101" pitchFamily="18" charset="-127"/>
-                <a:ea typeface="HY헤드라인M" panose="02030600000101010101" pitchFamily="18" charset="-127"/>
+              <a:rPr lang="ko-KR" altLang="en-US" sz="1200" dirty="0">
+                <a:solidFill>
+                  <a:sysClr val="windowText" lastClr="000000"/>
+                </a:solidFill>
+                <a:latin typeface="+mn-ea"/>
               </a:rPr>
               <a:t>직선 방향으로 포탄이 날아간다</a:t>
             </a:r>
             <a:r>
-              <a:rPr lang="en-US" altLang="ko-KR" sz="1050" dirty="0">
-                <a:solidFill>
-                  <a:srgbClr val="37366B"/>
-                </a:solidFill>
-                <a:latin typeface="HY헤드라인M" panose="02030600000101010101" pitchFamily="18" charset="-127"/>
-                <a:ea typeface="HY헤드라인M" panose="02030600000101010101" pitchFamily="18" charset="-127"/>
+              <a:rPr lang="en-US" altLang="ko-KR" sz="1200" dirty="0">
+                <a:solidFill>
+                  <a:sysClr val="windowText" lastClr="000000"/>
+                </a:solidFill>
+                <a:latin typeface="+mn-ea"/>
               </a:rPr>
               <a:t>.</a:t>
             </a:r>
             <a:r>
-              <a:rPr lang="ko-KR" altLang="en-US" sz="1050" dirty="0">
-                <a:solidFill>
-                  <a:srgbClr val="37366B"/>
-                </a:solidFill>
-                <a:latin typeface="HY헤드라인M" panose="02030600000101010101" pitchFamily="18" charset="-127"/>
-                <a:ea typeface="HY헤드라인M" panose="02030600000101010101" pitchFamily="18" charset="-127"/>
+              <a:rPr lang="ko-KR" altLang="en-US" sz="1200" dirty="0">
+                <a:solidFill>
+                  <a:sysClr val="windowText" lastClr="000000"/>
+                </a:solidFill>
+                <a:latin typeface="+mn-ea"/>
               </a:rPr>
               <a:t>  </a:t>
             </a:r>
@@ -21154,9 +18050,8 @@
             <a:avLst/>
           </a:prstGeom>
           <a:solidFill>
-            <a:schemeClr val="accent4">
-              <a:lumMod val="20000"/>
-              <a:lumOff val="80000"/>
+            <a:schemeClr val="bg1">
+              <a:lumMod val="95000"/>
             </a:schemeClr>
           </a:solidFill>
           <a:ln>
@@ -21187,19 +18082,17 @@
             <a:r>
               <a:rPr lang="ko-KR" altLang="en-US" sz="1050" dirty="0">
                 <a:solidFill>
-                  <a:srgbClr val="37366B"/>
-                </a:solidFill>
-                <a:latin typeface="HY헤드라인M" panose="02030600000101010101" pitchFamily="18" charset="-127"/>
-                <a:ea typeface="HY헤드라인M" panose="02030600000101010101" pitchFamily="18" charset="-127"/>
+                  <a:sysClr val="windowText" lastClr="000000"/>
+                </a:solidFill>
+                <a:latin typeface="+mn-ea"/>
               </a:rPr>
               <a:t>아이템을 먹을 수록</a:t>
             </a:r>
             <a:endParaRPr lang="en-US" altLang="ko-KR" sz="1050" dirty="0">
               <a:solidFill>
-                <a:srgbClr val="37366B"/>
+                <a:sysClr val="windowText" lastClr="000000"/>
               </a:solidFill>
-              <a:latin typeface="HY헤드라인M" panose="02030600000101010101" pitchFamily="18" charset="-127"/>
-              <a:ea typeface="HY헤드라인M" panose="02030600000101010101" pitchFamily="18" charset="-127"/>
+              <a:latin typeface="+mn-ea"/>
             </a:endParaRPr>
           </a:p>
           <a:p>
@@ -21207,93 +18100,93 @@
             <a:r>
               <a:rPr lang="ko-KR" altLang="en-US" sz="1050" dirty="0">
                 <a:solidFill>
-                  <a:srgbClr val="37366B"/>
-                </a:solidFill>
-                <a:latin typeface="HY헤드라인M" panose="02030600000101010101" pitchFamily="18" charset="-127"/>
-                <a:ea typeface="HY헤드라인M" panose="02030600000101010101" pitchFamily="18" charset="-127"/>
-              </a:rPr>
-              <a:t> 종이비행기 색이 변한다</a:t>
-            </a:r>
+                  <a:sysClr val="windowText" lastClr="000000"/>
+                </a:solidFill>
+                <a:latin typeface="+mn-ea"/>
+              </a:rPr>
+              <a:t> </a:t>
+            </a:r>
+            <a:r>
+              <a:rPr lang="ko-KR" altLang="en-US" sz="1200" dirty="0">
+                <a:solidFill>
+                  <a:srgbClr val="FF0000"/>
+                </a:solidFill>
+                <a:latin typeface="+mn-ea"/>
+              </a:rPr>
+              <a:t>종이비행기 색이 변한다</a:t>
+            </a:r>
+            <a:r>
+              <a:rPr lang="en-US" altLang="ko-KR" sz="1200" dirty="0">
+                <a:solidFill>
+                  <a:sysClr val="windowText" lastClr="000000"/>
+                </a:solidFill>
+                <a:latin typeface="+mn-ea"/>
+              </a:rPr>
+              <a:t>.</a:t>
+            </a:r>
+          </a:p>
+          <a:p>
+            <a:pPr algn="ctr"/>
             <a:r>
               <a:rPr lang="en-US" altLang="ko-KR" sz="1050" dirty="0">
                 <a:solidFill>
-                  <a:srgbClr val="37366B"/>
-                </a:solidFill>
-                <a:latin typeface="HY헤드라인M" panose="02030600000101010101" pitchFamily="18" charset="-127"/>
-                <a:ea typeface="HY헤드라인M" panose="02030600000101010101" pitchFamily="18" charset="-127"/>
-              </a:rPr>
-              <a:t>.</a:t>
-            </a:r>
-          </a:p>
-          <a:p>
-            <a:pPr algn="ctr"/>
+                  <a:sysClr val="windowText" lastClr="000000"/>
+                </a:solidFill>
+                <a:latin typeface="+mn-ea"/>
+              </a:rPr>
+              <a:t>(</a:t>
+            </a:r>
+            <a:r>
+              <a:rPr lang="ko-KR" altLang="en-US" sz="1050" dirty="0">
+                <a:solidFill>
+                  <a:sysClr val="windowText" lastClr="000000"/>
+                </a:solidFill>
+                <a:latin typeface="+mn-ea"/>
+              </a:rPr>
+              <a:t>필살기 단계</a:t>
+            </a:r>
             <a:r>
               <a:rPr lang="en-US" altLang="ko-KR" sz="1050" dirty="0">
                 <a:solidFill>
-                  <a:srgbClr val="37366B"/>
-                </a:solidFill>
-                <a:latin typeface="HY헤드라인M" panose="02030600000101010101" pitchFamily="18" charset="-127"/>
-                <a:ea typeface="HY헤드라인M" panose="02030600000101010101" pitchFamily="18" charset="-127"/>
+                  <a:sysClr val="windowText" lastClr="000000"/>
+                </a:solidFill>
+                <a:latin typeface="+mn-ea"/>
               </a:rPr>
               <a:t>(</a:t>
             </a:r>
             <a:r>
               <a:rPr lang="ko-KR" altLang="en-US" sz="1050" dirty="0">
                 <a:solidFill>
-                  <a:srgbClr val="37366B"/>
-                </a:solidFill>
-                <a:latin typeface="HY헤드라인M" panose="02030600000101010101" pitchFamily="18" charset="-127"/>
-                <a:ea typeface="HY헤드라인M" panose="02030600000101010101" pitchFamily="18" charset="-127"/>
-              </a:rPr>
-              <a:t>필살기 단계</a:t>
+                  <a:sysClr val="windowText" lastClr="000000"/>
+                </a:solidFill>
+                <a:latin typeface="+mn-ea"/>
+              </a:rPr>
+              <a:t>게이지</a:t>
             </a:r>
             <a:r>
               <a:rPr lang="en-US" altLang="ko-KR" sz="1050" dirty="0">
                 <a:solidFill>
-                  <a:srgbClr val="37366B"/>
-                </a:solidFill>
-                <a:latin typeface="HY헤드라인M" panose="02030600000101010101" pitchFamily="18" charset="-127"/>
-                <a:ea typeface="HY헤드라인M" panose="02030600000101010101" pitchFamily="18" charset="-127"/>
-              </a:rPr>
-              <a:t>(</a:t>
+                  <a:sysClr val="windowText" lastClr="000000"/>
+                </a:solidFill>
+                <a:latin typeface="+mn-ea"/>
+              </a:rPr>
+              <a:t>)</a:t>
             </a:r>
             <a:r>
               <a:rPr lang="ko-KR" altLang="en-US" sz="1050" dirty="0">
                 <a:solidFill>
-                  <a:srgbClr val="37366B"/>
-                </a:solidFill>
-                <a:latin typeface="HY헤드라인M" panose="02030600000101010101" pitchFamily="18" charset="-127"/>
-                <a:ea typeface="HY헤드라인M" panose="02030600000101010101" pitchFamily="18" charset="-127"/>
-              </a:rPr>
-              <a:t>게이지</a:t>
+                  <a:sysClr val="windowText" lastClr="000000"/>
+                </a:solidFill>
+                <a:latin typeface="+mn-ea"/>
+              </a:rPr>
+              <a:t> 시각화</a:t>
             </a:r>
             <a:r>
               <a:rPr lang="en-US" altLang="ko-KR" sz="1050" dirty="0">
                 <a:solidFill>
-                  <a:srgbClr val="37366B"/>
-                </a:solidFill>
-                <a:latin typeface="HY헤드라인M" panose="02030600000101010101" pitchFamily="18" charset="-127"/>
-                <a:ea typeface="HY헤드라인M" panose="02030600000101010101" pitchFamily="18" charset="-127"/>
-              </a:rPr>
-              <a:t>)</a:t>
-            </a:r>
-            <a:r>
-              <a:rPr lang="ko-KR" altLang="en-US" sz="1050" dirty="0">
-                <a:solidFill>
-                  <a:srgbClr val="37366B"/>
-                </a:solidFill>
-                <a:latin typeface="HY헤드라인M" panose="02030600000101010101" pitchFamily="18" charset="-127"/>
-                <a:ea typeface="HY헤드라인M" panose="02030600000101010101" pitchFamily="18" charset="-127"/>
-              </a:rPr>
-              <a:t> 시각화</a:t>
-            </a:r>
-            <a:r>
-              <a:rPr lang="en-US" altLang="ko-KR" sz="1050" dirty="0">
-                <a:solidFill>
-                  <a:srgbClr val="37366B"/>
-                </a:solidFill>
-                <a:latin typeface="HY헤드라인M" panose="02030600000101010101" pitchFamily="18" charset="-127"/>
-                <a:ea typeface="HY헤드라인M" panose="02030600000101010101" pitchFamily="18" charset="-127"/>
+                  <a:sysClr val="windowText" lastClr="000000"/>
+                </a:solidFill>
+                <a:latin typeface="+mn-ea"/>
               </a:rPr>
               <a:t>)</a:t>
             </a:r>
@@ -21321,9 +18214,8 @@
             <a:avLst/>
           </a:prstGeom>
           <a:solidFill>
-            <a:schemeClr val="accent4">
-              <a:lumMod val="20000"/>
-              <a:lumOff val="80000"/>
+            <a:schemeClr val="bg1">
+              <a:lumMod val="95000"/>
             </a:schemeClr>
           </a:solidFill>
           <a:ln>
@@ -21352,102 +18244,92 @@
           <a:p>
             <a:pPr algn="ctr"/>
             <a:r>
-              <a:rPr lang="ko-KR" altLang="en-US" sz="1050" dirty="0">
-                <a:solidFill>
-                  <a:srgbClr val="37366B"/>
-                </a:solidFill>
-                <a:latin typeface="HY헤드라인M" panose="02030600000101010101" pitchFamily="18" charset="-127"/>
-                <a:ea typeface="HY헤드라인M" panose="02030600000101010101" pitchFamily="18" charset="-127"/>
-              </a:rPr>
-              <a:t>아이템을 연속으로 </a:t>
-            </a:r>
-            <a:r>
-              <a:rPr lang="en-US" altLang="ko-KR" sz="1050" dirty="0">
-                <a:solidFill>
-                  <a:srgbClr val="37366B"/>
-                </a:solidFill>
-                <a:latin typeface="HY헤드라인M" panose="02030600000101010101" pitchFamily="18" charset="-127"/>
-                <a:ea typeface="HY헤드라인M" panose="02030600000101010101" pitchFamily="18" charset="-127"/>
+              <a:rPr lang="ko-KR" altLang="en-US" sz="1100" dirty="0">
+                <a:solidFill>
+                  <a:sysClr val="windowText" lastClr="000000"/>
+                </a:solidFill>
+                <a:latin typeface="+mn-ea"/>
+              </a:rPr>
+              <a:t>아이템을 </a:t>
+            </a:r>
+            <a:r>
+              <a:rPr lang="ko-KR" altLang="en-US" sz="1100" dirty="0">
+                <a:solidFill>
+                  <a:srgbClr val="FF0000"/>
+                </a:solidFill>
+                <a:latin typeface="+mn-ea"/>
+              </a:rPr>
+              <a:t>연속으로 </a:t>
+            </a:r>
+            <a:r>
+              <a:rPr lang="en-US" altLang="ko-KR" sz="1100" dirty="0">
+                <a:solidFill>
+                  <a:srgbClr val="FF0000"/>
+                </a:solidFill>
+                <a:latin typeface="+mn-ea"/>
               </a:rPr>
               <a:t>3</a:t>
             </a:r>
             <a:r>
-              <a:rPr lang="ko-KR" altLang="en-US" sz="1050" dirty="0">
-                <a:solidFill>
-                  <a:srgbClr val="37366B"/>
-                </a:solidFill>
-                <a:latin typeface="HY헤드라인M" panose="02030600000101010101" pitchFamily="18" charset="-127"/>
-                <a:ea typeface="HY헤드라인M" panose="02030600000101010101" pitchFamily="18" charset="-127"/>
+              <a:rPr lang="ko-KR" altLang="en-US" sz="1100" dirty="0">
+                <a:solidFill>
+                  <a:srgbClr val="FF0000"/>
+                </a:solidFill>
+                <a:latin typeface="+mn-ea"/>
               </a:rPr>
               <a:t>번 먹으면 </a:t>
             </a:r>
-            <a:endParaRPr lang="en-US" altLang="ko-KR" sz="1050" dirty="0">
+            <a:endParaRPr lang="en-US" altLang="ko-KR" sz="1100" dirty="0">
               <a:solidFill>
-                <a:srgbClr val="37366B"/>
+                <a:srgbClr val="FF0000"/>
               </a:solidFill>
-              <a:latin typeface="HY헤드라인M" panose="02030600000101010101" pitchFamily="18" charset="-127"/>
-              <a:ea typeface="HY헤드라인M" panose="02030600000101010101" pitchFamily="18" charset="-127"/>
+              <a:latin typeface="+mn-ea"/>
             </a:endParaRPr>
           </a:p>
           <a:p>
             <a:pPr algn="ctr"/>
             <a:r>
-              <a:rPr lang="en-US" altLang="ko-KR" sz="1050" dirty="0">
-                <a:solidFill>
-                  <a:schemeClr val="bg2">
-                    <a:lumMod val="50000"/>
-                  </a:schemeClr>
-                </a:solidFill>
-                <a:latin typeface="HY헤드라인M" panose="02030600000101010101" pitchFamily="18" charset="-127"/>
-                <a:ea typeface="HY헤드라인M" panose="02030600000101010101" pitchFamily="18" charset="-127"/>
+              <a:rPr lang="en-US" altLang="ko-KR" sz="1100" dirty="0">
+                <a:solidFill>
+                  <a:sysClr val="windowText" lastClr="000000"/>
+                </a:solidFill>
+                <a:latin typeface="+mn-ea"/>
               </a:rPr>
               <a:t>(</a:t>
             </a:r>
             <a:r>
-              <a:rPr lang="ko-KR" altLang="en-US" sz="1050" dirty="0">
-                <a:solidFill>
-                  <a:schemeClr val="bg2">
-                    <a:lumMod val="50000"/>
-                  </a:schemeClr>
-                </a:solidFill>
-                <a:latin typeface="HY헤드라인M" panose="02030600000101010101" pitchFamily="18" charset="-127"/>
-                <a:ea typeface="HY헤드라인M" panose="02030600000101010101" pitchFamily="18" charset="-127"/>
+              <a:rPr lang="ko-KR" altLang="en-US" sz="1100" dirty="0">
+                <a:solidFill>
+                  <a:sysClr val="windowText" lastClr="000000"/>
+                </a:solidFill>
+                <a:latin typeface="+mn-ea"/>
               </a:rPr>
               <a:t>종이비행기가 </a:t>
             </a:r>
             <a:r>
-              <a:rPr lang="en-US" altLang="ko-KR" sz="1050" dirty="0">
-                <a:solidFill>
-                  <a:schemeClr val="bg2">
-                    <a:lumMod val="50000"/>
-                  </a:schemeClr>
-                </a:solidFill>
-                <a:latin typeface="HY헤드라인M" panose="02030600000101010101" pitchFamily="18" charset="-127"/>
-                <a:ea typeface="HY헤드라인M" panose="02030600000101010101" pitchFamily="18" charset="-127"/>
+              <a:rPr lang="en-US" altLang="ko-KR" sz="1100" dirty="0">
+                <a:solidFill>
+                  <a:sysClr val="windowText" lastClr="000000"/>
+                </a:solidFill>
+                <a:latin typeface="+mn-ea"/>
               </a:rPr>
               <a:t>3</a:t>
             </a:r>
             <a:r>
-              <a:rPr lang="ko-KR" altLang="en-US" sz="1050" dirty="0">
-                <a:solidFill>
-                  <a:schemeClr val="bg2">
-                    <a:lumMod val="50000"/>
-                  </a:schemeClr>
-                </a:solidFill>
-                <a:latin typeface="HY헤드라인M" panose="02030600000101010101" pitchFamily="18" charset="-127"/>
-                <a:ea typeface="HY헤드라인M" panose="02030600000101010101" pitchFamily="18" charset="-127"/>
+              <a:rPr lang="ko-KR" altLang="en-US" sz="1100" dirty="0">
+                <a:solidFill>
+                  <a:sysClr val="windowText" lastClr="000000"/>
+                </a:solidFill>
+                <a:latin typeface="+mn-ea"/>
               </a:rPr>
               <a:t>단계 일 때</a:t>
             </a:r>
             <a:r>
-              <a:rPr lang="en-US" altLang="ko-KR" sz="1050" dirty="0">
-                <a:solidFill>
-                  <a:schemeClr val="bg2">
-                    <a:lumMod val="50000"/>
-                  </a:schemeClr>
-                </a:solidFill>
-                <a:latin typeface="HY헤드라인M" panose="02030600000101010101" pitchFamily="18" charset="-127"/>
-                <a:ea typeface="HY헤드라인M" panose="02030600000101010101" pitchFamily="18" charset="-127"/>
+              <a:rPr lang="en-US" altLang="ko-KR" sz="1100" dirty="0">
+                <a:solidFill>
+                  <a:sysClr val="windowText" lastClr="000000"/>
+                </a:solidFill>
+                <a:latin typeface="+mn-ea"/>
               </a:rPr>
               <a:t>)</a:t>
             </a:r>
@@ -21455,22 +18337,20 @@
           <a:p>
             <a:pPr algn="ctr"/>
             <a:r>
-              <a:rPr lang="ko-KR" altLang="en-US" sz="1050" dirty="0">
-                <a:solidFill>
-                  <a:srgbClr val="37366B"/>
-                </a:solidFill>
-                <a:latin typeface="HY헤드라인M" panose="02030600000101010101" pitchFamily="18" charset="-127"/>
-                <a:ea typeface="HY헤드라인M" panose="02030600000101010101" pitchFamily="18" charset="-127"/>
+              <a:rPr lang="ko-KR" altLang="en-US" sz="1100" dirty="0">
+                <a:solidFill>
+                  <a:sysClr val="windowText" lastClr="000000"/>
+                </a:solidFill>
+                <a:latin typeface="+mn-ea"/>
               </a:rPr>
               <a:t>필살기 사용이 가능하다</a:t>
             </a:r>
             <a:r>
-              <a:rPr lang="en-US" altLang="ko-KR" sz="1050" dirty="0">
-                <a:solidFill>
-                  <a:srgbClr val="37366B"/>
-                </a:solidFill>
-                <a:latin typeface="HY헤드라인M" panose="02030600000101010101" pitchFamily="18" charset="-127"/>
-                <a:ea typeface="HY헤드라인M" panose="02030600000101010101" pitchFamily="18" charset="-127"/>
+              <a:rPr lang="en-US" altLang="ko-KR" sz="1100" dirty="0">
+                <a:solidFill>
+                  <a:sysClr val="windowText" lastClr="000000"/>
+                </a:solidFill>
+                <a:latin typeface="+mn-ea"/>
               </a:rPr>
               <a:t>.</a:t>
             </a:r>
@@ -21498,9 +18378,8 @@
             <a:avLst/>
           </a:prstGeom>
           <a:solidFill>
-            <a:schemeClr val="accent4">
-              <a:lumMod val="20000"/>
-              <a:lumOff val="80000"/>
+            <a:schemeClr val="bg1">
+              <a:lumMod val="95000"/>
             </a:schemeClr>
           </a:solidFill>
           <a:ln>
@@ -21529,72 +18408,65 @@
           <a:p>
             <a:pPr algn="ctr"/>
             <a:r>
-              <a:rPr lang="ko-KR" altLang="en-US" sz="1050" dirty="0">
-                <a:solidFill>
-                  <a:srgbClr val="37366B"/>
-                </a:solidFill>
-                <a:latin typeface="HY헤드라인M" panose="02030600000101010101" pitchFamily="18" charset="-127"/>
-                <a:ea typeface="HY헤드라인M" panose="02030600000101010101" pitchFamily="18" charset="-127"/>
+              <a:rPr lang="ko-KR" altLang="en-US" sz="1100" dirty="0">
+                <a:solidFill>
+                  <a:sysClr val="windowText" lastClr="000000"/>
+                </a:solidFill>
+                <a:latin typeface="+mn-ea"/>
               </a:rPr>
               <a:t>필살기를 사용하면 </a:t>
             </a:r>
-            <a:endParaRPr lang="en-US" altLang="ko-KR" sz="1050" dirty="0">
+            <a:endParaRPr lang="en-US" altLang="ko-KR" sz="1100" dirty="0">
               <a:solidFill>
-                <a:srgbClr val="37366B"/>
+                <a:sysClr val="windowText" lastClr="000000"/>
               </a:solidFill>
-              <a:latin typeface="HY헤드라인M" panose="02030600000101010101" pitchFamily="18" charset="-127"/>
-              <a:ea typeface="HY헤드라인M" panose="02030600000101010101" pitchFamily="18" charset="-127"/>
+              <a:latin typeface="+mn-ea"/>
             </a:endParaRPr>
           </a:p>
           <a:p>
             <a:pPr algn="ctr"/>
             <a:r>
-              <a:rPr lang="ko-KR" altLang="en-US" sz="1050" dirty="0">
-                <a:solidFill>
-                  <a:srgbClr val="37366B"/>
-                </a:solidFill>
-                <a:latin typeface="HY헤드라인M" panose="02030600000101010101" pitchFamily="18" charset="-127"/>
-                <a:ea typeface="HY헤드라인M" panose="02030600000101010101" pitchFamily="18" charset="-127"/>
+              <a:rPr lang="ko-KR" altLang="en-US" sz="1100" dirty="0">
+                <a:solidFill>
+                  <a:srgbClr val="FF0000"/>
+                </a:solidFill>
+                <a:latin typeface="+mn-ea"/>
               </a:rPr>
               <a:t>필살기 단계가 </a:t>
             </a:r>
             <a:r>
-              <a:rPr lang="en-US" altLang="ko-KR" sz="1050" dirty="0">
-                <a:solidFill>
-                  <a:srgbClr val="C00000"/>
-                </a:solidFill>
-                <a:latin typeface="HY헤드라인M" panose="02030600000101010101" pitchFamily="18" charset="-127"/>
-                <a:ea typeface="HY헤드라인M" panose="02030600000101010101" pitchFamily="18" charset="-127"/>
+              <a:rPr lang="en-US" altLang="ko-KR" sz="1100" dirty="0">
+                <a:solidFill>
+                  <a:srgbClr val="FF0000"/>
+                </a:solidFill>
+                <a:latin typeface="+mn-ea"/>
               </a:rPr>
               <a:t>1</a:t>
             </a:r>
             <a:r>
-              <a:rPr lang="ko-KR" altLang="en-US" sz="1050" dirty="0">
-                <a:solidFill>
-                  <a:srgbClr val="C00000"/>
-                </a:solidFill>
-                <a:latin typeface="HY헤드라인M" panose="02030600000101010101" pitchFamily="18" charset="-127"/>
-                <a:ea typeface="HY헤드라인M" panose="02030600000101010101" pitchFamily="18" charset="-127"/>
-              </a:rPr>
-              <a:t>단계 </a:t>
-            </a:r>
-            <a:r>
-              <a:rPr lang="ko-KR" altLang="en-US" sz="1050" dirty="0">
-                <a:solidFill>
-                  <a:srgbClr val="37366B"/>
-                </a:solidFill>
-                <a:latin typeface="HY헤드라인M" panose="02030600000101010101" pitchFamily="18" charset="-127"/>
-                <a:ea typeface="HY헤드라인M" panose="02030600000101010101" pitchFamily="18" charset="-127"/>
-              </a:rPr>
-              <a:t>색으로 돌아간다</a:t>
-            </a:r>
-            <a:r>
-              <a:rPr lang="en-US" altLang="ko-KR" sz="1050" dirty="0">
-                <a:solidFill>
-                  <a:srgbClr val="37366B"/>
-                </a:solidFill>
-                <a:latin typeface="HY헤드라인M" panose="02030600000101010101" pitchFamily="18" charset="-127"/>
-                <a:ea typeface="HY헤드라인M" panose="02030600000101010101" pitchFamily="18" charset="-127"/>
+              <a:rPr lang="ko-KR" altLang="en-US" sz="1100" dirty="0">
+                <a:solidFill>
+                  <a:srgbClr val="FF0000"/>
+                </a:solidFill>
+                <a:latin typeface="+mn-ea"/>
+              </a:rPr>
+              <a:t>단계 색</a:t>
+            </a:r>
+            <a:r>
+              <a:rPr lang="ko-KR" altLang="en-US" sz="1100" dirty="0">
+                <a:solidFill>
+                  <a:sysClr val="windowText" lastClr="000000"/>
+                </a:solidFill>
+                <a:latin typeface="+mn-ea"/>
+              </a:rPr>
+              <a:t>으로 돌아간다</a:t>
+            </a:r>
+            <a:r>
+              <a:rPr lang="en-US" altLang="ko-KR" sz="1100" dirty="0">
+                <a:solidFill>
+                  <a:sysClr val="windowText" lastClr="000000"/>
+                </a:solidFill>
+                <a:latin typeface="+mn-ea"/>
               </a:rPr>
               <a:t>.</a:t>
             </a:r>
@@ -21833,7 +18705,7 @@
           <a:p>
             <a:fld id="{8BCEBFAD-6546-4A90-86E0-54E92B4099CF}" type="datetime1">
               <a:rPr lang="ko-KR" altLang="en-US" smtClean="0"/>
-              <a:t>2018-09-26</a:t>
+              <a:t>2018-09-27</a:t>
             </a:fld>
             <a:endParaRPr lang="ko-KR" altLang="en-US"/>
           </a:p>
@@ -22749,7 +19621,7 @@
           <a:p>
             <a:fld id="{D845914B-A3BB-44BC-8FDF-15C23DD6CF93}" type="datetime1">
               <a:rPr lang="ko-KR" altLang="en-US" smtClean="0"/>
-              <a:t>2018-09-26</a:t>
+              <a:t>2018-09-27</a:t>
             </a:fld>
             <a:endParaRPr lang="ko-KR" altLang="en-US"/>
           </a:p>
@@ -22828,14 +19700,14 @@
           <p:nvPr>
             <p:extLst>
               <p:ext uri="{D42A27DB-BD31-4B8C-83A1-F6EECF244321}">
-                <p14:modId xmlns:p14="http://schemas.microsoft.com/office/powerpoint/2010/main" val="2845808665"/>
+                <p14:modId xmlns:p14="http://schemas.microsoft.com/office/powerpoint/2010/main" val="534574747"/>
               </p:ext>
             </p:extLst>
           </p:nvPr>
         </p:nvGraphicFramePr>
         <p:xfrm>
-          <a:off x="618780" y="1379664"/>
-          <a:ext cx="11383921" cy="4947596"/>
+          <a:off x="189300" y="1249960"/>
+          <a:ext cx="11813402" cy="5077299"/>
         </p:xfrm>
         <a:graphic>
           <a:graphicData uri="http://schemas.openxmlformats.org/drawingml/2006/table">
@@ -22844,28 +19716,28 @@
                 <a:tableStyleId>{EB344D84-9AFB-497E-A393-DC336BA19D2E}</a:tableStyleId>
               </a:tblPr>
               <a:tblGrid>
-                <a:gridCol w="1283367">
+                <a:gridCol w="1331785">
                   <a:extLst>
                     <a:ext uri="{9D8B030D-6E8A-4147-A177-3AD203B41FA5}">
                       <a16:colId xmlns:a16="http://schemas.microsoft.com/office/drawing/2014/main" val="2300634378"/>
                     </a:ext>
                   </a:extLst>
                 </a:gridCol>
-                <a:gridCol w="5050277">
+                <a:gridCol w="5240809">
                   <a:extLst>
                     <a:ext uri="{9D8B030D-6E8A-4147-A177-3AD203B41FA5}">
                       <a16:colId xmlns:a16="http://schemas.microsoft.com/office/drawing/2014/main" val="3839376971"/>
                     </a:ext>
                   </a:extLst>
                 </a:gridCol>
-                <a:gridCol w="361900">
+                <a:gridCol w="375553">
                   <a:extLst>
                     <a:ext uri="{9D8B030D-6E8A-4147-A177-3AD203B41FA5}">
                       <a16:colId xmlns:a16="http://schemas.microsoft.com/office/drawing/2014/main" val="418448760"/>
                     </a:ext>
                   </a:extLst>
                 </a:gridCol>
-                <a:gridCol w="4688377">
+                <a:gridCol w="4865255">
                   <a:extLst>
                     <a:ext uri="{9D8B030D-6E8A-4147-A177-3AD203B41FA5}">
                       <a16:colId xmlns:a16="http://schemas.microsoft.com/office/drawing/2014/main" val="1009768522"/>
@@ -22873,7 +19745,7 @@
                   </a:extLst>
                 </a:gridCol>
               </a:tblGrid>
-              <a:tr h="521383">
+              <a:tr h="535051">
                 <a:tc>
                   <a:txBody>
                     <a:bodyPr/>
@@ -22954,7 +19826,7 @@
                   </a:ext>
                 </a:extLst>
               </a:tr>
-              <a:tr h="817054">
+              <a:tr h="838474">
                 <a:tc>
                   <a:txBody>
                     <a:bodyPr/>
@@ -23186,7 +20058,7 @@
                   </a:ext>
                 </a:extLst>
               </a:tr>
-              <a:tr h="521383">
+              <a:tr h="969651">
                 <a:tc>
                   <a:txBody>
                     <a:bodyPr/>
@@ -23394,7 +20266,7 @@
                   </a:ext>
                 </a:extLst>
               </a:tr>
-              <a:tr h="578747">
+              <a:tr h="593919">
                 <a:tc>
                   <a:txBody>
                     <a:bodyPr/>
@@ -23519,7 +20391,7 @@
                   </a:ext>
                 </a:extLst>
               </a:tr>
-              <a:tr h="521383">
+              <a:tr h="535051">
                 <a:tc>
                   <a:txBody>
                     <a:bodyPr/>
@@ -23653,7 +20525,7 @@
                   </a:ext>
                 </a:extLst>
               </a:tr>
-              <a:tr h="521383">
+              <a:tr h="535051">
                 <a:tc>
                   <a:txBody>
                     <a:bodyPr/>
@@ -23744,7 +20616,7 @@
                   </a:ext>
                 </a:extLst>
               </a:tr>
-              <a:tr h="521383">
+              <a:tr h="535051">
                 <a:tc>
                   <a:txBody>
                     <a:bodyPr/>
@@ -23887,7 +20759,7 @@
                   </a:ext>
                 </a:extLst>
               </a:tr>
-              <a:tr h="521383">
+              <a:tr h="535051">
                 <a:tc>
                   <a:txBody>
                     <a:bodyPr/>
@@ -24121,7 +20993,7 @@
           <a:p>
             <a:fld id="{64164E70-2EB0-46CA-B29C-B9A2C54BCFD5}" type="datetime1">
               <a:rPr lang="ko-KR" altLang="en-US" smtClean="0"/>
-              <a:t>2018-09-26</a:t>
+              <a:t>2018-09-27</a:t>
             </a:fld>
             <a:endParaRPr lang="ko-KR" altLang="en-US"/>
           </a:p>
@@ -24198,14 +21070,14 @@
           <p:nvPr>
             <p:extLst>
               <p:ext uri="{D42A27DB-BD31-4B8C-83A1-F6EECF244321}">
-                <p14:modId xmlns:p14="http://schemas.microsoft.com/office/powerpoint/2010/main" val="1408157520"/>
+                <p14:modId xmlns:p14="http://schemas.microsoft.com/office/powerpoint/2010/main" val="1833909462"/>
               </p:ext>
             </p:extLst>
           </p:nvPr>
         </p:nvGraphicFramePr>
         <p:xfrm>
-          <a:off x="812497" y="1249960"/>
-          <a:ext cx="10567006" cy="4907559"/>
+          <a:off x="364026" y="1359017"/>
+          <a:ext cx="11581898" cy="4924337"/>
         </p:xfrm>
         <a:graphic>
           <a:graphicData uri="http://schemas.openxmlformats.org/drawingml/2006/diagram">
